--- a/haas/design_diagram.pptx
+++ b/haas/design_diagram.pptx
@@ -12,8 +12,8 @@
     <p:sldId id="260" r:id="rId3"/>
     <p:sldId id="264" r:id="rId4"/>
     <p:sldId id="265" r:id="rId5"/>
-    <p:sldId id="261" r:id="rId6"/>
-    <p:sldId id="259" r:id="rId7"/>
+    <p:sldId id="259" r:id="rId6"/>
+    <p:sldId id="261" r:id="rId7"/>
     <p:sldId id="266" r:id="rId8"/>
   </p:sldIdLst>
   <p:sldSz cx="12192000" cy="6858000"/>
@@ -124,10 +124,3315 @@
 <file path=ppt/revisionInfo.xml><?xml version="1.0" encoding="utf-8"?>
 <p1510:revInfo xmlns:a="http://schemas.openxmlformats.org/drawingml/2006/main" xmlns:r="http://schemas.openxmlformats.org/officeDocument/2006/relationships" xmlns:p1510="http://schemas.microsoft.com/office/powerpoint/2015/10/main">
   <p1510:revLst>
-    <p1510:client id="{7216B722-8D38-3240-8D39-CC91781C65F5}" v="141" dt="2018-12-31T04:02:26.620"/>
     <p1510:client id="{6CF46E17-00AA-7941-A6B5-FBDBADDBDA89}" v="81" dt="2018-12-31T00:23:48.875"/>
+    <p1510:client id="{7216B722-8D38-3240-8D39-CC91781C65F5}" v="207" dt="2018-12-31T20:36:31.637"/>
   </p1510:revLst>
 </p1510:revInfo>
+</file>
+
+<file path=ppt/changesInfos/changesInfo1.xml><?xml version="1.0" encoding="utf-8"?>
+<pc:chgInfo xmlns:a="http://schemas.openxmlformats.org/drawingml/2006/main" xmlns:r="http://schemas.openxmlformats.org/officeDocument/2006/relationships" xmlns:ac="http://schemas.microsoft.com/office/drawing/2013/main/command" xmlns:pc="http://schemas.microsoft.com/office/powerpoint/2013/main/command">
+  <pc:docChgLst>
+    <pc:chgData name="Kevin Cheng" userId="105565ef-b917-4f5f-91c2-40529abe0c0d" providerId="ADAL" clId="{6CF46E17-00AA-7941-A6B5-FBDBADDBDA89}"/>
+    <pc:docChg chg="undo redo custSel addSld delSld modSld">
+      <pc:chgData name="Kevin Cheng" userId="105565ef-b917-4f5f-91c2-40529abe0c0d" providerId="ADAL" clId="{6CF46E17-00AA-7941-A6B5-FBDBADDBDA89}" dt="2018-12-31T00:23:57.917" v="1148" actId="20577"/>
+      <pc:docMkLst>
+        <pc:docMk/>
+      </pc:docMkLst>
+      <pc:sldChg chg="addSp delSp modSp add del">
+        <pc:chgData name="Kevin Cheng" userId="105565ef-b917-4f5f-91c2-40529abe0c0d" providerId="ADAL" clId="{6CF46E17-00AA-7941-A6B5-FBDBADDBDA89}" dt="2018-12-30T21:50:13.932" v="1026" actId="2696"/>
+        <pc:sldMkLst>
+          <pc:docMk/>
+          <pc:sldMk cId="4211989542" sldId="257"/>
+        </pc:sldMkLst>
+        <pc:spChg chg="mod">
+          <ac:chgData name="Kevin Cheng" userId="105565ef-b917-4f5f-91c2-40529abe0c0d" providerId="ADAL" clId="{6CF46E17-00AA-7941-A6B5-FBDBADDBDA89}" dt="2018-12-30T21:15:42.453" v="866" actId="255"/>
+          <ac:spMkLst>
+            <pc:docMk/>
+            <pc:sldMk cId="4211989542" sldId="257"/>
+            <ac:spMk id="2" creationId="{D2365685-BA3E-4346-A916-14C9A619E0DB}"/>
+          </ac:spMkLst>
+        </pc:spChg>
+        <pc:spChg chg="del">
+          <ac:chgData name="Kevin Cheng" userId="105565ef-b917-4f5f-91c2-40529abe0c0d" providerId="ADAL" clId="{6CF46E17-00AA-7941-A6B5-FBDBADDBDA89}" dt="2018-12-30T19:26:42.297" v="41"/>
+          <ac:spMkLst>
+            <pc:docMk/>
+            <pc:sldMk cId="4211989542" sldId="257"/>
+            <ac:spMk id="3" creationId="{A3D4F859-8A8F-4E4D-9DD1-3B8ED3C62E21}"/>
+          </ac:spMkLst>
+        </pc:spChg>
+        <pc:spChg chg="add mod">
+          <ac:chgData name="Kevin Cheng" userId="105565ef-b917-4f5f-91c2-40529abe0c0d" providerId="ADAL" clId="{6CF46E17-00AA-7941-A6B5-FBDBADDBDA89}" dt="2018-12-30T21:32:02.342" v="963" actId="121"/>
+          <ac:spMkLst>
+            <pc:docMk/>
+            <pc:sldMk cId="4211989542" sldId="257"/>
+            <ac:spMk id="4" creationId="{6F0895DF-CD31-7748-A427-933EC9F1441D}"/>
+          </ac:spMkLst>
+        </pc:spChg>
+        <pc:spChg chg="add del mod">
+          <ac:chgData name="Kevin Cheng" userId="105565ef-b917-4f5f-91c2-40529abe0c0d" providerId="ADAL" clId="{6CF46E17-00AA-7941-A6B5-FBDBADDBDA89}" dt="2018-12-30T19:59:47.831" v="66" actId="478"/>
+          <ac:spMkLst>
+            <pc:docMk/>
+            <pc:sldMk cId="4211989542" sldId="257"/>
+            <ac:spMk id="5" creationId="{DD9CA0A1-85BC-C341-BF05-5AC41012B82F}"/>
+          </ac:spMkLst>
+        </pc:spChg>
+        <pc:spChg chg="add del mod">
+          <ac:chgData name="Kevin Cheng" userId="105565ef-b917-4f5f-91c2-40529abe0c0d" providerId="ADAL" clId="{6CF46E17-00AA-7941-A6B5-FBDBADDBDA89}" dt="2018-12-30T19:59:49.692" v="67" actId="478"/>
+          <ac:spMkLst>
+            <pc:docMk/>
+            <pc:sldMk cId="4211989542" sldId="257"/>
+            <ac:spMk id="6" creationId="{6B882C61-E6E9-5C4F-A480-0A5405D81F52}"/>
+          </ac:spMkLst>
+        </pc:spChg>
+        <pc:spChg chg="add del mod">
+          <ac:chgData name="Kevin Cheng" userId="105565ef-b917-4f5f-91c2-40529abe0c0d" providerId="ADAL" clId="{6CF46E17-00AA-7941-A6B5-FBDBADDBDA89}" dt="2018-12-30T21:27:26.098" v="932" actId="1076"/>
+          <ac:spMkLst>
+            <pc:docMk/>
+            <pc:sldMk cId="4211989542" sldId="257"/>
+            <ac:spMk id="7" creationId="{3FF2CAEB-FC19-144A-8B03-A499BD60FC0B}"/>
+          </ac:spMkLst>
+        </pc:spChg>
+        <pc:spChg chg="add del mod">
+          <ac:chgData name="Kevin Cheng" userId="105565ef-b917-4f5f-91c2-40529abe0c0d" providerId="ADAL" clId="{6CF46E17-00AA-7941-A6B5-FBDBADDBDA89}" dt="2018-12-30T21:25:22.080" v="919" actId="478"/>
+          <ac:spMkLst>
+            <pc:docMk/>
+            <pc:sldMk cId="4211989542" sldId="257"/>
+            <ac:spMk id="8" creationId="{AAC01809-5DCE-ED41-9262-8B7D1FC4AC9F}"/>
+          </ac:spMkLst>
+        </pc:spChg>
+        <pc:spChg chg="add del mod">
+          <ac:chgData name="Kevin Cheng" userId="105565ef-b917-4f5f-91c2-40529abe0c0d" providerId="ADAL" clId="{6CF46E17-00AA-7941-A6B5-FBDBADDBDA89}" dt="2018-12-30T20:06:50.969" v="117" actId="478"/>
+          <ac:spMkLst>
+            <pc:docMk/>
+            <pc:sldMk cId="4211989542" sldId="257"/>
+            <ac:spMk id="9" creationId="{350168D3-5959-F34B-BEF2-7035F4CE7A4D}"/>
+          </ac:spMkLst>
+        </pc:spChg>
+        <pc:spChg chg="add mod">
+          <ac:chgData name="Kevin Cheng" userId="105565ef-b917-4f5f-91c2-40529abe0c0d" providerId="ADAL" clId="{6CF46E17-00AA-7941-A6B5-FBDBADDBDA89}" dt="2018-12-30T21:22:14.036" v="902" actId="1036"/>
+          <ac:spMkLst>
+            <pc:docMk/>
+            <pc:sldMk cId="4211989542" sldId="257"/>
+            <ac:spMk id="10" creationId="{3AF24E1D-41D4-024B-8BA2-FD71E5EFC43E}"/>
+          </ac:spMkLst>
+        </pc:spChg>
+        <pc:spChg chg="add del mod">
+          <ac:chgData name="Kevin Cheng" userId="105565ef-b917-4f5f-91c2-40529abe0c0d" providerId="ADAL" clId="{6CF46E17-00AA-7941-A6B5-FBDBADDBDA89}" dt="2018-12-30T20:28:43.162" v="482" actId="478"/>
+          <ac:spMkLst>
+            <pc:docMk/>
+            <pc:sldMk cId="4211989542" sldId="257"/>
+            <ac:spMk id="11" creationId="{55E2BB9B-9856-834F-9D72-BD7DAD1FD2B6}"/>
+          </ac:spMkLst>
+        </pc:spChg>
+        <pc:spChg chg="add mod">
+          <ac:chgData name="Kevin Cheng" userId="105565ef-b917-4f5f-91c2-40529abe0c0d" providerId="ADAL" clId="{6CF46E17-00AA-7941-A6B5-FBDBADDBDA89}" dt="2018-12-30T20:38:26.317" v="613" actId="1038"/>
+          <ac:spMkLst>
+            <pc:docMk/>
+            <pc:sldMk cId="4211989542" sldId="257"/>
+            <ac:spMk id="12" creationId="{BD93D5B2-1551-9C46-BA1C-3C1CFE0FFA63}"/>
+          </ac:spMkLst>
+        </pc:spChg>
+        <pc:spChg chg="add mod">
+          <ac:chgData name="Kevin Cheng" userId="105565ef-b917-4f5f-91c2-40529abe0c0d" providerId="ADAL" clId="{6CF46E17-00AA-7941-A6B5-FBDBADDBDA89}" dt="2018-12-30T21:23:16.193" v="903" actId="14100"/>
+          <ac:spMkLst>
+            <pc:docMk/>
+            <pc:sldMk cId="4211989542" sldId="257"/>
+            <ac:spMk id="13" creationId="{A4F64AFB-0C72-904E-93C2-DCDCF1C04631}"/>
+          </ac:spMkLst>
+        </pc:spChg>
+        <pc:spChg chg="add mod">
+          <ac:chgData name="Kevin Cheng" userId="105565ef-b917-4f5f-91c2-40529abe0c0d" providerId="ADAL" clId="{6CF46E17-00AA-7941-A6B5-FBDBADDBDA89}" dt="2018-12-30T21:23:32.356" v="906" actId="14100"/>
+          <ac:spMkLst>
+            <pc:docMk/>
+            <pc:sldMk cId="4211989542" sldId="257"/>
+            <ac:spMk id="14" creationId="{8310BE91-8CB0-9F43-A31A-298F34EC2E08}"/>
+          </ac:spMkLst>
+        </pc:spChg>
+        <pc:spChg chg="add mod">
+          <ac:chgData name="Kevin Cheng" userId="105565ef-b917-4f5f-91c2-40529abe0c0d" providerId="ADAL" clId="{6CF46E17-00AA-7941-A6B5-FBDBADDBDA89}" dt="2018-12-30T21:23:39.771" v="907" actId="14100"/>
+          <ac:spMkLst>
+            <pc:docMk/>
+            <pc:sldMk cId="4211989542" sldId="257"/>
+            <ac:spMk id="15" creationId="{5A8DE3FD-F5D2-0949-A6F3-E78304FDD33B}"/>
+          </ac:spMkLst>
+        </pc:spChg>
+        <pc:spChg chg="add del mod">
+          <ac:chgData name="Kevin Cheng" userId="105565ef-b917-4f5f-91c2-40529abe0c0d" providerId="ADAL" clId="{6CF46E17-00AA-7941-A6B5-FBDBADDBDA89}" dt="2018-12-30T21:25:22.080" v="919" actId="478"/>
+          <ac:spMkLst>
+            <pc:docMk/>
+            <pc:sldMk cId="4211989542" sldId="257"/>
+            <ac:spMk id="16" creationId="{634EDF2A-0AFD-BF45-87F5-9BA35F5BE87B}"/>
+          </ac:spMkLst>
+        </pc:spChg>
+        <pc:spChg chg="add del mod">
+          <ac:chgData name="Kevin Cheng" userId="105565ef-b917-4f5f-91c2-40529abe0c0d" providerId="ADAL" clId="{6CF46E17-00AA-7941-A6B5-FBDBADDBDA89}" dt="2018-12-30T21:25:22.080" v="919" actId="478"/>
+          <ac:spMkLst>
+            <pc:docMk/>
+            <pc:sldMk cId="4211989542" sldId="257"/>
+            <ac:spMk id="17" creationId="{DBC1593E-31B2-4A40-AF69-BF5BF4793F27}"/>
+          </ac:spMkLst>
+        </pc:spChg>
+        <pc:spChg chg="add mod">
+          <ac:chgData name="Kevin Cheng" userId="105565ef-b917-4f5f-91c2-40529abe0c0d" providerId="ADAL" clId="{6CF46E17-00AA-7941-A6B5-FBDBADDBDA89}" dt="2018-12-30T20:38:26.317" v="613" actId="1038"/>
+          <ac:spMkLst>
+            <pc:docMk/>
+            <pc:sldMk cId="4211989542" sldId="257"/>
+            <ac:spMk id="18" creationId="{4E583A61-2666-874C-A563-D4C83AC6F16B}"/>
+          </ac:spMkLst>
+        </pc:spChg>
+        <pc:spChg chg="add del mod">
+          <ac:chgData name="Kevin Cheng" userId="105565ef-b917-4f5f-91c2-40529abe0c0d" providerId="ADAL" clId="{6CF46E17-00AA-7941-A6B5-FBDBADDBDA89}" dt="2018-12-30T21:00:13.667" v="811" actId="478"/>
+          <ac:spMkLst>
+            <pc:docMk/>
+            <pc:sldMk cId="4211989542" sldId="257"/>
+            <ac:spMk id="19" creationId="{59F1695C-DE67-7042-B2E1-CF4987BEAEB1}"/>
+          </ac:spMkLst>
+        </pc:spChg>
+        <pc:spChg chg="add del mod">
+          <ac:chgData name="Kevin Cheng" userId="105565ef-b917-4f5f-91c2-40529abe0c0d" providerId="ADAL" clId="{6CF46E17-00AA-7941-A6B5-FBDBADDBDA89}" dt="2018-12-30T20:56:33.148" v="746" actId="478"/>
+          <ac:spMkLst>
+            <pc:docMk/>
+            <pc:sldMk cId="4211989542" sldId="257"/>
+            <ac:spMk id="20" creationId="{AFC92122-018A-3247-A503-5A4F9F538117}"/>
+          </ac:spMkLst>
+        </pc:spChg>
+        <pc:spChg chg="add mod">
+          <ac:chgData name="Kevin Cheng" userId="105565ef-b917-4f5f-91c2-40529abe0c0d" providerId="ADAL" clId="{6CF46E17-00AA-7941-A6B5-FBDBADDBDA89}" dt="2018-12-30T20:44:24.291" v="672" actId="122"/>
+          <ac:spMkLst>
+            <pc:docMk/>
+            <pc:sldMk cId="4211989542" sldId="257"/>
+            <ac:spMk id="27" creationId="{5F235BA3-2FFC-B74D-B441-A5CDF32F2BA5}"/>
+          </ac:spMkLst>
+        </pc:spChg>
+        <pc:spChg chg="add mod">
+          <ac:chgData name="Kevin Cheng" userId="105565ef-b917-4f5f-91c2-40529abe0c0d" providerId="ADAL" clId="{6CF46E17-00AA-7941-A6B5-FBDBADDBDA89}" dt="2018-12-30T20:44:28.475" v="673" actId="122"/>
+          <ac:spMkLst>
+            <pc:docMk/>
+            <pc:sldMk cId="4211989542" sldId="257"/>
+            <ac:spMk id="28" creationId="{C8D15701-7E6F-B94E-B82E-3E4040B4A9C1}"/>
+          </ac:spMkLst>
+        </pc:spChg>
+        <pc:spChg chg="add del mod">
+          <ac:chgData name="Kevin Cheng" userId="105565ef-b917-4f5f-91c2-40529abe0c0d" providerId="ADAL" clId="{6CF46E17-00AA-7941-A6B5-FBDBADDBDA89}" dt="2018-12-30T20:58:18.231" v="766"/>
+          <ac:spMkLst>
+            <pc:docMk/>
+            <pc:sldMk cId="4211989542" sldId="257"/>
+            <ac:spMk id="66" creationId="{C764B009-0966-1149-B20B-D8C631200CA2}"/>
+          </ac:spMkLst>
+        </pc:spChg>
+        <pc:spChg chg="add mod">
+          <ac:chgData name="Kevin Cheng" userId="105565ef-b917-4f5f-91c2-40529abe0c0d" providerId="ADAL" clId="{6CF46E17-00AA-7941-A6B5-FBDBADDBDA89}" dt="2018-12-30T21:18:29.362" v="879" actId="20577"/>
+          <ac:spMkLst>
+            <pc:docMk/>
+            <pc:sldMk cId="4211989542" sldId="257"/>
+            <ac:spMk id="67" creationId="{F2ED9B22-A766-2E4B-9DB9-84CC6815E891}"/>
+          </ac:spMkLst>
+        </pc:spChg>
+        <pc:spChg chg="add mod">
+          <ac:chgData name="Kevin Cheng" userId="105565ef-b917-4f5f-91c2-40529abe0c0d" providerId="ADAL" clId="{6CF46E17-00AA-7941-A6B5-FBDBADDBDA89}" dt="2018-12-30T21:20:06.740" v="881" actId="14100"/>
+          <ac:spMkLst>
+            <pc:docMk/>
+            <pc:sldMk cId="4211989542" sldId="257"/>
+            <ac:spMk id="68" creationId="{37ACD0C9-5F93-B54F-B8EB-1DA6CC12D258}"/>
+          </ac:spMkLst>
+        </pc:spChg>
+        <pc:spChg chg="add mod">
+          <ac:chgData name="Kevin Cheng" userId="105565ef-b917-4f5f-91c2-40529abe0c0d" providerId="ADAL" clId="{6CF46E17-00AA-7941-A6B5-FBDBADDBDA89}" dt="2018-12-30T21:21:54.113" v="895" actId="14100"/>
+          <ac:spMkLst>
+            <pc:docMk/>
+            <pc:sldMk cId="4211989542" sldId="257"/>
+            <ac:spMk id="69" creationId="{B4485B08-6501-AF46-BC1F-258C11AD2EE6}"/>
+          </ac:spMkLst>
+        </pc:spChg>
+        <pc:spChg chg="add mod">
+          <ac:chgData name="Kevin Cheng" userId="105565ef-b917-4f5f-91c2-40529abe0c0d" providerId="ADAL" clId="{6CF46E17-00AA-7941-A6B5-FBDBADDBDA89}" dt="2018-12-30T21:44:56.546" v="991" actId="692"/>
+          <ac:spMkLst>
+            <pc:docMk/>
+            <pc:sldMk cId="4211989542" sldId="257"/>
+            <ac:spMk id="108" creationId="{358C6E35-76DA-D143-B416-4C30CA254388}"/>
+          </ac:spMkLst>
+        </pc:spChg>
+        <pc:spChg chg="add mod">
+          <ac:chgData name="Kevin Cheng" userId="105565ef-b917-4f5f-91c2-40529abe0c0d" providerId="ADAL" clId="{6CF46E17-00AA-7941-A6B5-FBDBADDBDA89}" dt="2018-12-30T21:38:18.226" v="981" actId="692"/>
+          <ac:spMkLst>
+            <pc:docMk/>
+            <pc:sldMk cId="4211989542" sldId="257"/>
+            <ac:spMk id="109" creationId="{62C3F874-C471-5B4D-B946-E5174D7B3F8F}"/>
+          </ac:spMkLst>
+        </pc:spChg>
+        <pc:spChg chg="add mod">
+          <ac:chgData name="Kevin Cheng" userId="105565ef-b917-4f5f-91c2-40529abe0c0d" providerId="ADAL" clId="{6CF46E17-00AA-7941-A6B5-FBDBADDBDA89}" dt="2018-12-30T21:38:13.783" v="980" actId="692"/>
+          <ac:spMkLst>
+            <pc:docMk/>
+            <pc:sldMk cId="4211989542" sldId="257"/>
+            <ac:spMk id="110" creationId="{861E9FCF-1FC6-F041-BBF8-E845EE226CDF}"/>
+          </ac:spMkLst>
+        </pc:spChg>
+        <pc:spChg chg="add del">
+          <ac:chgData name="Kevin Cheng" userId="105565ef-b917-4f5f-91c2-40529abe0c0d" providerId="ADAL" clId="{6CF46E17-00AA-7941-A6B5-FBDBADDBDA89}" dt="2018-12-30T21:34:48.613" v="966"/>
+          <ac:spMkLst>
+            <pc:docMk/>
+            <pc:sldMk cId="4211989542" sldId="257"/>
+            <ac:spMk id="113" creationId="{6F9FB748-C56E-1C40-BFFF-4954407B7160}"/>
+          </ac:spMkLst>
+        </pc:spChg>
+        <pc:spChg chg="add del">
+          <ac:chgData name="Kevin Cheng" userId="105565ef-b917-4f5f-91c2-40529abe0c0d" providerId="ADAL" clId="{6CF46E17-00AA-7941-A6B5-FBDBADDBDA89}" dt="2018-12-30T21:34:48.613" v="966"/>
+          <ac:spMkLst>
+            <pc:docMk/>
+            <pc:sldMk cId="4211989542" sldId="257"/>
+            <ac:spMk id="114" creationId="{BBA9C41D-21A4-4249-BE16-F6F1E17B58C7}"/>
+          </ac:spMkLst>
+        </pc:spChg>
+        <pc:spChg chg="add del">
+          <ac:chgData name="Kevin Cheng" userId="105565ef-b917-4f5f-91c2-40529abe0c0d" providerId="ADAL" clId="{6CF46E17-00AA-7941-A6B5-FBDBADDBDA89}" dt="2018-12-30T21:34:48.613" v="966"/>
+          <ac:spMkLst>
+            <pc:docMk/>
+            <pc:sldMk cId="4211989542" sldId="257"/>
+            <ac:spMk id="115" creationId="{C00D5A96-F7F6-B142-96FE-E5DDBB29919E}"/>
+          </ac:spMkLst>
+        </pc:spChg>
+        <pc:picChg chg="add mod">
+          <ac:chgData name="Kevin Cheng" userId="105565ef-b917-4f5f-91c2-40529abe0c0d" providerId="ADAL" clId="{6CF46E17-00AA-7941-A6B5-FBDBADDBDA89}" dt="2018-12-30T20:42:20.396" v="643" actId="1076"/>
+          <ac:picMkLst>
+            <pc:docMk/>
+            <pc:sldMk cId="4211989542" sldId="257"/>
+            <ac:picMk id="22" creationId="{41F0E57D-0F4B-2A41-8B10-A67451EB1EDA}"/>
+          </ac:picMkLst>
+        </pc:picChg>
+        <pc:picChg chg="add mod">
+          <ac:chgData name="Kevin Cheng" userId="105565ef-b917-4f5f-91c2-40529abe0c0d" providerId="ADAL" clId="{6CF46E17-00AA-7941-A6B5-FBDBADDBDA89}" dt="2018-12-30T20:44:07.902" v="663" actId="12788"/>
+          <ac:picMkLst>
+            <pc:docMk/>
+            <pc:sldMk cId="4211989542" sldId="257"/>
+            <ac:picMk id="24" creationId="{5E90F570-B3E7-BB42-A293-6F5B12E4587D}"/>
+          </ac:picMkLst>
+        </pc:picChg>
+        <pc:picChg chg="add mod">
+          <ac:chgData name="Kevin Cheng" userId="105565ef-b917-4f5f-91c2-40529abe0c0d" providerId="ADAL" clId="{6CF46E17-00AA-7941-A6B5-FBDBADDBDA89}" dt="2018-12-30T20:42:05.384" v="642" actId="1076"/>
+          <ac:picMkLst>
+            <pc:docMk/>
+            <pc:sldMk cId="4211989542" sldId="257"/>
+            <ac:picMk id="26" creationId="{DE17CBBE-E3CF-D14C-95BC-0A3BED7B479C}"/>
+          </ac:picMkLst>
+        </pc:picChg>
+        <pc:cxnChg chg="add mod">
+          <ac:chgData name="Kevin Cheng" userId="105565ef-b917-4f5f-91c2-40529abe0c0d" providerId="ADAL" clId="{6CF46E17-00AA-7941-A6B5-FBDBADDBDA89}" dt="2018-12-30T21:12:19.844" v="860" actId="1036"/>
+          <ac:cxnSpMkLst>
+            <pc:docMk/>
+            <pc:sldMk cId="4211989542" sldId="257"/>
+            <ac:cxnSpMk id="30" creationId="{EE9F4887-D355-E148-B4D8-CB476B345156}"/>
+          </ac:cxnSpMkLst>
+        </pc:cxnChg>
+        <pc:cxnChg chg="add mod">
+          <ac:chgData name="Kevin Cheng" userId="105565ef-b917-4f5f-91c2-40529abe0c0d" providerId="ADAL" clId="{6CF46E17-00AA-7941-A6B5-FBDBADDBDA89}" dt="2018-12-30T20:50:36.471" v="707" actId="1076"/>
+          <ac:cxnSpMkLst>
+            <pc:docMk/>
+            <pc:sldMk cId="4211989542" sldId="257"/>
+            <ac:cxnSpMk id="33" creationId="{9E2493F1-25BA-A74A-80EE-2B4A8402D57B}"/>
+          </ac:cxnSpMkLst>
+        </pc:cxnChg>
+        <pc:cxnChg chg="add mod">
+          <ac:chgData name="Kevin Cheng" userId="105565ef-b917-4f5f-91c2-40529abe0c0d" providerId="ADAL" clId="{6CF46E17-00AA-7941-A6B5-FBDBADDBDA89}" dt="2018-12-30T20:50:20.341" v="702" actId="571"/>
+          <ac:cxnSpMkLst>
+            <pc:docMk/>
+            <pc:sldMk cId="4211989542" sldId="257"/>
+            <ac:cxnSpMk id="39" creationId="{BCDF72F0-02B4-7C46-9BB1-9E53694425F1}"/>
+          </ac:cxnSpMkLst>
+        </pc:cxnChg>
+        <pc:cxnChg chg="add del mod">
+          <ac:chgData name="Kevin Cheng" userId="105565ef-b917-4f5f-91c2-40529abe0c0d" providerId="ADAL" clId="{6CF46E17-00AA-7941-A6B5-FBDBADDBDA89}" dt="2018-12-30T20:51:47.138" v="713" actId="478"/>
+          <ac:cxnSpMkLst>
+            <pc:docMk/>
+            <pc:sldMk cId="4211989542" sldId="257"/>
+            <ac:cxnSpMk id="42" creationId="{84CF2E28-4E35-F24E-8C1A-D8179D0EC05F}"/>
+          </ac:cxnSpMkLst>
+        </pc:cxnChg>
+        <pc:cxnChg chg="add mod">
+          <ac:chgData name="Kevin Cheng" userId="105565ef-b917-4f5f-91c2-40529abe0c0d" providerId="ADAL" clId="{6CF46E17-00AA-7941-A6B5-FBDBADDBDA89}" dt="2018-12-30T21:19:59.057" v="880" actId="14100"/>
+          <ac:cxnSpMkLst>
+            <pc:docMk/>
+            <pc:sldMk cId="4211989542" sldId="257"/>
+            <ac:cxnSpMk id="47" creationId="{58AED65B-35CB-9B48-8168-FA38ACEB90DF}"/>
+          </ac:cxnSpMkLst>
+        </pc:cxnChg>
+        <pc:cxnChg chg="add mod">
+          <ac:chgData name="Kevin Cheng" userId="105565ef-b917-4f5f-91c2-40529abe0c0d" providerId="ADAL" clId="{6CF46E17-00AA-7941-A6B5-FBDBADDBDA89}" dt="2018-12-30T20:52:15.716" v="717" actId="571"/>
+          <ac:cxnSpMkLst>
+            <pc:docMk/>
+            <pc:sldMk cId="4211989542" sldId="257"/>
+            <ac:cxnSpMk id="48" creationId="{225967F8-DC36-724C-BF8B-8098DF1689E1}"/>
+          </ac:cxnSpMkLst>
+        </pc:cxnChg>
+        <pc:cxnChg chg="add del mod">
+          <ac:chgData name="Kevin Cheng" userId="105565ef-b917-4f5f-91c2-40529abe0c0d" providerId="ADAL" clId="{6CF46E17-00AA-7941-A6B5-FBDBADDBDA89}" dt="2018-12-30T20:55:38.702" v="742" actId="478"/>
+          <ac:cxnSpMkLst>
+            <pc:docMk/>
+            <pc:sldMk cId="4211989542" sldId="257"/>
+            <ac:cxnSpMk id="61" creationId="{BE4AB4F3-723A-8444-93DF-AAE0E1279BC5}"/>
+          </ac:cxnSpMkLst>
+        </pc:cxnChg>
+        <pc:cxnChg chg="add del mod">
+          <ac:chgData name="Kevin Cheng" userId="105565ef-b917-4f5f-91c2-40529abe0c0d" providerId="ADAL" clId="{6CF46E17-00AA-7941-A6B5-FBDBADDBDA89}" dt="2018-12-30T20:56:35.154" v="747" actId="478"/>
+          <ac:cxnSpMkLst>
+            <pc:docMk/>
+            <pc:sldMk cId="4211989542" sldId="257"/>
+            <ac:cxnSpMk id="64" creationId="{7B846F1B-1A98-5C41-9DC5-875E90B02C11}"/>
+          </ac:cxnSpMkLst>
+        </pc:cxnChg>
+        <pc:cxnChg chg="add mod">
+          <ac:chgData name="Kevin Cheng" userId="105565ef-b917-4f5f-91c2-40529abe0c0d" providerId="ADAL" clId="{6CF46E17-00AA-7941-A6B5-FBDBADDBDA89}" dt="2018-12-30T21:22:14.036" v="902" actId="1036"/>
+          <ac:cxnSpMkLst>
+            <pc:docMk/>
+            <pc:sldMk cId="4211989542" sldId="257"/>
+            <ac:cxnSpMk id="74" creationId="{0EAD0037-C76F-3844-83C1-B98B9233AF63}"/>
+          </ac:cxnSpMkLst>
+        </pc:cxnChg>
+        <pc:cxnChg chg="add mod">
+          <ac:chgData name="Kevin Cheng" userId="105565ef-b917-4f5f-91c2-40529abe0c0d" providerId="ADAL" clId="{6CF46E17-00AA-7941-A6B5-FBDBADDBDA89}" dt="2018-12-30T21:20:06.740" v="881" actId="14100"/>
+          <ac:cxnSpMkLst>
+            <pc:docMk/>
+            <pc:sldMk cId="4211989542" sldId="257"/>
+            <ac:cxnSpMk id="76" creationId="{8D2FE3B7-89A0-AC46-BB49-68DAE825C062}"/>
+          </ac:cxnSpMkLst>
+        </pc:cxnChg>
+        <pc:cxnChg chg="add mod">
+          <ac:chgData name="Kevin Cheng" userId="105565ef-b917-4f5f-91c2-40529abe0c0d" providerId="ADAL" clId="{6CF46E17-00AA-7941-A6B5-FBDBADDBDA89}" dt="2018-12-30T21:22:14.036" v="902" actId="1036"/>
+          <ac:cxnSpMkLst>
+            <pc:docMk/>
+            <pc:sldMk cId="4211989542" sldId="257"/>
+            <ac:cxnSpMk id="78" creationId="{9F645544-6803-924F-9BD9-F535C140E068}"/>
+          </ac:cxnSpMkLst>
+        </pc:cxnChg>
+        <pc:cxnChg chg="add mod">
+          <ac:chgData name="Kevin Cheng" userId="105565ef-b917-4f5f-91c2-40529abe0c0d" providerId="ADAL" clId="{6CF46E17-00AA-7941-A6B5-FBDBADDBDA89}" dt="2018-12-30T21:10:08.727" v="848" actId="1036"/>
+          <ac:cxnSpMkLst>
+            <pc:docMk/>
+            <pc:sldMk cId="4211989542" sldId="257"/>
+            <ac:cxnSpMk id="80" creationId="{6B6FCA9C-C2FC-9A45-9FD6-FC88C6BB555A}"/>
+          </ac:cxnSpMkLst>
+        </pc:cxnChg>
+        <pc:cxnChg chg="add del mod">
+          <ac:chgData name="Kevin Cheng" userId="105565ef-b917-4f5f-91c2-40529abe0c0d" providerId="ADAL" clId="{6CF46E17-00AA-7941-A6B5-FBDBADDBDA89}" dt="2018-12-30T21:32:01.766" v="962" actId="11529"/>
+          <ac:cxnSpMkLst>
+            <pc:docMk/>
+            <pc:sldMk cId="4211989542" sldId="257"/>
+            <ac:cxnSpMk id="112" creationId="{724A9068-5C34-7247-9BA9-4B5E9E534512}"/>
+          </ac:cxnSpMkLst>
+        </pc:cxnChg>
+      </pc:sldChg>
+      <pc:sldChg chg="addSp delSp modSp add del">
+        <pc:chgData name="Kevin Cheng" userId="105565ef-b917-4f5f-91c2-40529abe0c0d" providerId="ADAL" clId="{6CF46E17-00AA-7941-A6B5-FBDBADDBDA89}" dt="2018-12-30T22:03:31.199" v="1094" actId="2696"/>
+        <pc:sldMkLst>
+          <pc:docMk/>
+          <pc:sldMk cId="32416812" sldId="258"/>
+        </pc:sldMkLst>
+        <pc:spChg chg="mod">
+          <ac:chgData name="Kevin Cheng" userId="105565ef-b917-4f5f-91c2-40529abe0c0d" providerId="ADAL" clId="{6CF46E17-00AA-7941-A6B5-FBDBADDBDA89}" dt="2018-12-30T21:59:45.922" v="1082" actId="1076"/>
+          <ac:spMkLst>
+            <pc:docMk/>
+            <pc:sldMk cId="32416812" sldId="258"/>
+            <ac:spMk id="2" creationId="{D2365685-BA3E-4346-A916-14C9A619E0DB}"/>
+          </ac:spMkLst>
+        </pc:spChg>
+        <pc:spChg chg="mod">
+          <ac:chgData name="Kevin Cheng" userId="105565ef-b917-4f5f-91c2-40529abe0c0d" providerId="ADAL" clId="{6CF46E17-00AA-7941-A6B5-FBDBADDBDA89}" dt="2018-12-30T21:49:53.694" v="1025" actId="12788"/>
+          <ac:spMkLst>
+            <pc:docMk/>
+            <pc:sldMk cId="32416812" sldId="258"/>
+            <ac:spMk id="10" creationId="{3AF24E1D-41D4-024B-8BA2-FD71E5EFC43E}"/>
+          </ac:spMkLst>
+        </pc:spChg>
+        <pc:spChg chg="add del">
+          <ac:chgData name="Kevin Cheng" userId="105565ef-b917-4f5f-91c2-40529abe0c0d" providerId="ADAL" clId="{6CF46E17-00AA-7941-A6B5-FBDBADDBDA89}" dt="2018-12-30T22:01:45.182" v="1092" actId="478"/>
+          <ac:spMkLst>
+            <pc:docMk/>
+            <pc:sldMk cId="32416812" sldId="258"/>
+            <ac:spMk id="12" creationId="{BD93D5B2-1551-9C46-BA1C-3C1CFE0FFA63}"/>
+          </ac:spMkLst>
+        </pc:spChg>
+        <pc:spChg chg="del">
+          <ac:chgData name="Kevin Cheng" userId="105565ef-b917-4f5f-91c2-40529abe0c0d" providerId="ADAL" clId="{6CF46E17-00AA-7941-A6B5-FBDBADDBDA89}" dt="2018-12-30T22:01:47.235" v="1093" actId="478"/>
+          <ac:spMkLst>
+            <pc:docMk/>
+            <pc:sldMk cId="32416812" sldId="258"/>
+            <ac:spMk id="13" creationId="{A4F64AFB-0C72-904E-93C2-DCDCF1C04631}"/>
+          </ac:spMkLst>
+        </pc:spChg>
+        <pc:spChg chg="del">
+          <ac:chgData name="Kevin Cheng" userId="105565ef-b917-4f5f-91c2-40529abe0c0d" providerId="ADAL" clId="{6CF46E17-00AA-7941-A6B5-FBDBADDBDA89}" dt="2018-12-30T22:01:25.307" v="1086" actId="478"/>
+          <ac:spMkLst>
+            <pc:docMk/>
+            <pc:sldMk cId="32416812" sldId="258"/>
+            <ac:spMk id="14" creationId="{8310BE91-8CB0-9F43-A31A-298F34EC2E08}"/>
+          </ac:spMkLst>
+        </pc:spChg>
+        <pc:spChg chg="del">
+          <ac:chgData name="Kevin Cheng" userId="105565ef-b917-4f5f-91c2-40529abe0c0d" providerId="ADAL" clId="{6CF46E17-00AA-7941-A6B5-FBDBADDBDA89}" dt="2018-12-30T22:01:27.741" v="1087" actId="478"/>
+          <ac:spMkLst>
+            <pc:docMk/>
+            <pc:sldMk cId="32416812" sldId="258"/>
+            <ac:spMk id="15" creationId="{5A8DE3FD-F5D2-0949-A6F3-E78304FDD33B}"/>
+          </ac:spMkLst>
+        </pc:spChg>
+        <pc:spChg chg="add mod">
+          <ac:chgData name="Kevin Cheng" userId="105565ef-b917-4f5f-91c2-40529abe0c0d" providerId="ADAL" clId="{6CF46E17-00AA-7941-A6B5-FBDBADDBDA89}" dt="2018-12-30T21:49:53.694" v="1025" actId="12788"/>
+          <ac:spMkLst>
+            <pc:docMk/>
+            <pc:sldMk cId="32416812" sldId="258"/>
+            <ac:spMk id="29" creationId="{DBD7493C-66E3-1543-BD2A-D10C90D550BF}"/>
+          </ac:spMkLst>
+        </pc:spChg>
+        <pc:spChg chg="del">
+          <ac:chgData name="Kevin Cheng" userId="105565ef-b917-4f5f-91c2-40529abe0c0d" providerId="ADAL" clId="{6CF46E17-00AA-7941-A6B5-FBDBADDBDA89}" dt="2018-12-30T22:01:38.317" v="1089" actId="478"/>
+          <ac:spMkLst>
+            <pc:docMk/>
+            <pc:sldMk cId="32416812" sldId="258"/>
+            <ac:spMk id="108" creationId="{358C6E35-76DA-D143-B416-4C30CA254388}"/>
+          </ac:spMkLst>
+        </pc:spChg>
+        <pc:spChg chg="del">
+          <ac:chgData name="Kevin Cheng" userId="105565ef-b917-4f5f-91c2-40529abe0c0d" providerId="ADAL" clId="{6CF46E17-00AA-7941-A6B5-FBDBADDBDA89}" dt="2018-12-30T22:01:35.656" v="1088" actId="478"/>
+          <ac:spMkLst>
+            <pc:docMk/>
+            <pc:sldMk cId="32416812" sldId="258"/>
+            <ac:spMk id="109" creationId="{62C3F874-C471-5B4D-B946-E5174D7B3F8F}"/>
+          </ac:spMkLst>
+        </pc:spChg>
+        <pc:spChg chg="del mod">
+          <ac:chgData name="Kevin Cheng" userId="105565ef-b917-4f5f-91c2-40529abe0c0d" providerId="ADAL" clId="{6CF46E17-00AA-7941-A6B5-FBDBADDBDA89}" dt="2018-12-30T22:01:40.286" v="1090" actId="478"/>
+          <ac:spMkLst>
+            <pc:docMk/>
+            <pc:sldMk cId="32416812" sldId="258"/>
+            <ac:spMk id="110" creationId="{861E9FCF-1FC6-F041-BBF8-E845EE226CDF}"/>
+          </ac:spMkLst>
+        </pc:spChg>
+        <pc:cxnChg chg="add mod">
+          <ac:chgData name="Kevin Cheng" userId="105565ef-b917-4f5f-91c2-40529abe0c0d" providerId="ADAL" clId="{6CF46E17-00AA-7941-A6B5-FBDBADDBDA89}" dt="2018-12-30T21:49:53.694" v="1025" actId="12788"/>
+          <ac:cxnSpMkLst>
+            <pc:docMk/>
+            <pc:sldMk cId="32416812" sldId="258"/>
+            <ac:cxnSpMk id="5" creationId="{EB564725-D6C0-5D42-BEEE-6F0820C30050}"/>
+          </ac:cxnSpMkLst>
+        </pc:cxnChg>
+        <pc:cxnChg chg="mod">
+          <ac:chgData name="Kevin Cheng" userId="105565ef-b917-4f5f-91c2-40529abe0c0d" providerId="ADAL" clId="{6CF46E17-00AA-7941-A6B5-FBDBADDBDA89}" dt="2018-12-30T21:49:53.694" v="1025" actId="12788"/>
+          <ac:cxnSpMkLst>
+            <pc:docMk/>
+            <pc:sldMk cId="32416812" sldId="258"/>
+            <ac:cxnSpMk id="74" creationId="{0EAD0037-C76F-3844-83C1-B98B9233AF63}"/>
+          </ac:cxnSpMkLst>
+        </pc:cxnChg>
+        <pc:cxnChg chg="mod">
+          <ac:chgData name="Kevin Cheng" userId="105565ef-b917-4f5f-91c2-40529abe0c0d" providerId="ADAL" clId="{6CF46E17-00AA-7941-A6B5-FBDBADDBDA89}" dt="2018-12-30T21:49:53.694" v="1025" actId="12788"/>
+          <ac:cxnSpMkLst>
+            <pc:docMk/>
+            <pc:sldMk cId="32416812" sldId="258"/>
+            <ac:cxnSpMk id="78" creationId="{9F645544-6803-924F-9BD9-F535C140E068}"/>
+          </ac:cxnSpMkLst>
+        </pc:cxnChg>
+        <pc:cxnChg chg="mod">
+          <ac:chgData name="Kevin Cheng" userId="105565ef-b917-4f5f-91c2-40529abe0c0d" providerId="ADAL" clId="{6CF46E17-00AA-7941-A6B5-FBDBADDBDA89}" dt="2018-12-30T21:52:55.243" v="1036" actId="14100"/>
+          <ac:cxnSpMkLst>
+            <pc:docMk/>
+            <pc:sldMk cId="32416812" sldId="258"/>
+            <ac:cxnSpMk id="80" creationId="{6B6FCA9C-C2FC-9A45-9FD6-FC88C6BB555A}"/>
+          </ac:cxnSpMkLst>
+        </pc:cxnChg>
+      </pc:sldChg>
+      <pc:sldChg chg="addSp delSp modSp add del">
+        <pc:chgData name="Kevin Cheng" userId="105565ef-b917-4f5f-91c2-40529abe0c0d" providerId="ADAL" clId="{6CF46E17-00AA-7941-A6B5-FBDBADDBDA89}" dt="2018-12-30T21:15:13.334" v="861" actId="2696"/>
+        <pc:sldMkLst>
+          <pc:docMk/>
+          <pc:sldMk cId="1030882010" sldId="258"/>
+        </pc:sldMkLst>
+        <pc:spChg chg="del">
+          <ac:chgData name="Kevin Cheng" userId="105565ef-b917-4f5f-91c2-40529abe0c0d" providerId="ADAL" clId="{6CF46E17-00AA-7941-A6B5-FBDBADDBDA89}" dt="2018-12-30T20:58:26.550" v="768"/>
+          <ac:spMkLst>
+            <pc:docMk/>
+            <pc:sldMk cId="1030882010" sldId="258"/>
+            <ac:spMk id="2" creationId="{ADBBF4F6-3D3F-E64D-A1FD-244CE9946AEC}"/>
+          </ac:spMkLst>
+        </pc:spChg>
+        <pc:spChg chg="add mod">
+          <ac:chgData name="Kevin Cheng" userId="105565ef-b917-4f5f-91c2-40529abe0c0d" providerId="ADAL" clId="{6CF46E17-00AA-7941-A6B5-FBDBADDBDA89}" dt="2018-12-30T21:00:07.029" v="810" actId="14100"/>
+          <ac:spMkLst>
+            <pc:docMk/>
+            <pc:sldMk cId="1030882010" sldId="258"/>
+            <ac:spMk id="3" creationId="{B3F973CF-A01C-4F42-A1DD-474CC9EBCAFC}"/>
+          </ac:spMkLst>
+        </pc:spChg>
+        <pc:spChg chg="add mod">
+          <ac:chgData name="Kevin Cheng" userId="105565ef-b917-4f5f-91c2-40529abe0c0d" providerId="ADAL" clId="{6CF46E17-00AA-7941-A6B5-FBDBADDBDA89}" dt="2018-12-30T20:59:44.805" v="805" actId="20577"/>
+          <ac:spMkLst>
+            <pc:docMk/>
+            <pc:sldMk cId="1030882010" sldId="258"/>
+            <ac:spMk id="4" creationId="{92015988-F153-CA4F-846B-84CE16D399D3}"/>
+          </ac:spMkLst>
+        </pc:spChg>
+        <pc:spChg chg="add del">
+          <ac:chgData name="Kevin Cheng" userId="105565ef-b917-4f5f-91c2-40529abe0c0d" providerId="ADAL" clId="{6CF46E17-00AA-7941-A6B5-FBDBADDBDA89}" dt="2018-12-30T20:59:13.414" v="791" actId="478"/>
+          <ac:spMkLst>
+            <pc:docMk/>
+            <pc:sldMk cId="1030882010" sldId="258"/>
+            <ac:spMk id="5" creationId="{73987E07-A6C8-4A4C-9CA4-BA778D22B969}"/>
+          </ac:spMkLst>
+        </pc:spChg>
+        <pc:spChg chg="add del mod">
+          <ac:chgData name="Kevin Cheng" userId="105565ef-b917-4f5f-91c2-40529abe0c0d" providerId="ADAL" clId="{6CF46E17-00AA-7941-A6B5-FBDBADDBDA89}" dt="2018-12-30T20:59:22.647" v="794" actId="478"/>
+          <ac:spMkLst>
+            <pc:docMk/>
+            <pc:sldMk cId="1030882010" sldId="258"/>
+            <ac:spMk id="6" creationId="{F4310B5D-AE38-1145-8626-0B35B222165D}"/>
+          </ac:spMkLst>
+        </pc:spChg>
+        <pc:spChg chg="add mod">
+          <ac:chgData name="Kevin Cheng" userId="105565ef-b917-4f5f-91c2-40529abe0c0d" providerId="ADAL" clId="{6CF46E17-00AA-7941-A6B5-FBDBADDBDA89}" dt="2018-12-30T20:59:42.054" v="803" actId="6549"/>
+          <ac:spMkLst>
+            <pc:docMk/>
+            <pc:sldMk cId="1030882010" sldId="258"/>
+            <ac:spMk id="7" creationId="{2AA26329-3097-EB41-8C70-634F8885F749}"/>
+          </ac:spMkLst>
+        </pc:spChg>
+      </pc:sldChg>
+      <pc:sldChg chg="addSp delSp modSp add del">
+        <pc:chgData name="Kevin Cheng" userId="105565ef-b917-4f5f-91c2-40529abe0c0d" providerId="ADAL" clId="{6CF46E17-00AA-7941-A6B5-FBDBADDBDA89}" dt="2018-12-30T21:36:35.996" v="976" actId="2696"/>
+        <pc:sldMkLst>
+          <pc:docMk/>
+          <pc:sldMk cId="1117711947" sldId="258"/>
+        </pc:sldMkLst>
+        <pc:spChg chg="add del mod">
+          <ac:chgData name="Kevin Cheng" userId="105565ef-b917-4f5f-91c2-40529abe0c0d" providerId="ADAL" clId="{6CF46E17-00AA-7941-A6B5-FBDBADDBDA89}" dt="2018-12-30T21:34:56.986" v="969" actId="767"/>
+          <ac:spMkLst>
+            <pc:docMk/>
+            <pc:sldMk cId="1117711947" sldId="258"/>
+            <ac:spMk id="3" creationId="{D6D9B6D5-CDA8-D14E-BFB1-F950EDFBD600}"/>
+          </ac:spMkLst>
+        </pc:spChg>
+        <pc:spChg chg="del">
+          <ac:chgData name="Kevin Cheng" userId="105565ef-b917-4f5f-91c2-40529abe0c0d" providerId="ADAL" clId="{6CF46E17-00AA-7941-A6B5-FBDBADDBDA89}" dt="2018-12-30T21:35:05.387" v="970" actId="478"/>
+          <ac:spMkLst>
+            <pc:docMk/>
+            <pc:sldMk cId="1117711947" sldId="258"/>
+            <ac:spMk id="108" creationId="{358C6E35-76DA-D143-B416-4C30CA254388}"/>
+          </ac:spMkLst>
+        </pc:spChg>
+        <pc:spChg chg="del">
+          <ac:chgData name="Kevin Cheng" userId="105565ef-b917-4f5f-91c2-40529abe0c0d" providerId="ADAL" clId="{6CF46E17-00AA-7941-A6B5-FBDBADDBDA89}" dt="2018-12-30T21:35:05.387" v="970" actId="478"/>
+          <ac:spMkLst>
+            <pc:docMk/>
+            <pc:sldMk cId="1117711947" sldId="258"/>
+            <ac:spMk id="109" creationId="{62C3F874-C471-5B4D-B946-E5174D7B3F8F}"/>
+          </ac:spMkLst>
+        </pc:spChg>
+        <pc:spChg chg="del">
+          <ac:chgData name="Kevin Cheng" userId="105565ef-b917-4f5f-91c2-40529abe0c0d" providerId="ADAL" clId="{6CF46E17-00AA-7941-A6B5-FBDBADDBDA89}" dt="2018-12-30T21:35:05.387" v="970" actId="478"/>
+          <ac:spMkLst>
+            <pc:docMk/>
+            <pc:sldMk cId="1117711947" sldId="258"/>
+            <ac:spMk id="110" creationId="{861E9FCF-1FC6-F041-BBF8-E845EE226CDF}"/>
+          </ac:spMkLst>
+        </pc:spChg>
+      </pc:sldChg>
+      <pc:sldChg chg="addSp modSp add del">
+        <pc:chgData name="Kevin Cheng" userId="105565ef-b917-4f5f-91c2-40529abe0c0d" providerId="ADAL" clId="{6CF46E17-00AA-7941-A6B5-FBDBADDBDA89}" dt="2018-12-30T20:04:33.069" v="106" actId="2696"/>
+        <pc:sldMkLst>
+          <pc:docMk/>
+          <pc:sldMk cId="1698293438" sldId="258"/>
+        </pc:sldMkLst>
+        <pc:spChg chg="add mod">
+          <ac:chgData name="Kevin Cheng" userId="105565ef-b917-4f5f-91c2-40529abe0c0d" providerId="ADAL" clId="{6CF46E17-00AA-7941-A6B5-FBDBADDBDA89}" dt="2018-12-30T20:04:24.566" v="105" actId="13822"/>
+          <ac:spMkLst>
+            <pc:docMk/>
+            <pc:sldMk cId="1698293438" sldId="258"/>
+            <ac:spMk id="3" creationId="{043F3100-9563-FB4D-B503-3700D32360A3}"/>
+          </ac:spMkLst>
+        </pc:spChg>
+      </pc:sldChg>
+      <pc:sldChg chg="addSp delSp modSp add del">
+        <pc:chgData name="Kevin Cheng" userId="105565ef-b917-4f5f-91c2-40529abe0c0d" providerId="ADAL" clId="{6CF46E17-00AA-7941-A6B5-FBDBADDBDA89}" dt="2018-12-30T21:34:45.225" v="964" actId="2696"/>
+        <pc:sldMkLst>
+          <pc:docMk/>
+          <pc:sldMk cId="3039856846" sldId="258"/>
+        </pc:sldMkLst>
+        <pc:spChg chg="del">
+          <ac:chgData name="Kevin Cheng" userId="105565ef-b917-4f5f-91c2-40529abe0c0d" providerId="ADAL" clId="{6CF46E17-00AA-7941-A6B5-FBDBADDBDA89}" dt="2018-12-30T21:24:37.830" v="909"/>
+          <ac:spMkLst>
+            <pc:docMk/>
+            <pc:sldMk cId="3039856846" sldId="258"/>
+            <ac:spMk id="2" creationId="{E58BCA14-0469-684A-990A-9347FFAA6516}"/>
+          </ac:spMkLst>
+        </pc:spChg>
+        <pc:spChg chg="add mod">
+          <ac:chgData name="Kevin Cheng" userId="105565ef-b917-4f5f-91c2-40529abe0c0d" providerId="ADAL" clId="{6CF46E17-00AA-7941-A6B5-FBDBADDBDA89}" dt="2018-12-30T21:24:54.438" v="914" actId="242"/>
+          <ac:spMkLst>
+            <pc:docMk/>
+            <pc:sldMk cId="3039856846" sldId="258"/>
+            <ac:spMk id="3" creationId="{F555EA7B-376A-0B47-9AE4-1F9E84544333}"/>
+          </ac:spMkLst>
+        </pc:spChg>
+        <pc:spChg chg="add mod">
+          <ac:chgData name="Kevin Cheng" userId="105565ef-b917-4f5f-91c2-40529abe0c0d" providerId="ADAL" clId="{6CF46E17-00AA-7941-A6B5-FBDBADDBDA89}" dt="2018-12-30T21:24:58.955" v="915" actId="1076"/>
+          <ac:spMkLst>
+            <pc:docMk/>
+            <pc:sldMk cId="3039856846" sldId="258"/>
+            <ac:spMk id="4" creationId="{C5D4E574-AF19-B447-8C10-841A6393C013}"/>
+          </ac:spMkLst>
+        </pc:spChg>
+        <pc:spChg chg="add mod">
+          <ac:chgData name="Kevin Cheng" userId="105565ef-b917-4f5f-91c2-40529abe0c0d" providerId="ADAL" clId="{6CF46E17-00AA-7941-A6B5-FBDBADDBDA89}" dt="2018-12-30T21:25:05.061" v="916" actId="1076"/>
+          <ac:spMkLst>
+            <pc:docMk/>
+            <pc:sldMk cId="3039856846" sldId="258"/>
+            <ac:spMk id="5" creationId="{21DB428C-F119-5C41-BE30-6760DEF3414F}"/>
+          </ac:spMkLst>
+        </pc:spChg>
+      </pc:sldChg>
+      <pc:sldChg chg="add del">
+        <pc:chgData name="Kevin Cheng" userId="105565ef-b917-4f5f-91c2-40529abe0c0d" providerId="ADAL" clId="{6CF46E17-00AA-7941-A6B5-FBDBADDBDA89}" dt="2018-12-30T21:15:46.164" v="867" actId="2696"/>
+        <pc:sldMkLst>
+          <pc:docMk/>
+          <pc:sldMk cId="3178622352" sldId="258"/>
+        </pc:sldMkLst>
+      </pc:sldChg>
+      <pc:sldChg chg="modSp add">
+        <pc:chgData name="Kevin Cheng" userId="105565ef-b917-4f5f-91c2-40529abe0c0d" providerId="ADAL" clId="{6CF46E17-00AA-7941-A6B5-FBDBADDBDA89}" dt="2018-12-30T22:00:07.545" v="1084" actId="14100"/>
+        <pc:sldMkLst>
+          <pc:docMk/>
+          <pc:sldMk cId="1093365664" sldId="259"/>
+        </pc:sldMkLst>
+        <pc:spChg chg="mod">
+          <ac:chgData name="Kevin Cheng" userId="105565ef-b917-4f5f-91c2-40529abe0c0d" providerId="ADAL" clId="{6CF46E17-00AA-7941-A6B5-FBDBADDBDA89}" dt="2018-12-30T22:00:07.545" v="1084" actId="14100"/>
+          <ac:spMkLst>
+            <pc:docMk/>
+            <pc:sldMk cId="1093365664" sldId="259"/>
+            <ac:spMk id="2" creationId="{A9673FA6-0C2D-AB42-B109-AF9CC6FD470D}"/>
+          </ac:spMkLst>
+        </pc:spChg>
+      </pc:sldChg>
+      <pc:sldChg chg="add">
+        <pc:chgData name="Kevin Cheng" userId="105565ef-b917-4f5f-91c2-40529abe0c0d" providerId="ADAL" clId="{6CF46E17-00AA-7941-A6B5-FBDBADDBDA89}" dt="2018-12-30T22:01:16.992" v="1085"/>
+        <pc:sldMkLst>
+          <pc:docMk/>
+          <pc:sldMk cId="3280140410" sldId="260"/>
+        </pc:sldMkLst>
+      </pc:sldChg>
+      <pc:sldChg chg="addSp delSp modSp add">
+        <pc:chgData name="Kevin Cheng" userId="105565ef-b917-4f5f-91c2-40529abe0c0d" providerId="ADAL" clId="{6CF46E17-00AA-7941-A6B5-FBDBADDBDA89}" dt="2018-12-31T00:22:40.545" v="1126" actId="478"/>
+        <pc:sldMkLst>
+          <pc:docMk/>
+          <pc:sldMk cId="1792604381" sldId="261"/>
+        </pc:sldMkLst>
+        <pc:spChg chg="mod">
+          <ac:chgData name="Kevin Cheng" userId="105565ef-b917-4f5f-91c2-40529abe0c0d" providerId="ADAL" clId="{6CF46E17-00AA-7941-A6B5-FBDBADDBDA89}" dt="2018-12-31T00:09:47.625" v="1120" actId="1076"/>
+          <ac:spMkLst>
+            <pc:docMk/>
+            <pc:sldMk cId="1792604381" sldId="261"/>
+            <ac:spMk id="2" creationId="{5FA7DDBE-4537-5E4D-810B-A9BE51FED868}"/>
+          </ac:spMkLst>
+        </pc:spChg>
+        <pc:picChg chg="add del">
+          <ac:chgData name="Kevin Cheng" userId="105565ef-b917-4f5f-91c2-40529abe0c0d" providerId="ADAL" clId="{6CF46E17-00AA-7941-A6B5-FBDBADDBDA89}" dt="2018-12-31T00:22:40.545" v="1126" actId="478"/>
+          <ac:picMkLst>
+            <pc:docMk/>
+            <pc:sldMk cId="1792604381" sldId="261"/>
+            <ac:picMk id="1026" creationId="{588DD0F2-F2DB-4045-8C10-DB28ECBAD250}"/>
+          </ac:picMkLst>
+        </pc:picChg>
+      </pc:sldChg>
+      <pc:sldChg chg="add del">
+        <pc:chgData name="Kevin Cheng" userId="105565ef-b917-4f5f-91c2-40529abe0c0d" providerId="ADAL" clId="{6CF46E17-00AA-7941-A6B5-FBDBADDBDA89}" dt="2018-12-31T00:17:54.223" v="1124" actId="2696"/>
+        <pc:sldMkLst>
+          <pc:docMk/>
+          <pc:sldMk cId="1944707673" sldId="262"/>
+        </pc:sldMkLst>
+      </pc:sldChg>
+      <pc:sldChg chg="add">
+        <pc:chgData name="Kevin Cheng" userId="105565ef-b917-4f5f-91c2-40529abe0c0d" providerId="ADAL" clId="{6CF46E17-00AA-7941-A6B5-FBDBADDBDA89}" dt="2018-12-31T00:17:51.685" v="1123"/>
+        <pc:sldMkLst>
+          <pc:docMk/>
+          <pc:sldMk cId="841334935" sldId="263"/>
+        </pc:sldMkLst>
+      </pc:sldChg>
+      <pc:sldChg chg="add">
+        <pc:chgData name="Kevin Cheng" userId="105565ef-b917-4f5f-91c2-40529abe0c0d" providerId="ADAL" clId="{6CF46E17-00AA-7941-A6B5-FBDBADDBDA89}" dt="2018-12-31T00:22:29.989" v="1125"/>
+        <pc:sldMkLst>
+          <pc:docMk/>
+          <pc:sldMk cId="2516992069" sldId="264"/>
+        </pc:sldMkLst>
+      </pc:sldChg>
+      <pc:sldChg chg="modSp add">
+        <pc:chgData name="Kevin Cheng" userId="105565ef-b917-4f5f-91c2-40529abe0c0d" providerId="ADAL" clId="{6CF46E17-00AA-7941-A6B5-FBDBADDBDA89}" dt="2018-12-31T00:23:57.917" v="1148" actId="20577"/>
+        <pc:sldMkLst>
+          <pc:docMk/>
+          <pc:sldMk cId="3733677604" sldId="265"/>
+        </pc:sldMkLst>
+        <pc:spChg chg="mod">
+          <ac:chgData name="Kevin Cheng" userId="105565ef-b917-4f5f-91c2-40529abe0c0d" providerId="ADAL" clId="{6CF46E17-00AA-7941-A6B5-FBDBADDBDA89}" dt="2018-12-31T00:23:57.917" v="1148" actId="20577"/>
+          <ac:spMkLst>
+            <pc:docMk/>
+            <pc:sldMk cId="3733677604" sldId="265"/>
+            <ac:spMk id="2" creationId="{2AC64445-0E43-BE4C-8F4A-C4BE70ED874A}"/>
+          </ac:spMkLst>
+        </pc:spChg>
+      </pc:sldChg>
+    </pc:docChg>
+  </pc:docChgLst>
+  <pc:docChgLst>
+    <pc:chgData name="Kevin Cheng" userId="105565ef-b917-4f5f-91c2-40529abe0c0d" providerId="ADAL" clId="{7216B722-8D38-3240-8D39-CC91781C65F5}"/>
+    <pc:docChg chg="undo redo custSel addSld delSld modSld sldOrd">
+      <pc:chgData name="Kevin Cheng" userId="105565ef-b917-4f5f-91c2-40529abe0c0d" providerId="ADAL" clId="{7216B722-8D38-3240-8D39-CC91781C65F5}" dt="2018-12-31T20:41:17.221" v="2927" actId="1076"/>
+      <pc:docMkLst>
+        <pc:docMk/>
+      </pc:docMkLst>
+      <pc:sldChg chg="addSp delSp modSp">
+        <pc:chgData name="Kevin Cheng" userId="105565ef-b917-4f5f-91c2-40529abe0c0d" providerId="ADAL" clId="{7216B722-8D38-3240-8D39-CC91781C65F5}" dt="2018-12-31T20:41:17.221" v="2927" actId="1076"/>
+        <pc:sldMkLst>
+          <pc:docMk/>
+          <pc:sldMk cId="1093365664" sldId="259"/>
+        </pc:sldMkLst>
+        <pc:spChg chg="add mod">
+          <ac:chgData name="Kevin Cheng" userId="105565ef-b917-4f5f-91c2-40529abe0c0d" providerId="ADAL" clId="{7216B722-8D38-3240-8D39-CC91781C65F5}" dt="2018-12-31T20:40:10.328" v="2918" actId="1037"/>
+          <ac:spMkLst>
+            <pc:docMk/>
+            <pc:sldMk cId="1093365664" sldId="259"/>
+            <ac:spMk id="3" creationId="{CCC11D4F-E661-F244-9C56-217DD49824D2}"/>
+          </ac:spMkLst>
+        </pc:spChg>
+        <pc:spChg chg="add mod">
+          <ac:chgData name="Kevin Cheng" userId="105565ef-b917-4f5f-91c2-40529abe0c0d" providerId="ADAL" clId="{7216B722-8D38-3240-8D39-CC91781C65F5}" dt="2018-12-31T20:40:10.328" v="2918" actId="1037"/>
+          <ac:spMkLst>
+            <pc:docMk/>
+            <pc:sldMk cId="1093365664" sldId="259"/>
+            <ac:spMk id="4" creationId="{876CBACA-9064-9D4B-9DC9-FB693086AC6F}"/>
+          </ac:spMkLst>
+        </pc:spChg>
+        <pc:spChg chg="add del mod">
+          <ac:chgData name="Kevin Cheng" userId="105565ef-b917-4f5f-91c2-40529abe0c0d" providerId="ADAL" clId="{7216B722-8D38-3240-8D39-CC91781C65F5}" dt="2018-12-31T19:22:10.616" v="1715" actId="478"/>
+          <ac:spMkLst>
+            <pc:docMk/>
+            <pc:sldMk cId="1093365664" sldId="259"/>
+            <ac:spMk id="5" creationId="{01089975-955E-8C46-B9B4-25B15438E775}"/>
+          </ac:spMkLst>
+        </pc:spChg>
+        <pc:spChg chg="add del mod">
+          <ac:chgData name="Kevin Cheng" userId="105565ef-b917-4f5f-91c2-40529abe0c0d" providerId="ADAL" clId="{7216B722-8D38-3240-8D39-CC91781C65F5}" dt="2018-12-31T19:22:12.583" v="1716" actId="478"/>
+          <ac:spMkLst>
+            <pc:docMk/>
+            <pc:sldMk cId="1093365664" sldId="259"/>
+            <ac:spMk id="6" creationId="{33B3C175-621E-9648-A13B-5FBCC119072A}"/>
+          </ac:spMkLst>
+        </pc:spChg>
+        <pc:spChg chg="add mod">
+          <ac:chgData name="Kevin Cheng" userId="105565ef-b917-4f5f-91c2-40529abe0c0d" providerId="ADAL" clId="{7216B722-8D38-3240-8D39-CC91781C65F5}" dt="2018-12-31T20:40:10.328" v="2918" actId="1037"/>
+          <ac:spMkLst>
+            <pc:docMk/>
+            <pc:sldMk cId="1093365664" sldId="259"/>
+            <ac:spMk id="7" creationId="{28841BE9-CB1D-C142-BAB9-072C98592937}"/>
+          </ac:spMkLst>
+        </pc:spChg>
+        <pc:spChg chg="add mod">
+          <ac:chgData name="Kevin Cheng" userId="105565ef-b917-4f5f-91c2-40529abe0c0d" providerId="ADAL" clId="{7216B722-8D38-3240-8D39-CC91781C65F5}" dt="2018-12-31T20:40:10.328" v="2918" actId="1037"/>
+          <ac:spMkLst>
+            <pc:docMk/>
+            <pc:sldMk cId="1093365664" sldId="259"/>
+            <ac:spMk id="8" creationId="{1DAFCB90-F021-C944-BD44-F48E3B6E835C}"/>
+          </ac:spMkLst>
+        </pc:spChg>
+        <pc:spChg chg="add mod">
+          <ac:chgData name="Kevin Cheng" userId="105565ef-b917-4f5f-91c2-40529abe0c0d" providerId="ADAL" clId="{7216B722-8D38-3240-8D39-CC91781C65F5}" dt="2018-12-31T20:40:10.328" v="2918" actId="1037"/>
+          <ac:spMkLst>
+            <pc:docMk/>
+            <pc:sldMk cId="1093365664" sldId="259"/>
+            <ac:spMk id="9" creationId="{740B57BA-E1D3-E545-9E9D-55E687554FE1}"/>
+          </ac:spMkLst>
+        </pc:spChg>
+        <pc:spChg chg="add mod">
+          <ac:chgData name="Kevin Cheng" userId="105565ef-b917-4f5f-91c2-40529abe0c0d" providerId="ADAL" clId="{7216B722-8D38-3240-8D39-CC91781C65F5}" dt="2018-12-31T20:40:10.328" v="2918" actId="1037"/>
+          <ac:spMkLst>
+            <pc:docMk/>
+            <pc:sldMk cId="1093365664" sldId="259"/>
+            <ac:spMk id="10" creationId="{CBB98A11-EB45-D441-A101-57DD674F3F29}"/>
+          </ac:spMkLst>
+        </pc:spChg>
+        <pc:spChg chg="add mod">
+          <ac:chgData name="Kevin Cheng" userId="105565ef-b917-4f5f-91c2-40529abe0c0d" providerId="ADAL" clId="{7216B722-8D38-3240-8D39-CC91781C65F5}" dt="2018-12-31T20:40:10.328" v="2918" actId="1037"/>
+          <ac:spMkLst>
+            <pc:docMk/>
+            <pc:sldMk cId="1093365664" sldId="259"/>
+            <ac:spMk id="11" creationId="{484BEE11-7F8E-8147-933C-288BEDE4634F}"/>
+          </ac:spMkLst>
+        </pc:spChg>
+        <pc:spChg chg="add del">
+          <ac:chgData name="Kevin Cheng" userId="105565ef-b917-4f5f-91c2-40529abe0c0d" providerId="ADAL" clId="{7216B722-8D38-3240-8D39-CC91781C65F5}" dt="2018-12-31T19:31:56.746" v="1820" actId="478"/>
+          <ac:spMkLst>
+            <pc:docMk/>
+            <pc:sldMk cId="1093365664" sldId="259"/>
+            <ac:spMk id="13" creationId="{CB6A6F3C-8D83-3744-B273-8750CAABA648}"/>
+          </ac:spMkLst>
+        </pc:spChg>
+        <pc:spChg chg="add del">
+          <ac:chgData name="Kevin Cheng" userId="105565ef-b917-4f5f-91c2-40529abe0c0d" providerId="ADAL" clId="{7216B722-8D38-3240-8D39-CC91781C65F5}" dt="2018-12-31T19:31:56.746" v="1820" actId="478"/>
+          <ac:spMkLst>
+            <pc:docMk/>
+            <pc:sldMk cId="1093365664" sldId="259"/>
+            <ac:spMk id="14" creationId="{16167887-A623-684F-B448-6375DDFCA82D}"/>
+          </ac:spMkLst>
+        </pc:spChg>
+        <pc:spChg chg="add del">
+          <ac:chgData name="Kevin Cheng" userId="105565ef-b917-4f5f-91c2-40529abe0c0d" providerId="ADAL" clId="{7216B722-8D38-3240-8D39-CC91781C65F5}" dt="2018-12-31T19:32:16.889" v="1824" actId="478"/>
+          <ac:spMkLst>
+            <pc:docMk/>
+            <pc:sldMk cId="1093365664" sldId="259"/>
+            <ac:spMk id="16" creationId="{916A7282-26C9-1240-8AA1-3C8777B664C7}"/>
+          </ac:spMkLst>
+        </pc:spChg>
+        <pc:spChg chg="add del">
+          <ac:chgData name="Kevin Cheng" userId="105565ef-b917-4f5f-91c2-40529abe0c0d" providerId="ADAL" clId="{7216B722-8D38-3240-8D39-CC91781C65F5}" dt="2018-12-31T19:32:01.582" v="1822" actId="478"/>
+          <ac:spMkLst>
+            <pc:docMk/>
+            <pc:sldMk cId="1093365664" sldId="259"/>
+            <ac:spMk id="17" creationId="{41CAA145-1E0F-DE47-8BF1-BC194AD5D512}"/>
+          </ac:spMkLst>
+        </pc:spChg>
+        <pc:spChg chg="add mod">
+          <ac:chgData name="Kevin Cheng" userId="105565ef-b917-4f5f-91c2-40529abe0c0d" providerId="ADAL" clId="{7216B722-8D38-3240-8D39-CC91781C65F5}" dt="2018-12-31T20:40:10.328" v="2918" actId="1037"/>
+          <ac:spMkLst>
+            <pc:docMk/>
+            <pc:sldMk cId="1093365664" sldId="259"/>
+            <ac:spMk id="18" creationId="{24E44139-C653-4644-8E44-D8DED1542972}"/>
+          </ac:spMkLst>
+        </pc:spChg>
+        <pc:spChg chg="add del">
+          <ac:chgData name="Kevin Cheng" userId="105565ef-b917-4f5f-91c2-40529abe0c0d" providerId="ADAL" clId="{7216B722-8D38-3240-8D39-CC91781C65F5}" dt="2018-12-31T19:33:49.314" v="1850" actId="478"/>
+          <ac:spMkLst>
+            <pc:docMk/>
+            <pc:sldMk cId="1093365664" sldId="259"/>
+            <ac:spMk id="19" creationId="{879E1F7F-72BE-9144-B194-3B3F1C40ED99}"/>
+          </ac:spMkLst>
+        </pc:spChg>
+        <pc:spChg chg="add del mod">
+          <ac:chgData name="Kevin Cheng" userId="105565ef-b917-4f5f-91c2-40529abe0c0d" providerId="ADAL" clId="{7216B722-8D38-3240-8D39-CC91781C65F5}" dt="2018-12-31T19:34:41.994" v="1856" actId="478"/>
+          <ac:spMkLst>
+            <pc:docMk/>
+            <pc:sldMk cId="1093365664" sldId="259"/>
+            <ac:spMk id="21" creationId="{51537692-0757-DF40-B312-FF9E61DFD5C6}"/>
+          </ac:spMkLst>
+        </pc:spChg>
+        <pc:spChg chg="add del mod">
+          <ac:chgData name="Kevin Cheng" userId="105565ef-b917-4f5f-91c2-40529abe0c0d" providerId="ADAL" clId="{7216B722-8D38-3240-8D39-CC91781C65F5}" dt="2018-12-31T19:34:41.994" v="1856" actId="478"/>
+          <ac:spMkLst>
+            <pc:docMk/>
+            <pc:sldMk cId="1093365664" sldId="259"/>
+            <ac:spMk id="22" creationId="{F0C75937-0915-8C4A-8C35-1D28BAE37512}"/>
+          </ac:spMkLst>
+        </pc:spChg>
+        <pc:spChg chg="add del mod">
+          <ac:chgData name="Kevin Cheng" userId="105565ef-b917-4f5f-91c2-40529abe0c0d" providerId="ADAL" clId="{7216B722-8D38-3240-8D39-CC91781C65F5}" dt="2018-12-31T19:34:09.705" v="1853" actId="478"/>
+          <ac:spMkLst>
+            <pc:docMk/>
+            <pc:sldMk cId="1093365664" sldId="259"/>
+            <ac:spMk id="23" creationId="{D7738A12-2AB6-9545-9F78-A5B0CF5703D5}"/>
+          </ac:spMkLst>
+        </pc:spChg>
+        <pc:spChg chg="add del">
+          <ac:chgData name="Kevin Cheng" userId="105565ef-b917-4f5f-91c2-40529abe0c0d" providerId="ADAL" clId="{7216B722-8D38-3240-8D39-CC91781C65F5}" dt="2018-12-31T19:34:47.824" v="1860"/>
+          <ac:spMkLst>
+            <pc:docMk/>
+            <pc:sldMk cId="1093365664" sldId="259"/>
+            <ac:spMk id="25" creationId="{FA578620-2C32-294D-A1B1-27F26383D8AE}"/>
+          </ac:spMkLst>
+        </pc:spChg>
+        <pc:spChg chg="add del">
+          <ac:chgData name="Kevin Cheng" userId="105565ef-b917-4f5f-91c2-40529abe0c0d" providerId="ADAL" clId="{7216B722-8D38-3240-8D39-CC91781C65F5}" dt="2018-12-31T19:34:47.824" v="1860"/>
+          <ac:spMkLst>
+            <pc:docMk/>
+            <pc:sldMk cId="1093365664" sldId="259"/>
+            <ac:spMk id="26" creationId="{A3BAF796-0D78-664A-BD9E-228A07086974}"/>
+          </ac:spMkLst>
+        </pc:spChg>
+        <pc:spChg chg="add del">
+          <ac:chgData name="Kevin Cheng" userId="105565ef-b917-4f5f-91c2-40529abe0c0d" providerId="ADAL" clId="{7216B722-8D38-3240-8D39-CC91781C65F5}" dt="2018-12-31T19:34:47.824" v="1860"/>
+          <ac:spMkLst>
+            <pc:docMk/>
+            <pc:sldMk cId="1093365664" sldId="259"/>
+            <ac:spMk id="27" creationId="{2943E18E-B22B-E846-AC39-44E41B2F5A78}"/>
+          </ac:spMkLst>
+        </pc:spChg>
+        <pc:spChg chg="add del">
+          <ac:chgData name="Kevin Cheng" userId="105565ef-b917-4f5f-91c2-40529abe0c0d" providerId="ADAL" clId="{7216B722-8D38-3240-8D39-CC91781C65F5}" dt="2018-12-31T19:34:47.204" v="1859"/>
+          <ac:spMkLst>
+            <pc:docMk/>
+            <pc:sldMk cId="1093365664" sldId="259"/>
+            <ac:spMk id="29" creationId="{F20A15BD-19F5-6A4A-8B1F-B5DCDB90D330}"/>
+          </ac:spMkLst>
+        </pc:spChg>
+        <pc:spChg chg="add del">
+          <ac:chgData name="Kevin Cheng" userId="105565ef-b917-4f5f-91c2-40529abe0c0d" providerId="ADAL" clId="{7216B722-8D38-3240-8D39-CC91781C65F5}" dt="2018-12-31T19:34:47.204" v="1859"/>
+          <ac:spMkLst>
+            <pc:docMk/>
+            <pc:sldMk cId="1093365664" sldId="259"/>
+            <ac:spMk id="30" creationId="{93CD52C2-8F1E-8B4C-BE03-9C91782DE86A}"/>
+          </ac:spMkLst>
+        </pc:spChg>
+        <pc:spChg chg="add del">
+          <ac:chgData name="Kevin Cheng" userId="105565ef-b917-4f5f-91c2-40529abe0c0d" providerId="ADAL" clId="{7216B722-8D38-3240-8D39-CC91781C65F5}" dt="2018-12-31T19:34:47.204" v="1859"/>
+          <ac:spMkLst>
+            <pc:docMk/>
+            <pc:sldMk cId="1093365664" sldId="259"/>
+            <ac:spMk id="31" creationId="{C5B18733-7BF8-9A4D-9377-C37AE586CEB5}"/>
+          </ac:spMkLst>
+        </pc:spChg>
+        <pc:spChg chg="add mod">
+          <ac:chgData name="Kevin Cheng" userId="105565ef-b917-4f5f-91c2-40529abe0c0d" providerId="ADAL" clId="{7216B722-8D38-3240-8D39-CC91781C65F5}" dt="2018-12-31T20:40:10.328" v="2918" actId="1037"/>
+          <ac:spMkLst>
+            <pc:docMk/>
+            <pc:sldMk cId="1093365664" sldId="259"/>
+            <ac:spMk id="32" creationId="{27FBC38D-C814-A14A-8D0C-02E44561112E}"/>
+          </ac:spMkLst>
+        </pc:spChg>
+        <pc:spChg chg="add del mod">
+          <ac:chgData name="Kevin Cheng" userId="105565ef-b917-4f5f-91c2-40529abe0c0d" providerId="ADAL" clId="{7216B722-8D38-3240-8D39-CC91781C65F5}" dt="2018-12-31T19:36:28.070" v="1891" actId="478"/>
+          <ac:spMkLst>
+            <pc:docMk/>
+            <pc:sldMk cId="1093365664" sldId="259"/>
+            <ac:spMk id="33" creationId="{797A7F1A-B7B2-1B46-B936-779ECF26B30A}"/>
+          </ac:spMkLst>
+        </pc:spChg>
+        <pc:spChg chg="add mod">
+          <ac:chgData name="Kevin Cheng" userId="105565ef-b917-4f5f-91c2-40529abe0c0d" providerId="ADAL" clId="{7216B722-8D38-3240-8D39-CC91781C65F5}" dt="2018-12-31T20:40:10.328" v="2918" actId="1037"/>
+          <ac:spMkLst>
+            <pc:docMk/>
+            <pc:sldMk cId="1093365664" sldId="259"/>
+            <ac:spMk id="34" creationId="{423EBC5E-C3C5-5344-8DCF-640E19C994FC}"/>
+          </ac:spMkLst>
+        </pc:spChg>
+        <pc:spChg chg="add mod">
+          <ac:chgData name="Kevin Cheng" userId="105565ef-b917-4f5f-91c2-40529abe0c0d" providerId="ADAL" clId="{7216B722-8D38-3240-8D39-CC91781C65F5}" dt="2018-12-31T20:40:10.328" v="2918" actId="1037"/>
+          <ac:spMkLst>
+            <pc:docMk/>
+            <pc:sldMk cId="1093365664" sldId="259"/>
+            <ac:spMk id="35" creationId="{CE1493F1-12E7-7E4D-8F82-FFB44C1B283E}"/>
+          </ac:spMkLst>
+        </pc:spChg>
+        <pc:spChg chg="add mod">
+          <ac:chgData name="Kevin Cheng" userId="105565ef-b917-4f5f-91c2-40529abe0c0d" providerId="ADAL" clId="{7216B722-8D38-3240-8D39-CC91781C65F5}" dt="2018-12-31T20:40:42.251" v="2922" actId="14100"/>
+          <ac:spMkLst>
+            <pc:docMk/>
+            <pc:sldMk cId="1093365664" sldId="259"/>
+            <ac:spMk id="36" creationId="{6878481E-6684-1546-BF69-6589C4CB5DD8}"/>
+          </ac:spMkLst>
+        </pc:spChg>
+        <pc:spChg chg="add del">
+          <ac:chgData name="Kevin Cheng" userId="105565ef-b917-4f5f-91c2-40529abe0c0d" providerId="ADAL" clId="{7216B722-8D38-3240-8D39-CC91781C65F5}" dt="2018-12-31T19:48:01.999" v="2003" actId="478"/>
+          <ac:spMkLst>
+            <pc:docMk/>
+            <pc:sldMk cId="1093365664" sldId="259"/>
+            <ac:spMk id="75" creationId="{E9E22A73-8743-7D4E-A8A9-D9037058D7DF}"/>
+          </ac:spMkLst>
+        </pc:spChg>
+        <pc:spChg chg="add del">
+          <ac:chgData name="Kevin Cheng" userId="105565ef-b917-4f5f-91c2-40529abe0c0d" providerId="ADAL" clId="{7216B722-8D38-3240-8D39-CC91781C65F5}" dt="2018-12-31T19:48:00.284" v="2002"/>
+          <ac:spMkLst>
+            <pc:docMk/>
+            <pc:sldMk cId="1093365664" sldId="259"/>
+            <ac:spMk id="76" creationId="{EA53ABB5-CF96-424E-B1CE-C24DB0EE61F3}"/>
+          </ac:spMkLst>
+        </pc:spChg>
+        <pc:spChg chg="add del">
+          <ac:chgData name="Kevin Cheng" userId="105565ef-b917-4f5f-91c2-40529abe0c0d" providerId="ADAL" clId="{7216B722-8D38-3240-8D39-CC91781C65F5}" dt="2018-12-31T19:48:00.284" v="2002"/>
+          <ac:spMkLst>
+            <pc:docMk/>
+            <pc:sldMk cId="1093365664" sldId="259"/>
+            <ac:spMk id="77" creationId="{373BCDA5-6FC0-614C-93C7-FA70FA977A96}"/>
+          </ac:spMkLst>
+        </pc:spChg>
+        <pc:spChg chg="add del mod">
+          <ac:chgData name="Kevin Cheng" userId="105565ef-b917-4f5f-91c2-40529abe0c0d" providerId="ADAL" clId="{7216B722-8D38-3240-8D39-CC91781C65F5}" dt="2018-12-31T19:48:59.902" v="2011" actId="478"/>
+          <ac:spMkLst>
+            <pc:docMk/>
+            <pc:sldMk cId="1093365664" sldId="259"/>
+            <ac:spMk id="78" creationId="{E87ED80C-302E-CC4D-BA9F-AA8435D1BF96}"/>
+          </ac:spMkLst>
+        </pc:spChg>
+        <pc:spChg chg="add del mod">
+          <ac:chgData name="Kevin Cheng" userId="105565ef-b917-4f5f-91c2-40529abe0c0d" providerId="ADAL" clId="{7216B722-8D38-3240-8D39-CC91781C65F5}" dt="2018-12-31T19:49:03.440" v="2012" actId="478"/>
+          <ac:spMkLst>
+            <pc:docMk/>
+            <pc:sldMk cId="1093365664" sldId="259"/>
+            <ac:spMk id="79" creationId="{4CB02EFE-262B-5949-8A82-9D1E6AC6B94F}"/>
+          </ac:spMkLst>
+        </pc:spChg>
+        <pc:spChg chg="add del mod">
+          <ac:chgData name="Kevin Cheng" userId="105565ef-b917-4f5f-91c2-40529abe0c0d" providerId="ADAL" clId="{7216B722-8D38-3240-8D39-CC91781C65F5}" dt="2018-12-31T19:54:50.011" v="2064" actId="478"/>
+          <ac:spMkLst>
+            <pc:docMk/>
+            <pc:sldMk cId="1093365664" sldId="259"/>
+            <ac:spMk id="97" creationId="{9C4EAC0F-E17D-FC49-9066-DB3E4D1E9703}"/>
+          </ac:spMkLst>
+        </pc:spChg>
+        <pc:spChg chg="add del mod">
+          <ac:chgData name="Kevin Cheng" userId="105565ef-b917-4f5f-91c2-40529abe0c0d" providerId="ADAL" clId="{7216B722-8D38-3240-8D39-CC91781C65F5}" dt="2018-12-31T20:40:10.328" v="2918" actId="1037"/>
+          <ac:spMkLst>
+            <pc:docMk/>
+            <pc:sldMk cId="1093365664" sldId="259"/>
+            <ac:spMk id="99" creationId="{5EA41F61-6658-874E-BEA7-381A6FC9CCD2}"/>
+          </ac:spMkLst>
+        </pc:spChg>
+        <pc:spChg chg="add del mod">
+          <ac:chgData name="Kevin Cheng" userId="105565ef-b917-4f5f-91c2-40529abe0c0d" providerId="ADAL" clId="{7216B722-8D38-3240-8D39-CC91781C65F5}" dt="2018-12-31T20:40:10.328" v="2918" actId="1037"/>
+          <ac:spMkLst>
+            <pc:docMk/>
+            <pc:sldMk cId="1093365664" sldId="259"/>
+            <ac:spMk id="100" creationId="{10C7266C-BB80-354C-95C5-D85E7193D017}"/>
+          </ac:spMkLst>
+        </pc:spChg>
+        <pc:spChg chg="add mod">
+          <ac:chgData name="Kevin Cheng" userId="105565ef-b917-4f5f-91c2-40529abe0c0d" providerId="ADAL" clId="{7216B722-8D38-3240-8D39-CC91781C65F5}" dt="2018-12-31T20:40:10.328" v="2918" actId="1037"/>
+          <ac:spMkLst>
+            <pc:docMk/>
+            <pc:sldMk cId="1093365664" sldId="259"/>
+            <ac:spMk id="104" creationId="{E8EB89ED-C3E3-064C-8073-918A4C88424A}"/>
+          </ac:spMkLst>
+        </pc:spChg>
+        <pc:spChg chg="add mod">
+          <ac:chgData name="Kevin Cheng" userId="105565ef-b917-4f5f-91c2-40529abe0c0d" providerId="ADAL" clId="{7216B722-8D38-3240-8D39-CC91781C65F5}" dt="2018-12-31T20:40:10.328" v="2918" actId="1037"/>
+          <ac:spMkLst>
+            <pc:docMk/>
+            <pc:sldMk cId="1093365664" sldId="259"/>
+            <ac:spMk id="118" creationId="{E77F6702-C378-6643-98DD-8D6E61B76E59}"/>
+          </ac:spMkLst>
+        </pc:spChg>
+        <pc:spChg chg="add del mod">
+          <ac:chgData name="Kevin Cheng" userId="105565ef-b917-4f5f-91c2-40529abe0c0d" providerId="ADAL" clId="{7216B722-8D38-3240-8D39-CC91781C65F5}" dt="2018-12-31T20:11:21.813" v="2287" actId="478"/>
+          <ac:spMkLst>
+            <pc:docMk/>
+            <pc:sldMk cId="1093365664" sldId="259"/>
+            <ac:spMk id="119" creationId="{FF063863-2D6D-644E-8F4F-B51E966755B2}"/>
+          </ac:spMkLst>
+        </pc:spChg>
+        <pc:spChg chg="add mod">
+          <ac:chgData name="Kevin Cheng" userId="105565ef-b917-4f5f-91c2-40529abe0c0d" providerId="ADAL" clId="{7216B722-8D38-3240-8D39-CC91781C65F5}" dt="2018-12-31T20:40:10.328" v="2918" actId="1037"/>
+          <ac:spMkLst>
+            <pc:docMk/>
+            <pc:sldMk cId="1093365664" sldId="259"/>
+            <ac:spMk id="120" creationId="{357E684A-B24D-5140-A7C1-491C88BC155F}"/>
+          </ac:spMkLst>
+        </pc:spChg>
+        <pc:spChg chg="add del mod">
+          <ac:chgData name="Kevin Cheng" userId="105565ef-b917-4f5f-91c2-40529abe0c0d" providerId="ADAL" clId="{7216B722-8D38-3240-8D39-CC91781C65F5}" dt="2018-12-31T20:11:27.751" v="2288" actId="478"/>
+          <ac:spMkLst>
+            <pc:docMk/>
+            <pc:sldMk cId="1093365664" sldId="259"/>
+            <ac:spMk id="121" creationId="{3A67114A-77B1-E347-A0A0-0178CE65C558}"/>
+          </ac:spMkLst>
+        </pc:spChg>
+        <pc:spChg chg="add mod">
+          <ac:chgData name="Kevin Cheng" userId="105565ef-b917-4f5f-91c2-40529abe0c0d" providerId="ADAL" clId="{7216B722-8D38-3240-8D39-CC91781C65F5}" dt="2018-12-31T20:40:10.328" v="2918" actId="1037"/>
+          <ac:spMkLst>
+            <pc:docMk/>
+            <pc:sldMk cId="1093365664" sldId="259"/>
+            <ac:spMk id="122" creationId="{4A3F9E8F-64C5-C344-93DC-9585BDD3D9AF}"/>
+          </ac:spMkLst>
+        </pc:spChg>
+        <pc:spChg chg="add mod">
+          <ac:chgData name="Kevin Cheng" userId="105565ef-b917-4f5f-91c2-40529abe0c0d" providerId="ADAL" clId="{7216B722-8D38-3240-8D39-CC91781C65F5}" dt="2018-12-31T20:40:10.328" v="2918" actId="1037"/>
+          <ac:spMkLst>
+            <pc:docMk/>
+            <pc:sldMk cId="1093365664" sldId="259"/>
+            <ac:spMk id="123" creationId="{C03534A9-CFC0-8547-ACDF-48D2A8E341F2}"/>
+          </ac:spMkLst>
+        </pc:spChg>
+        <pc:spChg chg="add del mod">
+          <ac:chgData name="Kevin Cheng" userId="105565ef-b917-4f5f-91c2-40529abe0c0d" providerId="ADAL" clId="{7216B722-8D38-3240-8D39-CC91781C65F5}" dt="2018-12-31T20:40:20.150" v="2920" actId="1076"/>
+          <ac:spMkLst>
+            <pc:docMk/>
+            <pc:sldMk cId="1093365664" sldId="259"/>
+            <ac:spMk id="132" creationId="{F21E8876-3809-2C49-82AC-B1022167A87C}"/>
+          </ac:spMkLst>
+        </pc:spChg>
+        <pc:spChg chg="add del mod">
+          <ac:chgData name="Kevin Cheng" userId="105565ef-b917-4f5f-91c2-40529abe0c0d" providerId="ADAL" clId="{7216B722-8D38-3240-8D39-CC91781C65F5}" dt="2018-12-31T20:15:24.217" v="2356" actId="478"/>
+          <ac:spMkLst>
+            <pc:docMk/>
+            <pc:sldMk cId="1093365664" sldId="259"/>
+            <ac:spMk id="133" creationId="{2367CD46-B101-AD49-A5E5-F4BAEF9F7D25}"/>
+          </ac:spMkLst>
+        </pc:spChg>
+        <pc:spChg chg="add mod">
+          <ac:chgData name="Kevin Cheng" userId="105565ef-b917-4f5f-91c2-40529abe0c0d" providerId="ADAL" clId="{7216B722-8D38-3240-8D39-CC91781C65F5}" dt="2018-12-31T20:40:10.328" v="2918" actId="1037"/>
+          <ac:spMkLst>
+            <pc:docMk/>
+            <pc:sldMk cId="1093365664" sldId="259"/>
+            <ac:spMk id="134" creationId="{3DB6D94C-C2B1-BD40-9DAF-2967A8B38283}"/>
+          </ac:spMkLst>
+        </pc:spChg>
+        <pc:spChg chg="add mod">
+          <ac:chgData name="Kevin Cheng" userId="105565ef-b917-4f5f-91c2-40529abe0c0d" providerId="ADAL" clId="{7216B722-8D38-3240-8D39-CC91781C65F5}" dt="2018-12-31T20:40:10.328" v="2918" actId="1037"/>
+          <ac:spMkLst>
+            <pc:docMk/>
+            <pc:sldMk cId="1093365664" sldId="259"/>
+            <ac:spMk id="139" creationId="{C76A0E1D-C79E-DB44-8A17-89728F08ECD6}"/>
+          </ac:spMkLst>
+        </pc:spChg>
+        <pc:spChg chg="add mod">
+          <ac:chgData name="Kevin Cheng" userId="105565ef-b917-4f5f-91c2-40529abe0c0d" providerId="ADAL" clId="{7216B722-8D38-3240-8D39-CC91781C65F5}" dt="2018-12-31T20:41:17.221" v="2927" actId="1076"/>
+          <ac:spMkLst>
+            <pc:docMk/>
+            <pc:sldMk cId="1093365664" sldId="259"/>
+            <ac:spMk id="143" creationId="{7D56BAEF-1F04-6544-AC1E-C74F61A8C2B1}"/>
+          </ac:spMkLst>
+        </pc:spChg>
+        <pc:graphicFrameChg chg="add del">
+          <ac:chgData name="Kevin Cheng" userId="105565ef-b917-4f5f-91c2-40529abe0c0d" providerId="ADAL" clId="{7216B722-8D38-3240-8D39-CC91781C65F5}" dt="2018-12-31T19:31:56.746" v="1820" actId="478"/>
+          <ac:graphicFrameMkLst>
+            <pc:docMk/>
+            <pc:sldMk cId="1093365664" sldId="259"/>
+            <ac:graphicFrameMk id="12" creationId="{456CC285-3FBD-2E41-86DD-E5287E9769C5}"/>
+          </ac:graphicFrameMkLst>
+        </pc:graphicFrameChg>
+        <pc:graphicFrameChg chg="add del modGraphic">
+          <ac:chgData name="Kevin Cheng" userId="105565ef-b917-4f5f-91c2-40529abe0c0d" providerId="ADAL" clId="{7216B722-8D38-3240-8D39-CC91781C65F5}" dt="2018-12-31T19:32:49.621" v="1828" actId="478"/>
+          <ac:graphicFrameMkLst>
+            <pc:docMk/>
+            <pc:sldMk cId="1093365664" sldId="259"/>
+            <ac:graphicFrameMk id="15" creationId="{0F0748A1-B5E3-FC4D-BF14-B4349A79B492}"/>
+          </ac:graphicFrameMkLst>
+        </pc:graphicFrameChg>
+        <pc:graphicFrameChg chg="add del mod modGraphic">
+          <ac:chgData name="Kevin Cheng" userId="105565ef-b917-4f5f-91c2-40529abe0c0d" providerId="ADAL" clId="{7216B722-8D38-3240-8D39-CC91781C65F5}" dt="2018-12-31T19:34:41.994" v="1856" actId="478"/>
+          <ac:graphicFrameMkLst>
+            <pc:docMk/>
+            <pc:sldMk cId="1093365664" sldId="259"/>
+            <ac:graphicFrameMk id="20" creationId="{BABFD194-1D59-804C-BD96-226A2CD1D00C}"/>
+          </ac:graphicFrameMkLst>
+        </pc:graphicFrameChg>
+        <pc:graphicFrameChg chg="add del">
+          <ac:chgData name="Kevin Cheng" userId="105565ef-b917-4f5f-91c2-40529abe0c0d" providerId="ADAL" clId="{7216B722-8D38-3240-8D39-CC91781C65F5}" dt="2018-12-31T19:34:47.824" v="1860"/>
+          <ac:graphicFrameMkLst>
+            <pc:docMk/>
+            <pc:sldMk cId="1093365664" sldId="259"/>
+            <ac:graphicFrameMk id="24" creationId="{D8DD736F-2207-3842-B3D5-77B467EE99FA}"/>
+          </ac:graphicFrameMkLst>
+        </pc:graphicFrameChg>
+        <pc:graphicFrameChg chg="add del">
+          <ac:chgData name="Kevin Cheng" userId="105565ef-b917-4f5f-91c2-40529abe0c0d" providerId="ADAL" clId="{7216B722-8D38-3240-8D39-CC91781C65F5}" dt="2018-12-31T19:34:47.204" v="1859"/>
+          <ac:graphicFrameMkLst>
+            <pc:docMk/>
+            <pc:sldMk cId="1093365664" sldId="259"/>
+            <ac:graphicFrameMk id="28" creationId="{2FFC7BEE-D742-854E-A8B0-52077F8DE5B0}"/>
+          </ac:graphicFrameMkLst>
+        </pc:graphicFrameChg>
+        <pc:cxnChg chg="add mod">
+          <ac:chgData name="Kevin Cheng" userId="105565ef-b917-4f5f-91c2-40529abe0c0d" providerId="ADAL" clId="{7216B722-8D38-3240-8D39-CC91781C65F5}" dt="2018-12-31T20:40:51.930" v="2924" actId="14100"/>
+          <ac:cxnSpMkLst>
+            <pc:docMk/>
+            <pc:sldMk cId="1093365664" sldId="259"/>
+            <ac:cxnSpMk id="38" creationId="{CD90C6D0-D1AB-C14E-A412-66EDB34719E5}"/>
+          </ac:cxnSpMkLst>
+        </pc:cxnChg>
+        <pc:cxnChg chg="add del mod">
+          <ac:chgData name="Kevin Cheng" userId="105565ef-b917-4f5f-91c2-40529abe0c0d" providerId="ADAL" clId="{7216B722-8D38-3240-8D39-CC91781C65F5}" dt="2018-12-31T19:59:28.189" v="2126" actId="478"/>
+          <ac:cxnSpMkLst>
+            <pc:docMk/>
+            <pc:sldMk cId="1093365664" sldId="259"/>
+            <ac:cxnSpMk id="40" creationId="{1CB857E3-CAB7-E748-88C9-C72197F9CE46}"/>
+          </ac:cxnSpMkLst>
+        </pc:cxnChg>
+        <pc:cxnChg chg="add del mod">
+          <ac:chgData name="Kevin Cheng" userId="105565ef-b917-4f5f-91c2-40529abe0c0d" providerId="ADAL" clId="{7216B722-8D38-3240-8D39-CC91781C65F5}" dt="2018-12-31T19:59:24.754" v="2125" actId="478"/>
+          <ac:cxnSpMkLst>
+            <pc:docMk/>
+            <pc:sldMk cId="1093365664" sldId="259"/>
+            <ac:cxnSpMk id="42" creationId="{40F13673-54A7-AC41-87E2-8BAF6B1D388A}"/>
+          </ac:cxnSpMkLst>
+        </pc:cxnChg>
+        <pc:cxnChg chg="add del mod">
+          <ac:chgData name="Kevin Cheng" userId="105565ef-b917-4f5f-91c2-40529abe0c0d" providerId="ADAL" clId="{7216B722-8D38-3240-8D39-CC91781C65F5}" dt="2018-12-31T19:59:13.004" v="2123" actId="478"/>
+          <ac:cxnSpMkLst>
+            <pc:docMk/>
+            <pc:sldMk cId="1093365664" sldId="259"/>
+            <ac:cxnSpMk id="47" creationId="{0F3539A7-B93E-5B47-9DED-F768F07636DF}"/>
+          </ac:cxnSpMkLst>
+        </pc:cxnChg>
+        <pc:cxnChg chg="add mod">
+          <ac:chgData name="Kevin Cheng" userId="105565ef-b917-4f5f-91c2-40529abe0c0d" providerId="ADAL" clId="{7216B722-8D38-3240-8D39-CC91781C65F5}" dt="2018-12-31T20:40:10.328" v="2918" actId="1037"/>
+          <ac:cxnSpMkLst>
+            <pc:docMk/>
+            <pc:sldMk cId="1093365664" sldId="259"/>
+            <ac:cxnSpMk id="49" creationId="{01A92A20-F5BD-7349-884C-FC356ED6FA4E}"/>
+          </ac:cxnSpMkLst>
+        </pc:cxnChg>
+        <pc:cxnChg chg="add del mod">
+          <ac:chgData name="Kevin Cheng" userId="105565ef-b917-4f5f-91c2-40529abe0c0d" providerId="ADAL" clId="{7216B722-8D38-3240-8D39-CC91781C65F5}" dt="2018-12-31T19:43:49.149" v="1979" actId="478"/>
+          <ac:cxnSpMkLst>
+            <pc:docMk/>
+            <pc:sldMk cId="1093365664" sldId="259"/>
+            <ac:cxnSpMk id="51" creationId="{3D80343E-4FE9-2742-8DF8-5BD157A1B9E1}"/>
+          </ac:cxnSpMkLst>
+        </pc:cxnChg>
+        <pc:cxnChg chg="add mod">
+          <ac:chgData name="Kevin Cheng" userId="105565ef-b917-4f5f-91c2-40529abe0c0d" providerId="ADAL" clId="{7216B722-8D38-3240-8D39-CC91781C65F5}" dt="2018-12-31T20:40:10.328" v="2918" actId="1037"/>
+          <ac:cxnSpMkLst>
+            <pc:docMk/>
+            <pc:sldMk cId="1093365664" sldId="259"/>
+            <ac:cxnSpMk id="56" creationId="{7A277371-EFFD-8149-A9FB-837D430A833C}"/>
+          </ac:cxnSpMkLst>
+        </pc:cxnChg>
+        <pc:cxnChg chg="add del mod">
+          <ac:chgData name="Kevin Cheng" userId="105565ef-b917-4f5f-91c2-40529abe0c0d" providerId="ADAL" clId="{7216B722-8D38-3240-8D39-CC91781C65F5}" dt="2018-12-31T19:45:28.471" v="1993" actId="478"/>
+          <ac:cxnSpMkLst>
+            <pc:docMk/>
+            <pc:sldMk cId="1093365664" sldId="259"/>
+            <ac:cxnSpMk id="60" creationId="{844873BF-2005-CE4C-865D-1DBB1DC8F408}"/>
+          </ac:cxnSpMkLst>
+        </pc:cxnChg>
+        <pc:cxnChg chg="add del mod">
+          <ac:chgData name="Kevin Cheng" userId="105565ef-b917-4f5f-91c2-40529abe0c0d" providerId="ADAL" clId="{7216B722-8D38-3240-8D39-CC91781C65F5}" dt="2018-12-31T19:59:14.855" v="2124" actId="478"/>
+          <ac:cxnSpMkLst>
+            <pc:docMk/>
+            <pc:sldMk cId="1093365664" sldId="259"/>
+            <ac:cxnSpMk id="64" creationId="{53F7A74C-8AE8-D94B-BD25-87ADD3CBB190}"/>
+          </ac:cxnSpMkLst>
+        </pc:cxnChg>
+        <pc:cxnChg chg="add mod">
+          <ac:chgData name="Kevin Cheng" userId="105565ef-b917-4f5f-91c2-40529abe0c0d" providerId="ADAL" clId="{7216B722-8D38-3240-8D39-CC91781C65F5}" dt="2018-12-31T20:40:10.328" v="2918" actId="1037"/>
+          <ac:cxnSpMkLst>
+            <pc:docMk/>
+            <pc:sldMk cId="1093365664" sldId="259"/>
+            <ac:cxnSpMk id="85" creationId="{1C206DCC-185C-0F47-8562-1182BFCF4171}"/>
+          </ac:cxnSpMkLst>
+        </pc:cxnChg>
+        <pc:cxnChg chg="add mod">
+          <ac:chgData name="Kevin Cheng" userId="105565ef-b917-4f5f-91c2-40529abe0c0d" providerId="ADAL" clId="{7216B722-8D38-3240-8D39-CC91781C65F5}" dt="2018-12-31T20:40:10.328" v="2918" actId="1037"/>
+          <ac:cxnSpMkLst>
+            <pc:docMk/>
+            <pc:sldMk cId="1093365664" sldId="259"/>
+            <ac:cxnSpMk id="86" creationId="{825A8518-5AEE-6649-9FB4-2E4D583C55A1}"/>
+          </ac:cxnSpMkLst>
+        </pc:cxnChg>
+        <pc:cxnChg chg="add del mod">
+          <ac:chgData name="Kevin Cheng" userId="105565ef-b917-4f5f-91c2-40529abe0c0d" providerId="ADAL" clId="{7216B722-8D38-3240-8D39-CC91781C65F5}" dt="2018-12-31T20:02:31.553" v="2161" actId="478"/>
+          <ac:cxnSpMkLst>
+            <pc:docMk/>
+            <pc:sldMk cId="1093365664" sldId="259"/>
+            <ac:cxnSpMk id="106" creationId="{A3224EA1-2F92-6645-9D4E-1DC49176EA26}"/>
+          </ac:cxnSpMkLst>
+        </pc:cxnChg>
+        <pc:cxnChg chg="add mod">
+          <ac:chgData name="Kevin Cheng" userId="105565ef-b917-4f5f-91c2-40529abe0c0d" providerId="ADAL" clId="{7216B722-8D38-3240-8D39-CC91781C65F5}" dt="2018-12-31T20:40:10.328" v="2918" actId="1037"/>
+          <ac:cxnSpMkLst>
+            <pc:docMk/>
+            <pc:sldMk cId="1093365664" sldId="259"/>
+            <ac:cxnSpMk id="108" creationId="{CECA993B-28A9-C94E-971E-BD79F19422C2}"/>
+          </ac:cxnSpMkLst>
+        </pc:cxnChg>
+        <pc:cxnChg chg="add mod">
+          <ac:chgData name="Kevin Cheng" userId="105565ef-b917-4f5f-91c2-40529abe0c0d" providerId="ADAL" clId="{7216B722-8D38-3240-8D39-CC91781C65F5}" dt="2018-12-31T20:40:10.328" v="2918" actId="1037"/>
+          <ac:cxnSpMkLst>
+            <pc:docMk/>
+            <pc:sldMk cId="1093365664" sldId="259"/>
+            <ac:cxnSpMk id="114" creationId="{B031D56C-1269-C34C-9BEF-5229B80D4E37}"/>
+          </ac:cxnSpMkLst>
+        </pc:cxnChg>
+        <pc:cxnChg chg="add mod">
+          <ac:chgData name="Kevin Cheng" userId="105565ef-b917-4f5f-91c2-40529abe0c0d" providerId="ADAL" clId="{7216B722-8D38-3240-8D39-CC91781C65F5}" dt="2018-12-31T20:40:10.328" v="2918" actId="1037"/>
+          <ac:cxnSpMkLst>
+            <pc:docMk/>
+            <pc:sldMk cId="1093365664" sldId="259"/>
+            <ac:cxnSpMk id="116" creationId="{1DC0C7ED-26B5-5843-A3AC-DCCAE0041900}"/>
+          </ac:cxnSpMkLst>
+        </pc:cxnChg>
+        <pc:cxnChg chg="add del mod">
+          <ac:chgData name="Kevin Cheng" userId="105565ef-b917-4f5f-91c2-40529abe0c0d" providerId="ADAL" clId="{7216B722-8D38-3240-8D39-CC91781C65F5}" dt="2018-12-31T20:32:33.246" v="2851" actId="478"/>
+          <ac:cxnSpMkLst>
+            <pc:docMk/>
+            <pc:sldMk cId="1093365664" sldId="259"/>
+            <ac:cxnSpMk id="125" creationId="{84E8B0C5-F3CD-FA46-994B-223A435A3E3D}"/>
+          </ac:cxnSpMkLst>
+        </pc:cxnChg>
+        <pc:cxnChg chg="add mod">
+          <ac:chgData name="Kevin Cheng" userId="105565ef-b917-4f5f-91c2-40529abe0c0d" providerId="ADAL" clId="{7216B722-8D38-3240-8D39-CC91781C65F5}" dt="2018-12-31T20:40:10.328" v="2918" actId="1037"/>
+          <ac:cxnSpMkLst>
+            <pc:docMk/>
+            <pc:sldMk cId="1093365664" sldId="259"/>
+            <ac:cxnSpMk id="141" creationId="{43889E3D-4DF3-664F-B6B2-5A1A479B4920}"/>
+          </ac:cxnSpMkLst>
+        </pc:cxnChg>
+        <pc:cxnChg chg="add mod">
+          <ac:chgData name="Kevin Cheng" userId="105565ef-b917-4f5f-91c2-40529abe0c0d" providerId="ADAL" clId="{7216B722-8D38-3240-8D39-CC91781C65F5}" dt="2018-12-31T20:41:17.221" v="2927" actId="1076"/>
+          <ac:cxnSpMkLst>
+            <pc:docMk/>
+            <pc:sldMk cId="1093365664" sldId="259"/>
+            <ac:cxnSpMk id="148" creationId="{8DECCF1E-F5FE-254E-BE4C-0A8A55EE0D19}"/>
+          </ac:cxnSpMkLst>
+        </pc:cxnChg>
+        <pc:cxnChg chg="add mod">
+          <ac:chgData name="Kevin Cheng" userId="105565ef-b917-4f5f-91c2-40529abe0c0d" providerId="ADAL" clId="{7216B722-8D38-3240-8D39-CC91781C65F5}" dt="2018-12-31T20:40:10.328" v="2918" actId="1037"/>
+          <ac:cxnSpMkLst>
+            <pc:docMk/>
+            <pc:sldMk cId="1093365664" sldId="259"/>
+            <ac:cxnSpMk id="163" creationId="{77227D6E-124E-9A46-A4A5-A45265243B77}"/>
+          </ac:cxnSpMkLst>
+        </pc:cxnChg>
+        <pc:cxnChg chg="add mod">
+          <ac:chgData name="Kevin Cheng" userId="105565ef-b917-4f5f-91c2-40529abe0c0d" providerId="ADAL" clId="{7216B722-8D38-3240-8D39-CC91781C65F5}" dt="2018-12-31T20:41:02.982" v="2925" actId="14100"/>
+          <ac:cxnSpMkLst>
+            <pc:docMk/>
+            <pc:sldMk cId="1093365664" sldId="259"/>
+            <ac:cxnSpMk id="166" creationId="{61138166-0423-B940-B86A-F0C637CC1704}"/>
+          </ac:cxnSpMkLst>
+        </pc:cxnChg>
+      </pc:sldChg>
+      <pc:sldChg chg="modSp">
+        <pc:chgData name="Kevin Cheng" userId="105565ef-b917-4f5f-91c2-40529abe0c0d" providerId="ADAL" clId="{7216B722-8D38-3240-8D39-CC91781C65F5}" dt="2018-12-31T20:25:11.865" v="2836" actId="20577"/>
+        <pc:sldMkLst>
+          <pc:docMk/>
+          <pc:sldMk cId="3280140410" sldId="260"/>
+        </pc:sldMkLst>
+        <pc:spChg chg="mod">
+          <ac:chgData name="Kevin Cheng" userId="105565ef-b917-4f5f-91c2-40529abe0c0d" providerId="ADAL" clId="{7216B722-8D38-3240-8D39-CC91781C65F5}" dt="2018-12-31T20:25:11.865" v="2836" actId="20577"/>
+          <ac:spMkLst>
+            <pc:docMk/>
+            <pc:sldMk cId="3280140410" sldId="260"/>
+            <ac:spMk id="29" creationId="{DBD7493C-66E3-1543-BD2A-D10C90D550BF}"/>
+          </ac:spMkLst>
+        </pc:spChg>
+      </pc:sldChg>
+      <pc:sldChg chg="addSp delSp modSp ord">
+        <pc:chgData name="Kevin Cheng" userId="105565ef-b917-4f5f-91c2-40529abe0c0d" providerId="ADAL" clId="{7216B722-8D38-3240-8D39-CC91781C65F5}" dt="2018-12-31T20:26:27.897" v="2850"/>
+        <pc:sldMkLst>
+          <pc:docMk/>
+          <pc:sldMk cId="1792604381" sldId="261"/>
+        </pc:sldMkLst>
+        <pc:spChg chg="add del mod">
+          <ac:chgData name="Kevin Cheng" userId="105565ef-b917-4f5f-91c2-40529abe0c0d" providerId="ADAL" clId="{7216B722-8D38-3240-8D39-CC91781C65F5}" dt="2018-12-31T01:05:02.458" v="318"/>
+          <ac:spMkLst>
+            <pc:docMk/>
+            <pc:sldMk cId="1792604381" sldId="261"/>
+            <ac:spMk id="3" creationId="{30865043-3ECC-8942-9FE9-88967E133281}"/>
+          </ac:spMkLst>
+        </pc:spChg>
+        <pc:spChg chg="add del mod">
+          <ac:chgData name="Kevin Cheng" userId="105565ef-b917-4f5f-91c2-40529abe0c0d" providerId="ADAL" clId="{7216B722-8D38-3240-8D39-CC91781C65F5}" dt="2018-12-31T01:05:02.458" v="318"/>
+          <ac:spMkLst>
+            <pc:docMk/>
+            <pc:sldMk cId="1792604381" sldId="261"/>
+            <ac:spMk id="4" creationId="{997467A1-3087-774B-8471-7973EEF8448C}"/>
+          </ac:spMkLst>
+        </pc:spChg>
+        <pc:spChg chg="add del mod">
+          <ac:chgData name="Kevin Cheng" userId="105565ef-b917-4f5f-91c2-40529abe0c0d" providerId="ADAL" clId="{7216B722-8D38-3240-8D39-CC91781C65F5}" dt="2018-12-31T01:05:02.458" v="318"/>
+          <ac:spMkLst>
+            <pc:docMk/>
+            <pc:sldMk cId="1792604381" sldId="261"/>
+            <ac:spMk id="5" creationId="{A85A3136-5B39-5742-A27A-37185854B72B}"/>
+          </ac:spMkLst>
+        </pc:spChg>
+        <pc:spChg chg="add del mod">
+          <ac:chgData name="Kevin Cheng" userId="105565ef-b917-4f5f-91c2-40529abe0c0d" providerId="ADAL" clId="{7216B722-8D38-3240-8D39-CC91781C65F5}" dt="2018-12-31T01:03:57.716" v="308"/>
+          <ac:spMkLst>
+            <pc:docMk/>
+            <pc:sldMk cId="1792604381" sldId="261"/>
+            <ac:spMk id="6" creationId="{54057756-E6F6-FB40-ACB8-5DB641A9C095}"/>
+          </ac:spMkLst>
+        </pc:spChg>
+        <pc:spChg chg="add del mod">
+          <ac:chgData name="Kevin Cheng" userId="105565ef-b917-4f5f-91c2-40529abe0c0d" providerId="ADAL" clId="{7216B722-8D38-3240-8D39-CC91781C65F5}" dt="2018-12-31T01:03:57.716" v="308"/>
+          <ac:spMkLst>
+            <pc:docMk/>
+            <pc:sldMk cId="1792604381" sldId="261"/>
+            <ac:spMk id="7" creationId="{7D6040CA-368F-2541-AC9C-353890BB6133}"/>
+          </ac:spMkLst>
+        </pc:spChg>
+        <pc:spChg chg="add del mod">
+          <ac:chgData name="Kevin Cheng" userId="105565ef-b917-4f5f-91c2-40529abe0c0d" providerId="ADAL" clId="{7216B722-8D38-3240-8D39-CC91781C65F5}" dt="2018-12-31T01:03:57.716" v="308"/>
+          <ac:spMkLst>
+            <pc:docMk/>
+            <pc:sldMk cId="1792604381" sldId="261"/>
+            <ac:spMk id="8" creationId="{8B7C5424-43C1-4240-850A-0A7C3892AF54}"/>
+          </ac:spMkLst>
+        </pc:spChg>
+        <pc:spChg chg="add del mod">
+          <ac:chgData name="Kevin Cheng" userId="105565ef-b917-4f5f-91c2-40529abe0c0d" providerId="ADAL" clId="{7216B722-8D38-3240-8D39-CC91781C65F5}" dt="2018-12-31T01:03:57.716" v="308"/>
+          <ac:spMkLst>
+            <pc:docMk/>
+            <pc:sldMk cId="1792604381" sldId="261"/>
+            <ac:spMk id="9" creationId="{2D83C18F-C181-2349-87FC-EAD62B691D1C}"/>
+          </ac:spMkLst>
+        </pc:spChg>
+        <pc:spChg chg="add del mod">
+          <ac:chgData name="Kevin Cheng" userId="105565ef-b917-4f5f-91c2-40529abe0c0d" providerId="ADAL" clId="{7216B722-8D38-3240-8D39-CC91781C65F5}" dt="2018-12-31T01:03:57.716" v="308"/>
+          <ac:spMkLst>
+            <pc:docMk/>
+            <pc:sldMk cId="1792604381" sldId="261"/>
+            <ac:spMk id="10" creationId="{C82C453C-BDE4-4640-B7F8-EA11EB9777A9}"/>
+          </ac:spMkLst>
+        </pc:spChg>
+        <pc:spChg chg="add del mod">
+          <ac:chgData name="Kevin Cheng" userId="105565ef-b917-4f5f-91c2-40529abe0c0d" providerId="ADAL" clId="{7216B722-8D38-3240-8D39-CC91781C65F5}" dt="2018-12-31T00:53:41.250" v="146" actId="478"/>
+          <ac:spMkLst>
+            <pc:docMk/>
+            <pc:sldMk cId="1792604381" sldId="261"/>
+            <ac:spMk id="11" creationId="{65920266-1C20-BC4A-9F79-F8714950A342}"/>
+          </ac:spMkLst>
+        </pc:spChg>
+        <pc:spChg chg="add del mod">
+          <ac:chgData name="Kevin Cheng" userId="105565ef-b917-4f5f-91c2-40529abe0c0d" providerId="ADAL" clId="{7216B722-8D38-3240-8D39-CC91781C65F5}" dt="2018-12-31T00:55:50.526" v="188" actId="478"/>
+          <ac:spMkLst>
+            <pc:docMk/>
+            <pc:sldMk cId="1792604381" sldId="261"/>
+            <ac:spMk id="12" creationId="{06B0154A-1CD5-5E41-A3AF-376305623F9A}"/>
+          </ac:spMkLst>
+        </pc:spChg>
+        <pc:spChg chg="add del mod">
+          <ac:chgData name="Kevin Cheng" userId="105565ef-b917-4f5f-91c2-40529abe0c0d" providerId="ADAL" clId="{7216B722-8D38-3240-8D39-CC91781C65F5}" dt="2018-12-31T01:03:57.716" v="308"/>
+          <ac:spMkLst>
+            <pc:docMk/>
+            <pc:sldMk cId="1792604381" sldId="261"/>
+            <ac:spMk id="13" creationId="{7402979F-6D12-F24B-B6F7-A68D4D3862E0}"/>
+          </ac:spMkLst>
+        </pc:spChg>
+        <pc:spChg chg="add del mod">
+          <ac:chgData name="Kevin Cheng" userId="105565ef-b917-4f5f-91c2-40529abe0c0d" providerId="ADAL" clId="{7216B722-8D38-3240-8D39-CC91781C65F5}" dt="2018-12-31T00:56:40.280" v="203"/>
+          <ac:spMkLst>
+            <pc:docMk/>
+            <pc:sldMk cId="1792604381" sldId="261"/>
+            <ac:spMk id="14" creationId="{CCB572F6-EA47-0B42-9F6B-125C55B2ADA9}"/>
+          </ac:spMkLst>
+        </pc:spChg>
+        <pc:spChg chg="add del mod">
+          <ac:chgData name="Kevin Cheng" userId="105565ef-b917-4f5f-91c2-40529abe0c0d" providerId="ADAL" clId="{7216B722-8D38-3240-8D39-CC91781C65F5}" dt="2018-12-31T00:56:40.280" v="203"/>
+          <ac:spMkLst>
+            <pc:docMk/>
+            <pc:sldMk cId="1792604381" sldId="261"/>
+            <ac:spMk id="15" creationId="{7C63AEE0-82AB-A94E-BD0E-1B9B2B6B2471}"/>
+          </ac:spMkLst>
+        </pc:spChg>
+        <pc:spChg chg="add del mod">
+          <ac:chgData name="Kevin Cheng" userId="105565ef-b917-4f5f-91c2-40529abe0c0d" providerId="ADAL" clId="{7216B722-8D38-3240-8D39-CC91781C65F5}" dt="2018-12-31T01:00:38.496" v="278"/>
+          <ac:spMkLst>
+            <pc:docMk/>
+            <pc:sldMk cId="1792604381" sldId="261"/>
+            <ac:spMk id="16" creationId="{F6A5BD06-47C7-D344-B4E9-20B6B5FBD925}"/>
+          </ac:spMkLst>
+        </pc:spChg>
+        <pc:spChg chg="add del mod">
+          <ac:chgData name="Kevin Cheng" userId="105565ef-b917-4f5f-91c2-40529abe0c0d" providerId="ADAL" clId="{7216B722-8D38-3240-8D39-CC91781C65F5}" dt="2018-12-31T01:00:38.496" v="278"/>
+          <ac:spMkLst>
+            <pc:docMk/>
+            <pc:sldMk cId="1792604381" sldId="261"/>
+            <ac:spMk id="17" creationId="{02ADAA9B-7E4B-0148-892F-F7F66620447E}"/>
+          </ac:spMkLst>
+        </pc:spChg>
+        <pc:spChg chg="add del mod">
+          <ac:chgData name="Kevin Cheng" userId="105565ef-b917-4f5f-91c2-40529abe0c0d" providerId="ADAL" clId="{7216B722-8D38-3240-8D39-CC91781C65F5}" dt="2018-12-31T01:00:38.496" v="278"/>
+          <ac:spMkLst>
+            <pc:docMk/>
+            <pc:sldMk cId="1792604381" sldId="261"/>
+            <ac:spMk id="18" creationId="{32EF0AD6-1A43-0041-A7DC-B0F1CC7DC3CF}"/>
+          </ac:spMkLst>
+        </pc:spChg>
+        <pc:spChg chg="add del mod">
+          <ac:chgData name="Kevin Cheng" userId="105565ef-b917-4f5f-91c2-40529abe0c0d" providerId="ADAL" clId="{7216B722-8D38-3240-8D39-CC91781C65F5}" dt="2018-12-31T01:00:38.496" v="278"/>
+          <ac:spMkLst>
+            <pc:docMk/>
+            <pc:sldMk cId="1792604381" sldId="261"/>
+            <ac:spMk id="19" creationId="{E63F5867-0F07-E84F-AD33-E9DFFB415CC3}"/>
+          </ac:spMkLst>
+        </pc:spChg>
+        <pc:spChg chg="add del mod">
+          <ac:chgData name="Kevin Cheng" userId="105565ef-b917-4f5f-91c2-40529abe0c0d" providerId="ADAL" clId="{7216B722-8D38-3240-8D39-CC91781C65F5}" dt="2018-12-31T01:00:38.496" v="278"/>
+          <ac:spMkLst>
+            <pc:docMk/>
+            <pc:sldMk cId="1792604381" sldId="261"/>
+            <ac:spMk id="20" creationId="{B98C6477-E9FA-7B48-B031-5735B94F8C84}"/>
+          </ac:spMkLst>
+        </pc:spChg>
+        <pc:spChg chg="add mod">
+          <ac:chgData name="Kevin Cheng" userId="105565ef-b917-4f5f-91c2-40529abe0c0d" providerId="ADAL" clId="{7216B722-8D38-3240-8D39-CC91781C65F5}" dt="2018-12-31T04:02:04.493" v="1687" actId="1076"/>
+          <ac:spMkLst>
+            <pc:docMk/>
+            <pc:sldMk cId="1792604381" sldId="261"/>
+            <ac:spMk id="21" creationId="{F90E979E-9428-AF45-B594-77BE389F1CE4}"/>
+          </ac:spMkLst>
+        </pc:spChg>
+        <pc:spChg chg="add mod">
+          <ac:chgData name="Kevin Cheng" userId="105565ef-b917-4f5f-91c2-40529abe0c0d" providerId="ADAL" clId="{7216B722-8D38-3240-8D39-CC91781C65F5}" dt="2018-12-31T04:01:44.569" v="1682" actId="12788"/>
+          <ac:spMkLst>
+            <pc:docMk/>
+            <pc:sldMk cId="1792604381" sldId="261"/>
+            <ac:spMk id="22" creationId="{4BC71606-BE3B-C844-8A6D-473C8EC71C84}"/>
+          </ac:spMkLst>
+        </pc:spChg>
+        <pc:spChg chg="add mod">
+          <ac:chgData name="Kevin Cheng" userId="105565ef-b917-4f5f-91c2-40529abe0c0d" providerId="ADAL" clId="{7216B722-8D38-3240-8D39-CC91781C65F5}" dt="2018-12-31T04:02:26.620" v="1691" actId="12788"/>
+          <ac:spMkLst>
+            <pc:docMk/>
+            <pc:sldMk cId="1792604381" sldId="261"/>
+            <ac:spMk id="23" creationId="{7E525C38-9FB3-4846-9118-E44260C52AE2}"/>
+          </ac:spMkLst>
+        </pc:spChg>
+        <pc:spChg chg="add mod">
+          <ac:chgData name="Kevin Cheng" userId="105565ef-b917-4f5f-91c2-40529abe0c0d" providerId="ADAL" clId="{7216B722-8D38-3240-8D39-CC91781C65F5}" dt="2018-12-31T01:11:10.402" v="366" actId="12788"/>
+          <ac:spMkLst>
+            <pc:docMk/>
+            <pc:sldMk cId="1792604381" sldId="261"/>
+            <ac:spMk id="24" creationId="{93A98D7B-5D34-7049-88D3-3DE2F899E628}"/>
+          </ac:spMkLst>
+        </pc:spChg>
+        <pc:spChg chg="add mod">
+          <ac:chgData name="Kevin Cheng" userId="105565ef-b917-4f5f-91c2-40529abe0c0d" providerId="ADAL" clId="{7216B722-8D38-3240-8D39-CC91781C65F5}" dt="2018-12-31T01:08:57.255" v="350" actId="12788"/>
+          <ac:spMkLst>
+            <pc:docMk/>
+            <pc:sldMk cId="1792604381" sldId="261"/>
+            <ac:spMk id="25" creationId="{4E0EBCE5-950B-2C4C-9227-CC1D8409E11F}"/>
+          </ac:spMkLst>
+        </pc:spChg>
+        <pc:spChg chg="add mod">
+          <ac:chgData name="Kevin Cheng" userId="105565ef-b917-4f5f-91c2-40529abe0c0d" providerId="ADAL" clId="{7216B722-8D38-3240-8D39-CC91781C65F5}" dt="2018-12-31T01:10:34.784" v="363" actId="14100"/>
+          <ac:spMkLst>
+            <pc:docMk/>
+            <pc:sldMk cId="1792604381" sldId="261"/>
+            <ac:spMk id="26" creationId="{5D3D798B-CF11-6D49-AB6A-CDF7BB7D389B}"/>
+          </ac:spMkLst>
+        </pc:spChg>
+        <pc:spChg chg="add mod">
+          <ac:chgData name="Kevin Cheng" userId="105565ef-b917-4f5f-91c2-40529abe0c0d" providerId="ADAL" clId="{7216B722-8D38-3240-8D39-CC91781C65F5}" dt="2018-12-31T01:08:57.255" v="350" actId="12788"/>
+          <ac:spMkLst>
+            <pc:docMk/>
+            <pc:sldMk cId="1792604381" sldId="261"/>
+            <ac:spMk id="27" creationId="{C704406C-B4C2-5D45-A43E-C28596919AF8}"/>
+          </ac:spMkLst>
+        </pc:spChg>
+        <pc:spChg chg="add mod">
+          <ac:chgData name="Kevin Cheng" userId="105565ef-b917-4f5f-91c2-40529abe0c0d" providerId="ADAL" clId="{7216B722-8D38-3240-8D39-CC91781C65F5}" dt="2018-12-31T01:08:57.255" v="350" actId="12788"/>
+          <ac:spMkLst>
+            <pc:docMk/>
+            <pc:sldMk cId="1792604381" sldId="261"/>
+            <ac:spMk id="28" creationId="{297B1B11-C082-6144-B25C-DEFDF24FF913}"/>
+          </ac:spMkLst>
+        </pc:spChg>
+        <pc:spChg chg="add mod">
+          <ac:chgData name="Kevin Cheng" userId="105565ef-b917-4f5f-91c2-40529abe0c0d" providerId="ADAL" clId="{7216B722-8D38-3240-8D39-CC91781C65F5}" dt="2018-12-31T01:08:57.255" v="350" actId="12788"/>
+          <ac:spMkLst>
+            <pc:docMk/>
+            <pc:sldMk cId="1792604381" sldId="261"/>
+            <ac:spMk id="29" creationId="{55EF670C-0717-7744-87B0-453280BF63F9}"/>
+          </ac:spMkLst>
+        </pc:spChg>
+        <pc:spChg chg="add mod">
+          <ac:chgData name="Kevin Cheng" userId="105565ef-b917-4f5f-91c2-40529abe0c0d" providerId="ADAL" clId="{7216B722-8D38-3240-8D39-CC91781C65F5}" dt="2018-12-31T01:08:57.255" v="350" actId="12788"/>
+          <ac:spMkLst>
+            <pc:docMk/>
+            <pc:sldMk cId="1792604381" sldId="261"/>
+            <ac:spMk id="30" creationId="{073632DD-F460-994F-81BB-4617484E6B66}"/>
+          </ac:spMkLst>
+        </pc:spChg>
+        <pc:spChg chg="add mod">
+          <ac:chgData name="Kevin Cheng" userId="105565ef-b917-4f5f-91c2-40529abe0c0d" providerId="ADAL" clId="{7216B722-8D38-3240-8D39-CC91781C65F5}" dt="2018-12-31T01:09:23.498" v="353" actId="1076"/>
+          <ac:spMkLst>
+            <pc:docMk/>
+            <pc:sldMk cId="1792604381" sldId="261"/>
+            <ac:spMk id="31" creationId="{F0543E53-6911-5441-BBB6-505A0AA4A2D1}"/>
+          </ac:spMkLst>
+        </pc:spChg>
+        <pc:spChg chg="add mod">
+          <ac:chgData name="Kevin Cheng" userId="105565ef-b917-4f5f-91c2-40529abe0c0d" providerId="ADAL" clId="{7216B722-8D38-3240-8D39-CC91781C65F5}" dt="2018-12-31T01:10:41.567" v="365" actId="14100"/>
+          <ac:spMkLst>
+            <pc:docMk/>
+            <pc:sldMk cId="1792604381" sldId="261"/>
+            <ac:spMk id="32" creationId="{7FE89640-A89A-8141-A7D3-92FFD9D9F641}"/>
+          </ac:spMkLst>
+        </pc:spChg>
+        <pc:spChg chg="add mod">
+          <ac:chgData name="Kevin Cheng" userId="105565ef-b917-4f5f-91c2-40529abe0c0d" providerId="ADAL" clId="{7216B722-8D38-3240-8D39-CC91781C65F5}" dt="2018-12-31T01:11:10.402" v="366" actId="12788"/>
+          <ac:spMkLst>
+            <pc:docMk/>
+            <pc:sldMk cId="1792604381" sldId="261"/>
+            <ac:spMk id="33" creationId="{EDBF5A2F-28B6-2943-8A42-19D7A93FBA19}"/>
+          </ac:spMkLst>
+        </pc:spChg>
+        <pc:spChg chg="add mod">
+          <ac:chgData name="Kevin Cheng" userId="105565ef-b917-4f5f-91c2-40529abe0c0d" providerId="ADAL" clId="{7216B722-8D38-3240-8D39-CC91781C65F5}" dt="2018-12-31T01:08:57.255" v="350" actId="12788"/>
+          <ac:spMkLst>
+            <pc:docMk/>
+            <pc:sldMk cId="1792604381" sldId="261"/>
+            <ac:spMk id="34" creationId="{8BA0C4CC-FACB-3847-B2CF-55C9AA4D43EB}"/>
+          </ac:spMkLst>
+        </pc:spChg>
+        <pc:spChg chg="add mod">
+          <ac:chgData name="Kevin Cheng" userId="105565ef-b917-4f5f-91c2-40529abe0c0d" providerId="ADAL" clId="{7216B722-8D38-3240-8D39-CC91781C65F5}" dt="2018-12-31T01:19:58.690" v="440" actId="12788"/>
+          <ac:spMkLst>
+            <pc:docMk/>
+            <pc:sldMk cId="1792604381" sldId="261"/>
+            <ac:spMk id="78" creationId="{FA0EB11D-1958-374F-8256-4DAB30E88C47}"/>
+          </ac:spMkLst>
+        </pc:spChg>
+        <pc:spChg chg="add mod">
+          <ac:chgData name="Kevin Cheng" userId="105565ef-b917-4f5f-91c2-40529abe0c0d" providerId="ADAL" clId="{7216B722-8D38-3240-8D39-CC91781C65F5}" dt="2018-12-31T01:19:58.690" v="440" actId="12788"/>
+          <ac:spMkLst>
+            <pc:docMk/>
+            <pc:sldMk cId="1792604381" sldId="261"/>
+            <ac:spMk id="79" creationId="{62350E2C-354E-4841-A765-B06D64799078}"/>
+          </ac:spMkLst>
+        </pc:spChg>
+        <pc:spChg chg="add mod">
+          <ac:chgData name="Kevin Cheng" userId="105565ef-b917-4f5f-91c2-40529abe0c0d" providerId="ADAL" clId="{7216B722-8D38-3240-8D39-CC91781C65F5}" dt="2018-12-31T01:19:58.690" v="440" actId="12788"/>
+          <ac:spMkLst>
+            <pc:docMk/>
+            <pc:sldMk cId="1792604381" sldId="261"/>
+            <ac:spMk id="80" creationId="{86236B08-188B-934A-83D0-7073FEDA1FB4}"/>
+          </ac:spMkLst>
+        </pc:spChg>
+        <pc:spChg chg="add mod">
+          <ac:chgData name="Kevin Cheng" userId="105565ef-b917-4f5f-91c2-40529abe0c0d" providerId="ADAL" clId="{7216B722-8D38-3240-8D39-CC91781C65F5}" dt="2018-12-31T01:23:13.008" v="463" actId="1076"/>
+          <ac:spMkLst>
+            <pc:docMk/>
+            <pc:sldMk cId="1792604381" sldId="261"/>
+            <ac:spMk id="81" creationId="{F0D674D7-E4E0-2047-A1A1-DD80FC0A2951}"/>
+          </ac:spMkLst>
+        </pc:spChg>
+        <pc:spChg chg="add mod">
+          <ac:chgData name="Kevin Cheng" userId="105565ef-b917-4f5f-91c2-40529abe0c0d" providerId="ADAL" clId="{7216B722-8D38-3240-8D39-CC91781C65F5}" dt="2018-12-31T01:23:20.263" v="464" actId="1076"/>
+          <ac:spMkLst>
+            <pc:docMk/>
+            <pc:sldMk cId="1792604381" sldId="261"/>
+            <ac:spMk id="82" creationId="{7D04DB7A-EF75-4A47-A8D2-997C0177BAC0}"/>
+          </ac:spMkLst>
+        </pc:spChg>
+        <pc:spChg chg="add mod">
+          <ac:chgData name="Kevin Cheng" userId="105565ef-b917-4f5f-91c2-40529abe0c0d" providerId="ADAL" clId="{7216B722-8D38-3240-8D39-CC91781C65F5}" dt="2018-12-31T04:02:37.453" v="1697" actId="1035"/>
+          <ac:spMkLst>
+            <pc:docMk/>
+            <pc:sldMk cId="1792604381" sldId="261"/>
+            <ac:spMk id="83" creationId="{38F4E485-F97D-0A4F-99B3-508EA3AA0D79}"/>
+          </ac:spMkLst>
+        </pc:spChg>
+        <pc:cxnChg chg="add del mod">
+          <ac:chgData name="Kevin Cheng" userId="105565ef-b917-4f5f-91c2-40529abe0c0d" providerId="ADAL" clId="{7216B722-8D38-3240-8D39-CC91781C65F5}" dt="2018-12-31T01:08:31.107" v="349" actId="478"/>
+          <ac:cxnSpMkLst>
+            <pc:docMk/>
+            <pc:sldMk cId="1792604381" sldId="261"/>
+            <ac:cxnSpMk id="36" creationId="{C03ADF88-9B6F-2C46-975E-F04FAC5E6677}"/>
+          </ac:cxnSpMkLst>
+        </pc:cxnChg>
+        <pc:cxnChg chg="add del mod">
+          <ac:chgData name="Kevin Cheng" userId="105565ef-b917-4f5f-91c2-40529abe0c0d" providerId="ADAL" clId="{7216B722-8D38-3240-8D39-CC91781C65F5}" dt="2018-12-31T01:11:18.533" v="367" actId="478"/>
+          <ac:cxnSpMkLst>
+            <pc:docMk/>
+            <pc:sldMk cId="1792604381" sldId="261"/>
+            <ac:cxnSpMk id="38" creationId="{D52452C0-F41B-C949-9319-8CFF2BC46CA1}"/>
+          </ac:cxnSpMkLst>
+        </pc:cxnChg>
+        <pc:cxnChg chg="add mod">
+          <ac:chgData name="Kevin Cheng" userId="105565ef-b917-4f5f-91c2-40529abe0c0d" providerId="ADAL" clId="{7216B722-8D38-3240-8D39-CC91781C65F5}" dt="2018-12-31T01:11:58.877" v="369" actId="13822"/>
+          <ac:cxnSpMkLst>
+            <pc:docMk/>
+            <pc:sldMk cId="1792604381" sldId="261"/>
+            <ac:cxnSpMk id="43" creationId="{3ECE06F9-EE9E-E743-9208-296290D5E38D}"/>
+          </ac:cxnSpMkLst>
+        </pc:cxnChg>
+        <pc:cxnChg chg="add del mod">
+          <ac:chgData name="Kevin Cheng" userId="105565ef-b917-4f5f-91c2-40529abe0c0d" providerId="ADAL" clId="{7216B722-8D38-3240-8D39-CC91781C65F5}" dt="2018-12-31T01:12:11.879" v="373" actId="478"/>
+          <ac:cxnSpMkLst>
+            <pc:docMk/>
+            <pc:sldMk cId="1792604381" sldId="261"/>
+            <ac:cxnSpMk id="44" creationId="{74103F53-A21B-584A-B341-A4338BAEF26D}"/>
+          </ac:cxnSpMkLst>
+        </pc:cxnChg>
+        <pc:cxnChg chg="add del mod">
+          <ac:chgData name="Kevin Cheng" userId="105565ef-b917-4f5f-91c2-40529abe0c0d" providerId="ADAL" clId="{7216B722-8D38-3240-8D39-CC91781C65F5}" dt="2018-12-31T01:13:23.610" v="384" actId="478"/>
+          <ac:cxnSpMkLst>
+            <pc:docMk/>
+            <pc:sldMk cId="1792604381" sldId="261"/>
+            <ac:cxnSpMk id="48" creationId="{9BE90F7A-0853-864D-806F-22AEEC7FA6F4}"/>
+          </ac:cxnSpMkLst>
+        </pc:cxnChg>
+        <pc:cxnChg chg="add del mod">
+          <ac:chgData name="Kevin Cheng" userId="105565ef-b917-4f5f-91c2-40529abe0c0d" providerId="ADAL" clId="{7216B722-8D38-3240-8D39-CC91781C65F5}" dt="2018-12-31T01:13:21.426" v="383" actId="478"/>
+          <ac:cxnSpMkLst>
+            <pc:docMk/>
+            <pc:sldMk cId="1792604381" sldId="261"/>
+            <ac:cxnSpMk id="49" creationId="{EAC7AAF3-28D1-054A-941C-6462D0C6523F}"/>
+          </ac:cxnSpMkLst>
+        </pc:cxnChg>
+        <pc:cxnChg chg="add del mod">
+          <ac:chgData name="Kevin Cheng" userId="105565ef-b917-4f5f-91c2-40529abe0c0d" providerId="ADAL" clId="{7216B722-8D38-3240-8D39-CC91781C65F5}" dt="2018-12-31T01:13:19.505" v="382" actId="478"/>
+          <ac:cxnSpMkLst>
+            <pc:docMk/>
+            <pc:sldMk cId="1792604381" sldId="261"/>
+            <ac:cxnSpMk id="52" creationId="{36D43A3D-B0F9-B840-9966-F03C15874A02}"/>
+          </ac:cxnSpMkLst>
+        </pc:cxnChg>
+        <pc:cxnChg chg="add mod">
+          <ac:chgData name="Kevin Cheng" userId="105565ef-b917-4f5f-91c2-40529abe0c0d" providerId="ADAL" clId="{7216B722-8D38-3240-8D39-CC91781C65F5}" dt="2018-12-31T01:13:55.942" v="391" actId="14100"/>
+          <ac:cxnSpMkLst>
+            <pc:docMk/>
+            <pc:sldMk cId="1792604381" sldId="261"/>
+            <ac:cxnSpMk id="55" creationId="{A69FB652-D578-874E-92F9-A972976B78AA}"/>
+          </ac:cxnSpMkLst>
+        </pc:cxnChg>
+        <pc:cxnChg chg="add mod">
+          <ac:chgData name="Kevin Cheng" userId="105565ef-b917-4f5f-91c2-40529abe0c0d" providerId="ADAL" clId="{7216B722-8D38-3240-8D39-CC91781C65F5}" dt="2018-12-31T01:14:18.122" v="394" actId="13822"/>
+          <ac:cxnSpMkLst>
+            <pc:docMk/>
+            <pc:sldMk cId="1792604381" sldId="261"/>
+            <ac:cxnSpMk id="63" creationId="{90B124D2-D77B-794E-B0FE-F845829E6E78}"/>
+          </ac:cxnSpMkLst>
+        </pc:cxnChg>
+        <pc:cxnChg chg="add mod">
+          <ac:chgData name="Kevin Cheng" userId="105565ef-b917-4f5f-91c2-40529abe0c0d" providerId="ADAL" clId="{7216B722-8D38-3240-8D39-CC91781C65F5}" dt="2018-12-31T01:14:29.060" v="398" actId="14100"/>
+          <ac:cxnSpMkLst>
+            <pc:docMk/>
+            <pc:sldMk cId="1792604381" sldId="261"/>
+            <ac:cxnSpMk id="65" creationId="{851E52A1-5873-CB45-B8F4-64BE3C0F38EB}"/>
+          </ac:cxnSpMkLst>
+        </pc:cxnChg>
+        <pc:cxnChg chg="add mod">
+          <ac:chgData name="Kevin Cheng" userId="105565ef-b917-4f5f-91c2-40529abe0c0d" providerId="ADAL" clId="{7216B722-8D38-3240-8D39-CC91781C65F5}" dt="2018-12-31T01:14:43.499" v="400" actId="13822"/>
+          <ac:cxnSpMkLst>
+            <pc:docMk/>
+            <pc:sldMk cId="1792604381" sldId="261"/>
+            <ac:cxnSpMk id="69" creationId="{C489AF2B-27CA-4B4D-8F09-C56E0BC38F6E}"/>
+          </ac:cxnSpMkLst>
+        </pc:cxnChg>
+        <pc:cxnChg chg="add mod">
+          <ac:chgData name="Kevin Cheng" userId="105565ef-b917-4f5f-91c2-40529abe0c0d" providerId="ADAL" clId="{7216B722-8D38-3240-8D39-CC91781C65F5}" dt="2018-12-31T01:15:17.221" v="402" actId="13822"/>
+          <ac:cxnSpMkLst>
+            <pc:docMk/>
+            <pc:sldMk cId="1792604381" sldId="261"/>
+            <ac:cxnSpMk id="71" creationId="{F62D7659-6392-9A4F-BFA7-6EA3ABBB7769}"/>
+          </ac:cxnSpMkLst>
+        </pc:cxnChg>
+        <pc:cxnChg chg="add mod">
+          <ac:chgData name="Kevin Cheng" userId="105565ef-b917-4f5f-91c2-40529abe0c0d" providerId="ADAL" clId="{7216B722-8D38-3240-8D39-CC91781C65F5}" dt="2018-12-31T01:15:39.174" v="404" actId="13822"/>
+          <ac:cxnSpMkLst>
+            <pc:docMk/>
+            <pc:sldMk cId="1792604381" sldId="261"/>
+            <ac:cxnSpMk id="73" creationId="{95023C3E-E850-A64B-8038-D5C46315068F}"/>
+          </ac:cxnSpMkLst>
+        </pc:cxnChg>
+        <pc:cxnChg chg="add mod">
+          <ac:chgData name="Kevin Cheng" userId="105565ef-b917-4f5f-91c2-40529abe0c0d" providerId="ADAL" clId="{7216B722-8D38-3240-8D39-CC91781C65F5}" dt="2018-12-31T04:02:26.620" v="1691" actId="12788"/>
+          <ac:cxnSpMkLst>
+            <pc:docMk/>
+            <pc:sldMk cId="1792604381" sldId="261"/>
+            <ac:cxnSpMk id="75" creationId="{FF359BD2-639D-1F4B-890B-3D9DD1464206}"/>
+          </ac:cxnSpMkLst>
+        </pc:cxnChg>
+        <pc:cxnChg chg="add mod">
+          <ac:chgData name="Kevin Cheng" userId="105565ef-b917-4f5f-91c2-40529abe0c0d" providerId="ADAL" clId="{7216B722-8D38-3240-8D39-CC91781C65F5}" dt="2018-12-31T04:02:26.620" v="1691" actId="12788"/>
+          <ac:cxnSpMkLst>
+            <pc:docMk/>
+            <pc:sldMk cId="1792604381" sldId="261"/>
+            <ac:cxnSpMk id="77" creationId="{9AE59BCB-ACCC-F64A-B0F2-9F5C3AD1A1DB}"/>
+          </ac:cxnSpMkLst>
+        </pc:cxnChg>
+        <pc:cxnChg chg="add mod">
+          <ac:chgData name="Kevin Cheng" userId="105565ef-b917-4f5f-91c2-40529abe0c0d" providerId="ADAL" clId="{7216B722-8D38-3240-8D39-CC91781C65F5}" dt="2018-12-31T04:02:37.453" v="1697" actId="1035"/>
+          <ac:cxnSpMkLst>
+            <pc:docMk/>
+            <pc:sldMk cId="1792604381" sldId="261"/>
+            <ac:cxnSpMk id="85" creationId="{56ECBE70-8636-0844-9927-DC92A9777C46}"/>
+          </ac:cxnSpMkLst>
+        </pc:cxnChg>
+      </pc:sldChg>
+      <pc:sldChg chg="del">
+        <pc:chgData name="Kevin Cheng" userId="105565ef-b917-4f5f-91c2-40529abe0c0d" providerId="ADAL" clId="{7216B722-8D38-3240-8D39-CC91781C65F5}" dt="2018-12-31T01:23:34.625" v="465" actId="2696"/>
+        <pc:sldMkLst>
+          <pc:docMk/>
+          <pc:sldMk cId="841334935" sldId="263"/>
+        </pc:sldMkLst>
+      </pc:sldChg>
+      <pc:sldChg chg="modSp">
+        <pc:chgData name="Kevin Cheng" userId="105565ef-b917-4f5f-91c2-40529abe0c0d" providerId="ADAL" clId="{7216B722-8D38-3240-8D39-CC91781C65F5}" dt="2018-12-31T00:43:13.910" v="40" actId="1035"/>
+        <pc:sldMkLst>
+          <pc:docMk/>
+          <pc:sldMk cId="2516992069" sldId="264"/>
+        </pc:sldMkLst>
+        <pc:spChg chg="mod">
+          <ac:chgData name="Kevin Cheng" userId="105565ef-b917-4f5f-91c2-40529abe0c0d" providerId="ADAL" clId="{7216B722-8D38-3240-8D39-CC91781C65F5}" dt="2018-12-31T00:43:13.910" v="40" actId="1035"/>
+          <ac:spMkLst>
+            <pc:docMk/>
+            <pc:sldMk cId="2516992069" sldId="264"/>
+            <ac:spMk id="2" creationId="{D8FA1026-1A6D-2245-9DA0-43FA45B84374}"/>
+          </ac:spMkLst>
+        </pc:spChg>
+        <pc:spChg chg="mod">
+          <ac:chgData name="Kevin Cheng" userId="105565ef-b917-4f5f-91c2-40529abe0c0d" providerId="ADAL" clId="{7216B722-8D38-3240-8D39-CC91781C65F5}" dt="2018-12-31T00:43:13.910" v="40" actId="1035"/>
+          <ac:spMkLst>
+            <pc:docMk/>
+            <pc:sldMk cId="2516992069" sldId="264"/>
+            <ac:spMk id="6" creationId="{2C3E7869-E1AD-7348-A7A6-F71173C79FD9}"/>
+          </ac:spMkLst>
+        </pc:spChg>
+        <pc:spChg chg="mod">
+          <ac:chgData name="Kevin Cheng" userId="105565ef-b917-4f5f-91c2-40529abe0c0d" providerId="ADAL" clId="{7216B722-8D38-3240-8D39-CC91781C65F5}" dt="2018-12-31T00:43:13.910" v="40" actId="1035"/>
+          <ac:spMkLst>
+            <pc:docMk/>
+            <pc:sldMk cId="2516992069" sldId="264"/>
+            <ac:spMk id="7" creationId="{8C7204AE-7B8F-8148-9B21-92885FB2CA5A}"/>
+          </ac:spMkLst>
+        </pc:spChg>
+        <pc:spChg chg="mod">
+          <ac:chgData name="Kevin Cheng" userId="105565ef-b917-4f5f-91c2-40529abe0c0d" providerId="ADAL" clId="{7216B722-8D38-3240-8D39-CC91781C65F5}" dt="2018-12-31T00:43:13.910" v="40" actId="1035"/>
+          <ac:spMkLst>
+            <pc:docMk/>
+            <pc:sldMk cId="2516992069" sldId="264"/>
+            <ac:spMk id="10" creationId="{51024EEB-93FC-6A49-96A5-47271D4D8A1C}"/>
+          </ac:spMkLst>
+        </pc:spChg>
+        <pc:spChg chg="mod">
+          <ac:chgData name="Kevin Cheng" userId="105565ef-b917-4f5f-91c2-40529abe0c0d" providerId="ADAL" clId="{7216B722-8D38-3240-8D39-CC91781C65F5}" dt="2018-12-31T00:43:13.910" v="40" actId="1035"/>
+          <ac:spMkLst>
+            <pc:docMk/>
+            <pc:sldMk cId="2516992069" sldId="264"/>
+            <ac:spMk id="11" creationId="{AF4FDDC9-1460-6C4B-AF16-DDC5D30535AA}"/>
+          </ac:spMkLst>
+        </pc:spChg>
+        <pc:spChg chg="mod">
+          <ac:chgData name="Kevin Cheng" userId="105565ef-b917-4f5f-91c2-40529abe0c0d" providerId="ADAL" clId="{7216B722-8D38-3240-8D39-CC91781C65F5}" dt="2018-12-31T00:43:13.910" v="40" actId="1035"/>
+          <ac:spMkLst>
+            <pc:docMk/>
+            <pc:sldMk cId="2516992069" sldId="264"/>
+            <ac:spMk id="13" creationId="{EC397CC4-47FC-B74E-A29E-A0C78B7330C7}"/>
+          </ac:spMkLst>
+        </pc:spChg>
+        <pc:spChg chg="mod">
+          <ac:chgData name="Kevin Cheng" userId="105565ef-b917-4f5f-91c2-40529abe0c0d" providerId="ADAL" clId="{7216B722-8D38-3240-8D39-CC91781C65F5}" dt="2018-12-31T00:43:13.910" v="40" actId="1035"/>
+          <ac:spMkLst>
+            <pc:docMk/>
+            <pc:sldMk cId="2516992069" sldId="264"/>
+            <ac:spMk id="15" creationId="{2699548A-9965-0B45-AB96-6B6841750FDD}"/>
+          </ac:spMkLst>
+        </pc:spChg>
+        <pc:spChg chg="mod">
+          <ac:chgData name="Kevin Cheng" userId="105565ef-b917-4f5f-91c2-40529abe0c0d" providerId="ADAL" clId="{7216B722-8D38-3240-8D39-CC91781C65F5}" dt="2018-12-31T00:43:13.910" v="40" actId="1035"/>
+          <ac:spMkLst>
+            <pc:docMk/>
+            <pc:sldMk cId="2516992069" sldId="264"/>
+            <ac:spMk id="16" creationId="{18BD9D2C-664E-E448-8AED-092AAEB71DE0}"/>
+          </ac:spMkLst>
+        </pc:spChg>
+        <pc:spChg chg="mod">
+          <ac:chgData name="Kevin Cheng" userId="105565ef-b917-4f5f-91c2-40529abe0c0d" providerId="ADAL" clId="{7216B722-8D38-3240-8D39-CC91781C65F5}" dt="2018-12-31T00:43:13.910" v="40" actId="1035"/>
+          <ac:spMkLst>
+            <pc:docMk/>
+            <pc:sldMk cId="2516992069" sldId="264"/>
+            <ac:spMk id="17" creationId="{4D026FC7-74FB-A541-8BD9-5001E8407494}"/>
+          </ac:spMkLst>
+        </pc:spChg>
+        <pc:spChg chg="mod">
+          <ac:chgData name="Kevin Cheng" userId="105565ef-b917-4f5f-91c2-40529abe0c0d" providerId="ADAL" clId="{7216B722-8D38-3240-8D39-CC91781C65F5}" dt="2018-12-31T00:43:13.910" v="40" actId="1035"/>
+          <ac:spMkLst>
+            <pc:docMk/>
+            <pc:sldMk cId="2516992069" sldId="264"/>
+            <ac:spMk id="18" creationId="{9DAA4F58-EC62-F446-AC9A-0A314449CEA9}"/>
+          </ac:spMkLst>
+        </pc:spChg>
+        <pc:spChg chg="mod">
+          <ac:chgData name="Kevin Cheng" userId="105565ef-b917-4f5f-91c2-40529abe0c0d" providerId="ADAL" clId="{7216B722-8D38-3240-8D39-CC91781C65F5}" dt="2018-12-31T00:43:13.910" v="40" actId="1035"/>
+          <ac:spMkLst>
+            <pc:docMk/>
+            <pc:sldMk cId="2516992069" sldId="264"/>
+            <ac:spMk id="66" creationId="{4917C6EA-2736-574C-B6AD-A10C5C351EDE}"/>
+          </ac:spMkLst>
+        </pc:spChg>
+        <pc:spChg chg="mod">
+          <ac:chgData name="Kevin Cheng" userId="105565ef-b917-4f5f-91c2-40529abe0c0d" providerId="ADAL" clId="{7216B722-8D38-3240-8D39-CC91781C65F5}" dt="2018-12-31T00:43:13.910" v="40" actId="1035"/>
+          <ac:spMkLst>
+            <pc:docMk/>
+            <pc:sldMk cId="2516992069" sldId="264"/>
+            <ac:spMk id="67" creationId="{224F1F0D-F130-1D46-B98E-52A1311D01BA}"/>
+          </ac:spMkLst>
+        </pc:spChg>
+        <pc:spChg chg="mod">
+          <ac:chgData name="Kevin Cheng" userId="105565ef-b917-4f5f-91c2-40529abe0c0d" providerId="ADAL" clId="{7216B722-8D38-3240-8D39-CC91781C65F5}" dt="2018-12-31T00:43:13.910" v="40" actId="1035"/>
+          <ac:spMkLst>
+            <pc:docMk/>
+            <pc:sldMk cId="2516992069" sldId="264"/>
+            <ac:spMk id="68" creationId="{2F188AD6-ADA5-1B43-BBC7-7DE2AC098D0A}"/>
+          </ac:spMkLst>
+        </pc:spChg>
+        <pc:spChg chg="mod">
+          <ac:chgData name="Kevin Cheng" userId="105565ef-b917-4f5f-91c2-40529abe0c0d" providerId="ADAL" clId="{7216B722-8D38-3240-8D39-CC91781C65F5}" dt="2018-12-31T00:43:13.910" v="40" actId="1035"/>
+          <ac:spMkLst>
+            <pc:docMk/>
+            <pc:sldMk cId="2516992069" sldId="264"/>
+            <ac:spMk id="71" creationId="{7EA3C1BB-3E4E-9041-B18F-3900CA830F62}"/>
+          </ac:spMkLst>
+        </pc:spChg>
+        <pc:spChg chg="mod">
+          <ac:chgData name="Kevin Cheng" userId="105565ef-b917-4f5f-91c2-40529abe0c0d" providerId="ADAL" clId="{7216B722-8D38-3240-8D39-CC91781C65F5}" dt="2018-12-31T00:43:13.910" v="40" actId="1035"/>
+          <ac:spMkLst>
+            <pc:docMk/>
+            <pc:sldMk cId="2516992069" sldId="264"/>
+            <ac:spMk id="72" creationId="{269398C1-5802-AF4D-B4F7-365FD05FB9D3}"/>
+          </ac:spMkLst>
+        </pc:spChg>
+        <pc:spChg chg="mod">
+          <ac:chgData name="Kevin Cheng" userId="105565ef-b917-4f5f-91c2-40529abe0c0d" providerId="ADAL" clId="{7216B722-8D38-3240-8D39-CC91781C65F5}" dt="2018-12-31T00:43:13.910" v="40" actId="1035"/>
+          <ac:spMkLst>
+            <pc:docMk/>
+            <pc:sldMk cId="2516992069" sldId="264"/>
+            <ac:spMk id="75" creationId="{E12A094F-2666-504D-9211-603F719B44DF}"/>
+          </ac:spMkLst>
+        </pc:spChg>
+        <pc:spChg chg="mod">
+          <ac:chgData name="Kevin Cheng" userId="105565ef-b917-4f5f-91c2-40529abe0c0d" providerId="ADAL" clId="{7216B722-8D38-3240-8D39-CC91781C65F5}" dt="2018-12-31T00:43:13.910" v="40" actId="1035"/>
+          <ac:spMkLst>
+            <pc:docMk/>
+            <pc:sldMk cId="2516992069" sldId="264"/>
+            <ac:spMk id="78" creationId="{986C56E8-9D54-B24F-A808-D55799B5F1D1}"/>
+          </ac:spMkLst>
+        </pc:spChg>
+        <pc:spChg chg="mod">
+          <ac:chgData name="Kevin Cheng" userId="105565ef-b917-4f5f-91c2-40529abe0c0d" providerId="ADAL" clId="{7216B722-8D38-3240-8D39-CC91781C65F5}" dt="2018-12-31T00:43:13.910" v="40" actId="1035"/>
+          <ac:spMkLst>
+            <pc:docMk/>
+            <pc:sldMk cId="2516992069" sldId="264"/>
+            <ac:spMk id="81" creationId="{D643C380-D44B-3742-9A30-B46E3CC2F199}"/>
+          </ac:spMkLst>
+        </pc:spChg>
+        <pc:spChg chg="mod">
+          <ac:chgData name="Kevin Cheng" userId="105565ef-b917-4f5f-91c2-40529abe0c0d" providerId="ADAL" clId="{7216B722-8D38-3240-8D39-CC91781C65F5}" dt="2018-12-31T00:43:13.910" v="40" actId="1035"/>
+          <ac:spMkLst>
+            <pc:docMk/>
+            <pc:sldMk cId="2516992069" sldId="264"/>
+            <ac:spMk id="88" creationId="{BC6EFE03-1D55-714E-94A7-895AC8A1F6C1}"/>
+          </ac:spMkLst>
+        </pc:spChg>
+        <pc:spChg chg="mod">
+          <ac:chgData name="Kevin Cheng" userId="105565ef-b917-4f5f-91c2-40529abe0c0d" providerId="ADAL" clId="{7216B722-8D38-3240-8D39-CC91781C65F5}" dt="2018-12-31T00:43:13.910" v="40" actId="1035"/>
+          <ac:spMkLst>
+            <pc:docMk/>
+            <pc:sldMk cId="2516992069" sldId="264"/>
+            <ac:spMk id="89" creationId="{120FE7B2-E91E-4B42-A4F1-B196D5DF5FBF}"/>
+          </ac:spMkLst>
+        </pc:spChg>
+        <pc:spChg chg="mod">
+          <ac:chgData name="Kevin Cheng" userId="105565ef-b917-4f5f-91c2-40529abe0c0d" providerId="ADAL" clId="{7216B722-8D38-3240-8D39-CC91781C65F5}" dt="2018-12-31T00:43:13.910" v="40" actId="1035"/>
+          <ac:spMkLst>
+            <pc:docMk/>
+            <pc:sldMk cId="2516992069" sldId="264"/>
+            <ac:spMk id="90" creationId="{3C14DFC8-1A20-FF4A-BC3B-BD952DCF31B9}"/>
+          </ac:spMkLst>
+        </pc:spChg>
+        <pc:spChg chg="mod">
+          <ac:chgData name="Kevin Cheng" userId="105565ef-b917-4f5f-91c2-40529abe0c0d" providerId="ADAL" clId="{7216B722-8D38-3240-8D39-CC91781C65F5}" dt="2018-12-31T00:43:13.910" v="40" actId="1035"/>
+          <ac:spMkLst>
+            <pc:docMk/>
+            <pc:sldMk cId="2516992069" sldId="264"/>
+            <ac:spMk id="91" creationId="{902D45DF-8811-4E4E-B87B-E4FA23A30F74}"/>
+          </ac:spMkLst>
+        </pc:spChg>
+        <pc:spChg chg="mod">
+          <ac:chgData name="Kevin Cheng" userId="105565ef-b917-4f5f-91c2-40529abe0c0d" providerId="ADAL" clId="{7216B722-8D38-3240-8D39-CC91781C65F5}" dt="2018-12-31T00:43:13.910" v="40" actId="1035"/>
+          <ac:spMkLst>
+            <pc:docMk/>
+            <pc:sldMk cId="2516992069" sldId="264"/>
+            <ac:spMk id="99" creationId="{747A7CC5-12BD-8D4E-8C2E-20D00F1F442A}"/>
+          </ac:spMkLst>
+        </pc:spChg>
+        <pc:spChg chg="mod">
+          <ac:chgData name="Kevin Cheng" userId="105565ef-b917-4f5f-91c2-40529abe0c0d" providerId="ADAL" clId="{7216B722-8D38-3240-8D39-CC91781C65F5}" dt="2018-12-31T00:43:13.910" v="40" actId="1035"/>
+          <ac:spMkLst>
+            <pc:docMk/>
+            <pc:sldMk cId="2516992069" sldId="264"/>
+            <ac:spMk id="120" creationId="{25F860C6-A263-454E-B9BE-71100E82888D}"/>
+          </ac:spMkLst>
+        </pc:spChg>
+        <pc:spChg chg="mod">
+          <ac:chgData name="Kevin Cheng" userId="105565ef-b917-4f5f-91c2-40529abe0c0d" providerId="ADAL" clId="{7216B722-8D38-3240-8D39-CC91781C65F5}" dt="2018-12-31T00:43:13.910" v="40" actId="1035"/>
+          <ac:spMkLst>
+            <pc:docMk/>
+            <pc:sldMk cId="2516992069" sldId="264"/>
+            <ac:spMk id="121" creationId="{B9F68713-C8A8-EE4E-8545-71CD0057EFC0}"/>
+          </ac:spMkLst>
+        </pc:spChg>
+        <pc:spChg chg="mod">
+          <ac:chgData name="Kevin Cheng" userId="105565ef-b917-4f5f-91c2-40529abe0c0d" providerId="ADAL" clId="{7216B722-8D38-3240-8D39-CC91781C65F5}" dt="2018-12-31T00:43:13.910" v="40" actId="1035"/>
+          <ac:spMkLst>
+            <pc:docMk/>
+            <pc:sldMk cId="2516992069" sldId="264"/>
+            <ac:spMk id="122" creationId="{4B272956-2115-204E-A730-EF5F2DDDCCEA}"/>
+          </ac:spMkLst>
+        </pc:spChg>
+        <pc:spChg chg="mod">
+          <ac:chgData name="Kevin Cheng" userId="105565ef-b917-4f5f-91c2-40529abe0c0d" providerId="ADAL" clId="{7216B722-8D38-3240-8D39-CC91781C65F5}" dt="2018-12-31T00:43:13.910" v="40" actId="1035"/>
+          <ac:spMkLst>
+            <pc:docMk/>
+            <pc:sldMk cId="2516992069" sldId="264"/>
+            <ac:spMk id="123" creationId="{0BFB64D8-8263-EE41-AA4B-2A9FDF9845FA}"/>
+          </ac:spMkLst>
+        </pc:spChg>
+        <pc:spChg chg="mod">
+          <ac:chgData name="Kevin Cheng" userId="105565ef-b917-4f5f-91c2-40529abe0c0d" providerId="ADAL" clId="{7216B722-8D38-3240-8D39-CC91781C65F5}" dt="2018-12-31T00:43:13.910" v="40" actId="1035"/>
+          <ac:spMkLst>
+            <pc:docMk/>
+            <pc:sldMk cId="2516992069" sldId="264"/>
+            <ac:spMk id="149" creationId="{4F6429AB-B964-A74E-8664-C18413B6A321}"/>
+          </ac:spMkLst>
+        </pc:spChg>
+        <pc:spChg chg="mod">
+          <ac:chgData name="Kevin Cheng" userId="105565ef-b917-4f5f-91c2-40529abe0c0d" providerId="ADAL" clId="{7216B722-8D38-3240-8D39-CC91781C65F5}" dt="2018-12-31T00:43:13.910" v="40" actId="1035"/>
+          <ac:spMkLst>
+            <pc:docMk/>
+            <pc:sldMk cId="2516992069" sldId="264"/>
+            <ac:spMk id="150" creationId="{D433339C-5878-1D48-94B0-A300770B9DC7}"/>
+          </ac:spMkLst>
+        </pc:spChg>
+        <pc:spChg chg="mod">
+          <ac:chgData name="Kevin Cheng" userId="105565ef-b917-4f5f-91c2-40529abe0c0d" providerId="ADAL" clId="{7216B722-8D38-3240-8D39-CC91781C65F5}" dt="2018-12-31T00:43:13.910" v="40" actId="1035"/>
+          <ac:spMkLst>
+            <pc:docMk/>
+            <pc:sldMk cId="2516992069" sldId="264"/>
+            <ac:spMk id="153" creationId="{02C5452B-7D3D-3A4A-B803-58FBB77A7784}"/>
+          </ac:spMkLst>
+        </pc:spChg>
+        <pc:spChg chg="mod">
+          <ac:chgData name="Kevin Cheng" userId="105565ef-b917-4f5f-91c2-40529abe0c0d" providerId="ADAL" clId="{7216B722-8D38-3240-8D39-CC91781C65F5}" dt="2018-12-31T00:43:13.910" v="40" actId="1035"/>
+          <ac:spMkLst>
+            <pc:docMk/>
+            <pc:sldMk cId="2516992069" sldId="264"/>
+            <ac:spMk id="156" creationId="{133FF0C4-5AE4-CD48-977A-D58330B687DA}"/>
+          </ac:spMkLst>
+        </pc:spChg>
+        <pc:spChg chg="mod">
+          <ac:chgData name="Kevin Cheng" userId="105565ef-b917-4f5f-91c2-40529abe0c0d" providerId="ADAL" clId="{7216B722-8D38-3240-8D39-CC91781C65F5}" dt="2018-12-31T00:43:13.910" v="40" actId="1035"/>
+          <ac:spMkLst>
+            <pc:docMk/>
+            <pc:sldMk cId="2516992069" sldId="264"/>
+            <ac:spMk id="158" creationId="{FA51C86A-0628-8841-8B82-DD1A9D857145}"/>
+          </ac:spMkLst>
+        </pc:spChg>
+        <pc:spChg chg="mod">
+          <ac:chgData name="Kevin Cheng" userId="105565ef-b917-4f5f-91c2-40529abe0c0d" providerId="ADAL" clId="{7216B722-8D38-3240-8D39-CC91781C65F5}" dt="2018-12-31T00:43:13.910" v="40" actId="1035"/>
+          <ac:spMkLst>
+            <pc:docMk/>
+            <pc:sldMk cId="2516992069" sldId="264"/>
+            <ac:spMk id="159" creationId="{8C78FD03-F8FB-E649-835D-A90834DF1196}"/>
+          </ac:spMkLst>
+        </pc:spChg>
+        <pc:spChg chg="mod">
+          <ac:chgData name="Kevin Cheng" userId="105565ef-b917-4f5f-91c2-40529abe0c0d" providerId="ADAL" clId="{7216B722-8D38-3240-8D39-CC91781C65F5}" dt="2018-12-31T00:43:13.910" v="40" actId="1035"/>
+          <ac:spMkLst>
+            <pc:docMk/>
+            <pc:sldMk cId="2516992069" sldId="264"/>
+            <ac:spMk id="160" creationId="{648A4393-20D0-9642-9C89-5CA37A507CED}"/>
+          </ac:spMkLst>
+        </pc:spChg>
+        <pc:spChg chg="mod">
+          <ac:chgData name="Kevin Cheng" userId="105565ef-b917-4f5f-91c2-40529abe0c0d" providerId="ADAL" clId="{7216B722-8D38-3240-8D39-CC91781C65F5}" dt="2018-12-31T00:43:13.910" v="40" actId="1035"/>
+          <ac:spMkLst>
+            <pc:docMk/>
+            <pc:sldMk cId="2516992069" sldId="264"/>
+            <ac:spMk id="171" creationId="{827806A9-2A1C-0C4D-A192-F415F328FDE7}"/>
+          </ac:spMkLst>
+        </pc:spChg>
+        <pc:spChg chg="mod">
+          <ac:chgData name="Kevin Cheng" userId="105565ef-b917-4f5f-91c2-40529abe0c0d" providerId="ADAL" clId="{7216B722-8D38-3240-8D39-CC91781C65F5}" dt="2018-12-31T00:43:13.910" v="40" actId="1035"/>
+          <ac:spMkLst>
+            <pc:docMk/>
+            <pc:sldMk cId="2516992069" sldId="264"/>
+            <ac:spMk id="172" creationId="{469EDD16-C622-C540-8F3A-F3AC880EC3F9}"/>
+          </ac:spMkLst>
+        </pc:spChg>
+        <pc:spChg chg="mod">
+          <ac:chgData name="Kevin Cheng" userId="105565ef-b917-4f5f-91c2-40529abe0c0d" providerId="ADAL" clId="{7216B722-8D38-3240-8D39-CC91781C65F5}" dt="2018-12-31T00:43:13.910" v="40" actId="1035"/>
+          <ac:spMkLst>
+            <pc:docMk/>
+            <pc:sldMk cId="2516992069" sldId="264"/>
+            <ac:spMk id="177" creationId="{FE9C4015-FBE1-A941-B6E1-D2D5B433E6A1}"/>
+          </ac:spMkLst>
+        </pc:spChg>
+        <pc:spChg chg="mod">
+          <ac:chgData name="Kevin Cheng" userId="105565ef-b917-4f5f-91c2-40529abe0c0d" providerId="ADAL" clId="{7216B722-8D38-3240-8D39-CC91781C65F5}" dt="2018-12-31T00:43:13.910" v="40" actId="1035"/>
+          <ac:spMkLst>
+            <pc:docMk/>
+            <pc:sldMk cId="2516992069" sldId="264"/>
+            <ac:spMk id="178" creationId="{19433EDB-D5E4-9346-92EA-5F955724A9B8}"/>
+          </ac:spMkLst>
+        </pc:spChg>
+        <pc:spChg chg="mod">
+          <ac:chgData name="Kevin Cheng" userId="105565ef-b917-4f5f-91c2-40529abe0c0d" providerId="ADAL" clId="{7216B722-8D38-3240-8D39-CC91781C65F5}" dt="2018-12-31T00:43:13.910" v="40" actId="1035"/>
+          <ac:spMkLst>
+            <pc:docMk/>
+            <pc:sldMk cId="2516992069" sldId="264"/>
+            <ac:spMk id="179" creationId="{2BD24783-9688-B243-8B1D-00A4C7826BB7}"/>
+          </ac:spMkLst>
+        </pc:spChg>
+        <pc:spChg chg="mod">
+          <ac:chgData name="Kevin Cheng" userId="105565ef-b917-4f5f-91c2-40529abe0c0d" providerId="ADAL" clId="{7216B722-8D38-3240-8D39-CC91781C65F5}" dt="2018-12-31T00:43:13.910" v="40" actId="1035"/>
+          <ac:spMkLst>
+            <pc:docMk/>
+            <pc:sldMk cId="2516992069" sldId="264"/>
+            <ac:spMk id="180" creationId="{2D4E8D02-125D-A644-9B8A-07AC6A3A8BBA}"/>
+          </ac:spMkLst>
+        </pc:spChg>
+        <pc:spChg chg="mod">
+          <ac:chgData name="Kevin Cheng" userId="105565ef-b917-4f5f-91c2-40529abe0c0d" providerId="ADAL" clId="{7216B722-8D38-3240-8D39-CC91781C65F5}" dt="2018-12-31T00:43:03.255" v="9" actId="1076"/>
+          <ac:spMkLst>
+            <pc:docMk/>
+            <pc:sldMk cId="2516992069" sldId="264"/>
+            <ac:spMk id="181" creationId="{615AE5DB-645F-5646-8D43-4AE8F795E791}"/>
+          </ac:spMkLst>
+        </pc:spChg>
+        <pc:spChg chg="mod">
+          <ac:chgData name="Kevin Cheng" userId="105565ef-b917-4f5f-91c2-40529abe0c0d" providerId="ADAL" clId="{7216B722-8D38-3240-8D39-CC91781C65F5}" dt="2018-12-31T00:43:13.910" v="40" actId="1035"/>
+          <ac:spMkLst>
+            <pc:docMk/>
+            <pc:sldMk cId="2516992069" sldId="264"/>
+            <ac:spMk id="183" creationId="{46B33AD6-23CA-F84E-AAB8-8FCAAE9004A9}"/>
+          </ac:spMkLst>
+        </pc:spChg>
+        <pc:spChg chg="mod">
+          <ac:chgData name="Kevin Cheng" userId="105565ef-b917-4f5f-91c2-40529abe0c0d" providerId="ADAL" clId="{7216B722-8D38-3240-8D39-CC91781C65F5}" dt="2018-12-31T00:43:13.910" v="40" actId="1035"/>
+          <ac:spMkLst>
+            <pc:docMk/>
+            <pc:sldMk cId="2516992069" sldId="264"/>
+            <ac:spMk id="185" creationId="{A8081189-C31E-E046-92FE-BEF6697B53D4}"/>
+          </ac:spMkLst>
+        </pc:spChg>
+        <pc:spChg chg="mod">
+          <ac:chgData name="Kevin Cheng" userId="105565ef-b917-4f5f-91c2-40529abe0c0d" providerId="ADAL" clId="{7216B722-8D38-3240-8D39-CC91781C65F5}" dt="2018-12-31T00:43:13.910" v="40" actId="1035"/>
+          <ac:spMkLst>
+            <pc:docMk/>
+            <pc:sldMk cId="2516992069" sldId="264"/>
+            <ac:spMk id="186" creationId="{FE7FD266-CE2F-4544-B783-91E6CC1E7B9D}"/>
+          </ac:spMkLst>
+        </pc:spChg>
+        <pc:spChg chg="mod">
+          <ac:chgData name="Kevin Cheng" userId="105565ef-b917-4f5f-91c2-40529abe0c0d" providerId="ADAL" clId="{7216B722-8D38-3240-8D39-CC91781C65F5}" dt="2018-12-31T00:43:13.910" v="40" actId="1035"/>
+          <ac:spMkLst>
+            <pc:docMk/>
+            <pc:sldMk cId="2516992069" sldId="264"/>
+            <ac:spMk id="191" creationId="{9273891A-A5F6-4F4E-BB5F-E2AD9161382A}"/>
+          </ac:spMkLst>
+        </pc:spChg>
+        <pc:spChg chg="mod">
+          <ac:chgData name="Kevin Cheng" userId="105565ef-b917-4f5f-91c2-40529abe0c0d" providerId="ADAL" clId="{7216B722-8D38-3240-8D39-CC91781C65F5}" dt="2018-12-31T00:43:13.910" v="40" actId="1035"/>
+          <ac:spMkLst>
+            <pc:docMk/>
+            <pc:sldMk cId="2516992069" sldId="264"/>
+            <ac:spMk id="195" creationId="{8A9EB294-BD88-D645-A893-8980EF57E812}"/>
+          </ac:spMkLst>
+        </pc:spChg>
+        <pc:spChg chg="mod">
+          <ac:chgData name="Kevin Cheng" userId="105565ef-b917-4f5f-91c2-40529abe0c0d" providerId="ADAL" clId="{7216B722-8D38-3240-8D39-CC91781C65F5}" dt="2018-12-31T00:43:13.910" v="40" actId="1035"/>
+          <ac:spMkLst>
+            <pc:docMk/>
+            <pc:sldMk cId="2516992069" sldId="264"/>
+            <ac:spMk id="196" creationId="{4562712C-A5FF-4247-BE37-DC3E517763B9}"/>
+          </ac:spMkLst>
+        </pc:spChg>
+        <pc:spChg chg="mod">
+          <ac:chgData name="Kevin Cheng" userId="105565ef-b917-4f5f-91c2-40529abe0c0d" providerId="ADAL" clId="{7216B722-8D38-3240-8D39-CC91781C65F5}" dt="2018-12-31T00:43:13.910" v="40" actId="1035"/>
+          <ac:spMkLst>
+            <pc:docMk/>
+            <pc:sldMk cId="2516992069" sldId="264"/>
+            <ac:spMk id="197" creationId="{DC83BE9E-52F0-4B4A-A354-67701493DC57}"/>
+          </ac:spMkLst>
+        </pc:spChg>
+        <pc:spChg chg="mod">
+          <ac:chgData name="Kevin Cheng" userId="105565ef-b917-4f5f-91c2-40529abe0c0d" providerId="ADAL" clId="{7216B722-8D38-3240-8D39-CC91781C65F5}" dt="2018-12-31T00:43:13.910" v="40" actId="1035"/>
+          <ac:spMkLst>
+            <pc:docMk/>
+            <pc:sldMk cId="2516992069" sldId="264"/>
+            <ac:spMk id="210" creationId="{7AB3D7BE-0143-694E-8234-A23DE9DE6458}"/>
+          </ac:spMkLst>
+        </pc:spChg>
+        <pc:spChg chg="mod">
+          <ac:chgData name="Kevin Cheng" userId="105565ef-b917-4f5f-91c2-40529abe0c0d" providerId="ADAL" clId="{7216B722-8D38-3240-8D39-CC91781C65F5}" dt="2018-12-31T00:43:13.910" v="40" actId="1035"/>
+          <ac:spMkLst>
+            <pc:docMk/>
+            <pc:sldMk cId="2516992069" sldId="264"/>
+            <ac:spMk id="223" creationId="{2CE19A5F-3F04-B342-BC35-6A30BFAB70EC}"/>
+          </ac:spMkLst>
+        </pc:spChg>
+        <pc:cxnChg chg="mod">
+          <ac:chgData name="Kevin Cheng" userId="105565ef-b917-4f5f-91c2-40529abe0c0d" providerId="ADAL" clId="{7216B722-8D38-3240-8D39-CC91781C65F5}" dt="2018-12-31T00:43:13.910" v="40" actId="1035"/>
+          <ac:cxnSpMkLst>
+            <pc:docMk/>
+            <pc:sldMk cId="2516992069" sldId="264"/>
+            <ac:cxnSpMk id="20" creationId="{CDC4AE1F-1749-944E-B138-CC258A188A59}"/>
+          </ac:cxnSpMkLst>
+        </pc:cxnChg>
+        <pc:cxnChg chg="mod">
+          <ac:chgData name="Kevin Cheng" userId="105565ef-b917-4f5f-91c2-40529abe0c0d" providerId="ADAL" clId="{7216B722-8D38-3240-8D39-CC91781C65F5}" dt="2018-12-31T00:43:13.910" v="40" actId="1035"/>
+          <ac:cxnSpMkLst>
+            <pc:docMk/>
+            <pc:sldMk cId="2516992069" sldId="264"/>
+            <ac:cxnSpMk id="22" creationId="{F84DC854-28AA-3D41-8EF6-D62E9D8BDC3F}"/>
+          </ac:cxnSpMkLst>
+        </pc:cxnChg>
+        <pc:cxnChg chg="mod">
+          <ac:chgData name="Kevin Cheng" userId="105565ef-b917-4f5f-91c2-40529abe0c0d" providerId="ADAL" clId="{7216B722-8D38-3240-8D39-CC91781C65F5}" dt="2018-12-31T00:43:13.910" v="40" actId="1035"/>
+          <ac:cxnSpMkLst>
+            <pc:docMk/>
+            <pc:sldMk cId="2516992069" sldId="264"/>
+            <ac:cxnSpMk id="24" creationId="{1A833907-0564-0D4C-9539-0F97CE8EB103}"/>
+          </ac:cxnSpMkLst>
+        </pc:cxnChg>
+        <pc:cxnChg chg="mod">
+          <ac:chgData name="Kevin Cheng" userId="105565ef-b917-4f5f-91c2-40529abe0c0d" providerId="ADAL" clId="{7216B722-8D38-3240-8D39-CC91781C65F5}" dt="2018-12-31T00:43:13.910" v="40" actId="1035"/>
+          <ac:cxnSpMkLst>
+            <pc:docMk/>
+            <pc:sldMk cId="2516992069" sldId="264"/>
+            <ac:cxnSpMk id="26" creationId="{6DFE29F9-169A-F640-9A44-6709D88E697A}"/>
+          </ac:cxnSpMkLst>
+        </pc:cxnChg>
+        <pc:cxnChg chg="mod">
+          <ac:chgData name="Kevin Cheng" userId="105565ef-b917-4f5f-91c2-40529abe0c0d" providerId="ADAL" clId="{7216B722-8D38-3240-8D39-CC91781C65F5}" dt="2018-12-31T00:43:13.910" v="40" actId="1035"/>
+          <ac:cxnSpMkLst>
+            <pc:docMk/>
+            <pc:sldMk cId="2516992069" sldId="264"/>
+            <ac:cxnSpMk id="30" creationId="{3F94D2FD-71DD-444A-B5E3-1804D3A2B5D9}"/>
+          </ac:cxnSpMkLst>
+        </pc:cxnChg>
+        <pc:cxnChg chg="mod">
+          <ac:chgData name="Kevin Cheng" userId="105565ef-b917-4f5f-91c2-40529abe0c0d" providerId="ADAL" clId="{7216B722-8D38-3240-8D39-CC91781C65F5}" dt="2018-12-31T00:43:13.910" v="40" actId="1035"/>
+          <ac:cxnSpMkLst>
+            <pc:docMk/>
+            <pc:sldMk cId="2516992069" sldId="264"/>
+            <ac:cxnSpMk id="33" creationId="{423FD5F6-DFFD-0F49-B0DE-513922A28368}"/>
+          </ac:cxnSpMkLst>
+        </pc:cxnChg>
+        <pc:cxnChg chg="mod">
+          <ac:chgData name="Kevin Cheng" userId="105565ef-b917-4f5f-91c2-40529abe0c0d" providerId="ADAL" clId="{7216B722-8D38-3240-8D39-CC91781C65F5}" dt="2018-12-31T00:43:13.910" v="40" actId="1035"/>
+          <ac:cxnSpMkLst>
+            <pc:docMk/>
+            <pc:sldMk cId="2516992069" sldId="264"/>
+            <ac:cxnSpMk id="35" creationId="{A55A6CAE-FD53-D747-9C49-F79FA7F89E51}"/>
+          </ac:cxnSpMkLst>
+        </pc:cxnChg>
+        <pc:cxnChg chg="mod">
+          <ac:chgData name="Kevin Cheng" userId="105565ef-b917-4f5f-91c2-40529abe0c0d" providerId="ADAL" clId="{7216B722-8D38-3240-8D39-CC91781C65F5}" dt="2018-12-31T00:43:13.910" v="40" actId="1035"/>
+          <ac:cxnSpMkLst>
+            <pc:docMk/>
+            <pc:sldMk cId="2516992069" sldId="264"/>
+            <ac:cxnSpMk id="37" creationId="{AD3FAB3B-C7C5-E640-A723-DD4E3BDC0CDE}"/>
+          </ac:cxnSpMkLst>
+        </pc:cxnChg>
+        <pc:cxnChg chg="mod">
+          <ac:chgData name="Kevin Cheng" userId="105565ef-b917-4f5f-91c2-40529abe0c0d" providerId="ADAL" clId="{7216B722-8D38-3240-8D39-CC91781C65F5}" dt="2018-12-31T00:43:13.910" v="40" actId="1035"/>
+          <ac:cxnSpMkLst>
+            <pc:docMk/>
+            <pc:sldMk cId="2516992069" sldId="264"/>
+            <ac:cxnSpMk id="41" creationId="{8B8BAC15-30A8-6F45-AF43-5A47B82B9DE7}"/>
+          </ac:cxnSpMkLst>
+        </pc:cxnChg>
+        <pc:cxnChg chg="mod">
+          <ac:chgData name="Kevin Cheng" userId="105565ef-b917-4f5f-91c2-40529abe0c0d" providerId="ADAL" clId="{7216B722-8D38-3240-8D39-CC91781C65F5}" dt="2018-12-31T00:43:13.910" v="40" actId="1035"/>
+          <ac:cxnSpMkLst>
+            <pc:docMk/>
+            <pc:sldMk cId="2516992069" sldId="264"/>
+            <ac:cxnSpMk id="82" creationId="{414093DE-CAF6-F545-BD21-B94541FC4AC6}"/>
+          </ac:cxnSpMkLst>
+        </pc:cxnChg>
+        <pc:cxnChg chg="mod">
+          <ac:chgData name="Kevin Cheng" userId="105565ef-b917-4f5f-91c2-40529abe0c0d" providerId="ADAL" clId="{7216B722-8D38-3240-8D39-CC91781C65F5}" dt="2018-12-31T00:43:13.910" v="40" actId="1035"/>
+          <ac:cxnSpMkLst>
+            <pc:docMk/>
+            <pc:sldMk cId="2516992069" sldId="264"/>
+            <ac:cxnSpMk id="85" creationId="{16B49A30-8705-D246-BE38-7C416D312DB6}"/>
+          </ac:cxnSpMkLst>
+        </pc:cxnChg>
+        <pc:cxnChg chg="mod">
+          <ac:chgData name="Kevin Cheng" userId="105565ef-b917-4f5f-91c2-40529abe0c0d" providerId="ADAL" clId="{7216B722-8D38-3240-8D39-CC91781C65F5}" dt="2018-12-31T00:43:13.910" v="40" actId="1035"/>
+          <ac:cxnSpMkLst>
+            <pc:docMk/>
+            <pc:sldMk cId="2516992069" sldId="264"/>
+            <ac:cxnSpMk id="101" creationId="{C57628F3-A3DD-5C4A-8FCA-330C8EE93FC8}"/>
+          </ac:cxnSpMkLst>
+        </pc:cxnChg>
+        <pc:cxnChg chg="mod">
+          <ac:chgData name="Kevin Cheng" userId="105565ef-b917-4f5f-91c2-40529abe0c0d" providerId="ADAL" clId="{7216B722-8D38-3240-8D39-CC91781C65F5}" dt="2018-12-31T00:43:13.910" v="40" actId="1035"/>
+          <ac:cxnSpMkLst>
+            <pc:docMk/>
+            <pc:sldMk cId="2516992069" sldId="264"/>
+            <ac:cxnSpMk id="108" creationId="{6D4DAF00-5F73-4541-8E12-A3D733038763}"/>
+          </ac:cxnSpMkLst>
+        </pc:cxnChg>
+        <pc:cxnChg chg="mod">
+          <ac:chgData name="Kevin Cheng" userId="105565ef-b917-4f5f-91c2-40529abe0c0d" providerId="ADAL" clId="{7216B722-8D38-3240-8D39-CC91781C65F5}" dt="2018-12-31T00:43:13.910" v="40" actId="1035"/>
+          <ac:cxnSpMkLst>
+            <pc:docMk/>
+            <pc:sldMk cId="2516992069" sldId="264"/>
+            <ac:cxnSpMk id="124" creationId="{D4980800-C1ED-304A-9E8F-E7CE23268458}"/>
+          </ac:cxnSpMkLst>
+        </pc:cxnChg>
+        <pc:cxnChg chg="mod">
+          <ac:chgData name="Kevin Cheng" userId="105565ef-b917-4f5f-91c2-40529abe0c0d" providerId="ADAL" clId="{7216B722-8D38-3240-8D39-CC91781C65F5}" dt="2018-12-31T00:43:13.910" v="40" actId="1035"/>
+          <ac:cxnSpMkLst>
+            <pc:docMk/>
+            <pc:sldMk cId="2516992069" sldId="264"/>
+            <ac:cxnSpMk id="125" creationId="{17FB94E0-C309-864E-BA84-D5B5B30CD182}"/>
+          </ac:cxnSpMkLst>
+        </pc:cxnChg>
+        <pc:cxnChg chg="mod">
+          <ac:chgData name="Kevin Cheng" userId="105565ef-b917-4f5f-91c2-40529abe0c0d" providerId="ADAL" clId="{7216B722-8D38-3240-8D39-CC91781C65F5}" dt="2018-12-31T00:43:13.910" v="40" actId="1035"/>
+          <ac:cxnSpMkLst>
+            <pc:docMk/>
+            <pc:sldMk cId="2516992069" sldId="264"/>
+            <ac:cxnSpMk id="126" creationId="{28ACAC99-5794-824C-9A06-B79E8B63DD53}"/>
+          </ac:cxnSpMkLst>
+        </pc:cxnChg>
+        <pc:cxnChg chg="mod">
+          <ac:chgData name="Kevin Cheng" userId="105565ef-b917-4f5f-91c2-40529abe0c0d" providerId="ADAL" clId="{7216B722-8D38-3240-8D39-CC91781C65F5}" dt="2018-12-31T00:43:13.910" v="40" actId="1035"/>
+          <ac:cxnSpMkLst>
+            <pc:docMk/>
+            <pc:sldMk cId="2516992069" sldId="264"/>
+            <ac:cxnSpMk id="127" creationId="{CDD8AB37-46FD-CE48-AB91-30782D100CA5}"/>
+          </ac:cxnSpMkLst>
+        </pc:cxnChg>
+        <pc:cxnChg chg="mod">
+          <ac:chgData name="Kevin Cheng" userId="105565ef-b917-4f5f-91c2-40529abe0c0d" providerId="ADAL" clId="{7216B722-8D38-3240-8D39-CC91781C65F5}" dt="2018-12-31T00:43:13.910" v="40" actId="1035"/>
+          <ac:cxnSpMkLst>
+            <pc:docMk/>
+            <pc:sldMk cId="2516992069" sldId="264"/>
+            <ac:cxnSpMk id="128" creationId="{395821BA-E441-8D48-A949-55D03368B8BE}"/>
+          </ac:cxnSpMkLst>
+        </pc:cxnChg>
+        <pc:cxnChg chg="mod">
+          <ac:chgData name="Kevin Cheng" userId="105565ef-b917-4f5f-91c2-40529abe0c0d" providerId="ADAL" clId="{7216B722-8D38-3240-8D39-CC91781C65F5}" dt="2018-12-31T00:43:13.910" v="40" actId="1035"/>
+          <ac:cxnSpMkLst>
+            <pc:docMk/>
+            <pc:sldMk cId="2516992069" sldId="264"/>
+            <ac:cxnSpMk id="173" creationId="{678C6673-C2E9-8841-9E25-D78F9F1D22BD}"/>
+          </ac:cxnSpMkLst>
+        </pc:cxnChg>
+        <pc:cxnChg chg="mod">
+          <ac:chgData name="Kevin Cheng" userId="105565ef-b917-4f5f-91c2-40529abe0c0d" providerId="ADAL" clId="{7216B722-8D38-3240-8D39-CC91781C65F5}" dt="2018-12-31T00:43:13.910" v="40" actId="1035"/>
+          <ac:cxnSpMkLst>
+            <pc:docMk/>
+            <pc:sldMk cId="2516992069" sldId="264"/>
+            <ac:cxnSpMk id="192" creationId="{FF1E6134-5D7F-724C-B72B-BF3E39732DE2}"/>
+          </ac:cxnSpMkLst>
+        </pc:cxnChg>
+        <pc:cxnChg chg="mod">
+          <ac:chgData name="Kevin Cheng" userId="105565ef-b917-4f5f-91c2-40529abe0c0d" providerId="ADAL" clId="{7216B722-8D38-3240-8D39-CC91781C65F5}" dt="2018-12-31T00:43:13.910" v="40" actId="1035"/>
+          <ac:cxnSpMkLst>
+            <pc:docMk/>
+            <pc:sldMk cId="2516992069" sldId="264"/>
+            <ac:cxnSpMk id="198" creationId="{B547A8F7-AD00-B34D-8DCC-4699B49686DF}"/>
+          </ac:cxnSpMkLst>
+        </pc:cxnChg>
+        <pc:cxnChg chg="mod">
+          <ac:chgData name="Kevin Cheng" userId="105565ef-b917-4f5f-91c2-40529abe0c0d" providerId="ADAL" clId="{7216B722-8D38-3240-8D39-CC91781C65F5}" dt="2018-12-31T00:43:13.910" v="40" actId="1035"/>
+          <ac:cxnSpMkLst>
+            <pc:docMk/>
+            <pc:sldMk cId="2516992069" sldId="264"/>
+            <ac:cxnSpMk id="199" creationId="{46C611B9-C9E7-4846-B22E-851087C03294}"/>
+          </ac:cxnSpMkLst>
+        </pc:cxnChg>
+        <pc:cxnChg chg="mod">
+          <ac:chgData name="Kevin Cheng" userId="105565ef-b917-4f5f-91c2-40529abe0c0d" providerId="ADAL" clId="{7216B722-8D38-3240-8D39-CC91781C65F5}" dt="2018-12-31T00:43:13.910" v="40" actId="1035"/>
+          <ac:cxnSpMkLst>
+            <pc:docMk/>
+            <pc:sldMk cId="2516992069" sldId="264"/>
+            <ac:cxnSpMk id="200" creationId="{EDC205A3-7A62-2149-BA05-05DEDE3716A8}"/>
+          </ac:cxnSpMkLst>
+        </pc:cxnChg>
+        <pc:cxnChg chg="mod">
+          <ac:chgData name="Kevin Cheng" userId="105565ef-b917-4f5f-91c2-40529abe0c0d" providerId="ADAL" clId="{7216B722-8D38-3240-8D39-CC91781C65F5}" dt="2018-12-31T00:43:13.910" v="40" actId="1035"/>
+          <ac:cxnSpMkLst>
+            <pc:docMk/>
+            <pc:sldMk cId="2516992069" sldId="264"/>
+            <ac:cxnSpMk id="241" creationId="{B3A5E6EB-5DA9-E845-A7A6-04139A263C31}"/>
+          </ac:cxnSpMkLst>
+        </pc:cxnChg>
+        <pc:cxnChg chg="mod">
+          <ac:chgData name="Kevin Cheng" userId="105565ef-b917-4f5f-91c2-40529abe0c0d" providerId="ADAL" clId="{7216B722-8D38-3240-8D39-CC91781C65F5}" dt="2018-12-31T00:43:13.910" v="40" actId="1035"/>
+          <ac:cxnSpMkLst>
+            <pc:docMk/>
+            <pc:sldMk cId="2516992069" sldId="264"/>
+            <ac:cxnSpMk id="244" creationId="{85001DD3-CAB6-0640-BC07-28226B3D133A}"/>
+          </ac:cxnSpMkLst>
+        </pc:cxnChg>
+      </pc:sldChg>
+      <pc:sldChg chg="addSp delSp modSp">
+        <pc:chgData name="Kevin Cheng" userId="105565ef-b917-4f5f-91c2-40529abe0c0d" providerId="ADAL" clId="{7216B722-8D38-3240-8D39-CC91781C65F5}" dt="2018-12-31T19:13:24.627" v="1707" actId="20577"/>
+        <pc:sldMkLst>
+          <pc:docMk/>
+          <pc:sldMk cId="3733677604" sldId="265"/>
+        </pc:sldMkLst>
+        <pc:spChg chg="mod">
+          <ac:chgData name="Kevin Cheng" userId="105565ef-b917-4f5f-91c2-40529abe0c0d" providerId="ADAL" clId="{7216B722-8D38-3240-8D39-CC91781C65F5}" dt="2018-12-31T03:23:10.663" v="1589" actId="1076"/>
+          <ac:spMkLst>
+            <pc:docMk/>
+            <pc:sldMk cId="3733677604" sldId="265"/>
+            <ac:spMk id="2" creationId="{2AC64445-0E43-BE4C-8F4A-C4BE70ED874A}"/>
+          </ac:spMkLst>
+        </pc:spChg>
+        <pc:spChg chg="add mod">
+          <ac:chgData name="Kevin Cheng" userId="105565ef-b917-4f5f-91c2-40529abe0c0d" providerId="ADAL" clId="{7216B722-8D38-3240-8D39-CC91781C65F5}" dt="2018-12-31T03:23:01.746" v="1588" actId="1076"/>
+          <ac:spMkLst>
+            <pc:docMk/>
+            <pc:sldMk cId="3733677604" sldId="265"/>
+            <ac:spMk id="3" creationId="{2AFE7B61-8C50-B944-BC1A-E02A8E0141F4}"/>
+          </ac:spMkLst>
+        </pc:spChg>
+        <pc:spChg chg="add mod">
+          <ac:chgData name="Kevin Cheng" userId="105565ef-b917-4f5f-91c2-40529abe0c0d" providerId="ADAL" clId="{7216B722-8D38-3240-8D39-CC91781C65F5}" dt="2018-12-31T03:23:01.746" v="1588" actId="1076"/>
+          <ac:spMkLst>
+            <pc:docMk/>
+            <pc:sldMk cId="3733677604" sldId="265"/>
+            <ac:spMk id="4" creationId="{A9EC7130-F929-C64B-982B-4AE58AFDF947}"/>
+          </ac:spMkLst>
+        </pc:spChg>
+        <pc:spChg chg="add mod">
+          <ac:chgData name="Kevin Cheng" userId="105565ef-b917-4f5f-91c2-40529abe0c0d" providerId="ADAL" clId="{7216B722-8D38-3240-8D39-CC91781C65F5}" dt="2018-12-31T03:23:01.746" v="1588" actId="1076"/>
+          <ac:spMkLst>
+            <pc:docMk/>
+            <pc:sldMk cId="3733677604" sldId="265"/>
+            <ac:spMk id="5" creationId="{89AB096F-AE04-AA4C-98F3-FDC09D691BEB}"/>
+          </ac:spMkLst>
+        </pc:spChg>
+        <pc:spChg chg="add del mod">
+          <ac:chgData name="Kevin Cheng" userId="105565ef-b917-4f5f-91c2-40529abe0c0d" providerId="ADAL" clId="{7216B722-8D38-3240-8D39-CC91781C65F5}" dt="2018-12-31T01:33:18.857" v="503" actId="478"/>
+          <ac:spMkLst>
+            <pc:docMk/>
+            <pc:sldMk cId="3733677604" sldId="265"/>
+            <ac:spMk id="6" creationId="{7C14385F-4B36-E245-BEA0-267D2793032F}"/>
+          </ac:spMkLst>
+        </pc:spChg>
+        <pc:spChg chg="add del">
+          <ac:chgData name="Kevin Cheng" userId="105565ef-b917-4f5f-91c2-40529abe0c0d" providerId="ADAL" clId="{7216B722-8D38-3240-8D39-CC91781C65F5}" dt="2018-12-31T01:33:33.765" v="506"/>
+          <ac:spMkLst>
+            <pc:docMk/>
+            <pc:sldMk cId="3733677604" sldId="265"/>
+            <ac:spMk id="7" creationId="{9E1EF753-5BC4-744D-A108-78EACDAA323E}"/>
+          </ac:spMkLst>
+        </pc:spChg>
+        <pc:spChg chg="add del mod">
+          <ac:chgData name="Kevin Cheng" userId="105565ef-b917-4f5f-91c2-40529abe0c0d" providerId="ADAL" clId="{7216B722-8D38-3240-8D39-CC91781C65F5}" dt="2018-12-31T19:13:21.284" v="1702" actId="20577"/>
+          <ac:spMkLst>
+            <pc:docMk/>
+            <pc:sldMk cId="3733677604" sldId="265"/>
+            <ac:spMk id="8" creationId="{B410BD36-7D0D-8043-B4FF-A5494DB05317}"/>
+          </ac:spMkLst>
+        </pc:spChg>
+        <pc:spChg chg="add del mod">
+          <ac:chgData name="Kevin Cheng" userId="105565ef-b917-4f5f-91c2-40529abe0c0d" providerId="ADAL" clId="{7216B722-8D38-3240-8D39-CC91781C65F5}" dt="2018-12-31T02:08:58" v="738" actId="478"/>
+          <ac:spMkLst>
+            <pc:docMk/>
+            <pc:sldMk cId="3733677604" sldId="265"/>
+            <ac:spMk id="9" creationId="{E11427B0-31FA-A642-8108-997EC21DA6AB}"/>
+          </ac:spMkLst>
+        </pc:spChg>
+        <pc:spChg chg="add del mod">
+          <ac:chgData name="Kevin Cheng" userId="105565ef-b917-4f5f-91c2-40529abe0c0d" providerId="ADAL" clId="{7216B722-8D38-3240-8D39-CC91781C65F5}" dt="2018-12-31T01:34:20.002" v="523"/>
+          <ac:spMkLst>
+            <pc:docMk/>
+            <pc:sldMk cId="3733677604" sldId="265"/>
+            <ac:spMk id="10" creationId="{AD151840-FA59-3D43-BF69-566FE0ADBB9A}"/>
+          </ac:spMkLst>
+        </pc:spChg>
+        <pc:spChg chg="add del mod">
+          <ac:chgData name="Kevin Cheng" userId="105565ef-b917-4f5f-91c2-40529abe0c0d" providerId="ADAL" clId="{7216B722-8D38-3240-8D39-CC91781C65F5}" dt="2018-12-31T01:36:48.277" v="593" actId="478"/>
+          <ac:spMkLst>
+            <pc:docMk/>
+            <pc:sldMk cId="3733677604" sldId="265"/>
+            <ac:spMk id="11" creationId="{360D1224-9A26-D940-AA28-07DC221E0A7E}"/>
+          </ac:spMkLst>
+        </pc:spChg>
+        <pc:spChg chg="add mod">
+          <ac:chgData name="Kevin Cheng" userId="105565ef-b917-4f5f-91c2-40529abe0c0d" providerId="ADAL" clId="{7216B722-8D38-3240-8D39-CC91781C65F5}" dt="2018-12-31T19:13:24.627" v="1707" actId="20577"/>
+          <ac:spMkLst>
+            <pc:docMk/>
+            <pc:sldMk cId="3733677604" sldId="265"/>
+            <ac:spMk id="12" creationId="{AA1CD287-C891-514D-BB50-C50229681BC2}"/>
+          </ac:spMkLst>
+        </pc:spChg>
+        <pc:spChg chg="add del mod">
+          <ac:chgData name="Kevin Cheng" userId="105565ef-b917-4f5f-91c2-40529abe0c0d" providerId="ADAL" clId="{7216B722-8D38-3240-8D39-CC91781C65F5}" dt="2018-12-31T02:09:11.491" v="741" actId="478"/>
+          <ac:spMkLst>
+            <pc:docMk/>
+            <pc:sldMk cId="3733677604" sldId="265"/>
+            <ac:spMk id="13" creationId="{A1EC570E-19F6-C044-A9A5-573B46879EC1}"/>
+          </ac:spMkLst>
+        </pc:spChg>
+        <pc:spChg chg="add del mod">
+          <ac:chgData name="Kevin Cheng" userId="105565ef-b917-4f5f-91c2-40529abe0c0d" providerId="ADAL" clId="{7216B722-8D38-3240-8D39-CC91781C65F5}" dt="2018-12-31T01:37:28.611" v="612" actId="478"/>
+          <ac:spMkLst>
+            <pc:docMk/>
+            <pc:sldMk cId="3733677604" sldId="265"/>
+            <ac:spMk id="14" creationId="{950DC438-9A40-004B-AFB0-0A5201911BD1}"/>
+          </ac:spMkLst>
+        </pc:spChg>
+        <pc:spChg chg="add mod">
+          <ac:chgData name="Kevin Cheng" userId="105565ef-b917-4f5f-91c2-40529abe0c0d" providerId="ADAL" clId="{7216B722-8D38-3240-8D39-CC91781C65F5}" dt="2018-12-31T03:23:01.746" v="1588" actId="1076"/>
+          <ac:spMkLst>
+            <pc:docMk/>
+            <pc:sldMk cId="3733677604" sldId="265"/>
+            <ac:spMk id="15" creationId="{6818EE28-15D1-DE42-A25B-1BF70A515A70}"/>
+          </ac:spMkLst>
+        </pc:spChg>
+        <pc:spChg chg="add mod">
+          <ac:chgData name="Kevin Cheng" userId="105565ef-b917-4f5f-91c2-40529abe0c0d" providerId="ADAL" clId="{7216B722-8D38-3240-8D39-CC91781C65F5}" dt="2018-12-31T03:23:01.746" v="1588" actId="1076"/>
+          <ac:spMkLst>
+            <pc:docMk/>
+            <pc:sldMk cId="3733677604" sldId="265"/>
+            <ac:spMk id="16" creationId="{B822E85E-0FE3-A64F-A2B3-B4C02B66FAA5}"/>
+          </ac:spMkLst>
+        </pc:spChg>
+        <pc:spChg chg="add mod">
+          <ac:chgData name="Kevin Cheng" userId="105565ef-b917-4f5f-91c2-40529abe0c0d" providerId="ADAL" clId="{7216B722-8D38-3240-8D39-CC91781C65F5}" dt="2018-12-31T03:24:06.065" v="1591" actId="1076"/>
+          <ac:spMkLst>
+            <pc:docMk/>
+            <pc:sldMk cId="3733677604" sldId="265"/>
+            <ac:spMk id="21" creationId="{F6E2E3EC-E0F8-5D49-8978-6CB37216F20C}"/>
+          </ac:spMkLst>
+        </pc:spChg>
+        <pc:spChg chg="add mod">
+          <ac:chgData name="Kevin Cheng" userId="105565ef-b917-4f5f-91c2-40529abe0c0d" providerId="ADAL" clId="{7216B722-8D38-3240-8D39-CC91781C65F5}" dt="2018-12-31T03:23:01.746" v="1588" actId="1076"/>
+          <ac:spMkLst>
+            <pc:docMk/>
+            <pc:sldMk cId="3733677604" sldId="265"/>
+            <ac:spMk id="22" creationId="{2EFD16D4-1AB1-764C-9F01-1A81BF53A539}"/>
+          </ac:spMkLst>
+        </pc:spChg>
+        <pc:spChg chg="add del mod">
+          <ac:chgData name="Kevin Cheng" userId="105565ef-b917-4f5f-91c2-40529abe0c0d" providerId="ADAL" clId="{7216B722-8D38-3240-8D39-CC91781C65F5}" dt="2018-12-31T01:41:41.346" v="672" actId="478"/>
+          <ac:spMkLst>
+            <pc:docMk/>
+            <pc:sldMk cId="3733677604" sldId="265"/>
+            <ac:spMk id="23" creationId="{47EDCBC0-D4CF-304C-9660-0274FDC378A9}"/>
+          </ac:spMkLst>
+        </pc:spChg>
+        <pc:spChg chg="add del mod">
+          <ac:chgData name="Kevin Cheng" userId="105565ef-b917-4f5f-91c2-40529abe0c0d" providerId="ADAL" clId="{7216B722-8D38-3240-8D39-CC91781C65F5}" dt="2018-12-31T01:44:58.366" v="685" actId="478"/>
+          <ac:spMkLst>
+            <pc:docMk/>
+            <pc:sldMk cId="3733677604" sldId="265"/>
+            <ac:spMk id="26" creationId="{8B566C08-37F3-AB4F-90FE-67FBE0642D30}"/>
+          </ac:spMkLst>
+        </pc:spChg>
+        <pc:spChg chg="add del mod">
+          <ac:chgData name="Kevin Cheng" userId="105565ef-b917-4f5f-91c2-40529abe0c0d" providerId="ADAL" clId="{7216B722-8D38-3240-8D39-CC91781C65F5}" dt="2018-12-31T01:44:58.366" v="685" actId="478"/>
+          <ac:spMkLst>
+            <pc:docMk/>
+            <pc:sldMk cId="3733677604" sldId="265"/>
+            <ac:spMk id="27" creationId="{58F259F7-DAC6-0A4A-BBFD-2ED583DC237F}"/>
+          </ac:spMkLst>
+        </pc:spChg>
+        <pc:spChg chg="add mod">
+          <ac:chgData name="Kevin Cheng" userId="105565ef-b917-4f5f-91c2-40529abe0c0d" providerId="ADAL" clId="{7216B722-8D38-3240-8D39-CC91781C65F5}" dt="2018-12-31T03:23:01.746" v="1588" actId="1076"/>
+          <ac:spMkLst>
+            <pc:docMk/>
+            <pc:sldMk cId="3733677604" sldId="265"/>
+            <ac:spMk id="30" creationId="{1EBB1DF7-1BCB-8543-9F42-7ED8A16DF188}"/>
+          </ac:spMkLst>
+        </pc:spChg>
+        <pc:spChg chg="add mod">
+          <ac:chgData name="Kevin Cheng" userId="105565ef-b917-4f5f-91c2-40529abe0c0d" providerId="ADAL" clId="{7216B722-8D38-3240-8D39-CC91781C65F5}" dt="2018-12-31T03:23:01.746" v="1588" actId="1076"/>
+          <ac:spMkLst>
+            <pc:docMk/>
+            <pc:sldMk cId="3733677604" sldId="265"/>
+            <ac:spMk id="31" creationId="{6EF44FDD-6F1D-7144-972D-9A47C0F02AE5}"/>
+          </ac:spMkLst>
+        </pc:spChg>
+        <pc:spChg chg="add mod">
+          <ac:chgData name="Kevin Cheng" userId="105565ef-b917-4f5f-91c2-40529abe0c0d" providerId="ADAL" clId="{7216B722-8D38-3240-8D39-CC91781C65F5}" dt="2018-12-31T03:23:01.746" v="1588" actId="1076"/>
+          <ac:spMkLst>
+            <pc:docMk/>
+            <pc:sldMk cId="3733677604" sldId="265"/>
+            <ac:spMk id="36" creationId="{0A5B7E80-40D9-9045-8EEE-3E714609B776}"/>
+          </ac:spMkLst>
+        </pc:spChg>
+        <pc:spChg chg="add del mod">
+          <ac:chgData name="Kevin Cheng" userId="105565ef-b917-4f5f-91c2-40529abe0c0d" providerId="ADAL" clId="{7216B722-8D38-3240-8D39-CC91781C65F5}" dt="2018-12-31T02:10:06.014" v="761" actId="478"/>
+          <ac:spMkLst>
+            <pc:docMk/>
+            <pc:sldMk cId="3733677604" sldId="265"/>
+            <ac:spMk id="37" creationId="{25414E39-D5B3-D441-994C-37CC652BC3C8}"/>
+          </ac:spMkLst>
+        </pc:spChg>
+        <pc:spChg chg="add mod">
+          <ac:chgData name="Kevin Cheng" userId="105565ef-b917-4f5f-91c2-40529abe0c0d" providerId="ADAL" clId="{7216B722-8D38-3240-8D39-CC91781C65F5}" dt="2018-12-31T03:23:01.746" v="1588" actId="1076"/>
+          <ac:spMkLst>
+            <pc:docMk/>
+            <pc:sldMk cId="3733677604" sldId="265"/>
+            <ac:spMk id="38" creationId="{BB90D01E-0DC9-D84E-828F-A58070DA8FFD}"/>
+          </ac:spMkLst>
+        </pc:spChg>
+        <pc:spChg chg="add mod">
+          <ac:chgData name="Kevin Cheng" userId="105565ef-b917-4f5f-91c2-40529abe0c0d" providerId="ADAL" clId="{7216B722-8D38-3240-8D39-CC91781C65F5}" dt="2018-12-31T03:23:01.746" v="1588" actId="1076"/>
+          <ac:spMkLst>
+            <pc:docMk/>
+            <pc:sldMk cId="3733677604" sldId="265"/>
+            <ac:spMk id="41" creationId="{A7017B33-F4FA-C54E-9139-05717447A237}"/>
+          </ac:spMkLst>
+        </pc:spChg>
+        <pc:spChg chg="add mod">
+          <ac:chgData name="Kevin Cheng" userId="105565ef-b917-4f5f-91c2-40529abe0c0d" providerId="ADAL" clId="{7216B722-8D38-3240-8D39-CC91781C65F5}" dt="2018-12-31T03:23:01.746" v="1588" actId="1076"/>
+          <ac:spMkLst>
+            <pc:docMk/>
+            <pc:sldMk cId="3733677604" sldId="265"/>
+            <ac:spMk id="42" creationId="{2F80A290-18D1-4C49-ACE4-1D59087CB4CF}"/>
+          </ac:spMkLst>
+        </pc:spChg>
+        <pc:spChg chg="add mod">
+          <ac:chgData name="Kevin Cheng" userId="105565ef-b917-4f5f-91c2-40529abe0c0d" providerId="ADAL" clId="{7216B722-8D38-3240-8D39-CC91781C65F5}" dt="2018-12-31T03:23:01.746" v="1588" actId="1076"/>
+          <ac:spMkLst>
+            <pc:docMk/>
+            <pc:sldMk cId="3733677604" sldId="265"/>
+            <ac:spMk id="43" creationId="{B1364D5A-1079-6041-9AD2-06A346259820}"/>
+          </ac:spMkLst>
+        </pc:spChg>
+        <pc:spChg chg="add del mod">
+          <ac:chgData name="Kevin Cheng" userId="105565ef-b917-4f5f-91c2-40529abe0c0d" providerId="ADAL" clId="{7216B722-8D38-3240-8D39-CC91781C65F5}" dt="2018-12-31T02:15:22.842" v="830" actId="478"/>
+          <ac:spMkLst>
+            <pc:docMk/>
+            <pc:sldMk cId="3733677604" sldId="265"/>
+            <ac:spMk id="44" creationId="{3AFCF543-6F45-7547-A65D-981265A14488}"/>
+          </ac:spMkLst>
+        </pc:spChg>
+        <pc:spChg chg="add del mod">
+          <ac:chgData name="Kevin Cheng" userId="105565ef-b917-4f5f-91c2-40529abe0c0d" providerId="ADAL" clId="{7216B722-8D38-3240-8D39-CC91781C65F5}" dt="2018-12-31T02:15:40.573" v="838" actId="478"/>
+          <ac:spMkLst>
+            <pc:docMk/>
+            <pc:sldMk cId="3733677604" sldId="265"/>
+            <ac:spMk id="45" creationId="{53B62494-4205-844B-ACF0-F3BFE23808E0}"/>
+          </ac:spMkLst>
+        </pc:spChg>
+        <pc:spChg chg="add mod">
+          <ac:chgData name="Kevin Cheng" userId="105565ef-b917-4f5f-91c2-40529abe0c0d" providerId="ADAL" clId="{7216B722-8D38-3240-8D39-CC91781C65F5}" dt="2018-12-31T03:23:01.746" v="1588" actId="1076"/>
+          <ac:spMkLst>
+            <pc:docMk/>
+            <pc:sldMk cId="3733677604" sldId="265"/>
+            <ac:spMk id="46" creationId="{5F37D3C9-90AA-B841-BEF9-C6BD0DAB0FA8}"/>
+          </ac:spMkLst>
+        </pc:spChg>
+        <pc:spChg chg="add del mod">
+          <ac:chgData name="Kevin Cheng" userId="105565ef-b917-4f5f-91c2-40529abe0c0d" providerId="ADAL" clId="{7216B722-8D38-3240-8D39-CC91781C65F5}" dt="2018-12-31T02:38:49.875" v="1252" actId="478"/>
+          <ac:spMkLst>
+            <pc:docMk/>
+            <pc:sldMk cId="3733677604" sldId="265"/>
+            <ac:spMk id="47" creationId="{F74A72A6-0536-8A49-9B18-1884806428E3}"/>
+          </ac:spMkLst>
+        </pc:spChg>
+        <pc:spChg chg="add del mod">
+          <ac:chgData name="Kevin Cheng" userId="105565ef-b917-4f5f-91c2-40529abe0c0d" providerId="ADAL" clId="{7216B722-8D38-3240-8D39-CC91781C65F5}" dt="2018-12-31T02:38:49.875" v="1252" actId="478"/>
+          <ac:spMkLst>
+            <pc:docMk/>
+            <pc:sldMk cId="3733677604" sldId="265"/>
+            <ac:spMk id="48" creationId="{7D2A9693-CEE3-994A-8CC1-376F50F015C3}"/>
+          </ac:spMkLst>
+        </pc:spChg>
+        <pc:spChg chg="add del mod">
+          <ac:chgData name="Kevin Cheng" userId="105565ef-b917-4f5f-91c2-40529abe0c0d" providerId="ADAL" clId="{7216B722-8D38-3240-8D39-CC91781C65F5}" dt="2018-12-31T02:38:49.875" v="1252" actId="478"/>
+          <ac:spMkLst>
+            <pc:docMk/>
+            <pc:sldMk cId="3733677604" sldId="265"/>
+            <ac:spMk id="49" creationId="{740608D8-8BE8-9445-943E-F419A36C1B05}"/>
+          </ac:spMkLst>
+        </pc:spChg>
+        <pc:spChg chg="add del mod">
+          <ac:chgData name="Kevin Cheng" userId="105565ef-b917-4f5f-91c2-40529abe0c0d" providerId="ADAL" clId="{7216B722-8D38-3240-8D39-CC91781C65F5}" dt="2018-12-31T02:38:49.875" v="1252" actId="478"/>
+          <ac:spMkLst>
+            <pc:docMk/>
+            <pc:sldMk cId="3733677604" sldId="265"/>
+            <ac:spMk id="50" creationId="{FD760831-B4D2-3441-8EB8-CCFECAEEBF1B}"/>
+          </ac:spMkLst>
+        </pc:spChg>
+        <pc:spChg chg="add mod">
+          <ac:chgData name="Kevin Cheng" userId="105565ef-b917-4f5f-91c2-40529abe0c0d" providerId="ADAL" clId="{7216B722-8D38-3240-8D39-CC91781C65F5}" dt="2018-12-31T03:23:01.746" v="1588" actId="1076"/>
+          <ac:spMkLst>
+            <pc:docMk/>
+            <pc:sldMk cId="3733677604" sldId="265"/>
+            <ac:spMk id="71" creationId="{678CB3C5-C67E-4E46-B05C-112B2A31A487}"/>
+          </ac:spMkLst>
+        </pc:spChg>
+        <pc:spChg chg="add mod">
+          <ac:chgData name="Kevin Cheng" userId="105565ef-b917-4f5f-91c2-40529abe0c0d" providerId="ADAL" clId="{7216B722-8D38-3240-8D39-CC91781C65F5}" dt="2018-12-31T03:23:01.746" v="1588" actId="1076"/>
+          <ac:spMkLst>
+            <pc:docMk/>
+            <pc:sldMk cId="3733677604" sldId="265"/>
+            <ac:spMk id="72" creationId="{E30E96EB-2F01-1C44-A7E3-58924A4E9D50}"/>
+          </ac:spMkLst>
+        </pc:spChg>
+        <pc:spChg chg="add mod">
+          <ac:chgData name="Kevin Cheng" userId="105565ef-b917-4f5f-91c2-40529abe0c0d" providerId="ADAL" clId="{7216B722-8D38-3240-8D39-CC91781C65F5}" dt="2018-12-31T03:23:01.746" v="1588" actId="1076"/>
+          <ac:spMkLst>
+            <pc:docMk/>
+            <pc:sldMk cId="3733677604" sldId="265"/>
+            <ac:spMk id="73" creationId="{65C48640-CEFA-EB49-AB7E-0FC8BD4878DF}"/>
+          </ac:spMkLst>
+        </pc:spChg>
+        <pc:spChg chg="add mod">
+          <ac:chgData name="Kevin Cheng" userId="105565ef-b917-4f5f-91c2-40529abe0c0d" providerId="ADAL" clId="{7216B722-8D38-3240-8D39-CC91781C65F5}" dt="2018-12-31T03:23:01.746" v="1588" actId="1076"/>
+          <ac:spMkLst>
+            <pc:docMk/>
+            <pc:sldMk cId="3733677604" sldId="265"/>
+            <ac:spMk id="74" creationId="{4AA0A43C-942C-2040-8FC4-4CE4B1B4CE9A}"/>
+          </ac:spMkLst>
+        </pc:spChg>
+        <pc:spChg chg="add del mod">
+          <ac:chgData name="Kevin Cheng" userId="105565ef-b917-4f5f-91c2-40529abe0c0d" providerId="ADAL" clId="{7216B722-8D38-3240-8D39-CC91781C65F5}" dt="2018-12-31T02:35:48.176" v="1213" actId="478"/>
+          <ac:spMkLst>
+            <pc:docMk/>
+            <pc:sldMk cId="3733677604" sldId="265"/>
+            <ac:spMk id="75" creationId="{37912DC0-641B-2148-B885-BD0A70C22E0B}"/>
+          </ac:spMkLst>
+        </pc:spChg>
+        <pc:spChg chg="add del mod">
+          <ac:chgData name="Kevin Cheng" userId="105565ef-b917-4f5f-91c2-40529abe0c0d" providerId="ADAL" clId="{7216B722-8D38-3240-8D39-CC91781C65F5}" dt="2018-12-31T02:38:06.466" v="1235" actId="478"/>
+          <ac:spMkLst>
+            <pc:docMk/>
+            <pc:sldMk cId="3733677604" sldId="265"/>
+            <ac:spMk id="76" creationId="{D7C6F5D1-A61B-D045-AC52-0BC8745D600D}"/>
+          </ac:spMkLst>
+        </pc:spChg>
+        <pc:spChg chg="add del mod">
+          <ac:chgData name="Kevin Cheng" userId="105565ef-b917-4f5f-91c2-40529abe0c0d" providerId="ADAL" clId="{7216B722-8D38-3240-8D39-CC91781C65F5}" dt="2018-12-31T02:38:04.482" v="1234" actId="478"/>
+          <ac:spMkLst>
+            <pc:docMk/>
+            <pc:sldMk cId="3733677604" sldId="265"/>
+            <ac:spMk id="77" creationId="{2965777F-4C02-3C48-AE3D-1DF9AAA6599F}"/>
+          </ac:spMkLst>
+        </pc:spChg>
+        <pc:spChg chg="add mod">
+          <ac:chgData name="Kevin Cheng" userId="105565ef-b917-4f5f-91c2-40529abe0c0d" providerId="ADAL" clId="{7216B722-8D38-3240-8D39-CC91781C65F5}" dt="2018-12-31T03:23:01.746" v="1588" actId="1076"/>
+          <ac:spMkLst>
+            <pc:docMk/>
+            <pc:sldMk cId="3733677604" sldId="265"/>
+            <ac:spMk id="78" creationId="{D43E5066-DEC0-F047-9318-3FC2B29014B7}"/>
+          </ac:spMkLst>
+        </pc:spChg>
+        <pc:spChg chg="add mod">
+          <ac:chgData name="Kevin Cheng" userId="105565ef-b917-4f5f-91c2-40529abe0c0d" providerId="ADAL" clId="{7216B722-8D38-3240-8D39-CC91781C65F5}" dt="2018-12-31T03:23:01.746" v="1588" actId="1076"/>
+          <ac:spMkLst>
+            <pc:docMk/>
+            <pc:sldMk cId="3733677604" sldId="265"/>
+            <ac:spMk id="79" creationId="{C386DD9A-843F-8F40-AECD-3E903FC6E80E}"/>
+          </ac:spMkLst>
+        </pc:spChg>
+        <pc:spChg chg="add mod">
+          <ac:chgData name="Kevin Cheng" userId="105565ef-b917-4f5f-91c2-40529abe0c0d" providerId="ADAL" clId="{7216B722-8D38-3240-8D39-CC91781C65F5}" dt="2018-12-31T03:23:01.746" v="1588" actId="1076"/>
+          <ac:spMkLst>
+            <pc:docMk/>
+            <pc:sldMk cId="3733677604" sldId="265"/>
+            <ac:spMk id="80" creationId="{82AE8406-B969-7146-B447-32A92714A866}"/>
+          </ac:spMkLst>
+        </pc:spChg>
+        <pc:spChg chg="add mod">
+          <ac:chgData name="Kevin Cheng" userId="105565ef-b917-4f5f-91c2-40529abe0c0d" providerId="ADAL" clId="{7216B722-8D38-3240-8D39-CC91781C65F5}" dt="2018-12-31T03:23:01.746" v="1588" actId="1076"/>
+          <ac:spMkLst>
+            <pc:docMk/>
+            <pc:sldMk cId="3733677604" sldId="265"/>
+            <ac:spMk id="81" creationId="{6C8FD5B6-12BD-D94F-B036-6C71FE86019D}"/>
+          </ac:spMkLst>
+        </pc:spChg>
+        <pc:spChg chg="add mod">
+          <ac:chgData name="Kevin Cheng" userId="105565ef-b917-4f5f-91c2-40529abe0c0d" providerId="ADAL" clId="{7216B722-8D38-3240-8D39-CC91781C65F5}" dt="2018-12-31T03:23:01.746" v="1588" actId="1076"/>
+          <ac:spMkLst>
+            <pc:docMk/>
+            <pc:sldMk cId="3733677604" sldId="265"/>
+            <ac:spMk id="82" creationId="{08F9C891-EEEE-6F4E-A934-4212D302F828}"/>
+          </ac:spMkLst>
+        </pc:spChg>
+        <pc:spChg chg="add mod">
+          <ac:chgData name="Kevin Cheng" userId="105565ef-b917-4f5f-91c2-40529abe0c0d" providerId="ADAL" clId="{7216B722-8D38-3240-8D39-CC91781C65F5}" dt="2018-12-31T03:23:01.746" v="1588" actId="1076"/>
+          <ac:spMkLst>
+            <pc:docMk/>
+            <pc:sldMk cId="3733677604" sldId="265"/>
+            <ac:spMk id="83" creationId="{A7D6007A-E0C6-EF4C-A582-A6AB35E5AAC9}"/>
+          </ac:spMkLst>
+        </pc:spChg>
+        <pc:spChg chg="add mod">
+          <ac:chgData name="Kevin Cheng" userId="105565ef-b917-4f5f-91c2-40529abe0c0d" providerId="ADAL" clId="{7216B722-8D38-3240-8D39-CC91781C65F5}" dt="2018-12-31T03:23:01.746" v="1588" actId="1076"/>
+          <ac:spMkLst>
+            <pc:docMk/>
+            <pc:sldMk cId="3733677604" sldId="265"/>
+            <ac:spMk id="84" creationId="{220F2ED1-FB51-3247-9AA6-F0BE5B4DEE50}"/>
+          </ac:spMkLst>
+        </pc:spChg>
+        <pc:spChg chg="add mod">
+          <ac:chgData name="Kevin Cheng" userId="105565ef-b917-4f5f-91c2-40529abe0c0d" providerId="ADAL" clId="{7216B722-8D38-3240-8D39-CC91781C65F5}" dt="2018-12-31T03:23:01.746" v="1588" actId="1076"/>
+          <ac:spMkLst>
+            <pc:docMk/>
+            <pc:sldMk cId="3733677604" sldId="265"/>
+            <ac:spMk id="85" creationId="{D30F3541-1471-D94F-BFC8-E18D6BDB42A7}"/>
+          </ac:spMkLst>
+        </pc:spChg>
+        <pc:spChg chg="add mod">
+          <ac:chgData name="Kevin Cheng" userId="105565ef-b917-4f5f-91c2-40529abe0c0d" providerId="ADAL" clId="{7216B722-8D38-3240-8D39-CC91781C65F5}" dt="2018-12-31T03:23:01.746" v="1588" actId="1076"/>
+          <ac:spMkLst>
+            <pc:docMk/>
+            <pc:sldMk cId="3733677604" sldId="265"/>
+            <ac:spMk id="86" creationId="{4F9ABB1D-D1C2-5D42-81B3-4857ADE01749}"/>
+          </ac:spMkLst>
+        </pc:spChg>
+        <pc:spChg chg="add mod">
+          <ac:chgData name="Kevin Cheng" userId="105565ef-b917-4f5f-91c2-40529abe0c0d" providerId="ADAL" clId="{7216B722-8D38-3240-8D39-CC91781C65F5}" dt="2018-12-31T03:23:01.746" v="1588" actId="1076"/>
+          <ac:spMkLst>
+            <pc:docMk/>
+            <pc:sldMk cId="3733677604" sldId="265"/>
+            <ac:spMk id="87" creationId="{2780E30E-DD22-0C41-9516-F1801EAE7FFA}"/>
+          </ac:spMkLst>
+        </pc:spChg>
+        <pc:spChg chg="add del mod">
+          <ac:chgData name="Kevin Cheng" userId="105565ef-b917-4f5f-91c2-40529abe0c0d" providerId="ADAL" clId="{7216B722-8D38-3240-8D39-CC91781C65F5}" dt="2018-12-31T02:50:45.003" v="1406" actId="478"/>
+          <ac:spMkLst>
+            <pc:docMk/>
+            <pc:sldMk cId="3733677604" sldId="265"/>
+            <ac:spMk id="88" creationId="{543697CC-25A0-9F43-8E97-0F6E55ECDA75}"/>
+          </ac:spMkLst>
+        </pc:spChg>
+        <pc:spChg chg="add mod">
+          <ac:chgData name="Kevin Cheng" userId="105565ef-b917-4f5f-91c2-40529abe0c0d" providerId="ADAL" clId="{7216B722-8D38-3240-8D39-CC91781C65F5}" dt="2018-12-31T03:23:01.746" v="1588" actId="1076"/>
+          <ac:spMkLst>
+            <pc:docMk/>
+            <pc:sldMk cId="3733677604" sldId="265"/>
+            <ac:spMk id="89" creationId="{C5E24790-6055-754C-A237-6599130EABC6}"/>
+          </ac:spMkLst>
+        </pc:spChg>
+        <pc:spChg chg="add mod">
+          <ac:chgData name="Kevin Cheng" userId="105565ef-b917-4f5f-91c2-40529abe0c0d" providerId="ADAL" clId="{7216B722-8D38-3240-8D39-CC91781C65F5}" dt="2018-12-31T03:23:01.746" v="1588" actId="1076"/>
+          <ac:spMkLst>
+            <pc:docMk/>
+            <pc:sldMk cId="3733677604" sldId="265"/>
+            <ac:spMk id="90" creationId="{5C5D0A04-9BED-8C44-A2D4-D00B90177CAA}"/>
+          </ac:spMkLst>
+        </pc:spChg>
+        <pc:spChg chg="add del mod">
+          <ac:chgData name="Kevin Cheng" userId="105565ef-b917-4f5f-91c2-40529abe0c0d" providerId="ADAL" clId="{7216B722-8D38-3240-8D39-CC91781C65F5}" dt="2018-12-31T03:06:54.890" v="1470" actId="478"/>
+          <ac:spMkLst>
+            <pc:docMk/>
+            <pc:sldMk cId="3733677604" sldId="265"/>
+            <ac:spMk id="91" creationId="{06844375-F328-194C-A064-50353F3E7422}"/>
+          </ac:spMkLst>
+        </pc:spChg>
+        <pc:spChg chg="add del mod">
+          <ac:chgData name="Kevin Cheng" userId="105565ef-b917-4f5f-91c2-40529abe0c0d" providerId="ADAL" clId="{7216B722-8D38-3240-8D39-CC91781C65F5}" dt="2018-12-31T03:08:33.049" v="1485" actId="478"/>
+          <ac:spMkLst>
+            <pc:docMk/>
+            <pc:sldMk cId="3733677604" sldId="265"/>
+            <ac:spMk id="92" creationId="{077546F0-C26D-C24F-B56E-0EAF517B015D}"/>
+          </ac:spMkLst>
+        </pc:spChg>
+        <pc:spChg chg="add mod">
+          <ac:chgData name="Kevin Cheng" userId="105565ef-b917-4f5f-91c2-40529abe0c0d" providerId="ADAL" clId="{7216B722-8D38-3240-8D39-CC91781C65F5}" dt="2018-12-31T03:23:01.746" v="1588" actId="1076"/>
+          <ac:spMkLst>
+            <pc:docMk/>
+            <pc:sldMk cId="3733677604" sldId="265"/>
+            <ac:spMk id="93" creationId="{3A753F3B-8EED-3643-84F2-63AE65C92BFE}"/>
+          </ac:spMkLst>
+        </pc:spChg>
+        <pc:grpChg chg="add del mod">
+          <ac:chgData name="Kevin Cheng" userId="105565ef-b917-4f5f-91c2-40529abe0c0d" providerId="ADAL" clId="{7216B722-8D38-3240-8D39-CC91781C65F5}" dt="2018-12-31T02:27:24.659" v="939" actId="165"/>
+          <ac:grpSpMkLst>
+            <pc:docMk/>
+            <pc:sldMk cId="3733677604" sldId="265"/>
+            <ac:grpSpMk id="64" creationId="{63F54432-20E2-6E46-8592-393BE529F1CC}"/>
+          </ac:grpSpMkLst>
+        </pc:grpChg>
+        <pc:grpChg chg="add del mod">
+          <ac:chgData name="Kevin Cheng" userId="105565ef-b917-4f5f-91c2-40529abe0c0d" providerId="ADAL" clId="{7216B722-8D38-3240-8D39-CC91781C65F5}" dt="2018-12-31T02:31:58.312" v="1127" actId="165"/>
+          <ac:grpSpMkLst>
+            <pc:docMk/>
+            <pc:sldMk cId="3733677604" sldId="265"/>
+            <ac:grpSpMk id="65" creationId="{0CB0BB45-70C4-3C45-BCE1-344388A23812}"/>
+          </ac:grpSpMkLst>
+        </pc:grpChg>
+        <pc:grpChg chg="add del">
+          <ac:chgData name="Kevin Cheng" userId="105565ef-b917-4f5f-91c2-40529abe0c0d" providerId="ADAL" clId="{7216B722-8D38-3240-8D39-CC91781C65F5}" dt="2018-12-31T02:30:18.534" v="1054"/>
+          <ac:grpSpMkLst>
+            <pc:docMk/>
+            <pc:sldMk cId="3733677604" sldId="265"/>
+            <ac:grpSpMk id="68" creationId="{55B2EF69-7859-2D42-A6D4-706EDAF31833}"/>
+          </ac:grpSpMkLst>
+        </pc:grpChg>
+        <pc:grpChg chg="add mod">
+          <ac:chgData name="Kevin Cheng" userId="105565ef-b917-4f5f-91c2-40529abe0c0d" providerId="ADAL" clId="{7216B722-8D38-3240-8D39-CC91781C65F5}" dt="2018-12-31T03:20:41.620" v="1556" actId="164"/>
+          <ac:grpSpMkLst>
+            <pc:docMk/>
+            <pc:sldMk cId="3733677604" sldId="265"/>
+            <ac:grpSpMk id="107" creationId="{21D1A511-A55E-D04A-94CC-A91FDC5A9847}"/>
+          </ac:grpSpMkLst>
+        </pc:grpChg>
+        <pc:cxnChg chg="add mod">
+          <ac:chgData name="Kevin Cheng" userId="105565ef-b917-4f5f-91c2-40529abe0c0d" providerId="ADAL" clId="{7216B722-8D38-3240-8D39-CC91781C65F5}" dt="2018-12-31T03:23:01.746" v="1588" actId="1076"/>
+          <ac:cxnSpMkLst>
+            <pc:docMk/>
+            <pc:sldMk cId="3733677604" sldId="265"/>
+            <ac:cxnSpMk id="18" creationId="{20FEAC98-855E-F747-985C-A4625A124F6E}"/>
+          </ac:cxnSpMkLst>
+        </pc:cxnChg>
+        <pc:cxnChg chg="add mod">
+          <ac:chgData name="Kevin Cheng" userId="105565ef-b917-4f5f-91c2-40529abe0c0d" providerId="ADAL" clId="{7216B722-8D38-3240-8D39-CC91781C65F5}" dt="2018-12-31T03:23:01.746" v="1588" actId="1076"/>
+          <ac:cxnSpMkLst>
+            <pc:docMk/>
+            <pc:sldMk cId="3733677604" sldId="265"/>
+            <ac:cxnSpMk id="20" creationId="{42D7DBA4-7EE5-154C-84DB-54BC3E9AA171}"/>
+          </ac:cxnSpMkLst>
+        </pc:cxnChg>
+        <pc:cxnChg chg="add del mod">
+          <ac:chgData name="Kevin Cheng" userId="105565ef-b917-4f5f-91c2-40529abe0c0d" providerId="ADAL" clId="{7216B722-8D38-3240-8D39-CC91781C65F5}" dt="2018-12-31T01:44:58.366" v="685" actId="478"/>
+          <ac:cxnSpMkLst>
+            <pc:docMk/>
+            <pc:sldMk cId="3733677604" sldId="265"/>
+            <ac:cxnSpMk id="24" creationId="{C27897A5-C39A-2F4B-96CC-4F7286E21815}"/>
+          </ac:cxnSpMkLst>
+        </pc:cxnChg>
+        <pc:cxnChg chg="add del mod">
+          <ac:chgData name="Kevin Cheng" userId="105565ef-b917-4f5f-91c2-40529abe0c0d" providerId="ADAL" clId="{7216B722-8D38-3240-8D39-CC91781C65F5}" dt="2018-12-31T01:44:58.366" v="685" actId="478"/>
+          <ac:cxnSpMkLst>
+            <pc:docMk/>
+            <pc:sldMk cId="3733677604" sldId="265"/>
+            <ac:cxnSpMk id="25" creationId="{BA8E6683-67D6-734A-A3FF-3BF5D132ABDE}"/>
+          </ac:cxnSpMkLst>
+        </pc:cxnChg>
+        <pc:cxnChg chg="add mod">
+          <ac:chgData name="Kevin Cheng" userId="105565ef-b917-4f5f-91c2-40529abe0c0d" providerId="ADAL" clId="{7216B722-8D38-3240-8D39-CC91781C65F5}" dt="2018-12-31T03:23:01.746" v="1588" actId="1076"/>
+          <ac:cxnSpMkLst>
+            <pc:docMk/>
+            <pc:sldMk cId="3733677604" sldId="265"/>
+            <ac:cxnSpMk id="28" creationId="{3DCE3D55-F334-AF4A-9D4D-285B0EBD3109}"/>
+          </ac:cxnSpMkLst>
+        </pc:cxnChg>
+        <pc:cxnChg chg="add mod">
+          <ac:chgData name="Kevin Cheng" userId="105565ef-b917-4f5f-91c2-40529abe0c0d" providerId="ADAL" clId="{7216B722-8D38-3240-8D39-CC91781C65F5}" dt="2018-12-31T03:23:01.746" v="1588" actId="1076"/>
+          <ac:cxnSpMkLst>
+            <pc:docMk/>
+            <pc:sldMk cId="3733677604" sldId="265"/>
+            <ac:cxnSpMk id="29" creationId="{82D536F8-1B77-6A43-A8F0-1C959D4347DD}"/>
+          </ac:cxnSpMkLst>
+        </pc:cxnChg>
+        <pc:cxnChg chg="add mod">
+          <ac:chgData name="Kevin Cheng" userId="105565ef-b917-4f5f-91c2-40529abe0c0d" providerId="ADAL" clId="{7216B722-8D38-3240-8D39-CC91781C65F5}" dt="2018-12-31T03:23:01.746" v="1588" actId="1076"/>
+          <ac:cxnSpMkLst>
+            <pc:docMk/>
+            <pc:sldMk cId="3733677604" sldId="265"/>
+            <ac:cxnSpMk id="32" creationId="{B878685D-FFD8-824E-B9C6-DE469B05B2F0}"/>
+          </ac:cxnSpMkLst>
+        </pc:cxnChg>
+        <pc:cxnChg chg="add mod">
+          <ac:chgData name="Kevin Cheng" userId="105565ef-b917-4f5f-91c2-40529abe0c0d" providerId="ADAL" clId="{7216B722-8D38-3240-8D39-CC91781C65F5}" dt="2018-12-31T03:23:01.746" v="1588" actId="1076"/>
+          <ac:cxnSpMkLst>
+            <pc:docMk/>
+            <pc:sldMk cId="3733677604" sldId="265"/>
+            <ac:cxnSpMk id="34" creationId="{F5688B0B-6D9A-A241-ADEA-78F6108C5668}"/>
+          </ac:cxnSpMkLst>
+        </pc:cxnChg>
+        <pc:cxnChg chg="add mod">
+          <ac:chgData name="Kevin Cheng" userId="105565ef-b917-4f5f-91c2-40529abe0c0d" providerId="ADAL" clId="{7216B722-8D38-3240-8D39-CC91781C65F5}" dt="2018-12-31T03:23:01.746" v="1588" actId="1076"/>
+          <ac:cxnSpMkLst>
+            <pc:docMk/>
+            <pc:sldMk cId="3733677604" sldId="265"/>
+            <ac:cxnSpMk id="39" creationId="{6EAADD7A-C1DA-154E-AE92-433798604205}"/>
+          </ac:cxnSpMkLst>
+        </pc:cxnChg>
+        <pc:cxnChg chg="add mod">
+          <ac:chgData name="Kevin Cheng" userId="105565ef-b917-4f5f-91c2-40529abe0c0d" providerId="ADAL" clId="{7216B722-8D38-3240-8D39-CC91781C65F5}" dt="2018-12-31T03:23:01.746" v="1588" actId="1076"/>
+          <ac:cxnSpMkLst>
+            <pc:docMk/>
+            <pc:sldMk cId="3733677604" sldId="265"/>
+            <ac:cxnSpMk id="40" creationId="{C4796EF5-1F75-5348-81E3-4B2867FF04E1}"/>
+          </ac:cxnSpMkLst>
+        </pc:cxnChg>
+        <pc:cxnChg chg="add del mod topLvl">
+          <ac:chgData name="Kevin Cheng" userId="105565ef-b917-4f5f-91c2-40529abe0c0d" providerId="ADAL" clId="{7216B722-8D38-3240-8D39-CC91781C65F5}" dt="2018-12-31T03:23:01.746" v="1588" actId="1076"/>
+          <ac:cxnSpMkLst>
+            <pc:docMk/>
+            <pc:sldMk cId="3733677604" sldId="265"/>
+            <ac:cxnSpMk id="51" creationId="{087A7593-694A-B949-ACB8-D03066ED16C2}"/>
+          </ac:cxnSpMkLst>
+        </pc:cxnChg>
+        <pc:cxnChg chg="add mod topLvl">
+          <ac:chgData name="Kevin Cheng" userId="105565ef-b917-4f5f-91c2-40529abe0c0d" providerId="ADAL" clId="{7216B722-8D38-3240-8D39-CC91781C65F5}" dt="2018-12-31T03:23:01.746" v="1588" actId="1076"/>
+          <ac:cxnSpMkLst>
+            <pc:docMk/>
+            <pc:sldMk cId="3733677604" sldId="265"/>
+            <ac:cxnSpMk id="53" creationId="{79538C6C-93DA-464F-A803-590E37D525EA}"/>
+          </ac:cxnSpMkLst>
+        </pc:cxnChg>
+        <pc:cxnChg chg="mod topLvl">
+          <ac:chgData name="Kevin Cheng" userId="105565ef-b917-4f5f-91c2-40529abe0c0d" providerId="ADAL" clId="{7216B722-8D38-3240-8D39-CC91781C65F5}" dt="2018-12-31T03:23:01.746" v="1588" actId="1076"/>
+          <ac:cxnSpMkLst>
+            <pc:docMk/>
+            <pc:sldMk cId="3733677604" sldId="265"/>
+            <ac:cxnSpMk id="66" creationId="{5ADD7C64-2F3C-4E48-B3EA-E7F1590C48A8}"/>
+          </ac:cxnSpMkLst>
+        </pc:cxnChg>
+        <pc:cxnChg chg="mod topLvl">
+          <ac:chgData name="Kevin Cheng" userId="105565ef-b917-4f5f-91c2-40529abe0c0d" providerId="ADAL" clId="{7216B722-8D38-3240-8D39-CC91781C65F5}" dt="2018-12-31T03:23:01.746" v="1588" actId="1076"/>
+          <ac:cxnSpMkLst>
+            <pc:docMk/>
+            <pc:sldMk cId="3733677604" sldId="265"/>
+            <ac:cxnSpMk id="67" creationId="{001B0020-850F-4944-8E64-86FBE0FE35D9}"/>
+          </ac:cxnSpMkLst>
+        </pc:cxnChg>
+        <pc:cxnChg chg="add del mod">
+          <ac:chgData name="Kevin Cheng" userId="105565ef-b917-4f5f-91c2-40529abe0c0d" providerId="ADAL" clId="{7216B722-8D38-3240-8D39-CC91781C65F5}" dt="2018-12-31T03:20:05.281" v="1550" actId="478"/>
+          <ac:cxnSpMkLst>
+            <pc:docMk/>
+            <pc:sldMk cId="3733677604" sldId="265"/>
+            <ac:cxnSpMk id="95" creationId="{9366F7B8-E91B-C14E-BED3-C7FB2B677609}"/>
+          </ac:cxnSpMkLst>
+        </pc:cxnChg>
+        <pc:cxnChg chg="add del mod">
+          <ac:chgData name="Kevin Cheng" userId="105565ef-b917-4f5f-91c2-40529abe0c0d" providerId="ADAL" clId="{7216B722-8D38-3240-8D39-CC91781C65F5}" dt="2018-12-31T03:19:25.531" v="1534" actId="478"/>
+          <ac:cxnSpMkLst>
+            <pc:docMk/>
+            <pc:sldMk cId="3733677604" sldId="265"/>
+            <ac:cxnSpMk id="97" creationId="{095B6FB3-AABE-3A45-8FFF-E53240836B72}"/>
+          </ac:cxnSpMkLst>
+        </pc:cxnChg>
+        <pc:cxnChg chg="add mod">
+          <ac:chgData name="Kevin Cheng" userId="105565ef-b917-4f5f-91c2-40529abe0c0d" providerId="ADAL" clId="{7216B722-8D38-3240-8D39-CC91781C65F5}" dt="2018-12-31T03:23:01.746" v="1588" actId="1076"/>
+          <ac:cxnSpMkLst>
+            <pc:docMk/>
+            <pc:sldMk cId="3733677604" sldId="265"/>
+            <ac:cxnSpMk id="109" creationId="{2DB1BB2D-051D-9643-90DC-8FCC1936B47B}"/>
+          </ac:cxnSpMkLst>
+        </pc:cxnChg>
+        <pc:cxnChg chg="add mod">
+          <ac:chgData name="Kevin Cheng" userId="105565ef-b917-4f5f-91c2-40529abe0c0d" providerId="ADAL" clId="{7216B722-8D38-3240-8D39-CC91781C65F5}" dt="2018-12-31T03:23:01.746" v="1588" actId="1076"/>
+          <ac:cxnSpMkLst>
+            <pc:docMk/>
+            <pc:sldMk cId="3733677604" sldId="265"/>
+            <ac:cxnSpMk id="111" creationId="{206D11D6-E6CA-C147-BCA5-9155DF438496}"/>
+          </ac:cxnSpMkLst>
+        </pc:cxnChg>
+      </pc:sldChg>
+      <pc:sldChg chg="modSp add">
+        <pc:chgData name="Kevin Cheng" userId="105565ef-b917-4f5f-91c2-40529abe0c0d" providerId="ADAL" clId="{7216B722-8D38-3240-8D39-CC91781C65F5}" dt="2018-12-31T04:00:07.803" v="1653" actId="20577"/>
+        <pc:sldMkLst>
+          <pc:docMk/>
+          <pc:sldMk cId="811198993" sldId="266"/>
+        </pc:sldMkLst>
+        <pc:spChg chg="mod">
+          <ac:chgData name="Kevin Cheng" userId="105565ef-b917-4f5f-91c2-40529abe0c0d" providerId="ADAL" clId="{7216B722-8D38-3240-8D39-CC91781C65F5}" dt="2018-12-31T04:00:07.803" v="1653" actId="20577"/>
+          <ac:spMkLst>
+            <pc:docMk/>
+            <pc:sldMk cId="811198993" sldId="266"/>
+            <ac:spMk id="2" creationId="{FBEB3993-AF3A-3343-BDBD-F41ECD4369E2}"/>
+          </ac:spMkLst>
+        </pc:spChg>
+      </pc:sldChg>
+      <pc:sldChg chg="addSp delSp modSp add del">
+        <pc:chgData name="Kevin Cheng" userId="105565ef-b917-4f5f-91c2-40529abe0c0d" providerId="ADAL" clId="{7216B722-8D38-3240-8D39-CC91781C65F5}" dt="2018-12-31T01:05:23.042" v="323" actId="2696"/>
+        <pc:sldMkLst>
+          <pc:docMk/>
+          <pc:sldMk cId="4245931678" sldId="266"/>
+        </pc:sldMkLst>
+        <pc:spChg chg="del">
+          <ac:chgData name="Kevin Cheng" userId="105565ef-b917-4f5f-91c2-40529abe0c0d" providerId="ADAL" clId="{7216B722-8D38-3240-8D39-CC91781C65F5}" dt="2018-12-31T00:56:46.779" v="205"/>
+          <ac:spMkLst>
+            <pc:docMk/>
+            <pc:sldMk cId="4245931678" sldId="266"/>
+            <ac:spMk id="2" creationId="{A59796EB-71DA-D143-9C85-1F784E394DC3}"/>
+          </ac:spMkLst>
+        </pc:spChg>
+        <pc:spChg chg="add del mod">
+          <ac:chgData name="Kevin Cheng" userId="105565ef-b917-4f5f-91c2-40529abe0c0d" providerId="ADAL" clId="{7216B722-8D38-3240-8D39-CC91781C65F5}" dt="2018-12-31T00:59:23.831" v="274"/>
+          <ac:spMkLst>
+            <pc:docMk/>
+            <pc:sldMk cId="4245931678" sldId="266"/>
+            <ac:spMk id="3" creationId="{9E2EE868-7DDE-E341-B7DA-A3B8D8AF3422}"/>
+          </ac:spMkLst>
+        </pc:spChg>
+        <pc:spChg chg="add del mod">
+          <ac:chgData name="Kevin Cheng" userId="105565ef-b917-4f5f-91c2-40529abe0c0d" providerId="ADAL" clId="{7216B722-8D38-3240-8D39-CC91781C65F5}" dt="2018-12-31T00:59:23.831" v="274"/>
+          <ac:spMkLst>
+            <pc:docMk/>
+            <pc:sldMk cId="4245931678" sldId="266"/>
+            <ac:spMk id="4" creationId="{B36304FA-28BA-5F49-976A-0F6A9C168D3B}"/>
+          </ac:spMkLst>
+        </pc:spChg>
+        <pc:spChg chg="add del mod">
+          <ac:chgData name="Kevin Cheng" userId="105565ef-b917-4f5f-91c2-40529abe0c0d" providerId="ADAL" clId="{7216B722-8D38-3240-8D39-CC91781C65F5}" dt="2018-12-31T00:57:30.558" v="216" actId="478"/>
+          <ac:spMkLst>
+            <pc:docMk/>
+            <pc:sldMk cId="4245931678" sldId="266"/>
+            <ac:spMk id="5" creationId="{CAD4C73A-FA88-0C41-8AE2-8118843D8EEB}"/>
+          </ac:spMkLst>
+        </pc:spChg>
+        <pc:spChg chg="add del mod">
+          <ac:chgData name="Kevin Cheng" userId="105565ef-b917-4f5f-91c2-40529abe0c0d" providerId="ADAL" clId="{7216B722-8D38-3240-8D39-CC91781C65F5}" dt="2018-12-31T00:59:23.831" v="274"/>
+          <ac:spMkLst>
+            <pc:docMk/>
+            <pc:sldMk cId="4245931678" sldId="266"/>
+            <ac:spMk id="6" creationId="{90FB086A-24ED-F740-8C76-64E2D52539BC}"/>
+          </ac:spMkLst>
+        </pc:spChg>
+        <pc:spChg chg="add del mod">
+          <ac:chgData name="Kevin Cheng" userId="105565ef-b917-4f5f-91c2-40529abe0c0d" providerId="ADAL" clId="{7216B722-8D38-3240-8D39-CC91781C65F5}" dt="2018-12-31T00:59:23.831" v="274"/>
+          <ac:spMkLst>
+            <pc:docMk/>
+            <pc:sldMk cId="4245931678" sldId="266"/>
+            <ac:spMk id="7" creationId="{C7A0ACAA-51B3-1B42-A9FD-BD2EE7984BA7}"/>
+          </ac:spMkLst>
+        </pc:spChg>
+        <pc:spChg chg="add del mod">
+          <ac:chgData name="Kevin Cheng" userId="105565ef-b917-4f5f-91c2-40529abe0c0d" providerId="ADAL" clId="{7216B722-8D38-3240-8D39-CC91781C65F5}" dt="2018-12-31T00:59:23.831" v="274"/>
+          <ac:spMkLst>
+            <pc:docMk/>
+            <pc:sldMk cId="4245931678" sldId="266"/>
+            <ac:spMk id="8" creationId="{8D7E00E2-6BF8-154F-BAFD-1B77EE30A802}"/>
+          </ac:spMkLst>
+        </pc:spChg>
+        <pc:spChg chg="add del mod">
+          <ac:chgData name="Kevin Cheng" userId="105565ef-b917-4f5f-91c2-40529abe0c0d" providerId="ADAL" clId="{7216B722-8D38-3240-8D39-CC91781C65F5}" dt="2018-12-31T01:05:17.440" v="321"/>
+          <ac:spMkLst>
+            <pc:docMk/>
+            <pc:sldMk cId="4245931678" sldId="266"/>
+            <ac:spMk id="9" creationId="{887B083E-BC5C-1642-8B95-A560EAF72A3D}"/>
+          </ac:spMkLst>
+        </pc:spChg>
+        <pc:spChg chg="add del mod">
+          <ac:chgData name="Kevin Cheng" userId="105565ef-b917-4f5f-91c2-40529abe0c0d" providerId="ADAL" clId="{7216B722-8D38-3240-8D39-CC91781C65F5}" dt="2018-12-31T01:05:17.440" v="321"/>
+          <ac:spMkLst>
+            <pc:docMk/>
+            <pc:sldMk cId="4245931678" sldId="266"/>
+            <ac:spMk id="10" creationId="{91EC4B2B-838C-9849-840F-D73B47CF172F}"/>
+          </ac:spMkLst>
+        </pc:spChg>
+        <pc:spChg chg="add del mod">
+          <ac:chgData name="Kevin Cheng" userId="105565ef-b917-4f5f-91c2-40529abe0c0d" providerId="ADAL" clId="{7216B722-8D38-3240-8D39-CC91781C65F5}" dt="2018-12-31T01:05:17.440" v="321"/>
+          <ac:spMkLst>
+            <pc:docMk/>
+            <pc:sldMk cId="4245931678" sldId="266"/>
+            <ac:spMk id="11" creationId="{CA36BBBE-FFCA-AC46-A4B5-C003709A924A}"/>
+          </ac:spMkLst>
+        </pc:spChg>
+        <pc:spChg chg="add del mod">
+          <ac:chgData name="Kevin Cheng" userId="105565ef-b917-4f5f-91c2-40529abe0c0d" providerId="ADAL" clId="{7216B722-8D38-3240-8D39-CC91781C65F5}" dt="2018-12-31T01:05:17.440" v="321"/>
+          <ac:spMkLst>
+            <pc:docMk/>
+            <pc:sldMk cId="4245931678" sldId="266"/>
+            <ac:spMk id="12" creationId="{B14DFC9E-7606-1B45-B17B-56BC96D93F6E}"/>
+          </ac:spMkLst>
+        </pc:spChg>
+        <pc:spChg chg="add del mod">
+          <ac:chgData name="Kevin Cheng" userId="105565ef-b917-4f5f-91c2-40529abe0c0d" providerId="ADAL" clId="{7216B722-8D38-3240-8D39-CC91781C65F5}" dt="2018-12-31T01:05:17.440" v="321"/>
+          <ac:spMkLst>
+            <pc:docMk/>
+            <pc:sldMk cId="4245931678" sldId="266"/>
+            <ac:spMk id="13" creationId="{9E82BD3B-1E90-DE44-B551-4482D2E3B145}"/>
+          </ac:spMkLst>
+        </pc:spChg>
+        <pc:spChg chg="add del">
+          <ac:chgData name="Kevin Cheng" userId="105565ef-b917-4f5f-91c2-40529abe0c0d" providerId="ADAL" clId="{7216B722-8D38-3240-8D39-CC91781C65F5}" dt="2018-12-31T01:02:02.561" v="287" actId="478"/>
+          <ac:spMkLst>
+            <pc:docMk/>
+            <pc:sldMk cId="4245931678" sldId="266"/>
+            <ac:spMk id="14" creationId="{D96B70E9-75E9-D443-B087-5372535EECC3}"/>
+          </ac:spMkLst>
+        </pc:spChg>
+        <pc:spChg chg="add del mod">
+          <ac:chgData name="Kevin Cheng" userId="105565ef-b917-4f5f-91c2-40529abe0c0d" providerId="ADAL" clId="{7216B722-8D38-3240-8D39-CC91781C65F5}" dt="2018-12-31T01:05:17.440" v="321"/>
+          <ac:spMkLst>
+            <pc:docMk/>
+            <pc:sldMk cId="4245931678" sldId="266"/>
+            <ac:spMk id="15" creationId="{2607C114-D804-454C-A25D-5646525758C2}"/>
+          </ac:spMkLst>
+        </pc:spChg>
+        <pc:spChg chg="add del mod">
+          <ac:chgData name="Kevin Cheng" userId="105565ef-b917-4f5f-91c2-40529abe0c0d" providerId="ADAL" clId="{7216B722-8D38-3240-8D39-CC91781C65F5}" dt="2018-12-31T01:05:17.440" v="321"/>
+          <ac:spMkLst>
+            <pc:docMk/>
+            <pc:sldMk cId="4245931678" sldId="266"/>
+            <ac:spMk id="16" creationId="{5BFFF9AB-4B75-1848-AAE9-1560C254712B}"/>
+          </ac:spMkLst>
+        </pc:spChg>
+        <pc:spChg chg="add del mod">
+          <ac:chgData name="Kevin Cheng" userId="105565ef-b917-4f5f-91c2-40529abe0c0d" providerId="ADAL" clId="{7216B722-8D38-3240-8D39-CC91781C65F5}" dt="2018-12-31T01:05:17.440" v="321"/>
+          <ac:spMkLst>
+            <pc:docMk/>
+            <pc:sldMk cId="4245931678" sldId="266"/>
+            <ac:spMk id="17" creationId="{0E4B1F65-B5A7-0341-AE21-86C21E4A3ED0}"/>
+          </ac:spMkLst>
+        </pc:spChg>
+        <pc:spChg chg="add del mod">
+          <ac:chgData name="Kevin Cheng" userId="105565ef-b917-4f5f-91c2-40529abe0c0d" providerId="ADAL" clId="{7216B722-8D38-3240-8D39-CC91781C65F5}" dt="2018-12-31T01:05:17.440" v="321"/>
+          <ac:spMkLst>
+            <pc:docMk/>
+            <pc:sldMk cId="4245931678" sldId="266"/>
+            <ac:spMk id="18" creationId="{C00CF5E9-1C2C-7149-B969-9FB95C17D37C}"/>
+          </ac:spMkLst>
+        </pc:spChg>
+        <pc:spChg chg="add del mod">
+          <ac:chgData name="Kevin Cheng" userId="105565ef-b917-4f5f-91c2-40529abe0c0d" providerId="ADAL" clId="{7216B722-8D38-3240-8D39-CC91781C65F5}" dt="2018-12-31T01:05:17.440" v="321"/>
+          <ac:spMkLst>
+            <pc:docMk/>
+            <pc:sldMk cId="4245931678" sldId="266"/>
+            <ac:spMk id="19" creationId="{F10413F2-28EE-CA46-847B-9FCBA02F72B7}"/>
+          </ac:spMkLst>
+        </pc:spChg>
+        <pc:spChg chg="add del mod">
+          <ac:chgData name="Kevin Cheng" userId="105565ef-b917-4f5f-91c2-40529abe0c0d" providerId="ADAL" clId="{7216B722-8D38-3240-8D39-CC91781C65F5}" dt="2018-12-31T01:05:17.440" v="321"/>
+          <ac:spMkLst>
+            <pc:docMk/>
+            <pc:sldMk cId="4245931678" sldId="266"/>
+            <ac:spMk id="20" creationId="{9EA6C762-1803-794A-84E6-2D24B3B0A2C5}"/>
+          </ac:spMkLst>
+        </pc:spChg>
+        <pc:spChg chg="add del mod">
+          <ac:chgData name="Kevin Cheng" userId="105565ef-b917-4f5f-91c2-40529abe0c0d" providerId="ADAL" clId="{7216B722-8D38-3240-8D39-CC91781C65F5}" dt="2018-12-31T01:05:17.440" v="321"/>
+          <ac:spMkLst>
+            <pc:docMk/>
+            <pc:sldMk cId="4245931678" sldId="266"/>
+            <ac:spMk id="21" creationId="{4AF8212B-660D-654A-A8AB-2534A7A3B4A7}"/>
+          </ac:spMkLst>
+        </pc:spChg>
+        <pc:spChg chg="add del mod">
+          <ac:chgData name="Kevin Cheng" userId="105565ef-b917-4f5f-91c2-40529abe0c0d" providerId="ADAL" clId="{7216B722-8D38-3240-8D39-CC91781C65F5}" dt="2018-12-31T01:05:17.440" v="321"/>
+          <ac:spMkLst>
+            <pc:docMk/>
+            <pc:sldMk cId="4245931678" sldId="266"/>
+            <ac:spMk id="22" creationId="{E0432FF9-A6AD-C041-A5FA-541424E9F9FB}"/>
+          </ac:spMkLst>
+        </pc:spChg>
+        <pc:spChg chg="add del mod">
+          <ac:chgData name="Kevin Cheng" userId="105565ef-b917-4f5f-91c2-40529abe0c0d" providerId="ADAL" clId="{7216B722-8D38-3240-8D39-CC91781C65F5}" dt="2018-12-31T01:05:17.440" v="321"/>
+          <ac:spMkLst>
+            <pc:docMk/>
+            <pc:sldMk cId="4245931678" sldId="266"/>
+            <ac:spMk id="23" creationId="{6D5F6742-EB60-CC42-806C-5EE968EEFA11}"/>
+          </ac:spMkLst>
+        </pc:spChg>
+      </pc:sldChg>
+    </pc:docChg>
+  </pc:docChgLst>
+  <pc:docChgLst>
+    <pc:chgData name="Tsuhsiang Cheng" userId="S::tcheng8@binghamton.edu::90b809f3-810e-4b8b-839c-e99bbaf7174e" providerId="AD" clId="Web-{68A70F0D-4DD4-4CFF-8F01-C28F0B89603B}"/>
+    <pc:docChg chg="modSld">
+      <pc:chgData name="Tsuhsiang Cheng" userId="S::tcheng8@binghamton.edu::90b809f3-810e-4b8b-839c-e99bbaf7174e" providerId="AD" clId="Web-{68A70F0D-4DD4-4CFF-8F01-C28F0B89603B}" dt="2018-12-30T18:30:08.685" v="48" actId="20577"/>
+      <pc:docMkLst>
+        <pc:docMk/>
+      </pc:docMkLst>
+      <pc:sldChg chg="modSp">
+        <pc:chgData name="Tsuhsiang Cheng" userId="S::tcheng8@binghamton.edu::90b809f3-810e-4b8b-839c-e99bbaf7174e" providerId="AD" clId="Web-{68A70F0D-4DD4-4CFF-8F01-C28F0B89603B}" dt="2018-12-30T18:30:08.685" v="47" actId="20577"/>
+        <pc:sldMkLst>
+          <pc:docMk/>
+          <pc:sldMk cId="109857222" sldId="256"/>
+        </pc:sldMkLst>
+        <pc:spChg chg="mod">
+          <ac:chgData name="Tsuhsiang Cheng" userId="S::tcheng8@binghamton.edu::90b809f3-810e-4b8b-839c-e99bbaf7174e" providerId="AD" clId="Web-{68A70F0D-4DD4-4CFF-8F01-C28F0B89603B}" dt="2018-12-30T18:29:49.806" v="28" actId="20577"/>
+          <ac:spMkLst>
+            <pc:docMk/>
+            <pc:sldMk cId="109857222" sldId="256"/>
+            <ac:spMk id="2" creationId="{00000000-0000-0000-0000-000000000000}"/>
+          </ac:spMkLst>
+        </pc:spChg>
+        <pc:spChg chg="mod">
+          <ac:chgData name="Tsuhsiang Cheng" userId="S::tcheng8@binghamton.edu::90b809f3-810e-4b8b-839c-e99bbaf7174e" providerId="AD" clId="Web-{68A70F0D-4DD4-4CFF-8F01-C28F0B89603B}" dt="2018-12-30T18:30:08.685" v="47" actId="20577"/>
+          <ac:spMkLst>
+            <pc:docMk/>
+            <pc:sldMk cId="109857222" sldId="256"/>
+            <ac:spMk id="3" creationId="{00000000-0000-0000-0000-000000000000}"/>
+          </ac:spMkLst>
+        </pc:spChg>
+      </pc:sldChg>
+    </pc:docChg>
+  </pc:docChgLst>
+</pc:chgInfo>
 </file>
 
 <file path=ppt/notesMasters/notesMaster1.xml><?xml version="1.0" encoding="utf-8"?>
@@ -212,7 +3517,7 @@
           <a:p>
             <a:fld id="{F709D759-9C7F-7940-AAB8-FFAFB1DA9050}" type="datetimeFigureOut">
               <a:rPr lang="en-US" smtClean="0"/>
-              <a:t>12/30/18</a:t>
+              <a:t>12/31/18</a:t>
             </a:fld>
             <a:endParaRPr lang="en-US"/>
           </a:p>
@@ -694,7 +3999,7 @@
           <a:p>
             <a:fld id="{846CE7D5-CF57-46EF-B807-FDD0502418D4}" type="datetimeFigureOut">
               <a:rPr lang="en-US" smtClean="0"/>
-              <a:t>12/30/18</a:t>
+              <a:t>12/31/18</a:t>
             </a:fld>
             <a:endParaRPr lang="en-US"/>
           </a:p>
@@ -864,7 +4169,7 @@
           <a:p>
             <a:fld id="{846CE7D5-CF57-46EF-B807-FDD0502418D4}" type="datetimeFigureOut">
               <a:rPr lang="en-US" smtClean="0"/>
-              <a:t>12/30/18</a:t>
+              <a:t>12/31/18</a:t>
             </a:fld>
             <a:endParaRPr lang="en-US"/>
           </a:p>
@@ -1044,7 +4349,7 @@
           <a:p>
             <a:fld id="{846CE7D5-CF57-46EF-B807-FDD0502418D4}" type="datetimeFigureOut">
               <a:rPr lang="en-US" smtClean="0"/>
-              <a:t>12/30/18</a:t>
+              <a:t>12/31/18</a:t>
             </a:fld>
             <a:endParaRPr lang="en-US"/>
           </a:p>
@@ -1214,7 +4519,7 @@
           <a:p>
             <a:fld id="{846CE7D5-CF57-46EF-B807-FDD0502418D4}" type="datetimeFigureOut">
               <a:rPr lang="en-US" smtClean="0"/>
-              <a:t>12/30/18</a:t>
+              <a:t>12/31/18</a:t>
             </a:fld>
             <a:endParaRPr lang="en-US"/>
           </a:p>
@@ -1460,7 +4765,7 @@
           <a:p>
             <a:fld id="{846CE7D5-CF57-46EF-B807-FDD0502418D4}" type="datetimeFigureOut">
               <a:rPr lang="en-US" smtClean="0"/>
-              <a:t>12/30/18</a:t>
+              <a:t>12/31/18</a:t>
             </a:fld>
             <a:endParaRPr lang="en-US"/>
           </a:p>
@@ -1692,7 +4997,7 @@
           <a:p>
             <a:fld id="{846CE7D5-CF57-46EF-B807-FDD0502418D4}" type="datetimeFigureOut">
               <a:rPr lang="en-US" smtClean="0"/>
-              <a:t>12/30/18</a:t>
+              <a:t>12/31/18</a:t>
             </a:fld>
             <a:endParaRPr lang="en-US"/>
           </a:p>
@@ -2059,7 +5364,7 @@
           <a:p>
             <a:fld id="{846CE7D5-CF57-46EF-B807-FDD0502418D4}" type="datetimeFigureOut">
               <a:rPr lang="en-US" smtClean="0"/>
-              <a:t>12/30/18</a:t>
+              <a:t>12/31/18</a:t>
             </a:fld>
             <a:endParaRPr lang="en-US"/>
           </a:p>
@@ -2177,7 +5482,7 @@
           <a:p>
             <a:fld id="{846CE7D5-CF57-46EF-B807-FDD0502418D4}" type="datetimeFigureOut">
               <a:rPr lang="en-US" smtClean="0"/>
-              <a:t>12/30/18</a:t>
+              <a:t>12/31/18</a:t>
             </a:fld>
             <a:endParaRPr lang="en-US"/>
           </a:p>
@@ -2272,7 +5577,7 @@
           <a:p>
             <a:fld id="{846CE7D5-CF57-46EF-B807-FDD0502418D4}" type="datetimeFigureOut">
               <a:rPr lang="en-US" smtClean="0"/>
-              <a:t>12/30/18</a:t>
+              <a:t>12/31/18</a:t>
             </a:fld>
             <a:endParaRPr lang="en-US"/>
           </a:p>
@@ -2549,7 +5854,7 @@
           <a:p>
             <a:fld id="{846CE7D5-CF57-46EF-B807-FDD0502418D4}" type="datetimeFigureOut">
               <a:rPr lang="en-US" smtClean="0"/>
-              <a:t>12/30/18</a:t>
+              <a:t>12/31/18</a:t>
             </a:fld>
             <a:endParaRPr lang="en-US"/>
           </a:p>
@@ -2806,7 +6111,7 @@
           <a:p>
             <a:fld id="{846CE7D5-CF57-46EF-B807-FDD0502418D4}" type="datetimeFigureOut">
               <a:rPr lang="en-US" smtClean="0"/>
-              <a:t>12/30/18</a:t>
+              <a:t>12/31/18</a:t>
             </a:fld>
             <a:endParaRPr lang="en-US"/>
           </a:p>
@@ -3019,7 +6324,7 @@
           <a:p>
             <a:fld id="{846CE7D5-CF57-46EF-B807-FDD0502418D4}" type="datetimeFigureOut">
               <a:rPr lang="en-US" smtClean="0"/>
-              <a:t>12/30/18</a:t>
+              <a:t>12/31/18</a:t>
             </a:fld>
             <a:endParaRPr lang="en-US"/>
           </a:p>
@@ -4764,7 +8069,7 @@
             <a:pPr algn="ctr"/>
             <a:r>
               <a:rPr lang="en-US" dirty="0"/>
-              <a:t>OTHER</a:t>
+              <a:t>ASSIGNED</a:t>
             </a:r>
           </a:p>
           <a:p>
@@ -8416,6 +11721,13 @@
             <a:pPr algn="ctr"/>
             <a:r>
               <a:rPr lang="en-US" dirty="0"/>
+              <a:t>OPTI</a:t>
+            </a:r>
+          </a:p>
+          <a:p>
+            <a:pPr algn="ctr"/>
+            <a:r>
+              <a:rPr lang="en-US" dirty="0"/>
               <a:t>GUEST</a:t>
             </a:r>
           </a:p>
@@ -8459,6 +11771,13 @@
         <p:txBody>
           <a:bodyPr rtlCol="0" anchor="ctr"/>
           <a:lstStyle/>
+          <a:p>
+            <a:pPr algn="ctr"/>
+            <a:r>
+              <a:rPr lang="en-US" dirty="0"/>
+              <a:t>DTID</a:t>
+            </a:r>
+          </a:p>
           <a:p>
             <a:pPr algn="ctr"/>
             <a:r>
@@ -10551,7 +13870,7 @@
           <p:cNvPr id="2" name="Title 1">
             <a:extLst>
               <a:ext uri="{FF2B5EF4-FFF2-40B4-BE49-F238E27FC236}">
-                <a16:creationId xmlns:a16="http://schemas.microsoft.com/office/drawing/2014/main" id="{5FA7DDBE-4537-5E4D-810B-A9BE51FED868}"/>
+                <a16:creationId xmlns:a16="http://schemas.microsoft.com/office/drawing/2014/main" id="{A9673FA6-0C2D-AB42-B109-AF9CC6FD470D}"/>
               </a:ext>
             </a:extLst>
           </p:cNvPr>
@@ -10565,28 +13884,26 @@
         <p:spPr>
           <a:xfrm>
             <a:off x="0" y="0"/>
-            <a:ext cx="2213225" cy="949967"/>
-          </a:xfrm>
-        </p:spPr>
-        <p:txBody>
-          <a:bodyPr>
-            <a:normAutofit/>
-          </a:bodyPr>
-          <a:lstStyle/>
-          <a:p>
-            <a:r>
-              <a:rPr lang="en-US" sz="3200" dirty="0"/>
-              <a:t>NIC Bonding</a:t>
-            </a:r>
-          </a:p>
-        </p:txBody>
-      </p:sp>
-      <p:sp>
-        <p:nvSpPr>
-          <p:cNvPr id="21" name="Rounded Rectangle 20">
-            <a:extLst>
-              <a:ext uri="{FF2B5EF4-FFF2-40B4-BE49-F238E27FC236}">
-                <a16:creationId xmlns:a16="http://schemas.microsoft.com/office/drawing/2014/main" id="{F90E979E-9428-AF45-B594-77BE389F1CE4}"/>
+            <a:ext cx="1298825" cy="1325563"/>
+          </a:xfrm>
+        </p:spPr>
+        <p:txBody>
+          <a:bodyPr/>
+          <a:lstStyle/>
+          <a:p>
+            <a:r>
+              <a:rPr lang="en-US" dirty="0"/>
+              <a:t>DTID</a:t>
+            </a:r>
+          </a:p>
+        </p:txBody>
+      </p:sp>
+      <p:sp>
+        <p:nvSpPr>
+          <p:cNvPr id="3" name="Rounded Rectangle 2">
+            <a:extLst>
+              <a:ext uri="{FF2B5EF4-FFF2-40B4-BE49-F238E27FC236}">
+                <a16:creationId xmlns:a16="http://schemas.microsoft.com/office/drawing/2014/main" id="{CCC11D4F-E661-F244-9C56-217DD49824D2}"/>
               </a:ext>
             </a:extLst>
           </p:cNvPr>
@@ -10595,8 +13912,8 @@
         </p:nvSpPr>
         <p:spPr>
           <a:xfrm>
-            <a:off x="4450166" y="160768"/>
-            <a:ext cx="3578468" cy="2257211"/>
+            <a:off x="5264171" y="479107"/>
+            <a:ext cx="2990960" cy="2708734"/>
           </a:xfrm>
           <a:prstGeom prst="roundRect">
             <a:avLst/>
@@ -10617,8 +13934,15 @@
           </a:fontRef>
         </p:style>
         <p:txBody>
-          <a:bodyPr rtlCol="0" anchor="ctr"/>
-          <a:lstStyle/>
+          <a:bodyPr rtlCol="0" anchor="t"/>
+          <a:lstStyle/>
+          <a:p>
+            <a:pPr algn="ctr"/>
+            <a:r>
+              <a:rPr lang="en-US" dirty="0"/>
+              <a:t>GUEST</a:t>
+            </a:r>
+          </a:p>
           <a:p>
             <a:pPr algn="ctr"/>
             <a:endParaRPr lang="en-US" dirty="0"/>
@@ -10627,10 +13951,10 @@
       </p:sp>
       <p:sp>
         <p:nvSpPr>
-          <p:cNvPr id="22" name="Rounded Rectangle 21">
-            <a:extLst>
-              <a:ext uri="{FF2B5EF4-FFF2-40B4-BE49-F238E27FC236}">
-                <a16:creationId xmlns:a16="http://schemas.microsoft.com/office/drawing/2014/main" id="{4BC71606-BE3B-C844-8A6D-473C8EC71C84}"/>
+          <p:cNvPr id="4" name="Rounded Rectangle 3">
+            <a:extLst>
+              <a:ext uri="{FF2B5EF4-FFF2-40B4-BE49-F238E27FC236}">
+                <a16:creationId xmlns:a16="http://schemas.microsoft.com/office/drawing/2014/main" id="{876CBACA-9064-9D4B-9DC9-FB693086AC6F}"/>
               </a:ext>
             </a:extLst>
           </p:cNvPr>
@@ -10639,8 +13963,8 @@
         </p:nvSpPr>
         <p:spPr>
           <a:xfrm>
-            <a:off x="4450165" y="1238993"/>
-            <a:ext cx="3578468" cy="1178987"/>
+            <a:off x="5264171" y="1949569"/>
+            <a:ext cx="2990960" cy="1248544"/>
           </a:xfrm>
           <a:prstGeom prst="roundRect">
             <a:avLst/>
@@ -10661,7 +13985,7 @@
           </a:fontRef>
         </p:style>
         <p:txBody>
-          <a:bodyPr rtlCol="0" anchor="t"/>
+          <a:bodyPr rtlCol="0" anchor="ctr"/>
           <a:lstStyle/>
           <a:p>
             <a:pPr algn="ctr"/>
@@ -10671,10 +13995,10 @@
       </p:sp>
       <p:sp>
         <p:nvSpPr>
-          <p:cNvPr id="23" name="Rounded Rectangle 22">
-            <a:extLst>
-              <a:ext uri="{FF2B5EF4-FFF2-40B4-BE49-F238E27FC236}">
-                <a16:creationId xmlns:a16="http://schemas.microsoft.com/office/drawing/2014/main" id="{7E525C38-9FB3-4846-9118-E44260C52AE2}"/>
+          <p:cNvPr id="7" name="Rounded Rectangle 6">
+            <a:extLst>
+              <a:ext uri="{FF2B5EF4-FFF2-40B4-BE49-F238E27FC236}">
+                <a16:creationId xmlns:a16="http://schemas.microsoft.com/office/drawing/2014/main" id="{28841BE9-CB1D-C142-BAB9-072C98592937}"/>
               </a:ext>
             </a:extLst>
           </p:cNvPr>
@@ -10683,8 +14007,8 @@
         </p:nvSpPr>
         <p:spPr>
           <a:xfrm>
-            <a:off x="4851676" y="1233526"/>
-            <a:ext cx="2785489" cy="416435"/>
+            <a:off x="5264166" y="3865843"/>
+            <a:ext cx="2990964" cy="484653"/>
           </a:xfrm>
           <a:prstGeom prst="roundRect">
             <a:avLst/>
@@ -10709,19 +14033,16 @@
           <a:lstStyle/>
           <a:p>
             <a:pPr algn="ctr"/>
-            <a:r>
-              <a:rPr lang="en-US" dirty="0"/>
-              <a:t>BONDING DRIVER</a:t>
-            </a:r>
-          </a:p>
-        </p:txBody>
-      </p:sp>
-      <p:sp>
-        <p:nvSpPr>
-          <p:cNvPr id="24" name="Rounded Rectangle 23">
-            <a:extLst>
-              <a:ext uri="{FF2B5EF4-FFF2-40B4-BE49-F238E27FC236}">
-                <a16:creationId xmlns:a16="http://schemas.microsoft.com/office/drawing/2014/main" id="{93A98D7B-5D34-7049-88D3-3DE2F899E628}"/>
+            <a:endParaRPr lang="en-US" dirty="0"/>
+          </a:p>
+        </p:txBody>
+      </p:sp>
+      <p:sp>
+        <p:nvSpPr>
+          <p:cNvPr id="8" name="Rounded Rectangle 7">
+            <a:extLst>
+              <a:ext uri="{FF2B5EF4-FFF2-40B4-BE49-F238E27FC236}">
+                <a16:creationId xmlns:a16="http://schemas.microsoft.com/office/drawing/2014/main" id="{1DAFCB90-F021-C944-BD44-F48E3B6E835C}"/>
               </a:ext>
             </a:extLst>
           </p:cNvPr>
@@ -10730,8 +14051,8 @@
         </p:nvSpPr>
         <p:spPr>
           <a:xfrm>
-            <a:off x="4851677" y="1919232"/>
-            <a:ext cx="1277816" cy="498748"/>
+            <a:off x="5264165" y="2810213"/>
+            <a:ext cx="922826" cy="390210"/>
           </a:xfrm>
           <a:prstGeom prst="roundRect">
             <a:avLst/>
@@ -10758,24 +14079,17 @@
             <a:pPr algn="ctr"/>
             <a:r>
               <a:rPr lang="en-US" dirty="0"/>
-              <a:t>NIC</a:t>
-            </a:r>
-          </a:p>
-          <a:p>
-            <a:pPr algn="ctr"/>
-            <a:r>
-              <a:rPr lang="en-US" dirty="0"/>
-              <a:t>DRIVER</a:t>
-            </a:r>
-          </a:p>
-        </p:txBody>
-      </p:sp>
-      <p:sp>
-        <p:nvSpPr>
-          <p:cNvPr id="25" name="Rounded Rectangle 24">
-            <a:extLst>
-              <a:ext uri="{FF2B5EF4-FFF2-40B4-BE49-F238E27FC236}">
-                <a16:creationId xmlns:a16="http://schemas.microsoft.com/office/drawing/2014/main" id="{4E0EBCE5-950B-2C4C-9227-CC1D8409E11F}"/>
+              <a:t>IDT</a:t>
+            </a:r>
+          </a:p>
+        </p:txBody>
+      </p:sp>
+      <p:sp>
+        <p:nvSpPr>
+          <p:cNvPr id="9" name="Rounded Rectangle 8">
+            <a:extLst>
+              <a:ext uri="{FF2B5EF4-FFF2-40B4-BE49-F238E27FC236}">
+                <a16:creationId xmlns:a16="http://schemas.microsoft.com/office/drawing/2014/main" id="{740B57BA-E1D3-E545-9E9D-55E687554FE1}"/>
               </a:ext>
             </a:extLst>
           </p:cNvPr>
@@ -10784,8 +14098,8 @@
         </p:nvSpPr>
         <p:spPr>
           <a:xfrm>
-            <a:off x="6359351" y="1919232"/>
-            <a:ext cx="1277816" cy="498748"/>
+            <a:off x="7019184" y="1949569"/>
+            <a:ext cx="1235945" cy="1248544"/>
           </a:xfrm>
           <a:prstGeom prst="roundRect">
             <a:avLst/>
@@ -10812,24 +14126,17 @@
             <a:pPr algn="ctr"/>
             <a:r>
               <a:rPr lang="en-US" dirty="0"/>
-              <a:t>VIRTIO</a:t>
-            </a:r>
-          </a:p>
-          <a:p>
-            <a:pPr algn="ctr"/>
-            <a:r>
-              <a:rPr lang="en-US" dirty="0"/>
-              <a:t>NET</a:t>
-            </a:r>
-          </a:p>
-        </p:txBody>
-      </p:sp>
-      <p:sp>
-        <p:nvSpPr>
-          <p:cNvPr id="26" name="Rounded Rectangle 25">
-            <a:extLst>
-              <a:ext uri="{FF2B5EF4-FFF2-40B4-BE49-F238E27FC236}">
-                <a16:creationId xmlns:a16="http://schemas.microsoft.com/office/drawing/2014/main" id="{5D3D798B-CF11-6D49-AB6A-CDF7BB7D389B}"/>
+              <a:t>TIMER INTR HANDLER</a:t>
+            </a:r>
+          </a:p>
+        </p:txBody>
+      </p:sp>
+      <p:sp>
+        <p:nvSpPr>
+          <p:cNvPr id="10" name="Rounded Rectangle 9">
+            <a:extLst>
+              <a:ext uri="{FF2B5EF4-FFF2-40B4-BE49-F238E27FC236}">
+                <a16:creationId xmlns:a16="http://schemas.microsoft.com/office/drawing/2014/main" id="{CBB98A11-EB45-D441-A101-57DD674F3F29}"/>
               </a:ext>
             </a:extLst>
           </p:cNvPr>
@@ -10838,8 +14145,8 @@
         </p:nvSpPr>
         <p:spPr>
           <a:xfrm>
-            <a:off x="4450163" y="2823580"/>
-            <a:ext cx="3578469" cy="2394175"/>
+            <a:off x="5264165" y="1943712"/>
+            <a:ext cx="922826" cy="390210"/>
           </a:xfrm>
           <a:prstGeom prst="roundRect">
             <a:avLst/>
@@ -10864,16 +14171,19 @@
           <a:lstStyle/>
           <a:p>
             <a:pPr algn="ctr"/>
-            <a:endParaRPr lang="en-US" dirty="0"/>
-          </a:p>
-        </p:txBody>
-      </p:sp>
-      <p:sp>
-        <p:nvSpPr>
-          <p:cNvPr id="27" name="Rounded Rectangle 26">
-            <a:extLst>
-              <a:ext uri="{FF2B5EF4-FFF2-40B4-BE49-F238E27FC236}">
-                <a16:creationId xmlns:a16="http://schemas.microsoft.com/office/drawing/2014/main" id="{C704406C-B4C2-5D45-A43E-C28596919AF8}"/>
+            <a:r>
+              <a:rPr lang="en-US" dirty="0"/>
+              <a:t>PID</a:t>
+            </a:r>
+          </a:p>
+        </p:txBody>
+      </p:sp>
+      <p:sp>
+        <p:nvSpPr>
+          <p:cNvPr id="11" name="Rounded Rectangle 10">
+            <a:extLst>
+              <a:ext uri="{FF2B5EF4-FFF2-40B4-BE49-F238E27FC236}">
+                <a16:creationId xmlns:a16="http://schemas.microsoft.com/office/drawing/2014/main" id="{484BEE11-7F8E-8147-933C-288BEDE4634F}"/>
               </a:ext>
             </a:extLst>
           </p:cNvPr>
@@ -10882,8 +14192,8 @@
         </p:nvSpPr>
         <p:spPr>
           <a:xfrm>
-            <a:off x="6359351" y="2833625"/>
-            <a:ext cx="1277816" cy="452177"/>
+            <a:off x="7019181" y="3865843"/>
+            <a:ext cx="1235945" cy="484653"/>
           </a:xfrm>
           <a:prstGeom prst="roundRect">
             <a:avLst/>
@@ -10909,19 +14219,18 @@
           <a:p>
             <a:pPr algn="ctr"/>
             <a:r>
-              <a:rPr lang="en-US" dirty="0" err="1"/>
-              <a:t>vHOST</a:t>
-            </a:r>
-            <a:endParaRPr lang="en-US" dirty="0"/>
-          </a:p>
-        </p:txBody>
-      </p:sp>
-      <p:sp>
-        <p:nvSpPr>
-          <p:cNvPr id="28" name="Rounded Rectangle 27">
-            <a:extLst>
-              <a:ext uri="{FF2B5EF4-FFF2-40B4-BE49-F238E27FC236}">
-                <a16:creationId xmlns:a16="http://schemas.microsoft.com/office/drawing/2014/main" id="{297B1B11-C082-6144-B25C-DEFDF24FF913}"/>
+              <a:rPr lang="en-US" dirty="0"/>
+              <a:t>LAPIC</a:t>
+            </a:r>
+          </a:p>
+        </p:txBody>
+      </p:sp>
+      <p:sp>
+        <p:nvSpPr>
+          <p:cNvPr id="18" name="Rectangle 17">
+            <a:extLst>
+              <a:ext uri="{FF2B5EF4-FFF2-40B4-BE49-F238E27FC236}">
+                <a16:creationId xmlns:a16="http://schemas.microsoft.com/office/drawing/2014/main" id="{24E44139-C653-4644-8E44-D8DED1542972}"/>
               </a:ext>
             </a:extLst>
           </p:cNvPr>
@@ -10930,10 +14239,10 @@
         </p:nvSpPr>
         <p:spPr>
           <a:xfrm>
-            <a:off x="6359351" y="3490133"/>
-            <a:ext cx="1277816" cy="441704"/>
-          </a:xfrm>
-          <a:prstGeom prst="roundRect">
+            <a:off x="2145734" y="1258781"/>
+            <a:ext cx="1858945" cy="1939332"/>
+          </a:xfrm>
+          <a:prstGeom prst="rect">
             <a:avLst/>
           </a:prstGeom>
         </p:spPr>
@@ -10958,17 +14267,17 @@
             <a:pPr algn="ctr"/>
             <a:r>
               <a:rPr lang="en-US" dirty="0"/>
-              <a:t>TAP</a:t>
-            </a:r>
-          </a:p>
-        </p:txBody>
-      </p:sp>
-      <p:sp>
-        <p:nvSpPr>
-          <p:cNvPr id="29" name="Rounded Rectangle 28">
-            <a:extLst>
-              <a:ext uri="{FF2B5EF4-FFF2-40B4-BE49-F238E27FC236}">
-                <a16:creationId xmlns:a16="http://schemas.microsoft.com/office/drawing/2014/main" id="{55EF670C-0717-7744-87B0-453280BF63F9}"/>
+              <a:t>SHARED PID PAGE</a:t>
+            </a:r>
+          </a:p>
+        </p:txBody>
+      </p:sp>
+      <p:sp>
+        <p:nvSpPr>
+          <p:cNvPr id="32" name="Rectangle 31">
+            <a:extLst>
+              <a:ext uri="{FF2B5EF4-FFF2-40B4-BE49-F238E27FC236}">
+                <a16:creationId xmlns:a16="http://schemas.microsoft.com/office/drawing/2014/main" id="{27FBC38D-C814-A14A-8D0C-02E44561112E}"/>
               </a:ext>
             </a:extLst>
           </p:cNvPr>
@@ -10977,10 +14286,10 @@
         </p:nvSpPr>
         <p:spPr>
           <a:xfrm>
-            <a:off x="6359351" y="4136168"/>
-            <a:ext cx="1277816" cy="441704"/>
-          </a:xfrm>
-          <a:prstGeom prst="roundRect">
+            <a:off x="2145729" y="4108169"/>
+            <a:ext cx="1858945" cy="2151995"/>
+          </a:xfrm>
+          <a:prstGeom prst="rect">
             <a:avLst/>
           </a:prstGeom>
         </p:spPr>
@@ -10999,23 +14308,23 @@
           </a:fontRef>
         </p:style>
         <p:txBody>
-          <a:bodyPr rtlCol="0" anchor="ctr"/>
+          <a:bodyPr rtlCol="0" anchor="t"/>
           <a:lstStyle/>
           <a:p>
             <a:pPr algn="ctr"/>
             <a:r>
               <a:rPr lang="en-US" dirty="0"/>
-              <a:t>BRIDGE</a:t>
-            </a:r>
-          </a:p>
-        </p:txBody>
-      </p:sp>
-      <p:sp>
-        <p:nvSpPr>
-          <p:cNvPr id="30" name="Rounded Rectangle 29">
-            <a:extLst>
-              <a:ext uri="{FF2B5EF4-FFF2-40B4-BE49-F238E27FC236}">
-                <a16:creationId xmlns:a16="http://schemas.microsoft.com/office/drawing/2014/main" id="{073632DD-F460-994F-81BB-4617484E6B66}"/>
+              <a:t>VMCS</a:t>
+            </a:r>
+          </a:p>
+        </p:txBody>
+      </p:sp>
+      <p:sp>
+        <p:nvSpPr>
+          <p:cNvPr id="34" name="Rectangle 33">
+            <a:extLst>
+              <a:ext uri="{FF2B5EF4-FFF2-40B4-BE49-F238E27FC236}">
+                <a16:creationId xmlns:a16="http://schemas.microsoft.com/office/drawing/2014/main" id="{423EBC5E-C3C5-5344-8DCF-640E19C994FC}"/>
               </a:ext>
             </a:extLst>
           </p:cNvPr>
@@ -11024,10 +14333,10 @@
         </p:nvSpPr>
         <p:spPr>
           <a:xfrm>
-            <a:off x="6359351" y="4786097"/>
-            <a:ext cx="1277816" cy="441704"/>
-          </a:xfrm>
-          <a:prstGeom prst="roundRect">
+            <a:off x="2153669" y="5196836"/>
+            <a:ext cx="1858945" cy="484653"/>
+          </a:xfrm>
+          <a:prstGeom prst="rect">
             <a:avLst/>
           </a:prstGeom>
         </p:spPr>
@@ -11052,24 +14361,17 @@
             <a:pPr algn="ctr"/>
             <a:r>
               <a:rPr lang="en-US" dirty="0"/>
-              <a:t>NIC</a:t>
-            </a:r>
-          </a:p>
-          <a:p>
-            <a:pPr algn="ctr"/>
-            <a:r>
-              <a:rPr lang="en-US" dirty="0"/>
-              <a:t>DRIVER</a:t>
-            </a:r>
-          </a:p>
-        </p:txBody>
-      </p:sp>
-      <p:sp>
-        <p:nvSpPr>
-          <p:cNvPr id="31" name="Rounded Rectangle 30">
-            <a:extLst>
-              <a:ext uri="{FF2B5EF4-FFF2-40B4-BE49-F238E27FC236}">
-                <a16:creationId xmlns:a16="http://schemas.microsoft.com/office/drawing/2014/main" id="{F0543E53-6911-5441-BBB6-505A0AA4A2D1}"/>
+              <a:t>PID PHYS ADDR</a:t>
+            </a:r>
+          </a:p>
+        </p:txBody>
+      </p:sp>
+      <p:sp>
+        <p:nvSpPr>
+          <p:cNvPr id="35" name="Rounded Rectangle 34">
+            <a:extLst>
+              <a:ext uri="{FF2B5EF4-FFF2-40B4-BE49-F238E27FC236}">
+                <a16:creationId xmlns:a16="http://schemas.microsoft.com/office/drawing/2014/main" id="{CE1493F1-12E7-7E4D-8F82-FFB44C1B283E}"/>
               </a:ext>
             </a:extLst>
           </p:cNvPr>
@@ -11078,8 +14380,8 @@
         </p:nvSpPr>
         <p:spPr>
           <a:xfrm>
-            <a:off x="4450165" y="3799815"/>
-            <a:ext cx="803023" cy="441704"/>
+            <a:off x="5264158" y="4921593"/>
+            <a:ext cx="2990964" cy="484653"/>
           </a:xfrm>
           <a:prstGeom prst="roundRect">
             <a:avLst/>
@@ -11106,17 +14408,17 @@
             <a:pPr algn="ctr"/>
             <a:r>
               <a:rPr lang="en-US" dirty="0"/>
-              <a:t>VFIO</a:t>
-            </a:r>
-          </a:p>
-        </p:txBody>
-      </p:sp>
-      <p:sp>
-        <p:nvSpPr>
-          <p:cNvPr id="32" name="Rounded Rectangle 31">
-            <a:extLst>
-              <a:ext uri="{FF2B5EF4-FFF2-40B4-BE49-F238E27FC236}">
-                <a16:creationId xmlns:a16="http://schemas.microsoft.com/office/drawing/2014/main" id="{7FE89640-A89A-8141-A7D3-92FFD9D9F641}"/>
+              <a:t>VT-d</a:t>
+            </a:r>
+          </a:p>
+        </p:txBody>
+      </p:sp>
+      <p:sp>
+        <p:nvSpPr>
+          <p:cNvPr id="36" name="Rectangle 35">
+            <a:extLst>
+              <a:ext uri="{FF2B5EF4-FFF2-40B4-BE49-F238E27FC236}">
+                <a16:creationId xmlns:a16="http://schemas.microsoft.com/office/drawing/2014/main" id="{6878481E-6684-1546-BF69-6589C4CB5DD8}"/>
               </a:ext>
             </a:extLst>
           </p:cNvPr>
@@ -11125,10 +14427,10 @@
         </p:nvSpPr>
         <p:spPr>
           <a:xfrm>
-            <a:off x="4450163" y="5623355"/>
-            <a:ext cx="3578469" cy="1108029"/>
-          </a:xfrm>
-          <a:prstGeom prst="roundRect">
+            <a:off x="2145734" y="1258781"/>
+            <a:ext cx="289727" cy="184833"/>
+          </a:xfrm>
+          <a:prstGeom prst="rect">
             <a:avLst/>
           </a:prstGeom>
         </p:spPr>
@@ -11147,148 +14449,43 @@
           </a:fontRef>
         </p:style>
         <p:txBody>
-          <a:bodyPr rtlCol="0" anchor="b"/>
+          <a:bodyPr rtlCol="0" anchor="ctr"/>
           <a:lstStyle/>
           <a:p>
             <a:pPr algn="ctr"/>
-            <a:r>
-              <a:rPr lang="en-US" dirty="0"/>
-              <a:t>SR-IOV NIC</a:t>
-            </a:r>
-          </a:p>
-        </p:txBody>
-      </p:sp>
-      <p:sp>
-        <p:nvSpPr>
-          <p:cNvPr id="33" name="Rounded Rectangle 32">
-            <a:extLst>
-              <a:ext uri="{FF2B5EF4-FFF2-40B4-BE49-F238E27FC236}">
-                <a16:creationId xmlns:a16="http://schemas.microsoft.com/office/drawing/2014/main" id="{EDBF5A2F-28B6-2943-8A42-19D7A93FBA19}"/>
-              </a:ext>
-            </a:extLst>
-          </p:cNvPr>
-          <p:cNvSpPr/>
-          <p:nvPr/>
-        </p:nvSpPr>
-        <p:spPr>
-          <a:xfrm>
-            <a:off x="4757475" y="5625333"/>
-            <a:ext cx="1466221" cy="512466"/>
-          </a:xfrm>
-          <a:prstGeom prst="roundRect">
-            <a:avLst/>
-          </a:prstGeom>
-        </p:spPr>
-        <p:style>
-          <a:lnRef idx="2">
-            <a:schemeClr val="dk1"/>
-          </a:lnRef>
-          <a:fillRef idx="1">
-            <a:schemeClr val="lt1"/>
-          </a:fillRef>
-          <a:effectRef idx="0">
-            <a:schemeClr val="dk1"/>
-          </a:effectRef>
-          <a:fontRef idx="minor">
-            <a:schemeClr val="dk1"/>
-          </a:fontRef>
-        </p:style>
-        <p:txBody>
-          <a:bodyPr rtlCol="0" anchor="ctr"/>
-          <a:lstStyle/>
-          <a:p>
-            <a:pPr algn="ctr"/>
-            <a:r>
-              <a:rPr lang="en-US" dirty="0"/>
-              <a:t>VIRT</a:t>
-            </a:r>
-          </a:p>
-          <a:p>
-            <a:pPr algn="ctr"/>
-            <a:r>
-              <a:rPr lang="en-US" dirty="0"/>
-              <a:t>FUNC</a:t>
-            </a:r>
-          </a:p>
-        </p:txBody>
-      </p:sp>
-      <p:sp>
-        <p:nvSpPr>
-          <p:cNvPr id="34" name="Rounded Rectangle 33">
-            <a:extLst>
-              <a:ext uri="{FF2B5EF4-FFF2-40B4-BE49-F238E27FC236}">
-                <a16:creationId xmlns:a16="http://schemas.microsoft.com/office/drawing/2014/main" id="{8BA0C4CC-FACB-3847-B2CF-55C9AA4D43EB}"/>
-              </a:ext>
-            </a:extLst>
-          </p:cNvPr>
-          <p:cNvSpPr/>
-          <p:nvPr/>
-        </p:nvSpPr>
-        <p:spPr>
-          <a:xfrm>
-            <a:off x="6229141" y="5623355"/>
-            <a:ext cx="1538236" cy="512466"/>
-          </a:xfrm>
-          <a:prstGeom prst="roundRect">
-            <a:avLst/>
-          </a:prstGeom>
-        </p:spPr>
-        <p:style>
-          <a:lnRef idx="2">
-            <a:schemeClr val="dk1"/>
-          </a:lnRef>
-          <a:fillRef idx="1">
-            <a:schemeClr val="lt1"/>
-          </a:fillRef>
-          <a:effectRef idx="0">
-            <a:schemeClr val="dk1"/>
-          </a:effectRef>
-          <a:fontRef idx="minor">
-            <a:schemeClr val="dk1"/>
-          </a:fontRef>
-        </p:style>
-        <p:txBody>
-          <a:bodyPr rtlCol="0" anchor="ctr"/>
-          <a:lstStyle/>
-          <a:p>
-            <a:pPr algn="ctr"/>
-            <a:r>
-              <a:rPr lang="en-US" dirty="0"/>
-              <a:t>PHYS</a:t>
-            </a:r>
-          </a:p>
-          <a:p>
-            <a:pPr algn="ctr"/>
-            <a:r>
-              <a:rPr lang="en-US" dirty="0"/>
-              <a:t>FUNC</a:t>
-            </a:r>
+            <a:endParaRPr lang="en-US" dirty="0"/>
           </a:p>
         </p:txBody>
       </p:sp>
       <p:cxnSp>
         <p:nvCxnSpPr>
-          <p:cNvPr id="43" name="Straight Connector 42">
-            <a:extLst>
-              <a:ext uri="{FF2B5EF4-FFF2-40B4-BE49-F238E27FC236}">
-                <a16:creationId xmlns:a16="http://schemas.microsoft.com/office/drawing/2014/main" id="{3ECE06F9-EE9E-E743-9208-296290D5E38D}"/>
+          <p:cNvPr id="38" name="Elbow Connector 37">
+            <a:extLst>
+              <a:ext uri="{FF2B5EF4-FFF2-40B4-BE49-F238E27FC236}">
+                <a16:creationId xmlns:a16="http://schemas.microsoft.com/office/drawing/2014/main" id="{CD90C6D0-D1AB-C14E-A412-66EDB34719E5}"/>
               </a:ext>
             </a:extLst>
           </p:cNvPr>
           <p:cNvCxnSpPr>
-            <a:stCxn id="34" idx="0"/>
-            <a:endCxn id="30" idx="2"/>
+            <a:cxnSpLocks/>
+            <a:stCxn id="34" idx="1"/>
+            <a:endCxn id="36" idx="1"/>
           </p:cNvCxnSpPr>
           <p:nvPr/>
         </p:nvCxnSpPr>
         <p:spPr>
-          <a:xfrm flipV="1">
-            <a:off x="6998259" y="5227801"/>
-            <a:ext cx="0" cy="395554"/>
-          </a:xfrm>
-          <a:prstGeom prst="line">
-            <a:avLst/>
-          </a:prstGeom>
+          <a:xfrm rot="10800000">
+            <a:off x="2145735" y="1351199"/>
+            <a:ext cx="7935" cy="4087965"/>
+          </a:xfrm>
+          <a:prstGeom prst="bentConnector3">
+            <a:avLst>
+              <a:gd name="adj1" fmla="val 5513573"/>
+            </a:avLst>
+          </a:prstGeom>
+          <a:ln>
+            <a:tailEnd type="triangle"/>
+          </a:ln>
         </p:spPr>
         <p:style>
           <a:lnRef idx="3">
@@ -11307,28 +14504,32 @@
       </p:cxnSp>
       <p:cxnSp>
         <p:nvCxnSpPr>
-          <p:cNvPr id="55" name="Straight Connector 54">
-            <a:extLst>
-              <a:ext uri="{FF2B5EF4-FFF2-40B4-BE49-F238E27FC236}">
-                <a16:creationId xmlns:a16="http://schemas.microsoft.com/office/drawing/2014/main" id="{A69FB652-D578-874E-92F9-A972976B78AA}"/>
+          <p:cNvPr id="49" name="Elbow Connector 48">
+            <a:extLst>
+              <a:ext uri="{FF2B5EF4-FFF2-40B4-BE49-F238E27FC236}">
+                <a16:creationId xmlns:a16="http://schemas.microsoft.com/office/drawing/2014/main" id="{01A92A20-F5BD-7349-884C-FC356ED6FA4E}"/>
               </a:ext>
             </a:extLst>
           </p:cNvPr>
           <p:cNvCxnSpPr>
             <a:cxnSpLocks/>
-            <a:stCxn id="29" idx="0"/>
-            <a:endCxn id="28" idx="2"/>
+            <a:stCxn id="8" idx="3"/>
           </p:cNvCxnSpPr>
           <p:nvPr/>
         </p:nvCxnSpPr>
         <p:spPr>
           <a:xfrm flipV="1">
-            <a:off x="6998259" y="3931837"/>
-            <a:ext cx="0" cy="204331"/>
-          </a:xfrm>
-          <a:prstGeom prst="line">
-            <a:avLst/>
-          </a:prstGeom>
+            <a:off x="6186991" y="2810213"/>
+            <a:ext cx="832191" cy="195105"/>
+          </a:xfrm>
+          <a:prstGeom prst="bentConnector3">
+            <a:avLst>
+              <a:gd name="adj1" fmla="val 71499"/>
+            </a:avLst>
+          </a:prstGeom>
+          <a:ln>
+            <a:tailEnd type="triangle"/>
+          </a:ln>
         </p:spPr>
         <p:style>
           <a:lnRef idx="3">
@@ -11347,30 +14548,32 @@
       </p:cxnSp>
       <p:cxnSp>
         <p:nvCxnSpPr>
-          <p:cNvPr id="63" name="Elbow Connector 62">
-            <a:extLst>
-              <a:ext uri="{FF2B5EF4-FFF2-40B4-BE49-F238E27FC236}">
-                <a16:creationId xmlns:a16="http://schemas.microsoft.com/office/drawing/2014/main" id="{90B124D2-D77B-794E-B0FE-F845829E6E78}"/>
+          <p:cNvPr id="56" name="Elbow Connector 55">
+            <a:extLst>
+              <a:ext uri="{FF2B5EF4-FFF2-40B4-BE49-F238E27FC236}">
+                <a16:creationId xmlns:a16="http://schemas.microsoft.com/office/drawing/2014/main" id="{7A277371-EFFD-8149-A9FB-837D430A833C}"/>
               </a:ext>
             </a:extLst>
           </p:cNvPr>
           <p:cNvCxnSpPr>
             <a:cxnSpLocks/>
-            <a:stCxn id="30" idx="3"/>
-            <a:endCxn id="29" idx="3"/>
+            <a:endCxn id="10" idx="3"/>
           </p:cNvCxnSpPr>
           <p:nvPr/>
         </p:nvCxnSpPr>
         <p:spPr>
-          <a:xfrm flipV="1">
-            <a:off x="7637167" y="4357020"/>
-            <a:ext cx="12700" cy="649929"/>
+          <a:xfrm rot="10800000">
+            <a:off x="6186992" y="2138818"/>
+            <a:ext cx="832191" cy="195105"/>
           </a:xfrm>
           <a:prstGeom prst="bentConnector3">
             <a:avLst>
-              <a:gd name="adj1" fmla="val 1800000"/>
+              <a:gd name="adj1" fmla="val 29473"/>
             </a:avLst>
           </a:prstGeom>
+          <a:ln>
+            <a:tailEnd type="triangle"/>
+          </a:ln>
         </p:spPr>
         <p:style>
           <a:lnRef idx="3">
@@ -11389,40 +14592,45 @@
       </p:cxnSp>
       <p:cxnSp>
         <p:nvCxnSpPr>
-          <p:cNvPr id="65" name="Elbow Connector 64">
-            <a:extLst>
-              <a:ext uri="{FF2B5EF4-FFF2-40B4-BE49-F238E27FC236}">
-                <a16:creationId xmlns:a16="http://schemas.microsoft.com/office/drawing/2014/main" id="{851E52A1-5873-CB45-B8F4-64BE3C0F38EB}"/>
+          <p:cNvPr id="85" name="Straight Connector 84">
+            <a:extLst>
+              <a:ext uri="{FF2B5EF4-FFF2-40B4-BE49-F238E27FC236}">
+                <a16:creationId xmlns:a16="http://schemas.microsoft.com/office/drawing/2014/main" id="{1C206DCC-185C-0F47-8562-1182BFCF4171}"/>
               </a:ext>
             </a:extLst>
           </p:cNvPr>
           <p:cNvCxnSpPr>
             <a:cxnSpLocks/>
-            <a:stCxn id="28" idx="3"/>
-            <a:endCxn id="27" idx="3"/>
           </p:cNvCxnSpPr>
           <p:nvPr/>
         </p:nvCxnSpPr>
         <p:spPr>
-          <a:xfrm flipV="1">
-            <a:off x="7637167" y="3059714"/>
-            <a:ext cx="12700" cy="651271"/>
-          </a:xfrm>
-          <a:prstGeom prst="bentConnector3">
-            <a:avLst>
-              <a:gd name="adj1" fmla="val 1800000"/>
-            </a:avLst>
-          </a:prstGeom>
+          <a:xfrm flipH="1">
+            <a:off x="4004679" y="2302404"/>
+            <a:ext cx="1256169" cy="895709"/>
+          </a:xfrm>
+          <a:prstGeom prst="line">
+            <a:avLst/>
+          </a:prstGeom>
+          <a:ln w="9525" cap="flat" cmpd="sng" algn="ctr">
+            <a:solidFill>
+              <a:schemeClr val="dk1"/>
+            </a:solidFill>
+            <a:prstDash val="dash"/>
+            <a:round/>
+            <a:headEnd type="none" w="med" len="med"/>
+            <a:tailEnd type="none" w="med" len="med"/>
+          </a:ln>
         </p:spPr>
         <p:style>
-          <a:lnRef idx="3">
-            <a:schemeClr val="dk1"/>
+          <a:lnRef idx="0">
+            <a:scrgbClr r="0" g="0" b="0"/>
           </a:lnRef>
           <a:fillRef idx="0">
-            <a:schemeClr val="dk1"/>
+            <a:scrgbClr r="0" g="0" b="0"/>
           </a:fillRef>
-          <a:effectRef idx="2">
-            <a:schemeClr val="dk1"/>
+          <a:effectRef idx="0">
+            <a:scrgbClr r="0" g="0" b="0"/>
           </a:effectRef>
           <a:fontRef idx="minor">
             <a:schemeClr val="tx1"/>
@@ -11431,26 +14639,256 @@
       </p:cxnSp>
       <p:cxnSp>
         <p:nvCxnSpPr>
-          <p:cNvPr id="69" name="Straight Connector 68">
-            <a:extLst>
-              <a:ext uri="{FF2B5EF4-FFF2-40B4-BE49-F238E27FC236}">
-                <a16:creationId xmlns:a16="http://schemas.microsoft.com/office/drawing/2014/main" id="{C489AF2B-27CA-4B4D-8F09-C56E0BC38F6E}"/>
+          <p:cNvPr id="86" name="Straight Connector 85">
+            <a:extLst>
+              <a:ext uri="{FF2B5EF4-FFF2-40B4-BE49-F238E27FC236}">
+                <a16:creationId xmlns:a16="http://schemas.microsoft.com/office/drawing/2014/main" id="{825A8518-5AEE-6649-9FB4-2E4D583C55A1}"/>
               </a:ext>
             </a:extLst>
           </p:cNvPr>
           <p:cNvCxnSpPr>
-            <a:endCxn id="25" idx="2"/>
+            <a:cxnSpLocks/>
           </p:cNvCxnSpPr>
           <p:nvPr/>
         </p:nvCxnSpPr>
         <p:spPr>
-          <a:xfrm flipV="1">
-            <a:off x="6998259" y="2417980"/>
-            <a:ext cx="0" cy="405600"/>
+          <a:xfrm flipH="1" flipV="1">
+            <a:off x="4004674" y="1255607"/>
+            <a:ext cx="1256174" cy="749256"/>
           </a:xfrm>
           <a:prstGeom prst="line">
             <a:avLst/>
           </a:prstGeom>
+          <a:ln w="9525" cap="flat" cmpd="sng" algn="ctr">
+            <a:solidFill>
+              <a:schemeClr val="dk1"/>
+            </a:solidFill>
+            <a:prstDash val="dash"/>
+            <a:round/>
+            <a:headEnd type="none" w="med" len="med"/>
+            <a:tailEnd type="none" w="med" len="med"/>
+          </a:ln>
+        </p:spPr>
+        <p:style>
+          <a:lnRef idx="0">
+            <a:scrgbClr r="0" g="0" b="0"/>
+          </a:lnRef>
+          <a:fillRef idx="0">
+            <a:scrgbClr r="0" g="0" b="0"/>
+          </a:fillRef>
+          <a:effectRef idx="0">
+            <a:scrgbClr r="0" g="0" b="0"/>
+          </a:effectRef>
+          <a:fontRef idx="minor">
+            <a:schemeClr val="tx1"/>
+          </a:fontRef>
+        </p:style>
+      </p:cxnSp>
+      <p:sp>
+        <p:nvSpPr>
+          <p:cNvPr id="99" name="Arc 39">
+            <a:extLst>
+              <a:ext uri="{FF2B5EF4-FFF2-40B4-BE49-F238E27FC236}">
+                <a16:creationId xmlns:a16="http://schemas.microsoft.com/office/drawing/2014/main" id="{5EA41F61-6658-874E-BEA7-381A6FC9CCD2}"/>
+              </a:ext>
+            </a:extLst>
+          </p:cNvPr>
+          <p:cNvSpPr>
+            <a:spLocks noChangeAspect="1"/>
+          </p:cNvSpPr>
+          <p:nvPr/>
+        </p:nvSpPr>
+        <p:spPr>
+          <a:xfrm flipH="1">
+            <a:off x="8269241" y="3736646"/>
+            <a:ext cx="734373" cy="731520"/>
+          </a:xfrm>
+          <a:custGeom>
+            <a:avLst/>
+            <a:gdLst/>
+            <a:ahLst/>
+            <a:cxnLst>
+              <a:cxn ang="0">
+                <a:pos x="wd2" y="hd2"/>
+              </a:cxn>
+              <a:cxn ang="5400000">
+                <a:pos x="wd2" y="hd2"/>
+              </a:cxn>
+              <a:cxn ang="10800000">
+                <a:pos x="wd2" y="hd2"/>
+              </a:cxn>
+              <a:cxn ang="16200000">
+                <a:pos x="wd2" y="hd2"/>
+              </a:cxn>
+            </a:cxnLst>
+            <a:rect l="0" t="0" r="r" b="b"/>
+            <a:pathLst>
+              <a:path w="20267" h="19143" extrusionOk="0">
+                <a:moveTo>
+                  <a:pt x="20137" y="12848"/>
+                </a:moveTo>
+                <a:cubicBezTo>
+                  <a:pt x="18175" y="17813"/>
+                  <a:pt x="12217" y="20372"/>
+                  <a:pt x="6830" y="18563"/>
+                </a:cubicBezTo>
+                <a:cubicBezTo>
+                  <a:pt x="1443" y="16754"/>
+                  <a:pt x="-1333" y="11262"/>
+                  <a:pt x="630" y="6296"/>
+                </a:cubicBezTo>
+                <a:cubicBezTo>
+                  <a:pt x="2592" y="1331"/>
+                  <a:pt x="8550" y="-1228"/>
+                  <a:pt x="13937" y="581"/>
+                </a:cubicBezTo>
+                <a:cubicBezTo>
+                  <a:pt x="16950" y="1593"/>
+                  <a:pt x="19286" y="3831"/>
+                  <a:pt x="20267" y="6645"/>
+                </a:cubicBezTo>
+              </a:path>
+            </a:pathLst>
+          </a:custGeom>
+          <a:noFill/>
+          <a:ln w="25400" cap="flat">
+            <a:solidFill>
+              <a:schemeClr val="tx1"/>
+            </a:solidFill>
+            <a:prstDash val="solid"/>
+            <a:miter lim="800000"/>
+            <a:headEnd type="triangle" w="med" len="med"/>
+          </a:ln>
+          <a:effectLst/>
+        </p:spPr>
+        <p:txBody>
+          <a:bodyPr wrap="square" lIns="45719" tIns="45719" rIns="45719" bIns="45719" numCol="1" anchor="ctr">
+            <a:noAutofit/>
+          </a:bodyPr>
+          <a:lstStyle/>
+          <a:p>
+            <a:pPr algn="ctr"/>
+            <a:endParaRPr/>
+          </a:p>
+        </p:txBody>
+      </p:sp>
+      <p:sp>
+        <p:nvSpPr>
+          <p:cNvPr id="100" name="TextBox 99">
+            <a:extLst>
+              <a:ext uri="{FF2B5EF4-FFF2-40B4-BE49-F238E27FC236}">
+                <a16:creationId xmlns:a16="http://schemas.microsoft.com/office/drawing/2014/main" id="{10C7266C-BB80-354C-95C5-D85E7193D017}"/>
+              </a:ext>
+            </a:extLst>
+          </p:cNvPr>
+          <p:cNvSpPr txBox="1"/>
+          <p:nvPr/>
+        </p:nvSpPr>
+        <p:spPr>
+          <a:xfrm>
+            <a:off x="8381389" y="3779240"/>
+            <a:ext cx="510076" cy="646331"/>
+          </a:xfrm>
+          <a:prstGeom prst="rect">
+            <a:avLst/>
+          </a:prstGeom>
+          <a:noFill/>
+        </p:spPr>
+        <p:txBody>
+          <a:bodyPr wrap="none" rtlCol="0">
+            <a:spAutoFit/>
+          </a:bodyPr>
+          <a:lstStyle/>
+          <a:p>
+            <a:pPr algn="ctr"/>
+            <a:r>
+              <a:rPr lang="en-US" dirty="0"/>
+              <a:t>(1)</a:t>
+            </a:r>
+          </a:p>
+          <a:p>
+            <a:pPr algn="ctr"/>
+            <a:r>
+              <a:rPr lang="en-US" dirty="0"/>
+              <a:t>PIN</a:t>
+            </a:r>
+          </a:p>
+        </p:txBody>
+      </p:sp>
+      <p:sp>
+        <p:nvSpPr>
+          <p:cNvPr id="104" name="Rounded Rectangle 103">
+            <a:extLst>
+              <a:ext uri="{FF2B5EF4-FFF2-40B4-BE49-F238E27FC236}">
+                <a16:creationId xmlns:a16="http://schemas.microsoft.com/office/drawing/2014/main" id="{E8EB89ED-C3E3-064C-8073-918A4C88424A}"/>
+              </a:ext>
+            </a:extLst>
+          </p:cNvPr>
+          <p:cNvSpPr/>
+          <p:nvPr/>
+        </p:nvSpPr>
+        <p:spPr>
+          <a:xfrm>
+            <a:off x="5264158" y="3865843"/>
+            <a:ext cx="1755019" cy="484653"/>
+          </a:xfrm>
+          <a:prstGeom prst="roundRect">
+            <a:avLst/>
+          </a:prstGeom>
+        </p:spPr>
+        <p:style>
+          <a:lnRef idx="2">
+            <a:schemeClr val="dk1"/>
+          </a:lnRef>
+          <a:fillRef idx="1">
+            <a:schemeClr val="lt1"/>
+          </a:fillRef>
+          <a:effectRef idx="0">
+            <a:schemeClr val="dk1"/>
+          </a:effectRef>
+          <a:fontRef idx="minor">
+            <a:schemeClr val="dk1"/>
+          </a:fontRef>
+        </p:style>
+        <p:txBody>
+          <a:bodyPr rtlCol="0" anchor="ctr"/>
+          <a:lstStyle/>
+          <a:p>
+            <a:pPr algn="ctr"/>
+            <a:r>
+              <a:rPr lang="en-US" dirty="0"/>
+              <a:t>CPU LOGIC</a:t>
+            </a:r>
+          </a:p>
+        </p:txBody>
+      </p:sp>
+      <p:cxnSp>
+        <p:nvCxnSpPr>
+          <p:cNvPr id="108" name="Straight Arrow Connector 107">
+            <a:extLst>
+              <a:ext uri="{FF2B5EF4-FFF2-40B4-BE49-F238E27FC236}">
+                <a16:creationId xmlns:a16="http://schemas.microsoft.com/office/drawing/2014/main" id="{CECA993B-28A9-C94E-971E-BD79F19422C2}"/>
+              </a:ext>
+            </a:extLst>
+          </p:cNvPr>
+          <p:cNvCxnSpPr>
+            <a:cxnSpLocks/>
+            <a:stCxn id="9" idx="2"/>
+            <a:endCxn id="11" idx="0"/>
+          </p:cNvCxnSpPr>
+          <p:nvPr/>
+        </p:nvCxnSpPr>
+        <p:spPr>
+          <a:xfrm flipH="1">
+            <a:off x="7637154" y="3198113"/>
+            <a:ext cx="3" cy="667730"/>
+          </a:xfrm>
+          <a:prstGeom prst="straightConnector1">
+            <a:avLst/>
+          </a:prstGeom>
+          <a:ln>
+            <a:tailEnd type="triangle"/>
+          </a:ln>
         </p:spPr>
         <p:style>
           <a:lnRef idx="3">
@@ -11469,27 +14907,32 @@
       </p:cxnSp>
       <p:cxnSp>
         <p:nvCxnSpPr>
-          <p:cNvPr id="71" name="Straight Connector 70">
-            <a:extLst>
-              <a:ext uri="{FF2B5EF4-FFF2-40B4-BE49-F238E27FC236}">
-                <a16:creationId xmlns:a16="http://schemas.microsoft.com/office/drawing/2014/main" id="{F62D7659-6392-9A4F-BFA7-6EA3ABBB7769}"/>
+          <p:cNvPr id="114" name="Elbow Connector 113">
+            <a:extLst>
+              <a:ext uri="{FF2B5EF4-FFF2-40B4-BE49-F238E27FC236}">
+                <a16:creationId xmlns:a16="http://schemas.microsoft.com/office/drawing/2014/main" id="{B031D56C-1269-C34C-9BEF-5229B80D4E37}"/>
               </a:ext>
             </a:extLst>
           </p:cNvPr>
           <p:cNvCxnSpPr>
-            <a:stCxn id="33" idx="0"/>
-            <a:endCxn id="24" idx="2"/>
+            <a:stCxn id="35" idx="0"/>
+            <a:endCxn id="11" idx="2"/>
           </p:cNvCxnSpPr>
           <p:nvPr/>
         </p:nvCxnSpPr>
         <p:spPr>
-          <a:xfrm flipH="1" flipV="1">
-            <a:off x="5490585" y="2417980"/>
-            <a:ext cx="1" cy="3207353"/>
-          </a:xfrm>
-          <a:prstGeom prst="line">
-            <a:avLst/>
-          </a:prstGeom>
+          <a:xfrm rot="5400000" flipH="1" flipV="1">
+            <a:off x="6912849" y="4197288"/>
+            <a:ext cx="571097" cy="877514"/>
+          </a:xfrm>
+          <a:prstGeom prst="bentConnector3">
+            <a:avLst>
+              <a:gd name="adj1" fmla="val 50000"/>
+            </a:avLst>
+          </a:prstGeom>
+          <a:ln>
+            <a:tailEnd type="triangle"/>
+          </a:ln>
         </p:spPr>
         <p:style>
           <a:lnRef idx="3">
@@ -11508,26 +14951,490 @@
       </p:cxnSp>
       <p:cxnSp>
         <p:nvCxnSpPr>
-          <p:cNvPr id="73" name="Straight Connector 72">
-            <a:extLst>
-              <a:ext uri="{FF2B5EF4-FFF2-40B4-BE49-F238E27FC236}">
-                <a16:creationId xmlns:a16="http://schemas.microsoft.com/office/drawing/2014/main" id="{95023C3E-E850-A64B-8038-D5C46315068F}"/>
+          <p:cNvPr id="116" name="Elbow Connector 115">
+            <a:extLst>
+              <a:ext uri="{FF2B5EF4-FFF2-40B4-BE49-F238E27FC236}">
+                <a16:creationId xmlns:a16="http://schemas.microsoft.com/office/drawing/2014/main" id="{1DC0C7ED-26B5-5843-A3AC-DCCAE0041900}"/>
               </a:ext>
             </a:extLst>
           </p:cNvPr>
           <p:cNvCxnSpPr>
-            <a:stCxn id="31" idx="3"/>
+            <a:cxnSpLocks/>
+            <a:stCxn id="104" idx="0"/>
+            <a:endCxn id="8" idx="1"/>
           </p:cNvCxnSpPr>
           <p:nvPr/>
         </p:nvCxnSpPr>
         <p:spPr>
-          <a:xfrm>
-            <a:off x="5253188" y="4020667"/>
-            <a:ext cx="237397" cy="0"/>
+          <a:xfrm rot="16200000" flipV="1">
+            <a:off x="5272655" y="2996829"/>
+            <a:ext cx="860525" cy="877503"/>
+          </a:xfrm>
+          <a:prstGeom prst="bentConnector4">
+            <a:avLst>
+              <a:gd name="adj1" fmla="val 18813"/>
+              <a:gd name="adj2" fmla="val 126052"/>
+            </a:avLst>
+          </a:prstGeom>
+          <a:ln>
+            <a:tailEnd type="triangle"/>
+          </a:ln>
+        </p:spPr>
+        <p:style>
+          <a:lnRef idx="3">
+            <a:schemeClr val="dk1"/>
+          </a:lnRef>
+          <a:fillRef idx="0">
+            <a:schemeClr val="dk1"/>
+          </a:fillRef>
+          <a:effectRef idx="2">
+            <a:schemeClr val="dk1"/>
+          </a:effectRef>
+          <a:fontRef idx="minor">
+            <a:schemeClr val="tx1"/>
+          </a:fontRef>
+        </p:style>
+      </p:cxnSp>
+      <p:sp>
+        <p:nvSpPr>
+          <p:cNvPr id="118" name="TextBox 117">
+            <a:extLst>
+              <a:ext uri="{FF2B5EF4-FFF2-40B4-BE49-F238E27FC236}">
+                <a16:creationId xmlns:a16="http://schemas.microsoft.com/office/drawing/2014/main" id="{E77F6702-C378-6643-98DD-8D6E61B76E59}"/>
+              </a:ext>
+            </a:extLst>
+          </p:cNvPr>
+          <p:cNvSpPr txBox="1"/>
+          <p:nvPr/>
+        </p:nvSpPr>
+        <p:spPr>
+          <a:xfrm>
+            <a:off x="7637153" y="4368609"/>
+            <a:ext cx="510076" cy="369332"/>
+          </a:xfrm>
+          <a:prstGeom prst="rect">
+            <a:avLst/>
+          </a:prstGeom>
+          <a:noFill/>
+        </p:spPr>
+        <p:txBody>
+          <a:bodyPr wrap="none" rtlCol="0">
+            <a:spAutoFit/>
+          </a:bodyPr>
+          <a:lstStyle/>
+          <a:p>
+            <a:pPr algn="ctr"/>
+            <a:r>
+              <a:rPr lang="en-US" dirty="0"/>
+              <a:t>PIN</a:t>
+            </a:r>
+          </a:p>
+        </p:txBody>
+      </p:sp>
+      <p:sp>
+        <p:nvSpPr>
+          <p:cNvPr id="120" name="TextBox 119">
+            <a:extLst>
+              <a:ext uri="{FF2B5EF4-FFF2-40B4-BE49-F238E27FC236}">
+                <a16:creationId xmlns:a16="http://schemas.microsoft.com/office/drawing/2014/main" id="{357E684A-B24D-5140-A7C1-491C88BC155F}"/>
+              </a:ext>
+            </a:extLst>
+          </p:cNvPr>
+          <p:cNvSpPr txBox="1"/>
+          <p:nvPr/>
+        </p:nvSpPr>
+        <p:spPr>
+          <a:xfrm>
+            <a:off x="4512428" y="3209711"/>
+            <a:ext cx="442750" cy="369332"/>
+          </a:xfrm>
+          <a:prstGeom prst="rect">
+            <a:avLst/>
+          </a:prstGeom>
+          <a:noFill/>
+        </p:spPr>
+        <p:txBody>
+          <a:bodyPr wrap="none" rtlCol="0">
+            <a:spAutoFit/>
+          </a:bodyPr>
+          <a:lstStyle/>
+          <a:p>
+            <a:pPr algn="ctr"/>
+            <a:r>
+              <a:rPr lang="en-US" dirty="0"/>
+              <a:t>(2)</a:t>
+            </a:r>
+          </a:p>
+        </p:txBody>
+      </p:sp>
+      <p:sp>
+        <p:nvSpPr>
+          <p:cNvPr id="122" name="TextBox 121">
+            <a:extLst>
+              <a:ext uri="{FF2B5EF4-FFF2-40B4-BE49-F238E27FC236}">
+                <a16:creationId xmlns:a16="http://schemas.microsoft.com/office/drawing/2014/main" id="{4A3F9E8F-64C5-C344-93DC-9585BDD3D9AF}"/>
+              </a:ext>
+            </a:extLst>
+          </p:cNvPr>
+          <p:cNvSpPr txBox="1"/>
+          <p:nvPr/>
+        </p:nvSpPr>
+        <p:spPr>
+          <a:xfrm>
+            <a:off x="6294459" y="2147048"/>
+            <a:ext cx="442750" cy="369332"/>
+          </a:xfrm>
+          <a:prstGeom prst="rect">
+            <a:avLst/>
+          </a:prstGeom>
+          <a:noFill/>
+        </p:spPr>
+        <p:txBody>
+          <a:bodyPr wrap="none" rtlCol="0">
+            <a:spAutoFit/>
+          </a:bodyPr>
+          <a:lstStyle/>
+          <a:p>
+            <a:pPr algn="ctr"/>
+            <a:r>
+              <a:rPr lang="en-US" dirty="0"/>
+              <a:t>(4)</a:t>
+            </a:r>
+          </a:p>
+        </p:txBody>
+      </p:sp>
+      <p:sp>
+        <p:nvSpPr>
+          <p:cNvPr id="123" name="TextBox 122">
+            <a:extLst>
+              <a:ext uri="{FF2B5EF4-FFF2-40B4-BE49-F238E27FC236}">
+                <a16:creationId xmlns:a16="http://schemas.microsoft.com/office/drawing/2014/main" id="{C03534A9-CFC0-8547-ACDF-48D2A8E341F2}"/>
+              </a:ext>
+            </a:extLst>
+          </p:cNvPr>
+          <p:cNvSpPr txBox="1"/>
+          <p:nvPr/>
+        </p:nvSpPr>
+        <p:spPr>
+          <a:xfrm>
+            <a:off x="7106791" y="3322829"/>
+            <a:ext cx="442750" cy="369332"/>
+          </a:xfrm>
+          <a:prstGeom prst="rect">
+            <a:avLst/>
+          </a:prstGeom>
+          <a:noFill/>
+        </p:spPr>
+        <p:txBody>
+          <a:bodyPr wrap="none" rtlCol="0">
+            <a:spAutoFit/>
+          </a:bodyPr>
+          <a:lstStyle/>
+          <a:p>
+            <a:pPr algn="ctr"/>
+            <a:r>
+              <a:rPr lang="en-US" dirty="0"/>
+              <a:t>(5)</a:t>
+            </a:r>
+          </a:p>
+        </p:txBody>
+      </p:sp>
+      <p:sp>
+        <p:nvSpPr>
+          <p:cNvPr id="132" name="TextBox 131">
+            <a:extLst>
+              <a:ext uri="{FF2B5EF4-FFF2-40B4-BE49-F238E27FC236}">
+                <a16:creationId xmlns:a16="http://schemas.microsoft.com/office/drawing/2014/main" id="{F21E8876-3809-2C49-82AC-B1022167A87C}"/>
+              </a:ext>
+            </a:extLst>
+          </p:cNvPr>
+          <p:cNvSpPr txBox="1"/>
+          <p:nvPr/>
+        </p:nvSpPr>
+        <p:spPr>
+          <a:xfrm>
+            <a:off x="9437203" y="1180597"/>
+            <a:ext cx="2527646" cy="3139321"/>
+          </a:xfrm>
+          <a:prstGeom prst="rect">
+            <a:avLst/>
+          </a:prstGeom>
+          <a:noFill/>
+          <a:ln>
+            <a:solidFill>
+              <a:schemeClr val="tx1"/>
+            </a:solidFill>
+          </a:ln>
+        </p:spPr>
+        <p:txBody>
+          <a:bodyPr wrap="square" rtlCol="0">
+            <a:spAutoFit/>
+          </a:bodyPr>
+          <a:lstStyle/>
+          <a:p>
+            <a:pPr marL="342900" indent="-342900">
+              <a:buFont typeface="+mj-lt"/>
+              <a:buAutoNum type="arabicPeriod"/>
+            </a:pPr>
+            <a:r>
+              <a:rPr lang="en-US" dirty="0"/>
+              <a:t>Delivers PIN.</a:t>
+            </a:r>
+          </a:p>
+          <a:p>
+            <a:pPr marL="800100" lvl="1" indent="-342900">
+              <a:buFont typeface="+mj-lt"/>
+              <a:buAutoNum type="alphaUcPeriod"/>
+            </a:pPr>
+            <a:r>
+              <a:rPr lang="en-US" dirty="0"/>
+              <a:t>Activates virtual timer interrupt delivery.</a:t>
+            </a:r>
+          </a:p>
+          <a:p>
+            <a:pPr marL="342900" indent="-342900">
+              <a:buFont typeface="+mj-lt"/>
+              <a:buAutoNum type="arabicPeriod"/>
+            </a:pPr>
+            <a:r>
+              <a:rPr lang="en-US" dirty="0"/>
+              <a:t>Enter the IRQ.</a:t>
+            </a:r>
+          </a:p>
+          <a:p>
+            <a:pPr marL="342900" indent="-342900">
+              <a:buFont typeface="+mj-lt"/>
+              <a:buAutoNum type="arabicPeriod"/>
+            </a:pPr>
+            <a:r>
+              <a:rPr lang="en-US" dirty="0"/>
+              <a:t>Invoke the timer interrupt handler.</a:t>
+            </a:r>
+          </a:p>
+          <a:p>
+            <a:pPr marL="342900" indent="-342900">
+              <a:buFont typeface="+mj-lt"/>
+              <a:buAutoNum type="arabicPeriod"/>
+            </a:pPr>
+            <a:r>
+              <a:rPr lang="en-US" dirty="0"/>
+              <a:t>Set PIR timer-interrupt bit.</a:t>
+            </a:r>
+          </a:p>
+          <a:p>
+            <a:pPr marL="342900" indent="-342900">
+              <a:buFont typeface="+mj-lt"/>
+              <a:buAutoNum type="arabicPeriod"/>
+            </a:pPr>
+            <a:r>
+              <a:rPr lang="en-US" dirty="0"/>
+              <a:t>Update TMICT for the next timer event.</a:t>
+            </a:r>
+          </a:p>
+        </p:txBody>
+      </p:sp>
+      <p:sp>
+        <p:nvSpPr>
+          <p:cNvPr id="134" name="TextBox 133">
+            <a:extLst>
+              <a:ext uri="{FF2B5EF4-FFF2-40B4-BE49-F238E27FC236}">
+                <a16:creationId xmlns:a16="http://schemas.microsoft.com/office/drawing/2014/main" id="{3DB6D94C-C2B1-BD40-9DAF-2967A8B38283}"/>
+              </a:ext>
+            </a:extLst>
+          </p:cNvPr>
+          <p:cNvSpPr txBox="1"/>
+          <p:nvPr/>
+        </p:nvSpPr>
+        <p:spPr>
+          <a:xfrm>
+            <a:off x="6288905" y="2644520"/>
+            <a:ext cx="442750" cy="369332"/>
+          </a:xfrm>
+          <a:prstGeom prst="rect">
+            <a:avLst/>
+          </a:prstGeom>
+          <a:noFill/>
+        </p:spPr>
+        <p:txBody>
+          <a:bodyPr wrap="none" rtlCol="0">
+            <a:spAutoFit/>
+          </a:bodyPr>
+          <a:lstStyle/>
+          <a:p>
+            <a:pPr algn="ctr"/>
+            <a:r>
+              <a:rPr lang="en-US" dirty="0"/>
+              <a:t>(3)</a:t>
+            </a:r>
+          </a:p>
+        </p:txBody>
+      </p:sp>
+      <p:sp>
+        <p:nvSpPr>
+          <p:cNvPr id="139" name="Rounded Rectangle 138">
+            <a:extLst>
+              <a:ext uri="{FF2B5EF4-FFF2-40B4-BE49-F238E27FC236}">
+                <a16:creationId xmlns:a16="http://schemas.microsoft.com/office/drawing/2014/main" id="{C76A0E1D-C79E-DB44-8A17-89728F08ECD6}"/>
+              </a:ext>
+            </a:extLst>
+          </p:cNvPr>
+          <p:cNvSpPr/>
+          <p:nvPr/>
+        </p:nvSpPr>
+        <p:spPr>
+          <a:xfrm>
+            <a:off x="5264158" y="5775512"/>
+            <a:ext cx="2990964" cy="484653"/>
+          </a:xfrm>
+          <a:prstGeom prst="roundRect">
+            <a:avLst/>
+          </a:prstGeom>
+        </p:spPr>
+        <p:style>
+          <a:lnRef idx="2">
+            <a:schemeClr val="dk1"/>
+          </a:lnRef>
+          <a:fillRef idx="1">
+            <a:schemeClr val="lt1"/>
+          </a:fillRef>
+          <a:effectRef idx="0">
+            <a:schemeClr val="dk1"/>
+          </a:effectRef>
+          <a:fontRef idx="minor">
+            <a:schemeClr val="dk1"/>
+          </a:fontRef>
+        </p:style>
+        <p:txBody>
+          <a:bodyPr rtlCol="0" anchor="ctr"/>
+          <a:lstStyle/>
+          <a:p>
+            <a:pPr algn="ctr"/>
+            <a:r>
+              <a:rPr lang="en-US" dirty="0"/>
+              <a:t>ASSIGNED PCIe DEVICES</a:t>
+            </a:r>
+          </a:p>
+        </p:txBody>
+      </p:sp>
+      <p:cxnSp>
+        <p:nvCxnSpPr>
+          <p:cNvPr id="141" name="Straight Connector 140">
+            <a:extLst>
+              <a:ext uri="{FF2B5EF4-FFF2-40B4-BE49-F238E27FC236}">
+                <a16:creationId xmlns:a16="http://schemas.microsoft.com/office/drawing/2014/main" id="{43889E3D-4DF3-664F-B6B2-5A1A479B4920}"/>
+              </a:ext>
+            </a:extLst>
+          </p:cNvPr>
+          <p:cNvCxnSpPr>
+            <a:stCxn id="139" idx="0"/>
+            <a:endCxn id="35" idx="2"/>
+          </p:cNvCxnSpPr>
+          <p:nvPr/>
+        </p:nvCxnSpPr>
+        <p:spPr>
+          <a:xfrm flipV="1">
+            <a:off x="6759640" y="5406246"/>
+            <a:ext cx="0" cy="369266"/>
           </a:xfrm>
           <a:prstGeom prst="line">
             <a:avLst/>
           </a:prstGeom>
+        </p:spPr>
+        <p:style>
+          <a:lnRef idx="3">
+            <a:schemeClr val="dk1"/>
+          </a:lnRef>
+          <a:fillRef idx="0">
+            <a:schemeClr val="dk1"/>
+          </a:fillRef>
+          <a:effectRef idx="2">
+            <a:schemeClr val="dk1"/>
+          </a:effectRef>
+          <a:fontRef idx="minor">
+            <a:schemeClr val="tx1"/>
+          </a:fontRef>
+        </p:style>
+      </p:cxnSp>
+      <p:sp>
+        <p:nvSpPr>
+          <p:cNvPr id="143" name="Rectangle 142">
+            <a:extLst>
+              <a:ext uri="{FF2B5EF4-FFF2-40B4-BE49-F238E27FC236}">
+                <a16:creationId xmlns:a16="http://schemas.microsoft.com/office/drawing/2014/main" id="{7D56BAEF-1F04-6544-AC1E-C74F61A8C2B1}"/>
+              </a:ext>
+            </a:extLst>
+          </p:cNvPr>
+          <p:cNvSpPr/>
+          <p:nvPr/>
+        </p:nvSpPr>
+        <p:spPr>
+          <a:xfrm>
+            <a:off x="2145728" y="4712183"/>
+            <a:ext cx="1858945" cy="484653"/>
+          </a:xfrm>
+          <a:prstGeom prst="rect">
+            <a:avLst/>
+          </a:prstGeom>
+        </p:spPr>
+        <p:style>
+          <a:lnRef idx="2">
+            <a:schemeClr val="dk1"/>
+          </a:lnRef>
+          <a:fillRef idx="1">
+            <a:schemeClr val="lt1"/>
+          </a:fillRef>
+          <a:effectRef idx="0">
+            <a:schemeClr val="dk1"/>
+          </a:effectRef>
+          <a:fontRef idx="minor">
+            <a:schemeClr val="dk1"/>
+          </a:fontRef>
+        </p:style>
+        <p:txBody>
+          <a:bodyPr rtlCol="0" anchor="ctr"/>
+          <a:lstStyle/>
+          <a:p>
+            <a:pPr algn="ctr"/>
+            <a:r>
+              <a:rPr lang="en-US" dirty="0" err="1"/>
+              <a:t>vAPIC</a:t>
+            </a:r>
+            <a:r>
+              <a:rPr lang="en-US" dirty="0"/>
+              <a:t> ADDR</a:t>
+            </a:r>
+          </a:p>
+        </p:txBody>
+      </p:sp>
+      <p:cxnSp>
+        <p:nvCxnSpPr>
+          <p:cNvPr id="148" name="Elbow Connector 147">
+            <a:extLst>
+              <a:ext uri="{FF2B5EF4-FFF2-40B4-BE49-F238E27FC236}">
+                <a16:creationId xmlns:a16="http://schemas.microsoft.com/office/drawing/2014/main" id="{8DECCF1E-F5FE-254E-BE4C-0A8A55EE0D19}"/>
+              </a:ext>
+            </a:extLst>
+          </p:cNvPr>
+          <p:cNvCxnSpPr>
+            <a:cxnSpLocks/>
+            <a:stCxn id="104" idx="1"/>
+            <a:endCxn id="143" idx="3"/>
+          </p:cNvCxnSpPr>
+          <p:nvPr/>
+        </p:nvCxnSpPr>
+        <p:spPr>
+          <a:xfrm rot="10800000" flipV="1">
+            <a:off x="4004674" y="4108170"/>
+            <a:ext cx="1259485" cy="846340"/>
+          </a:xfrm>
+          <a:prstGeom prst="bentConnector3">
+            <a:avLst>
+              <a:gd name="adj1" fmla="val 50000"/>
+            </a:avLst>
+          </a:prstGeom>
+          <a:ln>
+            <a:tailEnd type="triangle"/>
+          </a:ln>
         </p:spPr>
         <p:style>
           <a:lnRef idx="3">
@@ -11546,27 +15453,32 @@
       </p:cxnSp>
       <p:cxnSp>
         <p:nvCxnSpPr>
-          <p:cNvPr id="75" name="Elbow Connector 74">
-            <a:extLst>
-              <a:ext uri="{FF2B5EF4-FFF2-40B4-BE49-F238E27FC236}">
-                <a16:creationId xmlns:a16="http://schemas.microsoft.com/office/drawing/2014/main" id="{FF359BD2-639D-1F4B-890B-3D9DD1464206}"/>
+          <p:cNvPr id="163" name="Elbow Connector 162">
+            <a:extLst>
+              <a:ext uri="{FF2B5EF4-FFF2-40B4-BE49-F238E27FC236}">
+                <a16:creationId xmlns:a16="http://schemas.microsoft.com/office/drawing/2014/main" id="{77227D6E-124E-9A46-A4A5-A45265243B77}"/>
               </a:ext>
             </a:extLst>
           </p:cNvPr>
           <p:cNvCxnSpPr>
-            <a:stCxn id="24" idx="0"/>
-            <a:endCxn id="23" idx="2"/>
+            <a:cxnSpLocks/>
+            <a:stCxn id="35" idx="1"/>
           </p:cNvCxnSpPr>
           <p:nvPr/>
         </p:nvCxnSpPr>
         <p:spPr>
-          <a:xfrm rot="5400000" flipH="1" flipV="1">
-            <a:off x="5732868" y="1407679"/>
-            <a:ext cx="269271" cy="753836"/>
+          <a:xfrm rot="10800000" flipV="1">
+            <a:off x="4012614" y="5163920"/>
+            <a:ext cx="1251545" cy="425978"/>
           </a:xfrm>
           <a:prstGeom prst="bentConnector3">
-            <a:avLst/>
-          </a:prstGeom>
+            <a:avLst>
+              <a:gd name="adj1" fmla="val 17315"/>
+            </a:avLst>
+          </a:prstGeom>
+          <a:ln>
+            <a:tailEnd type="triangle"/>
+          </a:ln>
         </p:spPr>
         <p:style>
           <a:lnRef idx="3">
@@ -11585,298 +15497,31 @@
       </p:cxnSp>
       <p:cxnSp>
         <p:nvCxnSpPr>
-          <p:cNvPr id="77" name="Elbow Connector 76">
-            <a:extLst>
-              <a:ext uri="{FF2B5EF4-FFF2-40B4-BE49-F238E27FC236}">
-                <a16:creationId xmlns:a16="http://schemas.microsoft.com/office/drawing/2014/main" id="{9AE59BCB-ACCC-F64A-B0F2-9F5C3AD1A1DB}"/>
-              </a:ext>
-            </a:extLst>
-          </p:cNvPr>
-          <p:cNvCxnSpPr>
-            <a:stCxn id="25" idx="0"/>
-            <a:endCxn id="23" idx="2"/>
-          </p:cNvCxnSpPr>
-          <p:nvPr/>
-        </p:nvCxnSpPr>
-        <p:spPr>
-          <a:xfrm rot="16200000" flipV="1">
-            <a:off x="6486705" y="1407678"/>
-            <a:ext cx="269271" cy="753838"/>
-          </a:xfrm>
-          <a:prstGeom prst="bentConnector3">
-            <a:avLst/>
-          </a:prstGeom>
-        </p:spPr>
-        <p:style>
-          <a:lnRef idx="3">
-            <a:schemeClr val="dk1"/>
-          </a:lnRef>
-          <a:fillRef idx="0">
-            <a:schemeClr val="dk1"/>
-          </a:fillRef>
-          <a:effectRef idx="2">
-            <a:schemeClr val="dk1"/>
-          </a:effectRef>
-          <a:fontRef idx="minor">
-            <a:schemeClr val="tx1"/>
-          </a:fontRef>
-        </p:style>
-      </p:cxnSp>
-      <p:sp>
-        <p:nvSpPr>
-          <p:cNvPr id="78" name="TextBox 77">
-            <a:extLst>
-              <a:ext uri="{FF2B5EF4-FFF2-40B4-BE49-F238E27FC236}">
-                <a16:creationId xmlns:a16="http://schemas.microsoft.com/office/drawing/2014/main" id="{FA0EB11D-1958-374F-8256-4DAB30E88C47}"/>
-              </a:ext>
-            </a:extLst>
-          </p:cNvPr>
-          <p:cNvSpPr txBox="1"/>
-          <p:nvPr/>
-        </p:nvSpPr>
-        <p:spPr>
-          <a:xfrm>
-            <a:off x="3128803" y="376715"/>
-            <a:ext cx="1326382" cy="646331"/>
-          </a:xfrm>
-          <a:prstGeom prst="rect">
-            <a:avLst/>
-          </a:prstGeom>
-          <a:noFill/>
-        </p:spPr>
-        <p:txBody>
-          <a:bodyPr wrap="square" rtlCol="0">
-            <a:spAutoFit/>
-          </a:bodyPr>
-          <a:lstStyle/>
-          <a:p>
-            <a:r>
-              <a:rPr lang="en-US" dirty="0"/>
-              <a:t>GUEST USERSPACE</a:t>
-            </a:r>
-          </a:p>
-        </p:txBody>
-      </p:sp>
-      <p:sp>
-        <p:nvSpPr>
-          <p:cNvPr id="79" name="TextBox 78">
-            <a:extLst>
-              <a:ext uri="{FF2B5EF4-FFF2-40B4-BE49-F238E27FC236}">
-                <a16:creationId xmlns:a16="http://schemas.microsoft.com/office/drawing/2014/main" id="{62350E2C-354E-4841-A765-B06D64799078}"/>
-              </a:ext>
-            </a:extLst>
-          </p:cNvPr>
-          <p:cNvSpPr txBox="1"/>
-          <p:nvPr/>
-        </p:nvSpPr>
-        <p:spPr>
-          <a:xfrm>
-            <a:off x="3128803" y="1556456"/>
-            <a:ext cx="1326382" cy="646331"/>
-          </a:xfrm>
-          <a:prstGeom prst="rect">
-            <a:avLst/>
-          </a:prstGeom>
-          <a:noFill/>
-        </p:spPr>
-        <p:txBody>
-          <a:bodyPr wrap="square" rtlCol="0">
-            <a:spAutoFit/>
-          </a:bodyPr>
-          <a:lstStyle/>
-          <a:p>
-            <a:r>
-              <a:rPr lang="en-US" dirty="0"/>
-              <a:t>GUEST KERNEL</a:t>
-            </a:r>
-          </a:p>
-        </p:txBody>
-      </p:sp>
-      <p:sp>
-        <p:nvSpPr>
-          <p:cNvPr id="80" name="TextBox 79">
-            <a:extLst>
-              <a:ext uri="{FF2B5EF4-FFF2-40B4-BE49-F238E27FC236}">
-                <a16:creationId xmlns:a16="http://schemas.microsoft.com/office/drawing/2014/main" id="{86236B08-188B-934A-83D0-7073FEDA1FB4}"/>
-              </a:ext>
-            </a:extLst>
-          </p:cNvPr>
-          <p:cNvSpPr txBox="1"/>
-          <p:nvPr/>
-        </p:nvSpPr>
-        <p:spPr>
-          <a:xfrm>
-            <a:off x="3128803" y="3697501"/>
-            <a:ext cx="1326382" cy="646331"/>
-          </a:xfrm>
-          <a:prstGeom prst="rect">
-            <a:avLst/>
-          </a:prstGeom>
-          <a:noFill/>
-        </p:spPr>
-        <p:txBody>
-          <a:bodyPr wrap="square" rtlCol="0">
-            <a:spAutoFit/>
-          </a:bodyPr>
-          <a:lstStyle/>
-          <a:p>
-            <a:r>
-              <a:rPr lang="en-US" dirty="0"/>
-              <a:t>HOST KERNEL</a:t>
-            </a:r>
-          </a:p>
-        </p:txBody>
-      </p:sp>
-      <p:sp>
-        <p:nvSpPr>
-          <p:cNvPr id="81" name="TextBox 80">
-            <a:extLst>
-              <a:ext uri="{FF2B5EF4-FFF2-40B4-BE49-F238E27FC236}">
-                <a16:creationId xmlns:a16="http://schemas.microsoft.com/office/drawing/2014/main" id="{F0D674D7-E4E0-2047-A1A1-DD80FC0A2951}"/>
-              </a:ext>
-            </a:extLst>
-          </p:cNvPr>
-          <p:cNvSpPr txBox="1"/>
-          <p:nvPr/>
-        </p:nvSpPr>
-        <p:spPr>
-          <a:xfrm>
-            <a:off x="4851676" y="2467190"/>
-            <a:ext cx="462224" cy="305233"/>
-          </a:xfrm>
-          <a:prstGeom prst="rect">
-            <a:avLst/>
-          </a:prstGeom>
-          <a:noFill/>
-        </p:spPr>
-        <p:txBody>
-          <a:bodyPr wrap="square" rtlCol="0">
-            <a:spAutoFit/>
-          </a:bodyPr>
-          <a:lstStyle/>
-          <a:p>
-            <a:pPr algn="ctr"/>
-            <a:r>
-              <a:rPr lang="en-US" dirty="0"/>
-              <a:t>(1)</a:t>
-            </a:r>
-          </a:p>
-        </p:txBody>
-      </p:sp>
-      <p:sp>
-        <p:nvSpPr>
-          <p:cNvPr id="82" name="TextBox 81">
-            <a:extLst>
-              <a:ext uri="{FF2B5EF4-FFF2-40B4-BE49-F238E27FC236}">
-                <a16:creationId xmlns:a16="http://schemas.microsoft.com/office/drawing/2014/main" id="{7D04DB7A-EF75-4A47-A8D2-997C0177BAC0}"/>
-              </a:ext>
-            </a:extLst>
-          </p:cNvPr>
-          <p:cNvSpPr txBox="1"/>
-          <p:nvPr/>
-        </p:nvSpPr>
-        <p:spPr>
-          <a:xfrm>
-            <a:off x="7174941" y="2458325"/>
-            <a:ext cx="462224" cy="335757"/>
-          </a:xfrm>
-          <a:prstGeom prst="rect">
-            <a:avLst/>
-          </a:prstGeom>
-          <a:noFill/>
-        </p:spPr>
-        <p:txBody>
-          <a:bodyPr wrap="square" rtlCol="0">
-            <a:spAutoFit/>
-          </a:bodyPr>
-          <a:lstStyle/>
-          <a:p>
-            <a:pPr algn="ctr"/>
-            <a:r>
-              <a:rPr lang="en-US" dirty="0"/>
-              <a:t>(2)</a:t>
-            </a:r>
-          </a:p>
-        </p:txBody>
-      </p:sp>
-      <p:sp>
-        <p:nvSpPr>
-          <p:cNvPr id="83" name="Rounded Rectangle 82">
-            <a:extLst>
-              <a:ext uri="{FF2B5EF4-FFF2-40B4-BE49-F238E27FC236}">
-                <a16:creationId xmlns:a16="http://schemas.microsoft.com/office/drawing/2014/main" id="{38F4E485-F97D-0A4F-99B3-508EA3AA0D79}"/>
-              </a:ext>
-            </a:extLst>
-          </p:cNvPr>
-          <p:cNvSpPr/>
-          <p:nvPr/>
-        </p:nvSpPr>
-        <p:spPr>
-          <a:xfrm>
-            <a:off x="5605512" y="358620"/>
-            <a:ext cx="1277816" cy="567986"/>
-          </a:xfrm>
-          <a:prstGeom prst="roundRect">
-            <a:avLst/>
-          </a:prstGeom>
-        </p:spPr>
-        <p:style>
-          <a:lnRef idx="2">
-            <a:schemeClr val="dk1"/>
-          </a:lnRef>
-          <a:fillRef idx="1">
-            <a:schemeClr val="lt1"/>
-          </a:fillRef>
-          <a:effectRef idx="0">
-            <a:schemeClr val="dk1"/>
-          </a:effectRef>
-          <a:fontRef idx="minor">
-            <a:schemeClr val="dk1"/>
-          </a:fontRef>
-        </p:style>
-        <p:txBody>
-          <a:bodyPr rtlCol="0" anchor="ctr"/>
-          <a:lstStyle/>
-          <a:p>
-            <a:pPr algn="ctr"/>
-            <a:r>
-              <a:rPr lang="en-US" dirty="0"/>
-              <a:t>NETWORK</a:t>
-            </a:r>
-          </a:p>
-          <a:p>
-            <a:pPr algn="ctr"/>
-            <a:r>
-              <a:rPr lang="en-US" dirty="0"/>
-              <a:t>APP</a:t>
-            </a:r>
-          </a:p>
-        </p:txBody>
-      </p:sp>
-      <p:cxnSp>
-        <p:nvCxnSpPr>
-          <p:cNvPr id="85" name="Straight Connector 84">
-            <a:extLst>
-              <a:ext uri="{FF2B5EF4-FFF2-40B4-BE49-F238E27FC236}">
-                <a16:creationId xmlns:a16="http://schemas.microsoft.com/office/drawing/2014/main" id="{56ECBE70-8636-0844-9927-DC92A9777C46}"/>
+          <p:cNvPr id="166" name="Elbow Connector 165">
+            <a:extLst>
+              <a:ext uri="{FF2B5EF4-FFF2-40B4-BE49-F238E27FC236}">
+                <a16:creationId xmlns:a16="http://schemas.microsoft.com/office/drawing/2014/main" id="{61138166-0423-B940-B86A-F0C637CC1704}"/>
               </a:ext>
             </a:extLst>
           </p:cNvPr>
           <p:cNvCxnSpPr>
             <a:cxnSpLocks/>
-            <a:stCxn id="83" idx="2"/>
-            <a:endCxn id="23" idx="0"/>
+            <a:stCxn id="104" idx="1"/>
+            <a:endCxn id="34" idx="3"/>
           </p:cNvCxnSpPr>
           <p:nvPr/>
         </p:nvCxnSpPr>
         <p:spPr>
-          <a:xfrm>
-            <a:off x="6244420" y="926606"/>
-            <a:ext cx="1" cy="306920"/>
-          </a:xfrm>
-          <a:prstGeom prst="line">
-            <a:avLst/>
-          </a:prstGeom>
+          <a:xfrm rot="10800000" flipV="1">
+            <a:off x="4012614" y="4108169"/>
+            <a:ext cx="1251544" cy="1330993"/>
+          </a:xfrm>
+          <a:prstGeom prst="bentConnector3">
+            <a:avLst/>
+          </a:prstGeom>
+          <a:ln>
+            <a:tailEnd type="triangle"/>
+          </a:ln>
         </p:spPr>
         <p:style>
           <a:lnRef idx="3">
@@ -11896,7 +15541,7 @@
     </p:spTree>
     <p:extLst>
       <p:ext uri="{BB962C8B-B14F-4D97-AF65-F5344CB8AC3E}">
-        <p14:creationId xmlns:p14="http://schemas.microsoft.com/office/powerpoint/2010/main" val="1792604381"/>
+        <p14:creationId xmlns:p14="http://schemas.microsoft.com/office/powerpoint/2010/main" val="1093365664"/>
       </p:ext>
     </p:extLst>
   </p:cSld>
@@ -11928,7 +15573,7 @@
           <p:cNvPr id="2" name="Title 1">
             <a:extLst>
               <a:ext uri="{FF2B5EF4-FFF2-40B4-BE49-F238E27FC236}">
-                <a16:creationId xmlns:a16="http://schemas.microsoft.com/office/drawing/2014/main" id="{A9673FA6-0C2D-AB42-B109-AF9CC6FD470D}"/>
+                <a16:creationId xmlns:a16="http://schemas.microsoft.com/office/drawing/2014/main" id="{5FA7DDBE-4537-5E4D-810B-A9BE51FED868}"/>
               </a:ext>
             </a:extLst>
           </p:cNvPr>
@@ -11942,24 +15587,1338 @@
         <p:spPr>
           <a:xfrm>
             <a:off x="0" y="0"/>
-            <a:ext cx="1298825" cy="1325563"/>
-          </a:xfrm>
-        </p:spPr>
-        <p:txBody>
-          <a:bodyPr/>
-          <a:lstStyle/>
-          <a:p>
+            <a:ext cx="2213225" cy="949967"/>
+          </a:xfrm>
+        </p:spPr>
+        <p:txBody>
+          <a:bodyPr>
+            <a:normAutofit/>
+          </a:bodyPr>
+          <a:lstStyle/>
+          <a:p>
+            <a:r>
+              <a:rPr lang="en-US" sz="3200" dirty="0"/>
+              <a:t>NIC Bonding</a:t>
+            </a:r>
+          </a:p>
+        </p:txBody>
+      </p:sp>
+      <p:sp>
+        <p:nvSpPr>
+          <p:cNvPr id="21" name="Rounded Rectangle 20">
+            <a:extLst>
+              <a:ext uri="{FF2B5EF4-FFF2-40B4-BE49-F238E27FC236}">
+                <a16:creationId xmlns:a16="http://schemas.microsoft.com/office/drawing/2014/main" id="{F90E979E-9428-AF45-B594-77BE389F1CE4}"/>
+              </a:ext>
+            </a:extLst>
+          </p:cNvPr>
+          <p:cNvSpPr/>
+          <p:nvPr/>
+        </p:nvSpPr>
+        <p:spPr>
+          <a:xfrm>
+            <a:off x="4450166" y="160768"/>
+            <a:ext cx="3578468" cy="2257211"/>
+          </a:xfrm>
+          <a:prstGeom prst="roundRect">
+            <a:avLst/>
+          </a:prstGeom>
+        </p:spPr>
+        <p:style>
+          <a:lnRef idx="2">
+            <a:schemeClr val="dk1"/>
+          </a:lnRef>
+          <a:fillRef idx="1">
+            <a:schemeClr val="lt1"/>
+          </a:fillRef>
+          <a:effectRef idx="0">
+            <a:schemeClr val="dk1"/>
+          </a:effectRef>
+          <a:fontRef idx="minor">
+            <a:schemeClr val="dk1"/>
+          </a:fontRef>
+        </p:style>
+        <p:txBody>
+          <a:bodyPr rtlCol="0" anchor="ctr"/>
+          <a:lstStyle/>
+          <a:p>
+            <a:pPr algn="ctr"/>
+            <a:endParaRPr lang="en-US" dirty="0"/>
+          </a:p>
+        </p:txBody>
+      </p:sp>
+      <p:sp>
+        <p:nvSpPr>
+          <p:cNvPr id="22" name="Rounded Rectangle 21">
+            <a:extLst>
+              <a:ext uri="{FF2B5EF4-FFF2-40B4-BE49-F238E27FC236}">
+                <a16:creationId xmlns:a16="http://schemas.microsoft.com/office/drawing/2014/main" id="{4BC71606-BE3B-C844-8A6D-473C8EC71C84}"/>
+              </a:ext>
+            </a:extLst>
+          </p:cNvPr>
+          <p:cNvSpPr/>
+          <p:nvPr/>
+        </p:nvSpPr>
+        <p:spPr>
+          <a:xfrm>
+            <a:off x="4450165" y="1238993"/>
+            <a:ext cx="3578468" cy="1178987"/>
+          </a:xfrm>
+          <a:prstGeom prst="roundRect">
+            <a:avLst/>
+          </a:prstGeom>
+        </p:spPr>
+        <p:style>
+          <a:lnRef idx="2">
+            <a:schemeClr val="dk1"/>
+          </a:lnRef>
+          <a:fillRef idx="1">
+            <a:schemeClr val="lt1"/>
+          </a:fillRef>
+          <a:effectRef idx="0">
+            <a:schemeClr val="dk1"/>
+          </a:effectRef>
+          <a:fontRef idx="minor">
+            <a:schemeClr val="dk1"/>
+          </a:fontRef>
+        </p:style>
+        <p:txBody>
+          <a:bodyPr rtlCol="0" anchor="t"/>
+          <a:lstStyle/>
+          <a:p>
+            <a:pPr algn="ctr"/>
+            <a:endParaRPr lang="en-US" dirty="0"/>
+          </a:p>
+        </p:txBody>
+      </p:sp>
+      <p:sp>
+        <p:nvSpPr>
+          <p:cNvPr id="23" name="Rounded Rectangle 22">
+            <a:extLst>
+              <a:ext uri="{FF2B5EF4-FFF2-40B4-BE49-F238E27FC236}">
+                <a16:creationId xmlns:a16="http://schemas.microsoft.com/office/drawing/2014/main" id="{7E525C38-9FB3-4846-9118-E44260C52AE2}"/>
+              </a:ext>
+            </a:extLst>
+          </p:cNvPr>
+          <p:cNvSpPr/>
+          <p:nvPr/>
+        </p:nvSpPr>
+        <p:spPr>
+          <a:xfrm>
+            <a:off x="4851676" y="1233526"/>
+            <a:ext cx="2785489" cy="416435"/>
+          </a:xfrm>
+          <a:prstGeom prst="roundRect">
+            <a:avLst/>
+          </a:prstGeom>
+        </p:spPr>
+        <p:style>
+          <a:lnRef idx="2">
+            <a:schemeClr val="dk1"/>
+          </a:lnRef>
+          <a:fillRef idx="1">
+            <a:schemeClr val="lt1"/>
+          </a:fillRef>
+          <a:effectRef idx="0">
+            <a:schemeClr val="dk1"/>
+          </a:effectRef>
+          <a:fontRef idx="minor">
+            <a:schemeClr val="dk1"/>
+          </a:fontRef>
+        </p:style>
+        <p:txBody>
+          <a:bodyPr rtlCol="0" anchor="ctr"/>
+          <a:lstStyle/>
+          <a:p>
+            <a:pPr algn="ctr"/>
             <a:r>
               <a:rPr lang="en-US" dirty="0"/>
-              <a:t>DTID</a:t>
-            </a:r>
-          </a:p>
-        </p:txBody>
-      </p:sp>
+              <a:t>BONDING DRIVER</a:t>
+            </a:r>
+          </a:p>
+        </p:txBody>
+      </p:sp>
+      <p:sp>
+        <p:nvSpPr>
+          <p:cNvPr id="24" name="Rounded Rectangle 23">
+            <a:extLst>
+              <a:ext uri="{FF2B5EF4-FFF2-40B4-BE49-F238E27FC236}">
+                <a16:creationId xmlns:a16="http://schemas.microsoft.com/office/drawing/2014/main" id="{93A98D7B-5D34-7049-88D3-3DE2F899E628}"/>
+              </a:ext>
+            </a:extLst>
+          </p:cNvPr>
+          <p:cNvSpPr/>
+          <p:nvPr/>
+        </p:nvSpPr>
+        <p:spPr>
+          <a:xfrm>
+            <a:off x="4851677" y="1919232"/>
+            <a:ext cx="1277816" cy="498748"/>
+          </a:xfrm>
+          <a:prstGeom prst="roundRect">
+            <a:avLst/>
+          </a:prstGeom>
+        </p:spPr>
+        <p:style>
+          <a:lnRef idx="2">
+            <a:schemeClr val="dk1"/>
+          </a:lnRef>
+          <a:fillRef idx="1">
+            <a:schemeClr val="lt1"/>
+          </a:fillRef>
+          <a:effectRef idx="0">
+            <a:schemeClr val="dk1"/>
+          </a:effectRef>
+          <a:fontRef idx="minor">
+            <a:schemeClr val="dk1"/>
+          </a:fontRef>
+        </p:style>
+        <p:txBody>
+          <a:bodyPr rtlCol="0" anchor="ctr"/>
+          <a:lstStyle/>
+          <a:p>
+            <a:pPr algn="ctr"/>
+            <a:r>
+              <a:rPr lang="en-US" dirty="0"/>
+              <a:t>NIC</a:t>
+            </a:r>
+          </a:p>
+          <a:p>
+            <a:pPr algn="ctr"/>
+            <a:r>
+              <a:rPr lang="en-US" dirty="0"/>
+              <a:t>DRIVER</a:t>
+            </a:r>
+          </a:p>
+        </p:txBody>
+      </p:sp>
+      <p:sp>
+        <p:nvSpPr>
+          <p:cNvPr id="25" name="Rounded Rectangle 24">
+            <a:extLst>
+              <a:ext uri="{FF2B5EF4-FFF2-40B4-BE49-F238E27FC236}">
+                <a16:creationId xmlns:a16="http://schemas.microsoft.com/office/drawing/2014/main" id="{4E0EBCE5-950B-2C4C-9227-CC1D8409E11F}"/>
+              </a:ext>
+            </a:extLst>
+          </p:cNvPr>
+          <p:cNvSpPr/>
+          <p:nvPr/>
+        </p:nvSpPr>
+        <p:spPr>
+          <a:xfrm>
+            <a:off x="6359351" y="1919232"/>
+            <a:ext cx="1277816" cy="498748"/>
+          </a:xfrm>
+          <a:prstGeom prst="roundRect">
+            <a:avLst/>
+          </a:prstGeom>
+        </p:spPr>
+        <p:style>
+          <a:lnRef idx="2">
+            <a:schemeClr val="dk1"/>
+          </a:lnRef>
+          <a:fillRef idx="1">
+            <a:schemeClr val="lt1"/>
+          </a:fillRef>
+          <a:effectRef idx="0">
+            <a:schemeClr val="dk1"/>
+          </a:effectRef>
+          <a:fontRef idx="minor">
+            <a:schemeClr val="dk1"/>
+          </a:fontRef>
+        </p:style>
+        <p:txBody>
+          <a:bodyPr rtlCol="0" anchor="ctr"/>
+          <a:lstStyle/>
+          <a:p>
+            <a:pPr algn="ctr"/>
+            <a:r>
+              <a:rPr lang="en-US" dirty="0"/>
+              <a:t>VIRTIO</a:t>
+            </a:r>
+          </a:p>
+          <a:p>
+            <a:pPr algn="ctr"/>
+            <a:r>
+              <a:rPr lang="en-US" dirty="0"/>
+              <a:t>NET</a:t>
+            </a:r>
+          </a:p>
+        </p:txBody>
+      </p:sp>
+      <p:sp>
+        <p:nvSpPr>
+          <p:cNvPr id="26" name="Rounded Rectangle 25">
+            <a:extLst>
+              <a:ext uri="{FF2B5EF4-FFF2-40B4-BE49-F238E27FC236}">
+                <a16:creationId xmlns:a16="http://schemas.microsoft.com/office/drawing/2014/main" id="{5D3D798B-CF11-6D49-AB6A-CDF7BB7D389B}"/>
+              </a:ext>
+            </a:extLst>
+          </p:cNvPr>
+          <p:cNvSpPr/>
+          <p:nvPr/>
+        </p:nvSpPr>
+        <p:spPr>
+          <a:xfrm>
+            <a:off x="4450163" y="2823580"/>
+            <a:ext cx="3578469" cy="2394175"/>
+          </a:xfrm>
+          <a:prstGeom prst="roundRect">
+            <a:avLst/>
+          </a:prstGeom>
+        </p:spPr>
+        <p:style>
+          <a:lnRef idx="2">
+            <a:schemeClr val="dk1"/>
+          </a:lnRef>
+          <a:fillRef idx="1">
+            <a:schemeClr val="lt1"/>
+          </a:fillRef>
+          <a:effectRef idx="0">
+            <a:schemeClr val="dk1"/>
+          </a:effectRef>
+          <a:fontRef idx="minor">
+            <a:schemeClr val="dk1"/>
+          </a:fontRef>
+        </p:style>
+        <p:txBody>
+          <a:bodyPr rtlCol="0" anchor="ctr"/>
+          <a:lstStyle/>
+          <a:p>
+            <a:pPr algn="ctr"/>
+            <a:endParaRPr lang="en-US" dirty="0"/>
+          </a:p>
+        </p:txBody>
+      </p:sp>
+      <p:sp>
+        <p:nvSpPr>
+          <p:cNvPr id="27" name="Rounded Rectangle 26">
+            <a:extLst>
+              <a:ext uri="{FF2B5EF4-FFF2-40B4-BE49-F238E27FC236}">
+                <a16:creationId xmlns:a16="http://schemas.microsoft.com/office/drawing/2014/main" id="{C704406C-B4C2-5D45-A43E-C28596919AF8}"/>
+              </a:ext>
+            </a:extLst>
+          </p:cNvPr>
+          <p:cNvSpPr/>
+          <p:nvPr/>
+        </p:nvSpPr>
+        <p:spPr>
+          <a:xfrm>
+            <a:off x="6359351" y="2833625"/>
+            <a:ext cx="1277816" cy="452177"/>
+          </a:xfrm>
+          <a:prstGeom prst="roundRect">
+            <a:avLst/>
+          </a:prstGeom>
+        </p:spPr>
+        <p:style>
+          <a:lnRef idx="2">
+            <a:schemeClr val="dk1"/>
+          </a:lnRef>
+          <a:fillRef idx="1">
+            <a:schemeClr val="lt1"/>
+          </a:fillRef>
+          <a:effectRef idx="0">
+            <a:schemeClr val="dk1"/>
+          </a:effectRef>
+          <a:fontRef idx="minor">
+            <a:schemeClr val="dk1"/>
+          </a:fontRef>
+        </p:style>
+        <p:txBody>
+          <a:bodyPr rtlCol="0" anchor="ctr"/>
+          <a:lstStyle/>
+          <a:p>
+            <a:pPr algn="ctr"/>
+            <a:r>
+              <a:rPr lang="en-US" dirty="0" err="1"/>
+              <a:t>vHOST</a:t>
+            </a:r>
+            <a:endParaRPr lang="en-US" dirty="0"/>
+          </a:p>
+        </p:txBody>
+      </p:sp>
+      <p:sp>
+        <p:nvSpPr>
+          <p:cNvPr id="28" name="Rounded Rectangle 27">
+            <a:extLst>
+              <a:ext uri="{FF2B5EF4-FFF2-40B4-BE49-F238E27FC236}">
+                <a16:creationId xmlns:a16="http://schemas.microsoft.com/office/drawing/2014/main" id="{297B1B11-C082-6144-B25C-DEFDF24FF913}"/>
+              </a:ext>
+            </a:extLst>
+          </p:cNvPr>
+          <p:cNvSpPr/>
+          <p:nvPr/>
+        </p:nvSpPr>
+        <p:spPr>
+          <a:xfrm>
+            <a:off x="6359351" y="3490133"/>
+            <a:ext cx="1277816" cy="441704"/>
+          </a:xfrm>
+          <a:prstGeom prst="roundRect">
+            <a:avLst/>
+          </a:prstGeom>
+        </p:spPr>
+        <p:style>
+          <a:lnRef idx="2">
+            <a:schemeClr val="dk1"/>
+          </a:lnRef>
+          <a:fillRef idx="1">
+            <a:schemeClr val="lt1"/>
+          </a:fillRef>
+          <a:effectRef idx="0">
+            <a:schemeClr val="dk1"/>
+          </a:effectRef>
+          <a:fontRef idx="minor">
+            <a:schemeClr val="dk1"/>
+          </a:fontRef>
+        </p:style>
+        <p:txBody>
+          <a:bodyPr rtlCol="0" anchor="ctr"/>
+          <a:lstStyle/>
+          <a:p>
+            <a:pPr algn="ctr"/>
+            <a:r>
+              <a:rPr lang="en-US" dirty="0"/>
+              <a:t>TAP</a:t>
+            </a:r>
+          </a:p>
+        </p:txBody>
+      </p:sp>
+      <p:sp>
+        <p:nvSpPr>
+          <p:cNvPr id="29" name="Rounded Rectangle 28">
+            <a:extLst>
+              <a:ext uri="{FF2B5EF4-FFF2-40B4-BE49-F238E27FC236}">
+                <a16:creationId xmlns:a16="http://schemas.microsoft.com/office/drawing/2014/main" id="{55EF670C-0717-7744-87B0-453280BF63F9}"/>
+              </a:ext>
+            </a:extLst>
+          </p:cNvPr>
+          <p:cNvSpPr/>
+          <p:nvPr/>
+        </p:nvSpPr>
+        <p:spPr>
+          <a:xfrm>
+            <a:off x="6359351" y="4136168"/>
+            <a:ext cx="1277816" cy="441704"/>
+          </a:xfrm>
+          <a:prstGeom prst="roundRect">
+            <a:avLst/>
+          </a:prstGeom>
+        </p:spPr>
+        <p:style>
+          <a:lnRef idx="2">
+            <a:schemeClr val="dk1"/>
+          </a:lnRef>
+          <a:fillRef idx="1">
+            <a:schemeClr val="lt1"/>
+          </a:fillRef>
+          <a:effectRef idx="0">
+            <a:schemeClr val="dk1"/>
+          </a:effectRef>
+          <a:fontRef idx="minor">
+            <a:schemeClr val="dk1"/>
+          </a:fontRef>
+        </p:style>
+        <p:txBody>
+          <a:bodyPr rtlCol="0" anchor="ctr"/>
+          <a:lstStyle/>
+          <a:p>
+            <a:pPr algn="ctr"/>
+            <a:r>
+              <a:rPr lang="en-US" dirty="0"/>
+              <a:t>BRIDGE</a:t>
+            </a:r>
+          </a:p>
+        </p:txBody>
+      </p:sp>
+      <p:sp>
+        <p:nvSpPr>
+          <p:cNvPr id="30" name="Rounded Rectangle 29">
+            <a:extLst>
+              <a:ext uri="{FF2B5EF4-FFF2-40B4-BE49-F238E27FC236}">
+                <a16:creationId xmlns:a16="http://schemas.microsoft.com/office/drawing/2014/main" id="{073632DD-F460-994F-81BB-4617484E6B66}"/>
+              </a:ext>
+            </a:extLst>
+          </p:cNvPr>
+          <p:cNvSpPr/>
+          <p:nvPr/>
+        </p:nvSpPr>
+        <p:spPr>
+          <a:xfrm>
+            <a:off x="6359351" y="4786097"/>
+            <a:ext cx="1277816" cy="441704"/>
+          </a:xfrm>
+          <a:prstGeom prst="roundRect">
+            <a:avLst/>
+          </a:prstGeom>
+        </p:spPr>
+        <p:style>
+          <a:lnRef idx="2">
+            <a:schemeClr val="dk1"/>
+          </a:lnRef>
+          <a:fillRef idx="1">
+            <a:schemeClr val="lt1"/>
+          </a:fillRef>
+          <a:effectRef idx="0">
+            <a:schemeClr val="dk1"/>
+          </a:effectRef>
+          <a:fontRef idx="minor">
+            <a:schemeClr val="dk1"/>
+          </a:fontRef>
+        </p:style>
+        <p:txBody>
+          <a:bodyPr rtlCol="0" anchor="ctr"/>
+          <a:lstStyle/>
+          <a:p>
+            <a:pPr algn="ctr"/>
+            <a:r>
+              <a:rPr lang="en-US" dirty="0"/>
+              <a:t>NIC</a:t>
+            </a:r>
+          </a:p>
+          <a:p>
+            <a:pPr algn="ctr"/>
+            <a:r>
+              <a:rPr lang="en-US" dirty="0"/>
+              <a:t>DRIVER</a:t>
+            </a:r>
+          </a:p>
+        </p:txBody>
+      </p:sp>
+      <p:sp>
+        <p:nvSpPr>
+          <p:cNvPr id="31" name="Rounded Rectangle 30">
+            <a:extLst>
+              <a:ext uri="{FF2B5EF4-FFF2-40B4-BE49-F238E27FC236}">
+                <a16:creationId xmlns:a16="http://schemas.microsoft.com/office/drawing/2014/main" id="{F0543E53-6911-5441-BBB6-505A0AA4A2D1}"/>
+              </a:ext>
+            </a:extLst>
+          </p:cNvPr>
+          <p:cNvSpPr/>
+          <p:nvPr/>
+        </p:nvSpPr>
+        <p:spPr>
+          <a:xfrm>
+            <a:off x="4450165" y="3799815"/>
+            <a:ext cx="803023" cy="441704"/>
+          </a:xfrm>
+          <a:prstGeom prst="roundRect">
+            <a:avLst/>
+          </a:prstGeom>
+        </p:spPr>
+        <p:style>
+          <a:lnRef idx="2">
+            <a:schemeClr val="dk1"/>
+          </a:lnRef>
+          <a:fillRef idx="1">
+            <a:schemeClr val="lt1"/>
+          </a:fillRef>
+          <a:effectRef idx="0">
+            <a:schemeClr val="dk1"/>
+          </a:effectRef>
+          <a:fontRef idx="minor">
+            <a:schemeClr val="dk1"/>
+          </a:fontRef>
+        </p:style>
+        <p:txBody>
+          <a:bodyPr rtlCol="0" anchor="ctr"/>
+          <a:lstStyle/>
+          <a:p>
+            <a:pPr algn="ctr"/>
+            <a:r>
+              <a:rPr lang="en-US" dirty="0"/>
+              <a:t>VFIO</a:t>
+            </a:r>
+          </a:p>
+        </p:txBody>
+      </p:sp>
+      <p:sp>
+        <p:nvSpPr>
+          <p:cNvPr id="32" name="Rounded Rectangle 31">
+            <a:extLst>
+              <a:ext uri="{FF2B5EF4-FFF2-40B4-BE49-F238E27FC236}">
+                <a16:creationId xmlns:a16="http://schemas.microsoft.com/office/drawing/2014/main" id="{7FE89640-A89A-8141-A7D3-92FFD9D9F641}"/>
+              </a:ext>
+            </a:extLst>
+          </p:cNvPr>
+          <p:cNvSpPr/>
+          <p:nvPr/>
+        </p:nvSpPr>
+        <p:spPr>
+          <a:xfrm>
+            <a:off x="4450163" y="5623355"/>
+            <a:ext cx="3578469" cy="1108029"/>
+          </a:xfrm>
+          <a:prstGeom prst="roundRect">
+            <a:avLst/>
+          </a:prstGeom>
+        </p:spPr>
+        <p:style>
+          <a:lnRef idx="2">
+            <a:schemeClr val="dk1"/>
+          </a:lnRef>
+          <a:fillRef idx="1">
+            <a:schemeClr val="lt1"/>
+          </a:fillRef>
+          <a:effectRef idx="0">
+            <a:schemeClr val="dk1"/>
+          </a:effectRef>
+          <a:fontRef idx="minor">
+            <a:schemeClr val="dk1"/>
+          </a:fontRef>
+        </p:style>
+        <p:txBody>
+          <a:bodyPr rtlCol="0" anchor="b"/>
+          <a:lstStyle/>
+          <a:p>
+            <a:pPr algn="ctr"/>
+            <a:r>
+              <a:rPr lang="en-US" dirty="0"/>
+              <a:t>SR-IOV NIC</a:t>
+            </a:r>
+          </a:p>
+        </p:txBody>
+      </p:sp>
+      <p:sp>
+        <p:nvSpPr>
+          <p:cNvPr id="33" name="Rounded Rectangle 32">
+            <a:extLst>
+              <a:ext uri="{FF2B5EF4-FFF2-40B4-BE49-F238E27FC236}">
+                <a16:creationId xmlns:a16="http://schemas.microsoft.com/office/drawing/2014/main" id="{EDBF5A2F-28B6-2943-8A42-19D7A93FBA19}"/>
+              </a:ext>
+            </a:extLst>
+          </p:cNvPr>
+          <p:cNvSpPr/>
+          <p:nvPr/>
+        </p:nvSpPr>
+        <p:spPr>
+          <a:xfrm>
+            <a:off x="4757475" y="5625333"/>
+            <a:ext cx="1466221" cy="512466"/>
+          </a:xfrm>
+          <a:prstGeom prst="roundRect">
+            <a:avLst/>
+          </a:prstGeom>
+        </p:spPr>
+        <p:style>
+          <a:lnRef idx="2">
+            <a:schemeClr val="dk1"/>
+          </a:lnRef>
+          <a:fillRef idx="1">
+            <a:schemeClr val="lt1"/>
+          </a:fillRef>
+          <a:effectRef idx="0">
+            <a:schemeClr val="dk1"/>
+          </a:effectRef>
+          <a:fontRef idx="minor">
+            <a:schemeClr val="dk1"/>
+          </a:fontRef>
+        </p:style>
+        <p:txBody>
+          <a:bodyPr rtlCol="0" anchor="ctr"/>
+          <a:lstStyle/>
+          <a:p>
+            <a:pPr algn="ctr"/>
+            <a:r>
+              <a:rPr lang="en-US" dirty="0"/>
+              <a:t>VIRT</a:t>
+            </a:r>
+          </a:p>
+          <a:p>
+            <a:pPr algn="ctr"/>
+            <a:r>
+              <a:rPr lang="en-US" dirty="0"/>
+              <a:t>FUNC</a:t>
+            </a:r>
+          </a:p>
+        </p:txBody>
+      </p:sp>
+      <p:sp>
+        <p:nvSpPr>
+          <p:cNvPr id="34" name="Rounded Rectangle 33">
+            <a:extLst>
+              <a:ext uri="{FF2B5EF4-FFF2-40B4-BE49-F238E27FC236}">
+                <a16:creationId xmlns:a16="http://schemas.microsoft.com/office/drawing/2014/main" id="{8BA0C4CC-FACB-3847-B2CF-55C9AA4D43EB}"/>
+              </a:ext>
+            </a:extLst>
+          </p:cNvPr>
+          <p:cNvSpPr/>
+          <p:nvPr/>
+        </p:nvSpPr>
+        <p:spPr>
+          <a:xfrm>
+            <a:off x="6229141" y="5623355"/>
+            <a:ext cx="1538236" cy="512466"/>
+          </a:xfrm>
+          <a:prstGeom prst="roundRect">
+            <a:avLst/>
+          </a:prstGeom>
+        </p:spPr>
+        <p:style>
+          <a:lnRef idx="2">
+            <a:schemeClr val="dk1"/>
+          </a:lnRef>
+          <a:fillRef idx="1">
+            <a:schemeClr val="lt1"/>
+          </a:fillRef>
+          <a:effectRef idx="0">
+            <a:schemeClr val="dk1"/>
+          </a:effectRef>
+          <a:fontRef idx="minor">
+            <a:schemeClr val="dk1"/>
+          </a:fontRef>
+        </p:style>
+        <p:txBody>
+          <a:bodyPr rtlCol="0" anchor="ctr"/>
+          <a:lstStyle/>
+          <a:p>
+            <a:pPr algn="ctr"/>
+            <a:r>
+              <a:rPr lang="en-US" dirty="0"/>
+              <a:t>PHYS</a:t>
+            </a:r>
+          </a:p>
+          <a:p>
+            <a:pPr algn="ctr"/>
+            <a:r>
+              <a:rPr lang="en-US" dirty="0"/>
+              <a:t>FUNC</a:t>
+            </a:r>
+          </a:p>
+        </p:txBody>
+      </p:sp>
+      <p:cxnSp>
+        <p:nvCxnSpPr>
+          <p:cNvPr id="43" name="Straight Connector 42">
+            <a:extLst>
+              <a:ext uri="{FF2B5EF4-FFF2-40B4-BE49-F238E27FC236}">
+                <a16:creationId xmlns:a16="http://schemas.microsoft.com/office/drawing/2014/main" id="{3ECE06F9-EE9E-E743-9208-296290D5E38D}"/>
+              </a:ext>
+            </a:extLst>
+          </p:cNvPr>
+          <p:cNvCxnSpPr>
+            <a:stCxn id="34" idx="0"/>
+            <a:endCxn id="30" idx="2"/>
+          </p:cNvCxnSpPr>
+          <p:nvPr/>
+        </p:nvCxnSpPr>
+        <p:spPr>
+          <a:xfrm flipV="1">
+            <a:off x="6998259" y="5227801"/>
+            <a:ext cx="0" cy="395554"/>
+          </a:xfrm>
+          <a:prstGeom prst="line">
+            <a:avLst/>
+          </a:prstGeom>
+        </p:spPr>
+        <p:style>
+          <a:lnRef idx="3">
+            <a:schemeClr val="dk1"/>
+          </a:lnRef>
+          <a:fillRef idx="0">
+            <a:schemeClr val="dk1"/>
+          </a:fillRef>
+          <a:effectRef idx="2">
+            <a:schemeClr val="dk1"/>
+          </a:effectRef>
+          <a:fontRef idx="minor">
+            <a:schemeClr val="tx1"/>
+          </a:fontRef>
+        </p:style>
+      </p:cxnSp>
+      <p:cxnSp>
+        <p:nvCxnSpPr>
+          <p:cNvPr id="55" name="Straight Connector 54">
+            <a:extLst>
+              <a:ext uri="{FF2B5EF4-FFF2-40B4-BE49-F238E27FC236}">
+                <a16:creationId xmlns:a16="http://schemas.microsoft.com/office/drawing/2014/main" id="{A69FB652-D578-874E-92F9-A972976B78AA}"/>
+              </a:ext>
+            </a:extLst>
+          </p:cNvPr>
+          <p:cNvCxnSpPr>
+            <a:cxnSpLocks/>
+            <a:stCxn id="29" idx="0"/>
+            <a:endCxn id="28" idx="2"/>
+          </p:cNvCxnSpPr>
+          <p:nvPr/>
+        </p:nvCxnSpPr>
+        <p:spPr>
+          <a:xfrm flipV="1">
+            <a:off x="6998259" y="3931837"/>
+            <a:ext cx="0" cy="204331"/>
+          </a:xfrm>
+          <a:prstGeom prst="line">
+            <a:avLst/>
+          </a:prstGeom>
+        </p:spPr>
+        <p:style>
+          <a:lnRef idx="3">
+            <a:schemeClr val="dk1"/>
+          </a:lnRef>
+          <a:fillRef idx="0">
+            <a:schemeClr val="dk1"/>
+          </a:fillRef>
+          <a:effectRef idx="2">
+            <a:schemeClr val="dk1"/>
+          </a:effectRef>
+          <a:fontRef idx="minor">
+            <a:schemeClr val="tx1"/>
+          </a:fontRef>
+        </p:style>
+      </p:cxnSp>
+      <p:cxnSp>
+        <p:nvCxnSpPr>
+          <p:cNvPr id="63" name="Elbow Connector 62">
+            <a:extLst>
+              <a:ext uri="{FF2B5EF4-FFF2-40B4-BE49-F238E27FC236}">
+                <a16:creationId xmlns:a16="http://schemas.microsoft.com/office/drawing/2014/main" id="{90B124D2-D77B-794E-B0FE-F845829E6E78}"/>
+              </a:ext>
+            </a:extLst>
+          </p:cNvPr>
+          <p:cNvCxnSpPr>
+            <a:cxnSpLocks/>
+            <a:stCxn id="30" idx="3"/>
+            <a:endCxn id="29" idx="3"/>
+          </p:cNvCxnSpPr>
+          <p:nvPr/>
+        </p:nvCxnSpPr>
+        <p:spPr>
+          <a:xfrm flipV="1">
+            <a:off x="7637167" y="4357020"/>
+            <a:ext cx="12700" cy="649929"/>
+          </a:xfrm>
+          <a:prstGeom prst="bentConnector3">
+            <a:avLst>
+              <a:gd name="adj1" fmla="val 1800000"/>
+            </a:avLst>
+          </a:prstGeom>
+        </p:spPr>
+        <p:style>
+          <a:lnRef idx="3">
+            <a:schemeClr val="dk1"/>
+          </a:lnRef>
+          <a:fillRef idx="0">
+            <a:schemeClr val="dk1"/>
+          </a:fillRef>
+          <a:effectRef idx="2">
+            <a:schemeClr val="dk1"/>
+          </a:effectRef>
+          <a:fontRef idx="minor">
+            <a:schemeClr val="tx1"/>
+          </a:fontRef>
+        </p:style>
+      </p:cxnSp>
+      <p:cxnSp>
+        <p:nvCxnSpPr>
+          <p:cNvPr id="65" name="Elbow Connector 64">
+            <a:extLst>
+              <a:ext uri="{FF2B5EF4-FFF2-40B4-BE49-F238E27FC236}">
+                <a16:creationId xmlns:a16="http://schemas.microsoft.com/office/drawing/2014/main" id="{851E52A1-5873-CB45-B8F4-64BE3C0F38EB}"/>
+              </a:ext>
+            </a:extLst>
+          </p:cNvPr>
+          <p:cNvCxnSpPr>
+            <a:cxnSpLocks/>
+            <a:stCxn id="28" idx="3"/>
+            <a:endCxn id="27" idx="3"/>
+          </p:cNvCxnSpPr>
+          <p:nvPr/>
+        </p:nvCxnSpPr>
+        <p:spPr>
+          <a:xfrm flipV="1">
+            <a:off x="7637167" y="3059714"/>
+            <a:ext cx="12700" cy="651271"/>
+          </a:xfrm>
+          <a:prstGeom prst="bentConnector3">
+            <a:avLst>
+              <a:gd name="adj1" fmla="val 1800000"/>
+            </a:avLst>
+          </a:prstGeom>
+        </p:spPr>
+        <p:style>
+          <a:lnRef idx="3">
+            <a:schemeClr val="dk1"/>
+          </a:lnRef>
+          <a:fillRef idx="0">
+            <a:schemeClr val="dk1"/>
+          </a:fillRef>
+          <a:effectRef idx="2">
+            <a:schemeClr val="dk1"/>
+          </a:effectRef>
+          <a:fontRef idx="minor">
+            <a:schemeClr val="tx1"/>
+          </a:fontRef>
+        </p:style>
+      </p:cxnSp>
+      <p:cxnSp>
+        <p:nvCxnSpPr>
+          <p:cNvPr id="69" name="Straight Connector 68">
+            <a:extLst>
+              <a:ext uri="{FF2B5EF4-FFF2-40B4-BE49-F238E27FC236}">
+                <a16:creationId xmlns:a16="http://schemas.microsoft.com/office/drawing/2014/main" id="{C489AF2B-27CA-4B4D-8F09-C56E0BC38F6E}"/>
+              </a:ext>
+            </a:extLst>
+          </p:cNvPr>
+          <p:cNvCxnSpPr>
+            <a:endCxn id="25" idx="2"/>
+          </p:cNvCxnSpPr>
+          <p:nvPr/>
+        </p:nvCxnSpPr>
+        <p:spPr>
+          <a:xfrm flipV="1">
+            <a:off x="6998259" y="2417980"/>
+            <a:ext cx="0" cy="405600"/>
+          </a:xfrm>
+          <a:prstGeom prst="line">
+            <a:avLst/>
+          </a:prstGeom>
+        </p:spPr>
+        <p:style>
+          <a:lnRef idx="3">
+            <a:schemeClr val="dk1"/>
+          </a:lnRef>
+          <a:fillRef idx="0">
+            <a:schemeClr val="dk1"/>
+          </a:fillRef>
+          <a:effectRef idx="2">
+            <a:schemeClr val="dk1"/>
+          </a:effectRef>
+          <a:fontRef idx="minor">
+            <a:schemeClr val="tx1"/>
+          </a:fontRef>
+        </p:style>
+      </p:cxnSp>
+      <p:cxnSp>
+        <p:nvCxnSpPr>
+          <p:cNvPr id="71" name="Straight Connector 70">
+            <a:extLst>
+              <a:ext uri="{FF2B5EF4-FFF2-40B4-BE49-F238E27FC236}">
+                <a16:creationId xmlns:a16="http://schemas.microsoft.com/office/drawing/2014/main" id="{F62D7659-6392-9A4F-BFA7-6EA3ABBB7769}"/>
+              </a:ext>
+            </a:extLst>
+          </p:cNvPr>
+          <p:cNvCxnSpPr>
+            <a:stCxn id="33" idx="0"/>
+            <a:endCxn id="24" idx="2"/>
+          </p:cNvCxnSpPr>
+          <p:nvPr/>
+        </p:nvCxnSpPr>
+        <p:spPr>
+          <a:xfrm flipH="1" flipV="1">
+            <a:off x="5490585" y="2417980"/>
+            <a:ext cx="1" cy="3207353"/>
+          </a:xfrm>
+          <a:prstGeom prst="line">
+            <a:avLst/>
+          </a:prstGeom>
+        </p:spPr>
+        <p:style>
+          <a:lnRef idx="3">
+            <a:schemeClr val="dk1"/>
+          </a:lnRef>
+          <a:fillRef idx="0">
+            <a:schemeClr val="dk1"/>
+          </a:fillRef>
+          <a:effectRef idx="2">
+            <a:schemeClr val="dk1"/>
+          </a:effectRef>
+          <a:fontRef idx="minor">
+            <a:schemeClr val="tx1"/>
+          </a:fontRef>
+        </p:style>
+      </p:cxnSp>
+      <p:cxnSp>
+        <p:nvCxnSpPr>
+          <p:cNvPr id="73" name="Straight Connector 72">
+            <a:extLst>
+              <a:ext uri="{FF2B5EF4-FFF2-40B4-BE49-F238E27FC236}">
+                <a16:creationId xmlns:a16="http://schemas.microsoft.com/office/drawing/2014/main" id="{95023C3E-E850-A64B-8038-D5C46315068F}"/>
+              </a:ext>
+            </a:extLst>
+          </p:cNvPr>
+          <p:cNvCxnSpPr>
+            <a:stCxn id="31" idx="3"/>
+          </p:cNvCxnSpPr>
+          <p:nvPr/>
+        </p:nvCxnSpPr>
+        <p:spPr>
+          <a:xfrm>
+            <a:off x="5253188" y="4020667"/>
+            <a:ext cx="237397" cy="0"/>
+          </a:xfrm>
+          <a:prstGeom prst="line">
+            <a:avLst/>
+          </a:prstGeom>
+        </p:spPr>
+        <p:style>
+          <a:lnRef idx="3">
+            <a:schemeClr val="dk1"/>
+          </a:lnRef>
+          <a:fillRef idx="0">
+            <a:schemeClr val="dk1"/>
+          </a:fillRef>
+          <a:effectRef idx="2">
+            <a:schemeClr val="dk1"/>
+          </a:effectRef>
+          <a:fontRef idx="minor">
+            <a:schemeClr val="tx1"/>
+          </a:fontRef>
+        </p:style>
+      </p:cxnSp>
+      <p:cxnSp>
+        <p:nvCxnSpPr>
+          <p:cNvPr id="75" name="Elbow Connector 74">
+            <a:extLst>
+              <a:ext uri="{FF2B5EF4-FFF2-40B4-BE49-F238E27FC236}">
+                <a16:creationId xmlns:a16="http://schemas.microsoft.com/office/drawing/2014/main" id="{FF359BD2-639D-1F4B-890B-3D9DD1464206}"/>
+              </a:ext>
+            </a:extLst>
+          </p:cNvPr>
+          <p:cNvCxnSpPr>
+            <a:stCxn id="24" idx="0"/>
+            <a:endCxn id="23" idx="2"/>
+          </p:cNvCxnSpPr>
+          <p:nvPr/>
+        </p:nvCxnSpPr>
+        <p:spPr>
+          <a:xfrm rot="5400000" flipH="1" flipV="1">
+            <a:off x="5732868" y="1407679"/>
+            <a:ext cx="269271" cy="753836"/>
+          </a:xfrm>
+          <a:prstGeom prst="bentConnector3">
+            <a:avLst/>
+          </a:prstGeom>
+        </p:spPr>
+        <p:style>
+          <a:lnRef idx="3">
+            <a:schemeClr val="dk1"/>
+          </a:lnRef>
+          <a:fillRef idx="0">
+            <a:schemeClr val="dk1"/>
+          </a:fillRef>
+          <a:effectRef idx="2">
+            <a:schemeClr val="dk1"/>
+          </a:effectRef>
+          <a:fontRef idx="minor">
+            <a:schemeClr val="tx1"/>
+          </a:fontRef>
+        </p:style>
+      </p:cxnSp>
+      <p:cxnSp>
+        <p:nvCxnSpPr>
+          <p:cNvPr id="77" name="Elbow Connector 76">
+            <a:extLst>
+              <a:ext uri="{FF2B5EF4-FFF2-40B4-BE49-F238E27FC236}">
+                <a16:creationId xmlns:a16="http://schemas.microsoft.com/office/drawing/2014/main" id="{9AE59BCB-ACCC-F64A-B0F2-9F5C3AD1A1DB}"/>
+              </a:ext>
+            </a:extLst>
+          </p:cNvPr>
+          <p:cNvCxnSpPr>
+            <a:stCxn id="25" idx="0"/>
+            <a:endCxn id="23" idx="2"/>
+          </p:cNvCxnSpPr>
+          <p:nvPr/>
+        </p:nvCxnSpPr>
+        <p:spPr>
+          <a:xfrm rot="16200000" flipV="1">
+            <a:off x="6486705" y="1407678"/>
+            <a:ext cx="269271" cy="753838"/>
+          </a:xfrm>
+          <a:prstGeom prst="bentConnector3">
+            <a:avLst/>
+          </a:prstGeom>
+        </p:spPr>
+        <p:style>
+          <a:lnRef idx="3">
+            <a:schemeClr val="dk1"/>
+          </a:lnRef>
+          <a:fillRef idx="0">
+            <a:schemeClr val="dk1"/>
+          </a:fillRef>
+          <a:effectRef idx="2">
+            <a:schemeClr val="dk1"/>
+          </a:effectRef>
+          <a:fontRef idx="minor">
+            <a:schemeClr val="tx1"/>
+          </a:fontRef>
+        </p:style>
+      </p:cxnSp>
+      <p:sp>
+        <p:nvSpPr>
+          <p:cNvPr id="78" name="TextBox 77">
+            <a:extLst>
+              <a:ext uri="{FF2B5EF4-FFF2-40B4-BE49-F238E27FC236}">
+                <a16:creationId xmlns:a16="http://schemas.microsoft.com/office/drawing/2014/main" id="{FA0EB11D-1958-374F-8256-4DAB30E88C47}"/>
+              </a:ext>
+            </a:extLst>
+          </p:cNvPr>
+          <p:cNvSpPr txBox="1"/>
+          <p:nvPr/>
+        </p:nvSpPr>
+        <p:spPr>
+          <a:xfrm>
+            <a:off x="3128803" y="376715"/>
+            <a:ext cx="1326382" cy="646331"/>
+          </a:xfrm>
+          <a:prstGeom prst="rect">
+            <a:avLst/>
+          </a:prstGeom>
+          <a:noFill/>
+        </p:spPr>
+        <p:txBody>
+          <a:bodyPr wrap="square" rtlCol="0">
+            <a:spAutoFit/>
+          </a:bodyPr>
+          <a:lstStyle/>
+          <a:p>
+            <a:r>
+              <a:rPr lang="en-US" dirty="0"/>
+              <a:t>GUEST USERSPACE</a:t>
+            </a:r>
+          </a:p>
+        </p:txBody>
+      </p:sp>
+      <p:sp>
+        <p:nvSpPr>
+          <p:cNvPr id="79" name="TextBox 78">
+            <a:extLst>
+              <a:ext uri="{FF2B5EF4-FFF2-40B4-BE49-F238E27FC236}">
+                <a16:creationId xmlns:a16="http://schemas.microsoft.com/office/drawing/2014/main" id="{62350E2C-354E-4841-A765-B06D64799078}"/>
+              </a:ext>
+            </a:extLst>
+          </p:cNvPr>
+          <p:cNvSpPr txBox="1"/>
+          <p:nvPr/>
+        </p:nvSpPr>
+        <p:spPr>
+          <a:xfrm>
+            <a:off x="3128803" y="1556456"/>
+            <a:ext cx="1326382" cy="646331"/>
+          </a:xfrm>
+          <a:prstGeom prst="rect">
+            <a:avLst/>
+          </a:prstGeom>
+          <a:noFill/>
+        </p:spPr>
+        <p:txBody>
+          <a:bodyPr wrap="square" rtlCol="0">
+            <a:spAutoFit/>
+          </a:bodyPr>
+          <a:lstStyle/>
+          <a:p>
+            <a:r>
+              <a:rPr lang="en-US" dirty="0"/>
+              <a:t>GUEST KERNEL</a:t>
+            </a:r>
+          </a:p>
+        </p:txBody>
+      </p:sp>
+      <p:sp>
+        <p:nvSpPr>
+          <p:cNvPr id="80" name="TextBox 79">
+            <a:extLst>
+              <a:ext uri="{FF2B5EF4-FFF2-40B4-BE49-F238E27FC236}">
+                <a16:creationId xmlns:a16="http://schemas.microsoft.com/office/drawing/2014/main" id="{86236B08-188B-934A-83D0-7073FEDA1FB4}"/>
+              </a:ext>
+            </a:extLst>
+          </p:cNvPr>
+          <p:cNvSpPr txBox="1"/>
+          <p:nvPr/>
+        </p:nvSpPr>
+        <p:spPr>
+          <a:xfrm>
+            <a:off x="3128803" y="3697501"/>
+            <a:ext cx="1326382" cy="646331"/>
+          </a:xfrm>
+          <a:prstGeom prst="rect">
+            <a:avLst/>
+          </a:prstGeom>
+          <a:noFill/>
+        </p:spPr>
+        <p:txBody>
+          <a:bodyPr wrap="square" rtlCol="0">
+            <a:spAutoFit/>
+          </a:bodyPr>
+          <a:lstStyle/>
+          <a:p>
+            <a:r>
+              <a:rPr lang="en-US" dirty="0"/>
+              <a:t>HOST KERNEL</a:t>
+            </a:r>
+          </a:p>
+        </p:txBody>
+      </p:sp>
+      <p:sp>
+        <p:nvSpPr>
+          <p:cNvPr id="81" name="TextBox 80">
+            <a:extLst>
+              <a:ext uri="{FF2B5EF4-FFF2-40B4-BE49-F238E27FC236}">
+                <a16:creationId xmlns:a16="http://schemas.microsoft.com/office/drawing/2014/main" id="{F0D674D7-E4E0-2047-A1A1-DD80FC0A2951}"/>
+              </a:ext>
+            </a:extLst>
+          </p:cNvPr>
+          <p:cNvSpPr txBox="1"/>
+          <p:nvPr/>
+        </p:nvSpPr>
+        <p:spPr>
+          <a:xfrm>
+            <a:off x="4851676" y="2467190"/>
+            <a:ext cx="462224" cy="305233"/>
+          </a:xfrm>
+          <a:prstGeom prst="rect">
+            <a:avLst/>
+          </a:prstGeom>
+          <a:noFill/>
+        </p:spPr>
+        <p:txBody>
+          <a:bodyPr wrap="square" rtlCol="0">
+            <a:spAutoFit/>
+          </a:bodyPr>
+          <a:lstStyle/>
+          <a:p>
+            <a:pPr algn="ctr"/>
+            <a:r>
+              <a:rPr lang="en-US" dirty="0"/>
+              <a:t>(1)</a:t>
+            </a:r>
+          </a:p>
+        </p:txBody>
+      </p:sp>
+      <p:sp>
+        <p:nvSpPr>
+          <p:cNvPr id="82" name="TextBox 81">
+            <a:extLst>
+              <a:ext uri="{FF2B5EF4-FFF2-40B4-BE49-F238E27FC236}">
+                <a16:creationId xmlns:a16="http://schemas.microsoft.com/office/drawing/2014/main" id="{7D04DB7A-EF75-4A47-A8D2-997C0177BAC0}"/>
+              </a:ext>
+            </a:extLst>
+          </p:cNvPr>
+          <p:cNvSpPr txBox="1"/>
+          <p:nvPr/>
+        </p:nvSpPr>
+        <p:spPr>
+          <a:xfrm>
+            <a:off x="7174941" y="2458325"/>
+            <a:ext cx="462224" cy="335757"/>
+          </a:xfrm>
+          <a:prstGeom prst="rect">
+            <a:avLst/>
+          </a:prstGeom>
+          <a:noFill/>
+        </p:spPr>
+        <p:txBody>
+          <a:bodyPr wrap="square" rtlCol="0">
+            <a:spAutoFit/>
+          </a:bodyPr>
+          <a:lstStyle/>
+          <a:p>
+            <a:pPr algn="ctr"/>
+            <a:r>
+              <a:rPr lang="en-US" dirty="0"/>
+              <a:t>(2)</a:t>
+            </a:r>
+          </a:p>
+        </p:txBody>
+      </p:sp>
+      <p:sp>
+        <p:nvSpPr>
+          <p:cNvPr id="83" name="Rounded Rectangle 82">
+            <a:extLst>
+              <a:ext uri="{FF2B5EF4-FFF2-40B4-BE49-F238E27FC236}">
+                <a16:creationId xmlns:a16="http://schemas.microsoft.com/office/drawing/2014/main" id="{38F4E485-F97D-0A4F-99B3-508EA3AA0D79}"/>
+              </a:ext>
+            </a:extLst>
+          </p:cNvPr>
+          <p:cNvSpPr/>
+          <p:nvPr/>
+        </p:nvSpPr>
+        <p:spPr>
+          <a:xfrm>
+            <a:off x="5605512" y="358620"/>
+            <a:ext cx="1277816" cy="567986"/>
+          </a:xfrm>
+          <a:prstGeom prst="roundRect">
+            <a:avLst/>
+          </a:prstGeom>
+        </p:spPr>
+        <p:style>
+          <a:lnRef idx="2">
+            <a:schemeClr val="dk1"/>
+          </a:lnRef>
+          <a:fillRef idx="1">
+            <a:schemeClr val="lt1"/>
+          </a:fillRef>
+          <a:effectRef idx="0">
+            <a:schemeClr val="dk1"/>
+          </a:effectRef>
+          <a:fontRef idx="minor">
+            <a:schemeClr val="dk1"/>
+          </a:fontRef>
+        </p:style>
+        <p:txBody>
+          <a:bodyPr rtlCol="0" anchor="ctr"/>
+          <a:lstStyle/>
+          <a:p>
+            <a:pPr algn="ctr"/>
+            <a:r>
+              <a:rPr lang="en-US" dirty="0"/>
+              <a:t>NETWORK</a:t>
+            </a:r>
+          </a:p>
+          <a:p>
+            <a:pPr algn="ctr"/>
+            <a:r>
+              <a:rPr lang="en-US" dirty="0"/>
+              <a:t>APP</a:t>
+            </a:r>
+          </a:p>
+        </p:txBody>
+      </p:sp>
+      <p:cxnSp>
+        <p:nvCxnSpPr>
+          <p:cNvPr id="85" name="Straight Connector 84">
+            <a:extLst>
+              <a:ext uri="{FF2B5EF4-FFF2-40B4-BE49-F238E27FC236}">
+                <a16:creationId xmlns:a16="http://schemas.microsoft.com/office/drawing/2014/main" id="{56ECBE70-8636-0844-9927-DC92A9777C46}"/>
+              </a:ext>
+            </a:extLst>
+          </p:cNvPr>
+          <p:cNvCxnSpPr>
+            <a:cxnSpLocks/>
+            <a:stCxn id="83" idx="2"/>
+            <a:endCxn id="23" idx="0"/>
+          </p:cNvCxnSpPr>
+          <p:nvPr/>
+        </p:nvCxnSpPr>
+        <p:spPr>
+          <a:xfrm>
+            <a:off x="6244420" y="926606"/>
+            <a:ext cx="1" cy="306920"/>
+          </a:xfrm>
+          <a:prstGeom prst="line">
+            <a:avLst/>
+          </a:prstGeom>
+        </p:spPr>
+        <p:style>
+          <a:lnRef idx="3">
+            <a:schemeClr val="dk1"/>
+          </a:lnRef>
+          <a:fillRef idx="0">
+            <a:schemeClr val="dk1"/>
+          </a:fillRef>
+          <a:effectRef idx="2">
+            <a:schemeClr val="dk1"/>
+          </a:effectRef>
+          <a:fontRef idx="minor">
+            <a:schemeClr val="tx1"/>
+          </a:fontRef>
+        </p:style>
+      </p:cxnSp>
     </p:spTree>
     <p:extLst>
       <p:ext uri="{BB962C8B-B14F-4D97-AF65-F5344CB8AC3E}">
-        <p14:creationId xmlns:p14="http://schemas.microsoft.com/office/powerpoint/2010/main" val="1093365664"/>
+        <p14:creationId xmlns:p14="http://schemas.microsoft.com/office/powerpoint/2010/main" val="1792604381"/>
       </p:ext>
     </p:extLst>
   </p:cSld>

--- a/haas/design_diagram.pptx
+++ b/haas/design_diagram.pptx
@@ -5,7 +5,7 @@
     <p:sldMasterId id="2147483660" r:id="rId1"/>
   </p:sldMasterIdLst>
   <p:notesMasterIdLst>
-    <p:notesMasterId r:id="rId9"/>
+    <p:notesMasterId r:id="rId10"/>
   </p:notesMasterIdLst>
   <p:sldIdLst>
     <p:sldId id="256" r:id="rId2"/>
@@ -14,7 +14,8 @@
     <p:sldId id="265" r:id="rId5"/>
     <p:sldId id="259" r:id="rId6"/>
     <p:sldId id="261" r:id="rId7"/>
-    <p:sldId id="266" r:id="rId8"/>
+    <p:sldId id="267" r:id="rId8"/>
+    <p:sldId id="266" r:id="rId9"/>
   </p:sldIdLst>
   <p:sldSz cx="12192000" cy="6858000"/>
   <p:notesSz cx="6858000" cy="9144000"/>
@@ -121,15 +122,6 @@
 </p:presentation>
 </file>
 
-<file path=ppt/revisionInfo.xml><?xml version="1.0" encoding="utf-8"?>
-<p1510:revInfo xmlns:a="http://schemas.openxmlformats.org/drawingml/2006/main" xmlns:r="http://schemas.openxmlformats.org/officeDocument/2006/relationships" xmlns:p1510="http://schemas.microsoft.com/office/powerpoint/2015/10/main">
-  <p1510:revLst>
-    <p1510:client id="{6CF46E17-00AA-7941-A6B5-FBDBADDBDA89}" v="81" dt="2018-12-31T00:23:48.875"/>
-    <p1510:client id="{7216B722-8D38-3240-8D39-CC91781C65F5}" v="207" dt="2018-12-31T20:36:31.637"/>
-  </p1510:revLst>
-</p1510:revInfo>
-</file>
-
 <file path=ppt/changesInfos/changesInfo1.xml><?xml version="1.0" encoding="utf-8"?>
 <pc:chgInfo xmlns:a="http://schemas.openxmlformats.org/drawingml/2006/main" xmlns:r="http://schemas.openxmlformats.org/officeDocument/2006/relationships" xmlns:ac="http://schemas.microsoft.com/office/drawing/2013/main/command" xmlns:pc="http://schemas.microsoft.com/office/powerpoint/2013/main/command">
   <pc:docChgLst>
@@ -3517,7 +3509,7 @@
           <a:p>
             <a:fld id="{F709D759-9C7F-7940-AAB8-FFAFB1DA9050}" type="datetimeFigureOut">
               <a:rPr lang="en-US" smtClean="0"/>
-              <a:t>12/31/18</a:t>
+              <a:t>1/19/19</a:t>
             </a:fld>
             <a:endParaRPr lang="en-US"/>
           </a:p>
@@ -3868,6 +3860,90 @@
 </p:notes>
 </file>
 
+<file path=ppt/notesSlides/notesSlide2.xml><?xml version="1.0" encoding="utf-8"?>
+<p:notes xmlns:a="http://schemas.openxmlformats.org/drawingml/2006/main" xmlns:r="http://schemas.openxmlformats.org/officeDocument/2006/relationships" xmlns:p="http://schemas.openxmlformats.org/presentationml/2006/main">
+  <p:cSld>
+    <p:spTree>
+      <p:nvGrpSpPr>
+        <p:cNvPr id="1" name=""/>
+        <p:cNvGrpSpPr/>
+        <p:nvPr/>
+      </p:nvGrpSpPr>
+      <p:grpSpPr>
+        <a:xfrm>
+          <a:off x="0" y="0"/>
+          <a:ext cx="0" cy="0"/>
+          <a:chOff x="0" y="0"/>
+          <a:chExt cx="0" cy="0"/>
+        </a:xfrm>
+      </p:grpSpPr>
+      <p:sp>
+        <p:nvSpPr>
+          <p:cNvPr id="2" name="Slide Image Placeholder 1"/>
+          <p:cNvSpPr>
+            <a:spLocks noGrp="1" noRot="1" noChangeAspect="1"/>
+          </p:cNvSpPr>
+          <p:nvPr>
+            <p:ph type="sldImg"/>
+          </p:nvPr>
+        </p:nvSpPr>
+        <p:spPr/>
+      </p:sp>
+      <p:sp>
+        <p:nvSpPr>
+          <p:cNvPr id="3" name="Notes Placeholder 2"/>
+          <p:cNvSpPr>
+            <a:spLocks noGrp="1"/>
+          </p:cNvSpPr>
+          <p:nvPr>
+            <p:ph type="body" idx="1"/>
+          </p:nvPr>
+        </p:nvSpPr>
+        <p:spPr/>
+        <p:txBody>
+          <a:bodyPr/>
+          <a:lstStyle/>
+          <a:p>
+            <a:endParaRPr lang="en-US" dirty="0"/>
+          </a:p>
+        </p:txBody>
+      </p:sp>
+      <p:sp>
+        <p:nvSpPr>
+          <p:cNvPr id="4" name="Slide Number Placeholder 3"/>
+          <p:cNvSpPr>
+            <a:spLocks noGrp="1"/>
+          </p:cNvSpPr>
+          <p:nvPr>
+            <p:ph type="sldNum" sz="quarter" idx="5"/>
+          </p:nvPr>
+        </p:nvSpPr>
+        <p:spPr/>
+        <p:txBody>
+          <a:bodyPr/>
+          <a:lstStyle/>
+          <a:p>
+            <a:fld id="{E09AB86B-F189-6845-AD3C-F130B15C649C}" type="slidenum">
+              <a:rPr lang="en-US" smtClean="0"/>
+              <a:t>7</a:t>
+            </a:fld>
+            <a:endParaRPr lang="en-US"/>
+          </a:p>
+        </p:txBody>
+      </p:sp>
+    </p:spTree>
+    <p:extLst>
+      <p:ext uri="{BB962C8B-B14F-4D97-AF65-F5344CB8AC3E}">
+        <p14:creationId xmlns:p14="http://schemas.microsoft.com/office/powerpoint/2010/main" val="2476466015"/>
+      </p:ext>
+    </p:extLst>
+  </p:cSld>
+  <p:clrMapOvr>
+    <a:masterClrMapping/>
+  </p:clrMapOvr>
+</p:notes>
+</file>
+
 <file path=ppt/slideLayouts/slideLayout1.xml><?xml version="1.0" encoding="utf-8"?>
 <p:sldLayout xmlns:a="http://schemas.openxmlformats.org/drawingml/2006/main" xmlns:r="http://schemas.openxmlformats.org/officeDocument/2006/relationships" xmlns:p="http://schemas.openxmlformats.org/presentationml/2006/main" type="title" preserve="1">
   <p:cSld name="Title Slide">
@@ -3999,7 +4075,7 @@
           <a:p>
             <a:fld id="{846CE7D5-CF57-46EF-B807-FDD0502418D4}" type="datetimeFigureOut">
               <a:rPr lang="en-US" smtClean="0"/>
-              <a:t>12/31/18</a:t>
+              <a:t>1/19/19</a:t>
             </a:fld>
             <a:endParaRPr lang="en-US"/>
           </a:p>
@@ -4169,7 +4245,7 @@
           <a:p>
             <a:fld id="{846CE7D5-CF57-46EF-B807-FDD0502418D4}" type="datetimeFigureOut">
               <a:rPr lang="en-US" smtClean="0"/>
-              <a:t>12/31/18</a:t>
+              <a:t>1/19/19</a:t>
             </a:fld>
             <a:endParaRPr lang="en-US"/>
           </a:p>
@@ -4349,7 +4425,7 @@
           <a:p>
             <a:fld id="{846CE7D5-CF57-46EF-B807-FDD0502418D4}" type="datetimeFigureOut">
               <a:rPr lang="en-US" smtClean="0"/>
-              <a:t>12/31/18</a:t>
+              <a:t>1/19/19</a:t>
             </a:fld>
             <a:endParaRPr lang="en-US"/>
           </a:p>
@@ -4519,7 +4595,7 @@
           <a:p>
             <a:fld id="{846CE7D5-CF57-46EF-B807-FDD0502418D4}" type="datetimeFigureOut">
               <a:rPr lang="en-US" smtClean="0"/>
-              <a:t>12/31/18</a:t>
+              <a:t>1/19/19</a:t>
             </a:fld>
             <a:endParaRPr lang="en-US"/>
           </a:p>
@@ -4765,7 +4841,7 @@
           <a:p>
             <a:fld id="{846CE7D5-CF57-46EF-B807-FDD0502418D4}" type="datetimeFigureOut">
               <a:rPr lang="en-US" smtClean="0"/>
-              <a:t>12/31/18</a:t>
+              <a:t>1/19/19</a:t>
             </a:fld>
             <a:endParaRPr lang="en-US"/>
           </a:p>
@@ -4997,7 +5073,7 @@
           <a:p>
             <a:fld id="{846CE7D5-CF57-46EF-B807-FDD0502418D4}" type="datetimeFigureOut">
               <a:rPr lang="en-US" smtClean="0"/>
-              <a:t>12/31/18</a:t>
+              <a:t>1/19/19</a:t>
             </a:fld>
             <a:endParaRPr lang="en-US"/>
           </a:p>
@@ -5364,7 +5440,7 @@
           <a:p>
             <a:fld id="{846CE7D5-CF57-46EF-B807-FDD0502418D4}" type="datetimeFigureOut">
               <a:rPr lang="en-US" smtClean="0"/>
-              <a:t>12/31/18</a:t>
+              <a:t>1/19/19</a:t>
             </a:fld>
             <a:endParaRPr lang="en-US"/>
           </a:p>
@@ -5482,7 +5558,7 @@
           <a:p>
             <a:fld id="{846CE7D5-CF57-46EF-B807-FDD0502418D4}" type="datetimeFigureOut">
               <a:rPr lang="en-US" smtClean="0"/>
-              <a:t>12/31/18</a:t>
+              <a:t>1/19/19</a:t>
             </a:fld>
             <a:endParaRPr lang="en-US"/>
           </a:p>
@@ -5577,7 +5653,7 @@
           <a:p>
             <a:fld id="{846CE7D5-CF57-46EF-B807-FDD0502418D4}" type="datetimeFigureOut">
               <a:rPr lang="en-US" smtClean="0"/>
-              <a:t>12/31/18</a:t>
+              <a:t>1/19/19</a:t>
             </a:fld>
             <a:endParaRPr lang="en-US"/>
           </a:p>
@@ -5854,7 +5930,7 @@
           <a:p>
             <a:fld id="{846CE7D5-CF57-46EF-B807-FDD0502418D4}" type="datetimeFigureOut">
               <a:rPr lang="en-US" smtClean="0"/>
-              <a:t>12/31/18</a:t>
+              <a:t>1/19/19</a:t>
             </a:fld>
             <a:endParaRPr lang="en-US"/>
           </a:p>
@@ -6111,7 +6187,7 @@
           <a:p>
             <a:fld id="{846CE7D5-CF57-46EF-B807-FDD0502418D4}" type="datetimeFigureOut">
               <a:rPr lang="en-US" smtClean="0"/>
-              <a:t>12/31/18</a:t>
+              <a:t>1/19/19</a:t>
             </a:fld>
             <a:endParaRPr lang="en-US"/>
           </a:p>
@@ -6324,7 +6400,7 @@
           <a:p>
             <a:fld id="{846CE7D5-CF57-46EF-B807-FDD0502418D4}" type="datetimeFigureOut">
               <a:rPr lang="en-US" smtClean="0"/>
-              <a:t>12/31/18</a:t>
+              <a:t>1/19/19</a:t>
             </a:fld>
             <a:endParaRPr lang="en-US"/>
           </a:p>
@@ -16929,6 +17005,1961 @@
 </file>
 
 <file path=ppt/slides/slide7.xml><?xml version="1.0" encoding="utf-8"?>
+<p:sld xmlns:a="http://schemas.openxmlformats.org/drawingml/2006/main" xmlns:r="http://schemas.openxmlformats.org/officeDocument/2006/relationships" xmlns:p="http://schemas.openxmlformats.org/presentationml/2006/main">
+  <p:cSld>
+    <p:spTree>
+      <p:nvGrpSpPr>
+        <p:cNvPr id="1" name=""/>
+        <p:cNvGrpSpPr/>
+        <p:nvPr/>
+      </p:nvGrpSpPr>
+      <p:grpSpPr>
+        <a:xfrm>
+          <a:off x="0" y="0"/>
+          <a:ext cx="0" cy="0"/>
+          <a:chOff x="0" y="0"/>
+          <a:chExt cx="0" cy="0"/>
+        </a:xfrm>
+      </p:grpSpPr>
+      <p:sp>
+        <p:nvSpPr>
+          <p:cNvPr id="181" name="Title 180">
+            <a:extLst>
+              <a:ext uri="{FF2B5EF4-FFF2-40B4-BE49-F238E27FC236}">
+                <a16:creationId xmlns:a16="http://schemas.microsoft.com/office/drawing/2014/main" id="{615AE5DB-645F-5646-8D43-4AE8F795E791}"/>
+              </a:ext>
+            </a:extLst>
+          </p:cNvPr>
+          <p:cNvSpPr>
+            <a:spLocks noGrp="1"/>
+          </p:cNvSpPr>
+          <p:nvPr>
+            <p:ph type="title"/>
+          </p:nvPr>
+        </p:nvSpPr>
+        <p:spPr>
+          <a:xfrm>
+            <a:off x="1836" y="3641"/>
+            <a:ext cx="4064490" cy="776640"/>
+          </a:xfrm>
+        </p:spPr>
+        <p:txBody>
+          <a:bodyPr>
+            <a:normAutofit fontScale="90000"/>
+          </a:bodyPr>
+          <a:lstStyle/>
+          <a:p>
+            <a:r>
+              <a:rPr lang="en-US" sz="3200" dirty="0"/>
+              <a:t>HLT Virtualization Overhead</a:t>
+            </a:r>
+          </a:p>
+        </p:txBody>
+      </p:sp>
+      <p:grpSp>
+        <p:nvGrpSpPr>
+          <p:cNvPr id="168" name="Group 167">
+            <a:extLst>
+              <a:ext uri="{FF2B5EF4-FFF2-40B4-BE49-F238E27FC236}">
+                <a16:creationId xmlns:a16="http://schemas.microsoft.com/office/drawing/2014/main" id="{D4345E9D-4CD5-8345-AB5C-373CC17DEF60}"/>
+              </a:ext>
+            </a:extLst>
+          </p:cNvPr>
+          <p:cNvGrpSpPr/>
+          <p:nvPr/>
+        </p:nvGrpSpPr>
+        <p:grpSpPr>
+          <a:xfrm>
+            <a:off x="627179" y="1255776"/>
+            <a:ext cx="10833301" cy="4988287"/>
+            <a:chOff x="627179" y="1255776"/>
+            <a:chExt cx="10833301" cy="4988287"/>
+          </a:xfrm>
+        </p:grpSpPr>
+        <p:sp>
+          <p:nvSpPr>
+            <p:cNvPr id="120" name="Rounded Rectangle 119">
+              <a:extLst>
+                <a:ext uri="{FF2B5EF4-FFF2-40B4-BE49-F238E27FC236}">
+                  <a16:creationId xmlns:a16="http://schemas.microsoft.com/office/drawing/2014/main" id="{25F860C6-A263-454E-B9BE-71100E82888D}"/>
+                </a:ext>
+              </a:extLst>
+            </p:cNvPr>
+            <p:cNvSpPr>
+              <a:spLocks/>
+            </p:cNvSpPr>
+            <p:nvPr/>
+          </p:nvSpPr>
+          <p:spPr>
+            <a:xfrm>
+              <a:off x="3707657" y="2243821"/>
+              <a:ext cx="1234440" cy="457200"/>
+            </a:xfrm>
+            <a:prstGeom prst="roundRect">
+              <a:avLst/>
+            </a:prstGeom>
+            <a:solidFill>
+              <a:srgbClr val="00B050"/>
+            </a:solidFill>
+            <a:ln>
+              <a:solidFill>
+                <a:schemeClr val="dk1"/>
+              </a:solidFill>
+            </a:ln>
+          </p:spPr>
+          <p:style>
+            <a:lnRef idx="2">
+              <a:schemeClr val="accent6">
+                <a:shade val="50000"/>
+              </a:schemeClr>
+            </a:lnRef>
+            <a:fillRef idx="1">
+              <a:schemeClr val="accent6"/>
+            </a:fillRef>
+            <a:effectRef idx="0">
+              <a:schemeClr val="accent6"/>
+            </a:effectRef>
+            <a:fontRef idx="minor">
+              <a:schemeClr val="lt1"/>
+            </a:fontRef>
+          </p:style>
+          <p:txBody>
+            <a:bodyPr rtlCol="0" anchor="ctr"/>
+            <a:lstStyle/>
+            <a:p>
+              <a:pPr algn="ctr"/>
+              <a:endParaRPr lang="en-US"/>
+            </a:p>
+          </p:txBody>
+        </p:sp>
+        <p:sp>
+          <p:nvSpPr>
+            <p:cNvPr id="123" name="Rounded Rectangle 122">
+              <a:extLst>
+                <a:ext uri="{FF2B5EF4-FFF2-40B4-BE49-F238E27FC236}">
+                  <a16:creationId xmlns:a16="http://schemas.microsoft.com/office/drawing/2014/main" id="{0BFB64D8-8263-EE41-AA4B-2A9FDF9845FA}"/>
+                </a:ext>
+              </a:extLst>
+            </p:cNvPr>
+            <p:cNvSpPr>
+              <a:spLocks/>
+            </p:cNvSpPr>
+            <p:nvPr/>
+          </p:nvSpPr>
+          <p:spPr>
+            <a:xfrm>
+              <a:off x="6419994" y="2243821"/>
+              <a:ext cx="320619" cy="457200"/>
+            </a:xfrm>
+            <a:prstGeom prst="roundRect">
+              <a:avLst/>
+            </a:prstGeom>
+            <a:solidFill>
+              <a:srgbClr val="00B050"/>
+            </a:solidFill>
+            <a:ln>
+              <a:solidFill>
+                <a:schemeClr val="dk1"/>
+              </a:solidFill>
+            </a:ln>
+          </p:spPr>
+          <p:style>
+            <a:lnRef idx="2">
+              <a:schemeClr val="accent6">
+                <a:shade val="50000"/>
+              </a:schemeClr>
+            </a:lnRef>
+            <a:fillRef idx="1">
+              <a:schemeClr val="accent6"/>
+            </a:fillRef>
+            <a:effectRef idx="0">
+              <a:schemeClr val="accent6"/>
+            </a:effectRef>
+            <a:fontRef idx="minor">
+              <a:schemeClr val="lt1"/>
+            </a:fontRef>
+          </p:style>
+          <p:txBody>
+            <a:bodyPr rtlCol="0" anchor="ctr"/>
+            <a:lstStyle/>
+            <a:p>
+              <a:pPr algn="ctr"/>
+              <a:endParaRPr lang="en-US" dirty="0"/>
+            </a:p>
+          </p:txBody>
+        </p:sp>
+        <p:cxnSp>
+          <p:nvCxnSpPr>
+            <p:cNvPr id="128" name="Straight Arrow Connector 127">
+              <a:extLst>
+                <a:ext uri="{FF2B5EF4-FFF2-40B4-BE49-F238E27FC236}">
+                  <a16:creationId xmlns:a16="http://schemas.microsoft.com/office/drawing/2014/main" id="{395821BA-E441-8D48-A949-55D03368B8BE}"/>
+                </a:ext>
+              </a:extLst>
+            </p:cNvPr>
+            <p:cNvCxnSpPr>
+              <a:cxnSpLocks/>
+              <a:endCxn id="179" idx="1"/>
+            </p:cNvCxnSpPr>
+            <p:nvPr/>
+          </p:nvCxnSpPr>
+          <p:spPr>
+            <a:xfrm>
+              <a:off x="627179" y="3025645"/>
+              <a:ext cx="9979947" cy="15389"/>
+            </a:xfrm>
+            <a:prstGeom prst="straightConnector1">
+              <a:avLst/>
+            </a:prstGeom>
+            <a:ln w="25400">
+              <a:tailEnd type="triangle" w="lg" len="med"/>
+            </a:ln>
+          </p:spPr>
+          <p:style>
+            <a:lnRef idx="1">
+              <a:schemeClr val="dk1"/>
+            </a:lnRef>
+            <a:fillRef idx="0">
+              <a:schemeClr val="dk1"/>
+            </a:fillRef>
+            <a:effectRef idx="0">
+              <a:schemeClr val="dk1"/>
+            </a:effectRef>
+            <a:fontRef idx="minor">
+              <a:schemeClr val="tx1"/>
+            </a:fontRef>
+          </p:style>
+        </p:cxnSp>
+        <p:sp>
+          <p:nvSpPr>
+            <p:cNvPr id="179" name="TextBox 178">
+              <a:extLst>
+                <a:ext uri="{FF2B5EF4-FFF2-40B4-BE49-F238E27FC236}">
+                  <a16:creationId xmlns:a16="http://schemas.microsoft.com/office/drawing/2014/main" id="{2BD24783-9688-B243-8B1D-00A4C7826BB7}"/>
+                </a:ext>
+              </a:extLst>
+            </p:cNvPr>
+            <p:cNvSpPr txBox="1"/>
+            <p:nvPr/>
+          </p:nvSpPr>
+          <p:spPr>
+            <a:xfrm>
+              <a:off x="10607126" y="2840979"/>
+              <a:ext cx="853354" cy="400110"/>
+            </a:xfrm>
+            <a:prstGeom prst="rect">
+              <a:avLst/>
+            </a:prstGeom>
+            <a:noFill/>
+          </p:spPr>
+          <p:txBody>
+            <a:bodyPr wrap="square" rtlCol="0">
+              <a:spAutoFit/>
+            </a:bodyPr>
+            <a:lstStyle/>
+            <a:p>
+              <a:r>
+                <a:rPr lang="en-US" sz="2000" b="1" dirty="0"/>
+                <a:t>Time</a:t>
+              </a:r>
+            </a:p>
+          </p:txBody>
+        </p:sp>
+        <p:sp>
+          <p:nvSpPr>
+            <p:cNvPr id="92" name="Rounded Rectangle 91">
+              <a:extLst>
+                <a:ext uri="{FF2B5EF4-FFF2-40B4-BE49-F238E27FC236}">
+                  <a16:creationId xmlns:a16="http://schemas.microsoft.com/office/drawing/2014/main" id="{22A7FF88-71AC-274E-9DEF-3C8E81BB20C7}"/>
+                </a:ext>
+              </a:extLst>
+            </p:cNvPr>
+            <p:cNvSpPr>
+              <a:spLocks/>
+            </p:cNvSpPr>
+            <p:nvPr/>
+          </p:nvSpPr>
+          <p:spPr>
+            <a:xfrm>
+              <a:off x="4716625" y="1398830"/>
+              <a:ext cx="3727356" cy="457200"/>
+            </a:xfrm>
+            <a:prstGeom prst="roundRect">
+              <a:avLst/>
+            </a:prstGeom>
+            <a:solidFill>
+              <a:srgbClr val="FFC000"/>
+            </a:solidFill>
+            <a:ln>
+              <a:solidFill>
+                <a:schemeClr val="dk1"/>
+              </a:solidFill>
+            </a:ln>
+          </p:spPr>
+          <p:style>
+            <a:lnRef idx="2">
+              <a:schemeClr val="accent6">
+                <a:shade val="50000"/>
+              </a:schemeClr>
+            </a:lnRef>
+            <a:fillRef idx="1">
+              <a:schemeClr val="accent6"/>
+            </a:fillRef>
+            <a:effectRef idx="0">
+              <a:schemeClr val="accent6"/>
+            </a:effectRef>
+            <a:fontRef idx="minor">
+              <a:schemeClr val="lt1"/>
+            </a:fontRef>
+          </p:style>
+          <p:txBody>
+            <a:bodyPr rtlCol="0" anchor="ctr"/>
+            <a:lstStyle/>
+            <a:p>
+              <a:pPr algn="ctr"/>
+              <a:endParaRPr lang="en-US"/>
+            </a:p>
+          </p:txBody>
+        </p:sp>
+        <p:sp>
+          <p:nvSpPr>
+            <p:cNvPr id="93" name="Rounded Rectangle 92">
+              <a:extLst>
+                <a:ext uri="{FF2B5EF4-FFF2-40B4-BE49-F238E27FC236}">
+                  <a16:creationId xmlns:a16="http://schemas.microsoft.com/office/drawing/2014/main" id="{C515CE02-9B64-B249-882D-CADCF0D12FB0}"/>
+                </a:ext>
+              </a:extLst>
+            </p:cNvPr>
+            <p:cNvSpPr>
+              <a:spLocks/>
+            </p:cNvSpPr>
+            <p:nvPr/>
+          </p:nvSpPr>
+          <p:spPr>
+            <a:xfrm>
+              <a:off x="5254752" y="3252185"/>
+              <a:ext cx="828122" cy="457200"/>
+            </a:xfrm>
+            <a:prstGeom prst="roundRect">
+              <a:avLst/>
+            </a:prstGeom>
+            <a:solidFill>
+              <a:srgbClr val="FF0000"/>
+            </a:solidFill>
+            <a:ln>
+              <a:solidFill>
+                <a:schemeClr val="dk1"/>
+              </a:solidFill>
+            </a:ln>
+          </p:spPr>
+          <p:style>
+            <a:lnRef idx="2">
+              <a:schemeClr val="accent6">
+                <a:shade val="50000"/>
+              </a:schemeClr>
+            </a:lnRef>
+            <a:fillRef idx="1">
+              <a:schemeClr val="accent6"/>
+            </a:fillRef>
+            <a:effectRef idx="0">
+              <a:schemeClr val="accent6"/>
+            </a:effectRef>
+            <a:fontRef idx="minor">
+              <a:schemeClr val="lt1"/>
+            </a:fontRef>
+          </p:style>
+          <p:txBody>
+            <a:bodyPr rtlCol="0" anchor="ctr"/>
+            <a:lstStyle/>
+            <a:p>
+              <a:pPr algn="ctr"/>
+              <a:endParaRPr lang="en-US"/>
+            </a:p>
+          </p:txBody>
+        </p:sp>
+        <p:cxnSp>
+          <p:nvCxnSpPr>
+            <p:cNvPr id="109" name="Straight Arrow Connector 108">
+              <a:extLst>
+                <a:ext uri="{FF2B5EF4-FFF2-40B4-BE49-F238E27FC236}">
+                  <a16:creationId xmlns:a16="http://schemas.microsoft.com/office/drawing/2014/main" id="{D69EEDBC-39B9-E64F-8D53-37FBDFC92722}"/>
+                </a:ext>
+              </a:extLst>
+            </p:cNvPr>
+            <p:cNvCxnSpPr>
+              <a:cxnSpLocks/>
+              <a:stCxn id="120" idx="0"/>
+              <a:endCxn id="92" idx="1"/>
+            </p:cNvCxnSpPr>
+            <p:nvPr/>
+          </p:nvCxnSpPr>
+          <p:spPr>
+            <a:xfrm flipV="1">
+              <a:off x="4324877" y="1627430"/>
+              <a:ext cx="391748" cy="616391"/>
+            </a:xfrm>
+            <a:prstGeom prst="straightConnector1">
+              <a:avLst/>
+            </a:prstGeom>
+            <a:ln w="25400">
+              <a:headEnd type="oval" w="med" len="med"/>
+              <a:tailEnd type="triangle" w="lg" len="med"/>
+            </a:ln>
+          </p:spPr>
+          <p:style>
+            <a:lnRef idx="1">
+              <a:schemeClr val="dk1"/>
+            </a:lnRef>
+            <a:fillRef idx="0">
+              <a:schemeClr val="dk1"/>
+            </a:fillRef>
+            <a:effectRef idx="0">
+              <a:schemeClr val="dk1"/>
+            </a:effectRef>
+            <a:fontRef idx="minor">
+              <a:schemeClr val="tx1"/>
+            </a:fontRef>
+          </p:style>
+        </p:cxnSp>
+        <p:cxnSp>
+          <p:nvCxnSpPr>
+            <p:cNvPr id="111" name="Straight Arrow Connector 110">
+              <a:extLst>
+                <a:ext uri="{FF2B5EF4-FFF2-40B4-BE49-F238E27FC236}">
+                  <a16:creationId xmlns:a16="http://schemas.microsoft.com/office/drawing/2014/main" id="{4AB2E0BC-5BEC-074E-977E-DD311943E7D3}"/>
+                </a:ext>
+              </a:extLst>
+            </p:cNvPr>
+            <p:cNvCxnSpPr>
+              <a:cxnSpLocks/>
+              <a:stCxn id="93" idx="3"/>
+              <a:endCxn id="123" idx="1"/>
+            </p:cNvCxnSpPr>
+            <p:nvPr/>
+          </p:nvCxnSpPr>
+          <p:spPr>
+            <a:xfrm flipV="1">
+              <a:off x="6082874" y="2472421"/>
+              <a:ext cx="337120" cy="1008364"/>
+            </a:xfrm>
+            <a:prstGeom prst="straightConnector1">
+              <a:avLst/>
+            </a:prstGeom>
+            <a:ln w="25400">
+              <a:headEnd type="oval" w="med" len="med"/>
+              <a:tailEnd type="triangle" w="lg" len="med"/>
+            </a:ln>
+          </p:spPr>
+          <p:style>
+            <a:lnRef idx="1">
+              <a:schemeClr val="dk1"/>
+            </a:lnRef>
+            <a:fillRef idx="0">
+              <a:schemeClr val="dk1"/>
+            </a:fillRef>
+            <a:effectRef idx="0">
+              <a:schemeClr val="dk1"/>
+            </a:effectRef>
+            <a:fontRef idx="minor">
+              <a:schemeClr val="tx1"/>
+            </a:fontRef>
+          </p:style>
+        </p:cxnSp>
+        <p:cxnSp>
+          <p:nvCxnSpPr>
+            <p:cNvPr id="119" name="Straight Arrow Connector 118">
+              <a:extLst>
+                <a:ext uri="{FF2B5EF4-FFF2-40B4-BE49-F238E27FC236}">
+                  <a16:creationId xmlns:a16="http://schemas.microsoft.com/office/drawing/2014/main" id="{9D3AE6B4-493B-564F-9ECB-BCFB2241843B}"/>
+                </a:ext>
+              </a:extLst>
+            </p:cNvPr>
+            <p:cNvCxnSpPr>
+              <a:cxnSpLocks/>
+              <a:stCxn id="120" idx="3"/>
+              <a:endCxn id="93" idx="1"/>
+            </p:cNvCxnSpPr>
+            <p:nvPr/>
+          </p:nvCxnSpPr>
+          <p:spPr>
+            <a:xfrm>
+              <a:off x="4942097" y="2472421"/>
+              <a:ext cx="312655" cy="1008364"/>
+            </a:xfrm>
+            <a:prstGeom prst="straightConnector1">
+              <a:avLst/>
+            </a:prstGeom>
+            <a:ln w="25400">
+              <a:headEnd type="oval" w="med" len="med"/>
+              <a:tailEnd type="triangle" w="lg" len="med"/>
+            </a:ln>
+          </p:spPr>
+          <p:style>
+            <a:lnRef idx="1">
+              <a:schemeClr val="dk1"/>
+            </a:lnRef>
+            <a:fillRef idx="0">
+              <a:schemeClr val="dk1"/>
+            </a:fillRef>
+            <a:effectRef idx="0">
+              <a:schemeClr val="dk1"/>
+            </a:effectRef>
+            <a:fontRef idx="minor">
+              <a:schemeClr val="tx1"/>
+            </a:fontRef>
+          </p:style>
+        </p:cxnSp>
+        <p:sp>
+          <p:nvSpPr>
+            <p:cNvPr id="130" name="Rounded Rectangle 129">
+              <a:extLst>
+                <a:ext uri="{FF2B5EF4-FFF2-40B4-BE49-F238E27FC236}">
+                  <a16:creationId xmlns:a16="http://schemas.microsoft.com/office/drawing/2014/main" id="{C4B510F4-7577-6640-8612-6FBE06B08E58}"/>
+                </a:ext>
+              </a:extLst>
+            </p:cNvPr>
+            <p:cNvSpPr>
+              <a:spLocks/>
+            </p:cNvSpPr>
+            <p:nvPr/>
+          </p:nvSpPr>
+          <p:spPr>
+            <a:xfrm>
+              <a:off x="8181005" y="2243821"/>
+              <a:ext cx="834270" cy="457200"/>
+            </a:xfrm>
+            <a:prstGeom prst="roundRect">
+              <a:avLst/>
+            </a:prstGeom>
+            <a:solidFill>
+              <a:srgbClr val="00B050"/>
+            </a:solidFill>
+            <a:ln>
+              <a:solidFill>
+                <a:schemeClr val="dk1"/>
+              </a:solidFill>
+            </a:ln>
+          </p:spPr>
+          <p:style>
+            <a:lnRef idx="2">
+              <a:schemeClr val="accent6">
+                <a:shade val="50000"/>
+              </a:schemeClr>
+            </a:lnRef>
+            <a:fillRef idx="1">
+              <a:schemeClr val="accent6"/>
+            </a:fillRef>
+            <a:effectRef idx="0">
+              <a:schemeClr val="accent6"/>
+            </a:effectRef>
+            <a:fontRef idx="minor">
+              <a:schemeClr val="lt1"/>
+            </a:fontRef>
+          </p:style>
+          <p:txBody>
+            <a:bodyPr rtlCol="0" anchor="ctr"/>
+            <a:lstStyle/>
+            <a:p>
+              <a:pPr algn="ctr"/>
+              <a:endParaRPr lang="en-US" dirty="0"/>
+            </a:p>
+          </p:txBody>
+        </p:sp>
+        <p:sp>
+          <p:nvSpPr>
+            <p:cNvPr id="134" name="Rounded Rectangle 133">
+              <a:extLst>
+                <a:ext uri="{FF2B5EF4-FFF2-40B4-BE49-F238E27FC236}">
+                  <a16:creationId xmlns:a16="http://schemas.microsoft.com/office/drawing/2014/main" id="{AAA89C41-D9E0-6243-AA07-32E69677D3DB}"/>
+                </a:ext>
+              </a:extLst>
+            </p:cNvPr>
+            <p:cNvSpPr>
+              <a:spLocks/>
+            </p:cNvSpPr>
+            <p:nvPr/>
+          </p:nvSpPr>
+          <p:spPr>
+            <a:xfrm>
+              <a:off x="7049206" y="3252185"/>
+              <a:ext cx="828122" cy="457200"/>
+            </a:xfrm>
+            <a:prstGeom prst="roundRect">
+              <a:avLst/>
+            </a:prstGeom>
+            <a:solidFill>
+              <a:srgbClr val="FF0000"/>
+            </a:solidFill>
+            <a:ln>
+              <a:solidFill>
+                <a:schemeClr val="dk1"/>
+              </a:solidFill>
+            </a:ln>
+          </p:spPr>
+          <p:style>
+            <a:lnRef idx="2">
+              <a:schemeClr val="accent6">
+                <a:shade val="50000"/>
+              </a:schemeClr>
+            </a:lnRef>
+            <a:fillRef idx="1">
+              <a:schemeClr val="accent6"/>
+            </a:fillRef>
+            <a:effectRef idx="0">
+              <a:schemeClr val="accent6"/>
+            </a:effectRef>
+            <a:fontRef idx="minor">
+              <a:schemeClr val="lt1"/>
+            </a:fontRef>
+          </p:style>
+          <p:txBody>
+            <a:bodyPr rtlCol="0" anchor="ctr"/>
+            <a:lstStyle/>
+            <a:p>
+              <a:pPr algn="ctr"/>
+              <a:endParaRPr lang="en-US"/>
+            </a:p>
+          </p:txBody>
+        </p:sp>
+        <p:cxnSp>
+          <p:nvCxnSpPr>
+            <p:cNvPr id="135" name="Straight Arrow Connector 134">
+              <a:extLst>
+                <a:ext uri="{FF2B5EF4-FFF2-40B4-BE49-F238E27FC236}">
+                  <a16:creationId xmlns:a16="http://schemas.microsoft.com/office/drawing/2014/main" id="{ABA4AB89-66C5-124D-A06A-A37B62FA8107}"/>
+                </a:ext>
+              </a:extLst>
+            </p:cNvPr>
+            <p:cNvCxnSpPr>
+              <a:cxnSpLocks/>
+              <a:stCxn id="123" idx="3"/>
+              <a:endCxn id="134" idx="1"/>
+            </p:cNvCxnSpPr>
+            <p:nvPr/>
+          </p:nvCxnSpPr>
+          <p:spPr>
+            <a:xfrm>
+              <a:off x="6740613" y="2472421"/>
+              <a:ext cx="308593" cy="1008364"/>
+            </a:xfrm>
+            <a:prstGeom prst="straightConnector1">
+              <a:avLst/>
+            </a:prstGeom>
+            <a:ln w="25400">
+              <a:headEnd type="oval" w="med" len="med"/>
+              <a:tailEnd type="triangle" w="lg" len="med"/>
+            </a:ln>
+          </p:spPr>
+          <p:style>
+            <a:lnRef idx="1">
+              <a:schemeClr val="dk1"/>
+            </a:lnRef>
+            <a:fillRef idx="0">
+              <a:schemeClr val="dk1"/>
+            </a:fillRef>
+            <a:effectRef idx="0">
+              <a:schemeClr val="dk1"/>
+            </a:effectRef>
+            <a:fontRef idx="minor">
+              <a:schemeClr val="tx1"/>
+            </a:fontRef>
+          </p:style>
+        </p:cxnSp>
+        <p:cxnSp>
+          <p:nvCxnSpPr>
+            <p:cNvPr id="138" name="Straight Arrow Connector 137">
+              <a:extLst>
+                <a:ext uri="{FF2B5EF4-FFF2-40B4-BE49-F238E27FC236}">
+                  <a16:creationId xmlns:a16="http://schemas.microsoft.com/office/drawing/2014/main" id="{82E4393B-4335-A94F-B5C5-4A9F95FE3D76}"/>
+                </a:ext>
+              </a:extLst>
+            </p:cNvPr>
+            <p:cNvCxnSpPr>
+              <a:cxnSpLocks/>
+              <a:stCxn id="134" idx="3"/>
+              <a:endCxn id="130" idx="1"/>
+            </p:cNvCxnSpPr>
+            <p:nvPr/>
+          </p:nvCxnSpPr>
+          <p:spPr>
+            <a:xfrm flipV="1">
+              <a:off x="7877328" y="2472421"/>
+              <a:ext cx="303677" cy="1008364"/>
+            </a:xfrm>
+            <a:prstGeom prst="straightConnector1">
+              <a:avLst/>
+            </a:prstGeom>
+            <a:ln w="25400">
+              <a:headEnd type="oval" w="med" len="med"/>
+              <a:tailEnd type="triangle" w="lg" len="med"/>
+            </a:ln>
+          </p:spPr>
+          <p:style>
+            <a:lnRef idx="1">
+              <a:schemeClr val="dk1"/>
+            </a:lnRef>
+            <a:fillRef idx="0">
+              <a:schemeClr val="dk1"/>
+            </a:fillRef>
+            <a:effectRef idx="0">
+              <a:schemeClr val="dk1"/>
+            </a:effectRef>
+            <a:fontRef idx="minor">
+              <a:schemeClr val="tx1"/>
+            </a:fontRef>
+          </p:style>
+        </p:cxnSp>
+        <p:cxnSp>
+          <p:nvCxnSpPr>
+            <p:cNvPr id="87" name="Straight Connector 86">
+              <a:extLst>
+                <a:ext uri="{FF2B5EF4-FFF2-40B4-BE49-F238E27FC236}">
+                  <a16:creationId xmlns:a16="http://schemas.microsoft.com/office/drawing/2014/main" id="{315834C2-AAE8-4B41-A17C-EE462676E36F}"/>
+                </a:ext>
+              </a:extLst>
+            </p:cNvPr>
+            <p:cNvCxnSpPr/>
+            <p:nvPr/>
+          </p:nvCxnSpPr>
+          <p:spPr>
+            <a:xfrm>
+              <a:off x="2133600" y="1255776"/>
+              <a:ext cx="0" cy="2584704"/>
+            </a:xfrm>
+            <a:prstGeom prst="line">
+              <a:avLst/>
+            </a:prstGeom>
+          </p:spPr>
+          <p:style>
+            <a:lnRef idx="3">
+              <a:schemeClr val="dk1"/>
+            </a:lnRef>
+            <a:fillRef idx="0">
+              <a:schemeClr val="dk1"/>
+            </a:fillRef>
+            <a:effectRef idx="2">
+              <a:schemeClr val="dk1"/>
+            </a:effectRef>
+            <a:fontRef idx="minor">
+              <a:schemeClr val="tx1"/>
+            </a:fontRef>
+          </p:style>
+        </p:cxnSp>
+        <p:cxnSp>
+          <p:nvCxnSpPr>
+            <p:cNvPr id="97" name="Straight Connector 96">
+              <a:extLst>
+                <a:ext uri="{FF2B5EF4-FFF2-40B4-BE49-F238E27FC236}">
+                  <a16:creationId xmlns:a16="http://schemas.microsoft.com/office/drawing/2014/main" id="{B943E248-5D48-2244-8AAF-08211367C921}"/>
+                </a:ext>
+              </a:extLst>
+            </p:cNvPr>
+            <p:cNvCxnSpPr>
+              <a:cxnSpLocks/>
+            </p:cNvCxnSpPr>
+            <p:nvPr/>
+          </p:nvCxnSpPr>
+          <p:spPr>
+            <a:xfrm>
+              <a:off x="2133600" y="2011680"/>
+              <a:ext cx="8388096" cy="0"/>
+            </a:xfrm>
+            <a:prstGeom prst="line">
+              <a:avLst/>
+            </a:prstGeom>
+            <a:ln>
+              <a:prstDash val="dash"/>
+            </a:ln>
+          </p:spPr>
+          <p:style>
+            <a:lnRef idx="3">
+              <a:schemeClr val="dk1"/>
+            </a:lnRef>
+            <a:fillRef idx="0">
+              <a:schemeClr val="dk1"/>
+            </a:fillRef>
+            <a:effectRef idx="2">
+              <a:schemeClr val="dk1"/>
+            </a:effectRef>
+            <a:fontRef idx="minor">
+              <a:schemeClr val="tx1"/>
+            </a:fontRef>
+          </p:style>
+        </p:cxnSp>
+        <p:sp>
+          <p:nvSpPr>
+            <p:cNvPr id="98" name="TextBox 97">
+              <a:extLst>
+                <a:ext uri="{FF2B5EF4-FFF2-40B4-BE49-F238E27FC236}">
+                  <a16:creationId xmlns:a16="http://schemas.microsoft.com/office/drawing/2014/main" id="{4B1F4592-88DF-4746-89F5-4AC72ECE8288}"/>
+                </a:ext>
+              </a:extLst>
+            </p:cNvPr>
+            <p:cNvSpPr txBox="1"/>
+            <p:nvPr/>
+          </p:nvSpPr>
+          <p:spPr>
+            <a:xfrm>
+              <a:off x="627179" y="1750070"/>
+              <a:ext cx="1469931" cy="523220"/>
+            </a:xfrm>
+            <a:prstGeom prst="rect">
+              <a:avLst/>
+            </a:prstGeom>
+            <a:noFill/>
+          </p:spPr>
+          <p:txBody>
+            <a:bodyPr wrap="square" rtlCol="0">
+              <a:spAutoFit/>
+            </a:bodyPr>
+            <a:lstStyle/>
+            <a:p>
+              <a:r>
+                <a:rPr lang="en-US" sz="2800" dirty="0"/>
+                <a:t>GUEST</a:t>
+              </a:r>
+            </a:p>
+          </p:txBody>
+        </p:sp>
+        <p:sp>
+          <p:nvSpPr>
+            <p:cNvPr id="161" name="TextBox 160">
+              <a:extLst>
+                <a:ext uri="{FF2B5EF4-FFF2-40B4-BE49-F238E27FC236}">
+                  <a16:creationId xmlns:a16="http://schemas.microsoft.com/office/drawing/2014/main" id="{DA5B365F-63C2-1147-B6E0-A117D1C65902}"/>
+                </a:ext>
+              </a:extLst>
+            </p:cNvPr>
+            <p:cNvSpPr txBox="1"/>
+            <p:nvPr/>
+          </p:nvSpPr>
+          <p:spPr>
+            <a:xfrm>
+              <a:off x="679349" y="3219175"/>
+              <a:ext cx="1365590" cy="523220"/>
+            </a:xfrm>
+            <a:prstGeom prst="rect">
+              <a:avLst/>
+            </a:prstGeom>
+            <a:noFill/>
+          </p:spPr>
+          <p:txBody>
+            <a:bodyPr wrap="square" rtlCol="0">
+              <a:spAutoFit/>
+            </a:bodyPr>
+            <a:lstStyle/>
+            <a:p>
+              <a:r>
+                <a:rPr lang="en-US" sz="2800" dirty="0"/>
+                <a:t>HOST</a:t>
+              </a:r>
+            </a:p>
+          </p:txBody>
+        </p:sp>
+        <p:sp>
+          <p:nvSpPr>
+            <p:cNvPr id="162" name="TextBox 161">
+              <a:extLst>
+                <a:ext uri="{FF2B5EF4-FFF2-40B4-BE49-F238E27FC236}">
+                  <a16:creationId xmlns:a16="http://schemas.microsoft.com/office/drawing/2014/main" id="{6B3DD707-A4EA-F645-83A4-93EEAC37989D}"/>
+                </a:ext>
+              </a:extLst>
+            </p:cNvPr>
+            <p:cNvSpPr txBox="1"/>
+            <p:nvPr/>
+          </p:nvSpPr>
+          <p:spPr>
+            <a:xfrm>
+              <a:off x="2262514" y="1365820"/>
+              <a:ext cx="999352" cy="523220"/>
+            </a:xfrm>
+            <a:prstGeom prst="rect">
+              <a:avLst/>
+            </a:prstGeom>
+            <a:noFill/>
+          </p:spPr>
+          <p:txBody>
+            <a:bodyPr wrap="square" rtlCol="0">
+              <a:spAutoFit/>
+            </a:bodyPr>
+            <a:lstStyle/>
+            <a:p>
+              <a:r>
+                <a:rPr lang="en-US" sz="2800" dirty="0"/>
+                <a:t>I/O</a:t>
+              </a:r>
+            </a:p>
+          </p:txBody>
+        </p:sp>
+        <p:sp>
+          <p:nvSpPr>
+            <p:cNvPr id="163" name="TextBox 162">
+              <a:extLst>
+                <a:ext uri="{FF2B5EF4-FFF2-40B4-BE49-F238E27FC236}">
+                  <a16:creationId xmlns:a16="http://schemas.microsoft.com/office/drawing/2014/main" id="{29DD991B-F170-B14B-A281-158D8F6F5F90}"/>
+                </a:ext>
+              </a:extLst>
+            </p:cNvPr>
+            <p:cNvSpPr txBox="1"/>
+            <p:nvPr/>
+          </p:nvSpPr>
+          <p:spPr>
+            <a:xfrm>
+              <a:off x="2262514" y="2210811"/>
+              <a:ext cx="999352" cy="523220"/>
+            </a:xfrm>
+            <a:prstGeom prst="rect">
+              <a:avLst/>
+            </a:prstGeom>
+            <a:noFill/>
+          </p:spPr>
+          <p:txBody>
+            <a:bodyPr wrap="square" rtlCol="0">
+              <a:spAutoFit/>
+            </a:bodyPr>
+            <a:lstStyle/>
+            <a:p>
+              <a:r>
+                <a:rPr lang="en-US" sz="2800" dirty="0"/>
+                <a:t>CPU</a:t>
+              </a:r>
+            </a:p>
+          </p:txBody>
+        </p:sp>
+        <p:sp>
+          <p:nvSpPr>
+            <p:cNvPr id="164" name="TextBox 163">
+              <a:extLst>
+                <a:ext uri="{FF2B5EF4-FFF2-40B4-BE49-F238E27FC236}">
+                  <a16:creationId xmlns:a16="http://schemas.microsoft.com/office/drawing/2014/main" id="{12FB7F55-D21E-094C-80C6-BC7FB2460762}"/>
+                </a:ext>
+              </a:extLst>
+            </p:cNvPr>
+            <p:cNvSpPr txBox="1"/>
+            <p:nvPr/>
+          </p:nvSpPr>
+          <p:spPr>
+            <a:xfrm>
+              <a:off x="2262514" y="3219175"/>
+              <a:ext cx="999352" cy="523220"/>
+            </a:xfrm>
+            <a:prstGeom prst="rect">
+              <a:avLst/>
+            </a:prstGeom>
+            <a:noFill/>
+          </p:spPr>
+          <p:txBody>
+            <a:bodyPr wrap="square" rtlCol="0">
+              <a:spAutoFit/>
+            </a:bodyPr>
+            <a:lstStyle/>
+            <a:p>
+              <a:r>
+                <a:rPr lang="en-US" sz="2800" dirty="0"/>
+                <a:t>CPU</a:t>
+              </a:r>
+            </a:p>
+          </p:txBody>
+        </p:sp>
+        <p:sp>
+          <p:nvSpPr>
+            <p:cNvPr id="165" name="TextBox 164">
+              <a:extLst>
+                <a:ext uri="{FF2B5EF4-FFF2-40B4-BE49-F238E27FC236}">
+                  <a16:creationId xmlns:a16="http://schemas.microsoft.com/office/drawing/2014/main" id="{070BEC20-F5A2-F049-BA7D-9D647AF7B82A}"/>
+                </a:ext>
+              </a:extLst>
+            </p:cNvPr>
+            <p:cNvSpPr txBox="1"/>
+            <p:nvPr/>
+          </p:nvSpPr>
+          <p:spPr>
+            <a:xfrm>
+              <a:off x="3683197" y="1557679"/>
+              <a:ext cx="937729" cy="400110"/>
+            </a:xfrm>
+            <a:prstGeom prst="rect">
+              <a:avLst/>
+            </a:prstGeom>
+            <a:noFill/>
+          </p:spPr>
+          <p:txBody>
+            <a:bodyPr wrap="square" rtlCol="0">
+              <a:spAutoFit/>
+            </a:bodyPr>
+            <a:lstStyle/>
+            <a:p>
+              <a:r>
+                <a:rPr lang="en-US" sz="2000" b="1" dirty="0"/>
+                <a:t>MMIO</a:t>
+              </a:r>
+            </a:p>
+          </p:txBody>
+        </p:sp>
+        <p:sp>
+          <p:nvSpPr>
+            <p:cNvPr id="166" name="TextBox 165">
+              <a:extLst>
+                <a:ext uri="{FF2B5EF4-FFF2-40B4-BE49-F238E27FC236}">
+                  <a16:creationId xmlns:a16="http://schemas.microsoft.com/office/drawing/2014/main" id="{D063DC83-0803-AF43-861F-1EDF7E068FEF}"/>
+                </a:ext>
+              </a:extLst>
+            </p:cNvPr>
+            <p:cNvSpPr txBox="1"/>
+            <p:nvPr/>
+          </p:nvSpPr>
+          <p:spPr>
+            <a:xfrm>
+              <a:off x="8626506" y="1557679"/>
+              <a:ext cx="651745" cy="400110"/>
+            </a:xfrm>
+            <a:prstGeom prst="rect">
+              <a:avLst/>
+            </a:prstGeom>
+            <a:noFill/>
+          </p:spPr>
+          <p:txBody>
+            <a:bodyPr wrap="square" rtlCol="0">
+              <a:spAutoFit/>
+            </a:bodyPr>
+            <a:lstStyle/>
+            <a:p>
+              <a:r>
+                <a:rPr lang="en-US" sz="2000" b="1" dirty="0"/>
+                <a:t>IRQ</a:t>
+              </a:r>
+            </a:p>
+          </p:txBody>
+        </p:sp>
+        <p:sp>
+          <p:nvSpPr>
+            <p:cNvPr id="167" name="TextBox 166">
+              <a:extLst>
+                <a:ext uri="{FF2B5EF4-FFF2-40B4-BE49-F238E27FC236}">
+                  <a16:creationId xmlns:a16="http://schemas.microsoft.com/office/drawing/2014/main" id="{1D1997FF-2B32-B548-BA73-06B96534E64C}"/>
+                </a:ext>
+              </a:extLst>
+            </p:cNvPr>
+            <p:cNvSpPr txBox="1"/>
+            <p:nvPr/>
+          </p:nvSpPr>
+          <p:spPr>
+            <a:xfrm>
+              <a:off x="9089092" y="2541020"/>
+              <a:ext cx="648670" cy="400110"/>
+            </a:xfrm>
+            <a:prstGeom prst="rect">
+              <a:avLst/>
+            </a:prstGeom>
+            <a:noFill/>
+          </p:spPr>
+          <p:txBody>
+            <a:bodyPr wrap="square" rtlCol="0">
+              <a:spAutoFit/>
+            </a:bodyPr>
+            <a:lstStyle/>
+            <a:p>
+              <a:r>
+                <a:rPr lang="en-US" sz="2000" b="1" dirty="0"/>
+                <a:t>EOI</a:t>
+              </a:r>
+            </a:p>
+          </p:txBody>
+        </p:sp>
+        <p:cxnSp>
+          <p:nvCxnSpPr>
+            <p:cNvPr id="105" name="Straight Arrow Connector 104">
+              <a:extLst>
+                <a:ext uri="{FF2B5EF4-FFF2-40B4-BE49-F238E27FC236}">
+                  <a16:creationId xmlns:a16="http://schemas.microsoft.com/office/drawing/2014/main" id="{344D966A-FE1C-A042-B190-09106A4DACBC}"/>
+                </a:ext>
+              </a:extLst>
+            </p:cNvPr>
+            <p:cNvCxnSpPr>
+              <a:cxnSpLocks/>
+              <a:stCxn id="92" idx="3"/>
+              <a:endCxn id="130" idx="3"/>
+            </p:cNvCxnSpPr>
+            <p:nvPr/>
+          </p:nvCxnSpPr>
+          <p:spPr>
+            <a:xfrm>
+              <a:off x="8443981" y="1627430"/>
+              <a:ext cx="571294" cy="844991"/>
+            </a:xfrm>
+            <a:prstGeom prst="straightConnector1">
+              <a:avLst/>
+            </a:prstGeom>
+            <a:ln w="25400">
+              <a:headEnd type="oval" w="med" len="med"/>
+              <a:tailEnd type="triangle" w="lg" len="med"/>
+            </a:ln>
+          </p:spPr>
+          <p:style>
+            <a:lnRef idx="1">
+              <a:schemeClr val="dk1"/>
+            </a:lnRef>
+            <a:fillRef idx="0">
+              <a:schemeClr val="dk1"/>
+            </a:fillRef>
+            <a:effectRef idx="0">
+              <a:schemeClr val="dk1"/>
+            </a:effectRef>
+            <a:fontRef idx="minor">
+              <a:schemeClr val="tx1"/>
+            </a:fontRef>
+          </p:style>
+        </p:cxnSp>
+        <p:sp>
+          <p:nvSpPr>
+            <p:cNvPr id="174" name="Rounded Rectangle 173">
+              <a:extLst>
+                <a:ext uri="{FF2B5EF4-FFF2-40B4-BE49-F238E27FC236}">
+                  <a16:creationId xmlns:a16="http://schemas.microsoft.com/office/drawing/2014/main" id="{E6EF0CC0-D15B-D144-921E-6E46285DFF1F}"/>
+                </a:ext>
+              </a:extLst>
+            </p:cNvPr>
+            <p:cNvSpPr>
+              <a:spLocks/>
+            </p:cNvSpPr>
+            <p:nvPr/>
+          </p:nvSpPr>
+          <p:spPr>
+            <a:xfrm>
+              <a:off x="9724063" y="2243821"/>
+              <a:ext cx="320619" cy="457200"/>
+            </a:xfrm>
+            <a:prstGeom prst="roundRect">
+              <a:avLst/>
+            </a:prstGeom>
+            <a:solidFill>
+              <a:srgbClr val="00B050"/>
+            </a:solidFill>
+            <a:ln>
+              <a:solidFill>
+                <a:schemeClr val="dk1"/>
+              </a:solidFill>
+            </a:ln>
+          </p:spPr>
+          <p:style>
+            <a:lnRef idx="2">
+              <a:schemeClr val="accent6">
+                <a:shade val="50000"/>
+              </a:schemeClr>
+            </a:lnRef>
+            <a:fillRef idx="1">
+              <a:schemeClr val="accent6"/>
+            </a:fillRef>
+            <a:effectRef idx="0">
+              <a:schemeClr val="accent6"/>
+            </a:effectRef>
+            <a:fontRef idx="minor">
+              <a:schemeClr val="lt1"/>
+            </a:fontRef>
+          </p:style>
+          <p:txBody>
+            <a:bodyPr rtlCol="0" anchor="ctr"/>
+            <a:lstStyle/>
+            <a:p>
+              <a:pPr algn="ctr"/>
+              <a:endParaRPr lang="en-US" dirty="0"/>
+            </a:p>
+          </p:txBody>
+        </p:sp>
+        <p:cxnSp>
+          <p:nvCxnSpPr>
+            <p:cNvPr id="175" name="Straight Arrow Connector 174">
+              <a:extLst>
+                <a:ext uri="{FF2B5EF4-FFF2-40B4-BE49-F238E27FC236}">
+                  <a16:creationId xmlns:a16="http://schemas.microsoft.com/office/drawing/2014/main" id="{DE4D5F86-B5EB-914A-88AC-10216F2B3755}"/>
+                </a:ext>
+              </a:extLst>
+            </p:cNvPr>
+            <p:cNvCxnSpPr>
+              <a:cxnSpLocks/>
+              <a:stCxn id="130" idx="3"/>
+              <a:endCxn id="174" idx="1"/>
+            </p:cNvCxnSpPr>
+            <p:nvPr/>
+          </p:nvCxnSpPr>
+          <p:spPr>
+            <a:xfrm>
+              <a:off x="9015275" y="2472421"/>
+              <a:ext cx="708788" cy="0"/>
+            </a:xfrm>
+            <a:prstGeom prst="straightConnector1">
+              <a:avLst/>
+            </a:prstGeom>
+            <a:ln w="25400">
+              <a:headEnd type="oval" w="med" len="med"/>
+              <a:tailEnd type="triangle" w="lg" len="med"/>
+            </a:ln>
+          </p:spPr>
+          <p:style>
+            <a:lnRef idx="1">
+              <a:schemeClr val="dk1"/>
+            </a:lnRef>
+            <a:fillRef idx="0">
+              <a:schemeClr val="dk1"/>
+            </a:fillRef>
+            <a:effectRef idx="0">
+              <a:schemeClr val="dk1"/>
+            </a:effectRef>
+            <a:fontRef idx="minor">
+              <a:schemeClr val="tx1"/>
+            </a:fontRef>
+          </p:style>
+        </p:cxnSp>
+        <p:sp>
+          <p:nvSpPr>
+            <p:cNvPr id="176" name="TextBox 175">
+              <a:extLst>
+                <a:ext uri="{FF2B5EF4-FFF2-40B4-BE49-F238E27FC236}">
+                  <a16:creationId xmlns:a16="http://schemas.microsoft.com/office/drawing/2014/main" id="{3DB354E5-D6B8-9448-AE31-CAED3D95D961}"/>
+                </a:ext>
+              </a:extLst>
+            </p:cNvPr>
+            <p:cNvSpPr txBox="1"/>
+            <p:nvPr/>
+          </p:nvSpPr>
+          <p:spPr>
+            <a:xfrm>
+              <a:off x="5053896" y="2541020"/>
+              <a:ext cx="708359" cy="400110"/>
+            </a:xfrm>
+            <a:prstGeom prst="rect">
+              <a:avLst/>
+            </a:prstGeom>
+            <a:noFill/>
+          </p:spPr>
+          <p:txBody>
+            <a:bodyPr wrap="square" rtlCol="0">
+              <a:spAutoFit/>
+            </a:bodyPr>
+            <a:lstStyle/>
+            <a:p>
+              <a:r>
+                <a:rPr lang="en-US" sz="2000" b="1" dirty="0"/>
+                <a:t>HLT</a:t>
+              </a:r>
+            </a:p>
+          </p:txBody>
+        </p:sp>
+        <p:sp>
+          <p:nvSpPr>
+            <p:cNvPr id="182" name="TextBox 181">
+              <a:extLst>
+                <a:ext uri="{FF2B5EF4-FFF2-40B4-BE49-F238E27FC236}">
+                  <a16:creationId xmlns:a16="http://schemas.microsoft.com/office/drawing/2014/main" id="{176A3FF4-8F9D-884B-9F6A-DFDC0FAB3161}"/>
+                </a:ext>
+              </a:extLst>
+            </p:cNvPr>
+            <p:cNvSpPr txBox="1"/>
+            <p:nvPr/>
+          </p:nvSpPr>
+          <p:spPr>
+            <a:xfrm>
+              <a:off x="6897175" y="2541020"/>
+              <a:ext cx="688061" cy="400110"/>
+            </a:xfrm>
+            <a:prstGeom prst="rect">
+              <a:avLst/>
+            </a:prstGeom>
+            <a:noFill/>
+          </p:spPr>
+          <p:txBody>
+            <a:bodyPr wrap="square" rtlCol="0">
+              <a:spAutoFit/>
+            </a:bodyPr>
+            <a:lstStyle/>
+            <a:p>
+              <a:r>
+                <a:rPr lang="en-US" sz="2000" b="1" dirty="0"/>
+                <a:t>HLT</a:t>
+              </a:r>
+            </a:p>
+          </p:txBody>
+        </p:sp>
+        <p:sp>
+          <p:nvSpPr>
+            <p:cNvPr id="184" name="Rounded Rectangle 183">
+              <a:extLst>
+                <a:ext uri="{FF2B5EF4-FFF2-40B4-BE49-F238E27FC236}">
+                  <a16:creationId xmlns:a16="http://schemas.microsoft.com/office/drawing/2014/main" id="{571FEAEA-D0AD-2B47-8FE3-AE42F436BD71}"/>
+                </a:ext>
+              </a:extLst>
+            </p:cNvPr>
+            <p:cNvSpPr>
+              <a:spLocks/>
+            </p:cNvSpPr>
+            <p:nvPr/>
+          </p:nvSpPr>
+          <p:spPr>
+            <a:xfrm>
+              <a:off x="3707657" y="5246795"/>
+              <a:ext cx="5307618" cy="457200"/>
+            </a:xfrm>
+            <a:prstGeom prst="roundRect">
+              <a:avLst/>
+            </a:prstGeom>
+            <a:solidFill>
+              <a:srgbClr val="00B050"/>
+            </a:solidFill>
+            <a:ln>
+              <a:solidFill>
+                <a:schemeClr val="dk1"/>
+              </a:solidFill>
+            </a:ln>
+          </p:spPr>
+          <p:style>
+            <a:lnRef idx="2">
+              <a:schemeClr val="accent6">
+                <a:shade val="50000"/>
+              </a:schemeClr>
+            </a:lnRef>
+            <a:fillRef idx="1">
+              <a:schemeClr val="accent6"/>
+            </a:fillRef>
+            <a:effectRef idx="0">
+              <a:schemeClr val="accent6"/>
+            </a:effectRef>
+            <a:fontRef idx="minor">
+              <a:schemeClr val="lt1"/>
+            </a:fontRef>
+          </p:style>
+          <p:txBody>
+            <a:bodyPr rtlCol="0" anchor="ctr"/>
+            <a:lstStyle/>
+            <a:p>
+              <a:pPr algn="ctr"/>
+              <a:endParaRPr lang="en-US"/>
+            </a:p>
+          </p:txBody>
+        </p:sp>
+        <p:cxnSp>
+          <p:nvCxnSpPr>
+            <p:cNvPr id="188" name="Straight Arrow Connector 187">
+              <a:extLst>
+                <a:ext uri="{FF2B5EF4-FFF2-40B4-BE49-F238E27FC236}">
+                  <a16:creationId xmlns:a16="http://schemas.microsoft.com/office/drawing/2014/main" id="{B0F95296-C00D-DB42-B830-CE6869FB7A42}"/>
+                </a:ext>
+              </a:extLst>
+            </p:cNvPr>
+            <p:cNvCxnSpPr>
+              <a:cxnSpLocks/>
+              <a:endCxn id="189" idx="1"/>
+            </p:cNvCxnSpPr>
+            <p:nvPr/>
+          </p:nvCxnSpPr>
+          <p:spPr>
+            <a:xfrm>
+              <a:off x="727677" y="6044008"/>
+              <a:ext cx="9879449" cy="0"/>
+            </a:xfrm>
+            <a:prstGeom prst="straightConnector1">
+              <a:avLst/>
+            </a:prstGeom>
+            <a:ln w="25400">
+              <a:tailEnd type="triangle" w="lg" len="med"/>
+            </a:ln>
+          </p:spPr>
+          <p:style>
+            <a:lnRef idx="1">
+              <a:schemeClr val="dk1"/>
+            </a:lnRef>
+            <a:fillRef idx="0">
+              <a:schemeClr val="dk1"/>
+            </a:fillRef>
+            <a:effectRef idx="0">
+              <a:schemeClr val="dk1"/>
+            </a:effectRef>
+            <a:fontRef idx="minor">
+              <a:schemeClr val="tx1"/>
+            </a:fontRef>
+          </p:style>
+        </p:cxnSp>
+        <p:sp>
+          <p:nvSpPr>
+            <p:cNvPr id="189" name="TextBox 188">
+              <a:extLst>
+                <a:ext uri="{FF2B5EF4-FFF2-40B4-BE49-F238E27FC236}">
+                  <a16:creationId xmlns:a16="http://schemas.microsoft.com/office/drawing/2014/main" id="{BAD121A8-2271-F246-8AFE-9EFBD49E7B79}"/>
+                </a:ext>
+              </a:extLst>
+            </p:cNvPr>
+            <p:cNvSpPr txBox="1"/>
+            <p:nvPr/>
+          </p:nvSpPr>
+          <p:spPr>
+            <a:xfrm>
+              <a:off x="10607126" y="5843953"/>
+              <a:ext cx="853354" cy="400110"/>
+            </a:xfrm>
+            <a:prstGeom prst="rect">
+              <a:avLst/>
+            </a:prstGeom>
+            <a:noFill/>
+          </p:spPr>
+          <p:txBody>
+            <a:bodyPr wrap="square" rtlCol="0">
+              <a:spAutoFit/>
+            </a:bodyPr>
+            <a:lstStyle/>
+            <a:p>
+              <a:r>
+                <a:rPr lang="en-US" sz="2000" b="1" dirty="0"/>
+                <a:t>Time</a:t>
+              </a:r>
+            </a:p>
+          </p:txBody>
+        </p:sp>
+        <p:sp>
+          <p:nvSpPr>
+            <p:cNvPr id="190" name="Rounded Rectangle 189">
+              <a:extLst>
+                <a:ext uri="{FF2B5EF4-FFF2-40B4-BE49-F238E27FC236}">
+                  <a16:creationId xmlns:a16="http://schemas.microsoft.com/office/drawing/2014/main" id="{5799BD5F-1C01-C74C-A44A-6406A73FF2FD}"/>
+                </a:ext>
+              </a:extLst>
+            </p:cNvPr>
+            <p:cNvSpPr>
+              <a:spLocks/>
+            </p:cNvSpPr>
+            <p:nvPr/>
+          </p:nvSpPr>
+          <p:spPr>
+            <a:xfrm>
+              <a:off x="4716625" y="4401804"/>
+              <a:ext cx="3727356" cy="457200"/>
+            </a:xfrm>
+            <a:prstGeom prst="roundRect">
+              <a:avLst/>
+            </a:prstGeom>
+            <a:solidFill>
+              <a:srgbClr val="FFC000"/>
+            </a:solidFill>
+            <a:ln>
+              <a:solidFill>
+                <a:schemeClr val="dk1"/>
+              </a:solidFill>
+            </a:ln>
+          </p:spPr>
+          <p:style>
+            <a:lnRef idx="2">
+              <a:schemeClr val="accent6">
+                <a:shade val="50000"/>
+              </a:schemeClr>
+            </a:lnRef>
+            <a:fillRef idx="1">
+              <a:schemeClr val="accent6"/>
+            </a:fillRef>
+            <a:effectRef idx="0">
+              <a:schemeClr val="accent6"/>
+            </a:effectRef>
+            <a:fontRef idx="minor">
+              <a:schemeClr val="lt1"/>
+            </a:fontRef>
+          </p:style>
+          <p:txBody>
+            <a:bodyPr rtlCol="0" anchor="ctr"/>
+            <a:lstStyle/>
+            <a:p>
+              <a:pPr algn="ctr"/>
+              <a:endParaRPr lang="en-US"/>
+            </a:p>
+          </p:txBody>
+        </p:sp>
+        <p:cxnSp>
+          <p:nvCxnSpPr>
+            <p:cNvPr id="194" name="Straight Arrow Connector 193">
+              <a:extLst>
+                <a:ext uri="{FF2B5EF4-FFF2-40B4-BE49-F238E27FC236}">
+                  <a16:creationId xmlns:a16="http://schemas.microsoft.com/office/drawing/2014/main" id="{C8BAD2F4-A729-B14C-A934-31192258B97E}"/>
+                </a:ext>
+              </a:extLst>
+            </p:cNvPr>
+            <p:cNvCxnSpPr>
+              <a:cxnSpLocks/>
+              <a:endCxn id="190" idx="1"/>
+            </p:cNvCxnSpPr>
+            <p:nvPr/>
+          </p:nvCxnSpPr>
+          <p:spPr>
+            <a:xfrm flipV="1">
+              <a:off x="4324877" y="4630404"/>
+              <a:ext cx="391748" cy="645860"/>
+            </a:xfrm>
+            <a:prstGeom prst="straightConnector1">
+              <a:avLst/>
+            </a:prstGeom>
+            <a:ln w="25400">
+              <a:headEnd type="oval" w="med" len="med"/>
+              <a:tailEnd type="triangle" w="lg" len="med"/>
+            </a:ln>
+          </p:spPr>
+          <p:style>
+            <a:lnRef idx="1">
+              <a:schemeClr val="dk1"/>
+            </a:lnRef>
+            <a:fillRef idx="0">
+              <a:schemeClr val="dk1"/>
+            </a:fillRef>
+            <a:effectRef idx="0">
+              <a:schemeClr val="dk1"/>
+            </a:effectRef>
+            <a:fontRef idx="minor">
+              <a:schemeClr val="tx1"/>
+            </a:fontRef>
+          </p:style>
+        </p:cxnSp>
+        <p:cxnSp>
+          <p:nvCxnSpPr>
+            <p:cNvPr id="207" name="Straight Connector 206">
+              <a:extLst>
+                <a:ext uri="{FF2B5EF4-FFF2-40B4-BE49-F238E27FC236}">
+                  <a16:creationId xmlns:a16="http://schemas.microsoft.com/office/drawing/2014/main" id="{68EADB7E-33DB-6A46-A860-5D79555270F0}"/>
+                </a:ext>
+              </a:extLst>
+            </p:cNvPr>
+            <p:cNvCxnSpPr>
+              <a:cxnSpLocks/>
+            </p:cNvCxnSpPr>
+            <p:nvPr/>
+          </p:nvCxnSpPr>
+          <p:spPr>
+            <a:xfrm>
+              <a:off x="2133600" y="4258750"/>
+              <a:ext cx="0" cy="1769869"/>
+            </a:xfrm>
+            <a:prstGeom prst="line">
+              <a:avLst/>
+            </a:prstGeom>
+          </p:spPr>
+          <p:style>
+            <a:lnRef idx="3">
+              <a:schemeClr val="dk1"/>
+            </a:lnRef>
+            <a:fillRef idx="0">
+              <a:schemeClr val="dk1"/>
+            </a:fillRef>
+            <a:effectRef idx="2">
+              <a:schemeClr val="dk1"/>
+            </a:effectRef>
+            <a:fontRef idx="minor">
+              <a:schemeClr val="tx1"/>
+            </a:fontRef>
+          </p:style>
+        </p:cxnSp>
+        <p:cxnSp>
+          <p:nvCxnSpPr>
+            <p:cNvPr id="208" name="Straight Connector 207">
+              <a:extLst>
+                <a:ext uri="{FF2B5EF4-FFF2-40B4-BE49-F238E27FC236}">
+                  <a16:creationId xmlns:a16="http://schemas.microsoft.com/office/drawing/2014/main" id="{D5DD3E41-3D50-F842-9509-EC97694BE413}"/>
+                </a:ext>
+              </a:extLst>
+            </p:cNvPr>
+            <p:cNvCxnSpPr>
+              <a:cxnSpLocks/>
+            </p:cNvCxnSpPr>
+            <p:nvPr/>
+          </p:nvCxnSpPr>
+          <p:spPr>
+            <a:xfrm>
+              <a:off x="2133600" y="5014654"/>
+              <a:ext cx="8388096" cy="0"/>
+            </a:xfrm>
+            <a:prstGeom prst="line">
+              <a:avLst/>
+            </a:prstGeom>
+            <a:ln>
+              <a:prstDash val="dash"/>
+            </a:ln>
+          </p:spPr>
+          <p:style>
+            <a:lnRef idx="3">
+              <a:schemeClr val="dk1"/>
+            </a:lnRef>
+            <a:fillRef idx="0">
+              <a:schemeClr val="dk1"/>
+            </a:fillRef>
+            <a:effectRef idx="2">
+              <a:schemeClr val="dk1"/>
+            </a:effectRef>
+            <a:fontRef idx="minor">
+              <a:schemeClr val="tx1"/>
+            </a:fontRef>
+          </p:style>
+        </p:cxnSp>
+        <p:sp>
+          <p:nvSpPr>
+            <p:cNvPr id="209" name="TextBox 208">
+              <a:extLst>
+                <a:ext uri="{FF2B5EF4-FFF2-40B4-BE49-F238E27FC236}">
+                  <a16:creationId xmlns:a16="http://schemas.microsoft.com/office/drawing/2014/main" id="{3CBC259F-F5D7-BE40-A00B-0B4CC9EF578D}"/>
+                </a:ext>
+              </a:extLst>
+            </p:cNvPr>
+            <p:cNvSpPr txBox="1"/>
+            <p:nvPr/>
+          </p:nvSpPr>
+          <p:spPr>
+            <a:xfrm>
+              <a:off x="627179" y="4753044"/>
+              <a:ext cx="1469931" cy="523220"/>
+            </a:xfrm>
+            <a:prstGeom prst="rect">
+              <a:avLst/>
+            </a:prstGeom>
+            <a:noFill/>
+          </p:spPr>
+          <p:txBody>
+            <a:bodyPr wrap="square" rtlCol="0">
+              <a:spAutoFit/>
+            </a:bodyPr>
+            <a:lstStyle/>
+            <a:p>
+              <a:r>
+                <a:rPr lang="en-US" sz="2800" dirty="0"/>
+                <a:t>GUEST</a:t>
+              </a:r>
+            </a:p>
+          </p:txBody>
+        </p:sp>
+        <p:sp>
+          <p:nvSpPr>
+            <p:cNvPr id="212" name="TextBox 211">
+              <a:extLst>
+                <a:ext uri="{FF2B5EF4-FFF2-40B4-BE49-F238E27FC236}">
+                  <a16:creationId xmlns:a16="http://schemas.microsoft.com/office/drawing/2014/main" id="{69BF754A-2183-1143-B040-5ADC764474E8}"/>
+                </a:ext>
+              </a:extLst>
+            </p:cNvPr>
+            <p:cNvSpPr txBox="1"/>
+            <p:nvPr/>
+          </p:nvSpPr>
+          <p:spPr>
+            <a:xfrm>
+              <a:off x="2262514" y="4368794"/>
+              <a:ext cx="999352" cy="523220"/>
+            </a:xfrm>
+            <a:prstGeom prst="rect">
+              <a:avLst/>
+            </a:prstGeom>
+            <a:noFill/>
+          </p:spPr>
+          <p:txBody>
+            <a:bodyPr wrap="square" rtlCol="0">
+              <a:spAutoFit/>
+            </a:bodyPr>
+            <a:lstStyle/>
+            <a:p>
+              <a:r>
+                <a:rPr lang="en-US" sz="2800" dirty="0"/>
+                <a:t>I/O</a:t>
+              </a:r>
+            </a:p>
+          </p:txBody>
+        </p:sp>
+        <p:sp>
+          <p:nvSpPr>
+            <p:cNvPr id="213" name="TextBox 212">
+              <a:extLst>
+                <a:ext uri="{FF2B5EF4-FFF2-40B4-BE49-F238E27FC236}">
+                  <a16:creationId xmlns:a16="http://schemas.microsoft.com/office/drawing/2014/main" id="{CE75E9F2-7595-9947-B551-457CA00B8C1F}"/>
+                </a:ext>
+              </a:extLst>
+            </p:cNvPr>
+            <p:cNvSpPr txBox="1"/>
+            <p:nvPr/>
+          </p:nvSpPr>
+          <p:spPr>
+            <a:xfrm>
+              <a:off x="2262514" y="5213785"/>
+              <a:ext cx="999352" cy="523220"/>
+            </a:xfrm>
+            <a:prstGeom prst="rect">
+              <a:avLst/>
+            </a:prstGeom>
+            <a:noFill/>
+          </p:spPr>
+          <p:txBody>
+            <a:bodyPr wrap="square" rtlCol="0">
+              <a:spAutoFit/>
+            </a:bodyPr>
+            <a:lstStyle/>
+            <a:p>
+              <a:r>
+                <a:rPr lang="en-US" sz="2800" dirty="0"/>
+                <a:t>CPU</a:t>
+              </a:r>
+            </a:p>
+          </p:txBody>
+        </p:sp>
+        <p:sp>
+          <p:nvSpPr>
+            <p:cNvPr id="215" name="TextBox 214">
+              <a:extLst>
+                <a:ext uri="{FF2B5EF4-FFF2-40B4-BE49-F238E27FC236}">
+                  <a16:creationId xmlns:a16="http://schemas.microsoft.com/office/drawing/2014/main" id="{9A35BDAC-A99E-6243-90F9-6005026879E0}"/>
+                </a:ext>
+              </a:extLst>
+            </p:cNvPr>
+            <p:cNvSpPr txBox="1"/>
+            <p:nvPr/>
+          </p:nvSpPr>
+          <p:spPr>
+            <a:xfrm>
+              <a:off x="3683197" y="4560653"/>
+              <a:ext cx="937729" cy="400110"/>
+            </a:xfrm>
+            <a:prstGeom prst="rect">
+              <a:avLst/>
+            </a:prstGeom>
+            <a:noFill/>
+          </p:spPr>
+          <p:txBody>
+            <a:bodyPr wrap="square" rtlCol="0">
+              <a:spAutoFit/>
+            </a:bodyPr>
+            <a:lstStyle/>
+            <a:p>
+              <a:r>
+                <a:rPr lang="en-US" sz="2000" b="1" dirty="0"/>
+                <a:t>MMIO</a:t>
+              </a:r>
+            </a:p>
+          </p:txBody>
+        </p:sp>
+        <p:sp>
+          <p:nvSpPr>
+            <p:cNvPr id="216" name="TextBox 215">
+              <a:extLst>
+                <a:ext uri="{FF2B5EF4-FFF2-40B4-BE49-F238E27FC236}">
+                  <a16:creationId xmlns:a16="http://schemas.microsoft.com/office/drawing/2014/main" id="{6406F1C3-26CD-6E42-BE0A-6E276F691984}"/>
+                </a:ext>
+              </a:extLst>
+            </p:cNvPr>
+            <p:cNvSpPr txBox="1"/>
+            <p:nvPr/>
+          </p:nvSpPr>
+          <p:spPr>
+            <a:xfrm>
+              <a:off x="8626506" y="4560653"/>
+              <a:ext cx="651745" cy="400110"/>
+            </a:xfrm>
+            <a:prstGeom prst="rect">
+              <a:avLst/>
+            </a:prstGeom>
+            <a:noFill/>
+          </p:spPr>
+          <p:txBody>
+            <a:bodyPr wrap="square" rtlCol="0">
+              <a:spAutoFit/>
+            </a:bodyPr>
+            <a:lstStyle/>
+            <a:p>
+              <a:r>
+                <a:rPr lang="en-US" sz="2000" b="1" dirty="0"/>
+                <a:t>IRQ</a:t>
+              </a:r>
+            </a:p>
+          </p:txBody>
+        </p:sp>
+        <p:sp>
+          <p:nvSpPr>
+            <p:cNvPr id="217" name="TextBox 216">
+              <a:extLst>
+                <a:ext uri="{FF2B5EF4-FFF2-40B4-BE49-F238E27FC236}">
+                  <a16:creationId xmlns:a16="http://schemas.microsoft.com/office/drawing/2014/main" id="{61445383-EFA2-0B43-AA3F-EF062E793791}"/>
+                </a:ext>
+              </a:extLst>
+            </p:cNvPr>
+            <p:cNvSpPr txBox="1"/>
+            <p:nvPr/>
+          </p:nvSpPr>
+          <p:spPr>
+            <a:xfrm>
+              <a:off x="9089092" y="5543994"/>
+              <a:ext cx="648670" cy="400110"/>
+            </a:xfrm>
+            <a:prstGeom prst="rect">
+              <a:avLst/>
+            </a:prstGeom>
+            <a:noFill/>
+          </p:spPr>
+          <p:txBody>
+            <a:bodyPr wrap="square" rtlCol="0">
+              <a:spAutoFit/>
+            </a:bodyPr>
+            <a:lstStyle/>
+            <a:p>
+              <a:r>
+                <a:rPr lang="en-US" sz="2000" b="1" dirty="0"/>
+                <a:t>EOI</a:t>
+              </a:r>
+            </a:p>
+          </p:txBody>
+        </p:sp>
+        <p:cxnSp>
+          <p:nvCxnSpPr>
+            <p:cNvPr id="218" name="Straight Arrow Connector 217">
+              <a:extLst>
+                <a:ext uri="{FF2B5EF4-FFF2-40B4-BE49-F238E27FC236}">
+                  <a16:creationId xmlns:a16="http://schemas.microsoft.com/office/drawing/2014/main" id="{FD92622B-AD92-7148-A617-2ACBA018E65D}"/>
+                </a:ext>
+              </a:extLst>
+            </p:cNvPr>
+            <p:cNvCxnSpPr>
+              <a:cxnSpLocks/>
+              <a:stCxn id="190" idx="3"/>
+              <a:endCxn id="184" idx="3"/>
+            </p:cNvCxnSpPr>
+            <p:nvPr/>
+          </p:nvCxnSpPr>
+          <p:spPr>
+            <a:xfrm>
+              <a:off x="8443981" y="4630404"/>
+              <a:ext cx="571294" cy="844991"/>
+            </a:xfrm>
+            <a:prstGeom prst="straightConnector1">
+              <a:avLst/>
+            </a:prstGeom>
+            <a:ln w="25400">
+              <a:headEnd type="oval" w="med" len="med"/>
+              <a:tailEnd type="triangle" w="lg" len="med"/>
+            </a:ln>
+          </p:spPr>
+          <p:style>
+            <a:lnRef idx="1">
+              <a:schemeClr val="dk1"/>
+            </a:lnRef>
+            <a:fillRef idx="0">
+              <a:schemeClr val="dk1"/>
+            </a:fillRef>
+            <a:effectRef idx="0">
+              <a:schemeClr val="dk1"/>
+            </a:effectRef>
+            <a:fontRef idx="minor">
+              <a:schemeClr val="tx1"/>
+            </a:fontRef>
+          </p:style>
+        </p:cxnSp>
+        <p:sp>
+          <p:nvSpPr>
+            <p:cNvPr id="219" name="Rounded Rectangle 218">
+              <a:extLst>
+                <a:ext uri="{FF2B5EF4-FFF2-40B4-BE49-F238E27FC236}">
+                  <a16:creationId xmlns:a16="http://schemas.microsoft.com/office/drawing/2014/main" id="{6E5E20DE-C7A7-E047-B3FB-3618D8E9D615}"/>
+                </a:ext>
+              </a:extLst>
+            </p:cNvPr>
+            <p:cNvSpPr>
+              <a:spLocks/>
+            </p:cNvSpPr>
+            <p:nvPr/>
+          </p:nvSpPr>
+          <p:spPr>
+            <a:xfrm>
+              <a:off x="9724063" y="5246795"/>
+              <a:ext cx="320619" cy="457200"/>
+            </a:xfrm>
+            <a:prstGeom prst="roundRect">
+              <a:avLst/>
+            </a:prstGeom>
+            <a:solidFill>
+              <a:srgbClr val="00B050"/>
+            </a:solidFill>
+            <a:ln>
+              <a:solidFill>
+                <a:schemeClr val="dk1"/>
+              </a:solidFill>
+            </a:ln>
+          </p:spPr>
+          <p:style>
+            <a:lnRef idx="2">
+              <a:schemeClr val="accent6">
+                <a:shade val="50000"/>
+              </a:schemeClr>
+            </a:lnRef>
+            <a:fillRef idx="1">
+              <a:schemeClr val="accent6"/>
+            </a:fillRef>
+            <a:effectRef idx="0">
+              <a:schemeClr val="accent6"/>
+            </a:effectRef>
+            <a:fontRef idx="minor">
+              <a:schemeClr val="lt1"/>
+            </a:fontRef>
+          </p:style>
+          <p:txBody>
+            <a:bodyPr rtlCol="0" anchor="ctr"/>
+            <a:lstStyle/>
+            <a:p>
+              <a:pPr algn="ctr"/>
+              <a:endParaRPr lang="en-US" dirty="0"/>
+            </a:p>
+          </p:txBody>
+        </p:sp>
+        <p:cxnSp>
+          <p:nvCxnSpPr>
+            <p:cNvPr id="220" name="Straight Arrow Connector 219">
+              <a:extLst>
+                <a:ext uri="{FF2B5EF4-FFF2-40B4-BE49-F238E27FC236}">
+                  <a16:creationId xmlns:a16="http://schemas.microsoft.com/office/drawing/2014/main" id="{518FCC44-BCBE-FB46-83D8-72532EFD6EC9}"/>
+                </a:ext>
+              </a:extLst>
+            </p:cNvPr>
+            <p:cNvCxnSpPr>
+              <a:cxnSpLocks/>
+              <a:stCxn id="184" idx="3"/>
+              <a:endCxn id="219" idx="1"/>
+            </p:cNvCxnSpPr>
+            <p:nvPr/>
+          </p:nvCxnSpPr>
+          <p:spPr>
+            <a:xfrm>
+              <a:off x="9015275" y="5475395"/>
+              <a:ext cx="708788" cy="0"/>
+            </a:xfrm>
+            <a:prstGeom prst="straightConnector1">
+              <a:avLst/>
+            </a:prstGeom>
+            <a:ln w="25400">
+              <a:headEnd type="oval" w="med" len="med"/>
+              <a:tailEnd type="triangle" w="lg" len="med"/>
+            </a:ln>
+          </p:spPr>
+          <p:style>
+            <a:lnRef idx="1">
+              <a:schemeClr val="dk1"/>
+            </a:lnRef>
+            <a:fillRef idx="0">
+              <a:schemeClr val="dk1"/>
+            </a:fillRef>
+            <a:effectRef idx="0">
+              <a:schemeClr val="dk1"/>
+            </a:effectRef>
+            <a:fontRef idx="minor">
+              <a:schemeClr val="tx1"/>
+            </a:fontRef>
+          </p:style>
+        </p:cxnSp>
+      </p:grpSp>
+    </p:spTree>
+    <p:extLst>
+      <p:ext uri="{BB962C8B-B14F-4D97-AF65-F5344CB8AC3E}">
+        <p14:creationId xmlns:p14="http://schemas.microsoft.com/office/powerpoint/2010/main" val="1095085412"/>
+      </p:ext>
+    </p:extLst>
+  </p:cSld>
+  <p:clrMapOvr>
+    <a:masterClrMapping/>
+  </p:clrMapOvr>
+</p:sld>
+</file>
+
+<file path=ppt/slides/slide8.xml><?xml version="1.0" encoding="utf-8"?>
 <p:sld xmlns:a="http://schemas.openxmlformats.org/drawingml/2006/main" xmlns:r="http://schemas.openxmlformats.org/officeDocument/2006/relationships" xmlns:p="http://schemas.openxmlformats.org/presentationml/2006/main">
   <p:cSld>
     <p:spTree>
